--- a/تدريب برمجة بايثون.pptx
+++ b/تدريب برمجة بايثون.pptx
@@ -28,6 +28,7 @@
     <p:sldId id="276" r:id="rId22"/>
     <p:sldId id="277" r:id="rId23"/>
     <p:sldId id="278" r:id="rId24"/>
+    <p:sldId id="279" r:id="rId25"/>
   </p:sldIdLst>
   <p:sldSz cx="12192000" cy="6858000"/>
   <p:notesSz cx="6858000" cy="9144000"/>
@@ -281,7 +282,7 @@
           <a:p>
             <a:fld id="{ADC35D24-B8FA-4DB0-9359-F1562E4A796A}" type="datetimeFigureOut">
               <a:rPr lang="en-US" smtClean="0"/>
-              <a:t>8/7/2023</a:t>
+              <a:t>8/8/2023</a:t>
             </a:fld>
             <a:endParaRPr lang="en-US"/>
           </a:p>
@@ -479,7 +480,7 @@
           <a:p>
             <a:fld id="{ADC35D24-B8FA-4DB0-9359-F1562E4A796A}" type="datetimeFigureOut">
               <a:rPr lang="en-US" smtClean="0"/>
-              <a:t>8/7/2023</a:t>
+              <a:t>8/8/2023</a:t>
             </a:fld>
             <a:endParaRPr lang="en-US"/>
           </a:p>
@@ -687,7 +688,7 @@
           <a:p>
             <a:fld id="{ADC35D24-B8FA-4DB0-9359-F1562E4A796A}" type="datetimeFigureOut">
               <a:rPr lang="en-US" smtClean="0"/>
-              <a:t>8/7/2023</a:t>
+              <a:t>8/8/2023</a:t>
             </a:fld>
             <a:endParaRPr lang="en-US"/>
           </a:p>
@@ -885,7 +886,7 @@
           <a:p>
             <a:fld id="{ADC35D24-B8FA-4DB0-9359-F1562E4A796A}" type="datetimeFigureOut">
               <a:rPr lang="en-US" smtClean="0"/>
-              <a:t>8/7/2023</a:t>
+              <a:t>8/8/2023</a:t>
             </a:fld>
             <a:endParaRPr lang="en-US"/>
           </a:p>
@@ -1160,7 +1161,7 @@
           <a:p>
             <a:fld id="{ADC35D24-B8FA-4DB0-9359-F1562E4A796A}" type="datetimeFigureOut">
               <a:rPr lang="en-US" smtClean="0"/>
-              <a:t>8/7/2023</a:t>
+              <a:t>8/8/2023</a:t>
             </a:fld>
             <a:endParaRPr lang="en-US"/>
           </a:p>
@@ -1425,7 +1426,7 @@
           <a:p>
             <a:fld id="{ADC35D24-B8FA-4DB0-9359-F1562E4A796A}" type="datetimeFigureOut">
               <a:rPr lang="en-US" smtClean="0"/>
-              <a:t>8/7/2023</a:t>
+              <a:t>8/8/2023</a:t>
             </a:fld>
             <a:endParaRPr lang="en-US"/>
           </a:p>
@@ -1837,7 +1838,7 @@
           <a:p>
             <a:fld id="{ADC35D24-B8FA-4DB0-9359-F1562E4A796A}" type="datetimeFigureOut">
               <a:rPr lang="en-US" smtClean="0"/>
-              <a:t>8/7/2023</a:t>
+              <a:t>8/8/2023</a:t>
             </a:fld>
             <a:endParaRPr lang="en-US"/>
           </a:p>
@@ -1978,7 +1979,7 @@
           <a:p>
             <a:fld id="{ADC35D24-B8FA-4DB0-9359-F1562E4A796A}" type="datetimeFigureOut">
               <a:rPr lang="en-US" smtClean="0"/>
-              <a:t>8/7/2023</a:t>
+              <a:t>8/8/2023</a:t>
             </a:fld>
             <a:endParaRPr lang="en-US"/>
           </a:p>
@@ -2091,7 +2092,7 @@
           <a:p>
             <a:fld id="{ADC35D24-B8FA-4DB0-9359-F1562E4A796A}" type="datetimeFigureOut">
               <a:rPr lang="en-US" smtClean="0"/>
-              <a:t>8/7/2023</a:t>
+              <a:t>8/8/2023</a:t>
             </a:fld>
             <a:endParaRPr lang="en-US"/>
           </a:p>
@@ -2402,7 +2403,7 @@
           <a:p>
             <a:fld id="{ADC35D24-B8FA-4DB0-9359-F1562E4A796A}" type="datetimeFigureOut">
               <a:rPr lang="en-US" smtClean="0"/>
-              <a:t>8/7/2023</a:t>
+              <a:t>8/8/2023</a:t>
             </a:fld>
             <a:endParaRPr lang="en-US"/>
           </a:p>
@@ -2690,7 +2691,7 @@
           <a:p>
             <a:fld id="{ADC35D24-B8FA-4DB0-9359-F1562E4A796A}" type="datetimeFigureOut">
               <a:rPr lang="en-US" smtClean="0"/>
-              <a:t>8/7/2023</a:t>
+              <a:t>8/8/2023</a:t>
             </a:fld>
             <a:endParaRPr lang="en-US"/>
           </a:p>
@@ -2931,7 +2932,7 @@
           <a:p>
             <a:fld id="{ADC35D24-B8FA-4DB0-9359-F1562E4A796A}" type="datetimeFigureOut">
               <a:rPr lang="en-US" smtClean="0"/>
-              <a:t>8/7/2023</a:t>
+              <a:t>8/8/2023</a:t>
             </a:fld>
             <a:endParaRPr lang="en-US"/>
           </a:p>
@@ -11780,10 +11781,6 @@
               <a:rPr lang="en-US" smtClean="0"/>
               <a:t>)</a:t>
             </a:r>
-            <a:r>
-              <a:rPr lang="ar-SA" smtClean="0"/>
-              <a:t> 1</a:t>
-            </a:r>
             <a:endParaRPr lang="en-US"/>
           </a:p>
         </p:txBody>
@@ -11803,7 +11800,7 @@
         <p:spPr>
           <a:xfrm>
             <a:off x="6341807" y="1053738"/>
-            <a:ext cx="5850194" cy="5324535"/>
+            <a:ext cx="5850194" cy="5078313"/>
           </a:xfrm>
           <a:prstGeom prst="rect">
             <a:avLst/>
@@ -11818,122 +11815,130 @@
           <a:p>
             <a:pPr algn="r"/>
             <a:r>
-              <a:rPr lang="en-US" sz="2000" b="1" u="sng" smtClean="0"/>
+              <a:rPr lang="en-US" b="1" u="sng" smtClean="0"/>
               <a:t>(Graphical User Interface</a:t>
             </a:r>
             <a:r>
-              <a:rPr lang="en-US" sz="2000" b="1" smtClean="0"/>
+              <a:rPr lang="en-US" b="1" smtClean="0"/>
               <a:t>)</a:t>
             </a:r>
             <a:r>
-              <a:rPr lang="ar-SA" sz="2000" b="1" smtClean="0"/>
+              <a:rPr lang="ar-SA" b="1" smtClean="0"/>
               <a:t> اختصار ل</a:t>
             </a:r>
             <a:r>
-              <a:rPr lang="en-US" sz="2000" b="1" smtClean="0"/>
+              <a:rPr lang="en-US" b="1" smtClean="0"/>
               <a:t>GUI</a:t>
             </a:r>
             <a:r>
-              <a:rPr lang="ar-SA" sz="2000" b="1"/>
+              <a:rPr lang="ar-SA" b="1"/>
               <a:t> واجهة</a:t>
             </a:r>
             <a:r>
-              <a:rPr lang="ar-SA" sz="2000" b="1" smtClean="0"/>
+              <a:rPr lang="ar-SA" b="1" smtClean="0"/>
               <a:t> المستخدم هي عبارة عن تطبيق بعناصر مرئية يمكن للمتسخدم التفاعل</a:t>
             </a:r>
           </a:p>
           <a:p>
             <a:pPr algn="r"/>
-            <a:endParaRPr lang="ar-SA" sz="2000" b="1"/>
+            <a:endParaRPr lang="ar-SA" b="1"/>
           </a:p>
           <a:p>
             <a:pPr algn="r"/>
             <a:r>
-              <a:rPr lang="en-US" sz="2000" b="1" err="1" smtClean="0"/>
+              <a:rPr lang="en-US" b="1" err="1" smtClean="0"/>
               <a:t>Tkinter</a:t>
             </a:r>
             <a:r>
-              <a:rPr lang="en-US" sz="2000" b="1" smtClean="0"/>
+              <a:rPr lang="en-US" b="1" smtClean="0"/>
               <a:t> </a:t>
             </a:r>
             <a:r>
-              <a:rPr lang="ar-SA" sz="2000" b="1" smtClean="0"/>
+              <a:rPr lang="ar-SA" b="1" smtClean="0"/>
               <a:t>1- استدعينا مكتبة</a:t>
             </a:r>
           </a:p>
           <a:p>
             <a:pPr algn="r"/>
             <a:r>
-              <a:rPr lang="ar-SA" sz="2000"/>
+              <a:rPr lang="ar-SA"/>
               <a:t> وهي مكتبه متخصصة فقط في واجهة </a:t>
             </a:r>
             <a:r>
-              <a:rPr lang="ar-SA" sz="2000" smtClean="0"/>
+              <a:rPr lang="ar-SA" smtClean="0"/>
               <a:t>المستخدم</a:t>
             </a:r>
           </a:p>
           <a:p>
             <a:pPr algn="r"/>
             <a:r>
-              <a:rPr lang="ar-SA" sz="2000" smtClean="0"/>
+              <a:rPr lang="ar-SA" smtClean="0"/>
               <a:t>وعلامة النجمة تعني كل ما في المكتبة</a:t>
             </a:r>
-            <a:endParaRPr lang="ar-SA" sz="2000"/>
+            <a:endParaRPr lang="ar-SA"/>
           </a:p>
           <a:p>
             <a:pPr algn="r"/>
-            <a:r>
-              <a:rPr lang="ar-SA" sz="2000" b="1" smtClean="0"/>
-              <a:t>2- انشاء النافذة والتحكم في خصائص</a:t>
-            </a:r>
+            <a:endParaRPr lang="en-US" b="1" smtClean="0"/>
           </a:p>
           <a:p>
             <a:pPr algn="r"/>
             <a:r>
-              <a:rPr lang="en-US" sz="2000" smtClean="0"/>
+              <a:rPr lang="ar-SA" b="1" smtClean="0"/>
+              <a:t>2- </a:t>
+            </a:r>
+            <a:r>
+              <a:rPr lang="ar-SA" b="1" smtClean="0"/>
+              <a:t>انشاء النافذة والتحكم في خصائص</a:t>
+            </a:r>
+          </a:p>
+          <a:p>
+            <a:pPr algn="r"/>
+            <a:r>
+              <a:rPr lang="en-US" smtClean="0"/>
               <a:t>window</a:t>
             </a:r>
             <a:r>
-              <a:rPr lang="ar-SA" sz="2000" smtClean="0"/>
+              <a:rPr lang="ar-SA" smtClean="0"/>
               <a:t> في متغير </a:t>
             </a:r>
             <a:r>
-              <a:rPr lang="en-US" sz="2000" err="1" smtClean="0"/>
+              <a:rPr lang="en-US" err="1" smtClean="0"/>
               <a:t>Tk</a:t>
             </a:r>
             <a:r>
-              <a:rPr lang="ar-SA" sz="2000" smtClean="0"/>
+              <a:rPr lang="ar-SA" smtClean="0"/>
               <a:t>تم وضع نوع </a:t>
             </a:r>
-            <a:endParaRPr lang="en-US" sz="2000" smtClean="0"/>
+            <a:endParaRPr lang="en-US" smtClean="0"/>
           </a:p>
           <a:p>
             <a:pPr algn="r"/>
             <a:r>
-              <a:rPr lang="ar-SA" sz="2000" smtClean="0"/>
+              <a:rPr lang="ar-SA" smtClean="0"/>
               <a:t> عبارة عن نافذة البرنامج</a:t>
             </a:r>
             <a:r>
-              <a:rPr lang="en-US" sz="2000" err="1" smtClean="0"/>
+              <a:rPr lang="en-US" err="1" smtClean="0"/>
               <a:t>Tk</a:t>
             </a:r>
             <a:r>
-              <a:rPr lang="ar-SA" sz="2000" smtClean="0"/>
+              <a:rPr lang="ar-SA" smtClean="0"/>
               <a:t>و </a:t>
             </a:r>
           </a:p>
           <a:p>
             <a:pPr algn="r"/>
             <a:r>
-              <a:rPr lang="ar-SA" sz="2000" b="1" smtClean="0"/>
+              <a:rPr lang="ar-SA" b="1" smtClean="0"/>
               <a:t> </a:t>
             </a:r>
             <a:r>
-              <a:rPr lang="ar-SA" sz="2000" smtClean="0"/>
+              <a:rPr lang="ar-SA" smtClean="0"/>
               <a:t>نضع بين الاقوس</a:t>
             </a:r>
             <a:r>
-              <a:rPr lang="en-US" sz="2000" b="1" err="1" smtClean="0">
+              <a:rPr lang="en-US" b="1" err="1" smtClean="0">
                 <a:solidFill>
                   <a:srgbClr val="0070C0"/>
                 </a:solidFill>
@@ -11941,14 +11946,14 @@
               <a:t>Window.title</a:t>
             </a:r>
             <a:r>
-              <a:rPr lang="en-US" sz="2000" b="1" smtClean="0">
+              <a:rPr lang="en-US" b="1" smtClean="0">
                 <a:solidFill>
                   <a:srgbClr val="0070C0"/>
                 </a:solidFill>
               </a:rPr>
               <a:t>()</a:t>
             </a:r>
-            <a:endParaRPr lang="ar-SA" sz="2000" b="1" smtClean="0">
+            <a:endParaRPr lang="ar-SA" b="1" smtClean="0">
               <a:solidFill>
                 <a:srgbClr val="0070C0"/>
               </a:solidFill>
@@ -11957,26 +11962,26 @@
           <a:p>
             <a:pPr algn="r"/>
             <a:r>
-              <a:rPr lang="ar-SA" sz="2000" smtClean="0"/>
+              <a:rPr lang="ar-SA" smtClean="0"/>
               <a:t>عنوان النافذة </a:t>
             </a:r>
             <a:r>
-              <a:rPr lang="ar-SA" sz="2000"/>
+              <a:rPr lang="ar-SA"/>
               <a:t>البرنامج</a:t>
             </a:r>
             <a:r>
-              <a:rPr lang="ar-SA" sz="2000" smtClean="0"/>
+              <a:rPr lang="ar-SA" smtClean="0"/>
               <a:t> كنص</a:t>
             </a:r>
           </a:p>
           <a:p>
             <a:pPr algn="r"/>
             <a:r>
-              <a:rPr lang="ar-SA" sz="2000" smtClean="0"/>
+              <a:rPr lang="ar-SA" smtClean="0"/>
               <a:t> نضع في</a:t>
             </a:r>
             <a:r>
-              <a:rPr lang="en-US" sz="2000" b="1" err="1" smtClean="0">
+              <a:rPr lang="en-US" b="1" err="1" smtClean="0">
                 <a:solidFill>
                   <a:srgbClr val="0070C0"/>
                 </a:solidFill>
@@ -11984,14 +11989,14 @@
               <a:t>Window.geometry</a:t>
             </a:r>
             <a:r>
-              <a:rPr lang="en-US" sz="2000" b="1" smtClean="0">
+              <a:rPr lang="en-US" b="1" smtClean="0">
                 <a:solidFill>
                   <a:srgbClr val="0070C0"/>
                 </a:solidFill>
               </a:rPr>
               <a:t>()</a:t>
             </a:r>
-            <a:endParaRPr lang="ar-SA" sz="2000" b="1" smtClean="0">
+            <a:endParaRPr lang="ar-SA" b="1" smtClean="0">
               <a:solidFill>
                 <a:srgbClr val="0070C0"/>
               </a:solidFill>
@@ -12000,38 +12005,38 @@
           <a:p>
             <a:pPr algn="r"/>
             <a:r>
-              <a:rPr lang="ar-SA" sz="2000" smtClean="0"/>
+              <a:rPr lang="ar-SA" smtClean="0"/>
               <a:t>داخل الاقواس حجم ومكان النافذة</a:t>
             </a:r>
           </a:p>
           <a:p>
             <a:pPr algn="r"/>
             <a:r>
-              <a:rPr lang="ar-SA" sz="2000" smtClean="0"/>
+              <a:rPr lang="ar-SA" smtClean="0"/>
               <a:t>اولا يجب ان يكون نص واول رقمبن</a:t>
             </a:r>
           </a:p>
           <a:p>
             <a:pPr algn="r"/>
             <a:r>
-              <a:rPr lang="ar-SA" sz="2000" smtClean="0"/>
+              <a:rPr lang="ar-SA" smtClean="0"/>
               <a:t>يكونوا العرض والطول وبعدها + مكان</a:t>
             </a:r>
           </a:p>
           <a:p>
             <a:pPr algn="r"/>
             <a:r>
-              <a:rPr lang="ar-SA" sz="2000" smtClean="0"/>
+              <a:rPr lang="ar-SA" smtClean="0"/>
               <a:t>من اليسار كم خانة بوحدة البكسل + </a:t>
             </a:r>
           </a:p>
           <a:p>
             <a:pPr algn="r"/>
             <a:r>
-              <a:rPr lang="ar-SA" sz="2000" smtClean="0"/>
+              <a:rPr lang="ar-SA" smtClean="0"/>
               <a:t>مكان من الاعلى</a:t>
             </a:r>
-            <a:endParaRPr lang="ar-SA" sz="2000" b="1" smtClean="0"/>
+            <a:endParaRPr lang="ar-SA" b="1" smtClean="0"/>
           </a:p>
         </p:txBody>
       </p:sp>
@@ -12051,7 +12056,7 @@
         </p:blipFill>
         <p:spPr>
           <a:xfrm>
-            <a:off x="0" y="1500286"/>
+            <a:off x="530942" y="1240197"/>
             <a:ext cx="4660492" cy="5357714"/>
           </a:xfrm>
           <a:prstGeom prst="rect">
@@ -12067,8 +12072,8 @@
         </p:nvSpPr>
         <p:spPr>
           <a:xfrm>
-            <a:off x="4660492" y="2900516"/>
-            <a:ext cx="3903407" cy="3785652"/>
+            <a:off x="5102943" y="3018504"/>
+            <a:ext cx="3903407" cy="3416320"/>
           </a:xfrm>
           <a:prstGeom prst="rect">
             <a:avLst/>
@@ -12083,107 +12088,111 @@
           <a:p>
             <a:pPr algn="r"/>
             <a:r>
-              <a:rPr lang="ar-SA" sz="2000" b="1" smtClean="0"/>
+              <a:rPr lang="ar-SA" b="1" smtClean="0"/>
               <a:t>3- انشاء صندوق للمدخلات</a:t>
             </a:r>
           </a:p>
           <a:p>
             <a:pPr algn="r"/>
             <a:r>
-              <a:rPr lang="en-US" sz="2000" smtClean="0"/>
+              <a:rPr lang="en-US" smtClean="0"/>
               <a:t>tkinter</a:t>
             </a:r>
             <a:r>
-              <a:rPr lang="ar-SA" sz="2000" smtClean="0"/>
+              <a:rPr lang="ar-SA" smtClean="0"/>
               <a:t> نستعمل في ال</a:t>
             </a:r>
             <a:r>
-              <a:rPr lang="en-US" sz="2000" smtClean="0"/>
+              <a:rPr lang="en-US" smtClean="0"/>
               <a:t>input</a:t>
             </a:r>
             <a:r>
-              <a:rPr lang="ar-SA" sz="2000" smtClean="0"/>
+              <a:rPr lang="ar-SA" smtClean="0"/>
               <a:t>بدلا من ال</a:t>
             </a:r>
-            <a:endParaRPr lang="en-US" sz="2000" smtClean="0"/>
+            <a:endParaRPr lang="en-US" smtClean="0"/>
           </a:p>
           <a:p>
             <a:pPr algn="r"/>
             <a:r>
-              <a:rPr lang="ar-SA" sz="2000" smtClean="0"/>
+              <a:rPr lang="ar-SA" smtClean="0"/>
               <a:t> للحصول على معلومات من المستخدم</a:t>
             </a:r>
             <a:r>
-              <a:rPr lang="en-US" sz="2000" smtClean="0"/>
+              <a:rPr lang="en-US" smtClean="0"/>
               <a:t>Entry</a:t>
             </a:r>
-            <a:endParaRPr lang="ar-SA" sz="2000" smtClean="0"/>
+            <a:endParaRPr lang="ar-SA" smtClean="0"/>
           </a:p>
           <a:p>
             <a:pPr algn="r"/>
             <a:r>
-              <a:rPr lang="ar-SA" sz="2000" smtClean="0"/>
+              <a:rPr lang="ar-SA" smtClean="0"/>
               <a:t>وفي الاقواس اولا ندخل النافذة ثم يمكننا ادخل</a:t>
             </a:r>
           </a:p>
           <a:p>
             <a:pPr algn="r"/>
             <a:r>
-              <a:rPr lang="ar-SA" sz="2000" smtClean="0"/>
+              <a:rPr lang="ar-SA" smtClean="0"/>
               <a:t>بقية الخواص مثل العرض ونوع الخط وحجمه</a:t>
             </a:r>
           </a:p>
           <a:p>
             <a:pPr algn="r"/>
             <a:r>
-              <a:rPr lang="en-US" sz="2000" b="1"/>
+              <a:rPr lang="en-US" b="1"/>
               <a:t>Entry.pack</a:t>
             </a:r>
             <a:r>
-              <a:rPr lang="en-US" sz="2000" b="1" smtClean="0"/>
+              <a:rPr lang="en-US" b="1" smtClean="0"/>
               <a:t>()</a:t>
             </a:r>
-            <a:endParaRPr lang="ar-SA" sz="2000" b="1" smtClean="0"/>
+            <a:endParaRPr lang="ar-SA" b="1" smtClean="0"/>
           </a:p>
           <a:p>
             <a:pPr algn="r"/>
             <a:r>
-              <a:rPr lang="ar-SA" sz="2000" b="1" smtClean="0"/>
+              <a:rPr lang="ar-SA" b="1" smtClean="0"/>
               <a:t> </a:t>
             </a:r>
             <a:r>
-              <a:rPr lang="ar-SA" sz="2000" smtClean="0"/>
+              <a:rPr lang="ar-SA" smtClean="0"/>
               <a:t>تقوم باظهار الصندوق في اعلى منتصف النافذة</a:t>
             </a:r>
           </a:p>
           <a:p>
             <a:pPr algn="r"/>
-            <a:r>
-              <a:rPr lang="ar-SA" sz="2000" b="1" smtClean="0"/>
+            <a:endParaRPr lang="en-US" b="1" smtClean="0"/>
+          </a:p>
+          <a:p>
+            <a:pPr algn="r"/>
+            <a:r>
+              <a:rPr lang="ar-SA" b="1" smtClean="0"/>
               <a:t>4- تشغيل البرنامج</a:t>
             </a:r>
           </a:p>
           <a:p>
             <a:pPr algn="r"/>
             <a:r>
-              <a:rPr lang="en-US" sz="2000"/>
+              <a:rPr lang="en-US" smtClean="0"/>
               <a:t>Window.mainloop</a:t>
             </a:r>
             <a:r>
-              <a:rPr lang="en-US" sz="2000" smtClean="0"/>
+              <a:rPr lang="en-US" smtClean="0"/>
               <a:t>()</a:t>
             </a:r>
           </a:p>
           <a:p>
             <a:pPr algn="r"/>
             <a:r>
-              <a:rPr lang="ar-SA" sz="2000" smtClean="0"/>
+              <a:rPr lang="ar-SA" smtClean="0"/>
               <a:t>هو امر تشغيل البرنامج وعرض النافذة</a:t>
             </a:r>
           </a:p>
           <a:p>
             <a:pPr algn="r"/>
-            <a:endParaRPr lang="en-US" sz="2000"/>
+            <a:endParaRPr lang="en-US"/>
           </a:p>
         </p:txBody>
       </p:sp>
@@ -12191,6 +12200,136 @@
     <p:extLst>
       <p:ext uri="{BB962C8B-B14F-4D97-AF65-F5344CB8AC3E}">
         <p14:creationId xmlns:p14="http://schemas.microsoft.com/office/powerpoint/2010/main" val="867612490"/>
+      </p:ext>
+    </p:extLst>
+  </p:cSld>
+  <p:clrMapOvr>
+    <a:masterClrMapping/>
+  </p:clrMapOvr>
+  <p:timing>
+    <p:tnLst>
+      <p:par>
+        <p:cTn id="1" dur="indefinite" restart="never" nodeType="tmRoot"/>
+      </p:par>
+    </p:tnLst>
+  </p:timing>
+</p:sld>
+</file>
+
+<file path=ppt/slides/slide24.xml><?xml version="1.0" encoding="utf-8"?>
+<p:sld xmlns:a="http://schemas.openxmlformats.org/drawingml/2006/main" xmlns:r="http://schemas.openxmlformats.org/officeDocument/2006/relationships" xmlns:p="http://schemas.openxmlformats.org/presentationml/2006/main">
+  <p:cSld>
+    <p:spTree>
+      <p:nvGrpSpPr>
+        <p:cNvPr id="1" name=""/>
+        <p:cNvGrpSpPr/>
+        <p:nvPr/>
+      </p:nvGrpSpPr>
+      <p:grpSpPr>
+        <a:xfrm>
+          <a:off x="0" y="0"/>
+          <a:ext cx="0" cy="0"/>
+          <a:chOff x="0" y="0"/>
+          <a:chExt cx="0" cy="0"/>
+        </a:xfrm>
+      </p:grpSpPr>
+      <p:sp>
+        <p:nvSpPr>
+          <p:cNvPr id="2" name="Title 1">
+            <a:extLst>
+              <a:ext uri="{FF2B5EF4-FFF2-40B4-BE49-F238E27FC236}">
+                <a16:creationId xmlns:a16="http://schemas.microsoft.com/office/drawing/2014/main" id="{49E8F6CC-3BAD-9CCE-632A-8E6C1AA89B29}"/>
+              </a:ext>
+            </a:extLst>
+          </p:cNvPr>
+          <p:cNvSpPr>
+            <a:spLocks noGrp="1"/>
+          </p:cNvSpPr>
+          <p:nvPr>
+            <p:ph type="title"/>
+          </p:nvPr>
+        </p:nvSpPr>
+        <p:spPr>
+          <a:xfrm>
+            <a:off x="838200" y="365126"/>
+            <a:ext cx="10515600" cy="688612"/>
+          </a:xfrm>
+        </p:spPr>
+        <p:txBody>
+          <a:bodyPr>
+            <a:normAutofit fontScale="90000"/>
+          </a:bodyPr>
+          <a:lstStyle/>
+          <a:p>
+            <a:pPr algn="r" rtl="1"/>
+            <a:r>
+              <a:rPr lang="ar-SA"/>
+              <a:t>معلومة </a:t>
+            </a:r>
+            <a:r>
+              <a:rPr lang="en-US"/>
+              <a:t> </a:t>
+            </a:r>
+            <a:r>
+              <a:rPr lang="en-US" smtClean="0"/>
+              <a:t>16</a:t>
+            </a:r>
+            <a:r>
+              <a:rPr lang="ar-SA" smtClean="0"/>
+              <a:t> </a:t>
+            </a:r>
+            <a:r>
+              <a:rPr lang="ar-SA" smtClean="0"/>
+              <a:t>مثال واجهة </a:t>
+            </a:r>
+            <a:r>
+              <a:rPr lang="ar-SA" smtClean="0"/>
+              <a:t>المسخدم </a:t>
+            </a:r>
+            <a:r>
+              <a:rPr lang="en-US" smtClean="0"/>
+              <a:t>(GUI </a:t>
+            </a:r>
+            <a:r>
+              <a:rPr lang="en-US" err="1" smtClean="0"/>
+              <a:t>tkinter</a:t>
+            </a:r>
+            <a:r>
+              <a:rPr lang="en-US" smtClean="0"/>
+              <a:t>)</a:t>
+            </a:r>
+            <a:endParaRPr lang="en-US"/>
+          </a:p>
+        </p:txBody>
+      </p:sp>
+      <p:pic>
+        <p:nvPicPr>
+          <p:cNvPr id="4" name="Picture 3"/>
+          <p:cNvPicPr>
+            <a:picLocks noChangeAspect="1"/>
+          </p:cNvPicPr>
+          <p:nvPr/>
+        </p:nvPicPr>
+        <p:blipFill>
+          <a:blip r:embed="rId2"/>
+          <a:stretch>
+            <a:fillRect/>
+          </a:stretch>
+        </p:blipFill>
+        <p:spPr>
+          <a:xfrm>
+            <a:off x="6318387" y="1409827"/>
+            <a:ext cx="5379542" cy="4953239"/>
+          </a:xfrm>
+          <a:prstGeom prst="rect">
+            <a:avLst/>
+          </a:prstGeom>
+        </p:spPr>
+      </p:pic>
+    </p:spTree>
+    <p:extLst>
+      <p:ext uri="{BB962C8B-B14F-4D97-AF65-F5344CB8AC3E}">
+        <p14:creationId xmlns:p14="http://schemas.microsoft.com/office/powerpoint/2010/main" val="3468117960"/>
       </p:ext>
     </p:extLst>
   </p:cSld>

--- a/تدريب برمجة بايثون.pptx
+++ b/تدريب برمجة بايثون.pptx
@@ -29,6 +29,10 @@
     <p:sldId id="277" r:id="rId23"/>
     <p:sldId id="278" r:id="rId24"/>
     <p:sldId id="279" r:id="rId25"/>
+    <p:sldId id="280" r:id="rId26"/>
+    <p:sldId id="281" r:id="rId27"/>
+    <p:sldId id="282" r:id="rId28"/>
+    <p:sldId id="283" r:id="rId29"/>
   </p:sldIdLst>
   <p:sldSz cx="12192000" cy="6858000"/>
   <p:notesSz cx="6858000" cy="9144000"/>
@@ -282,7 +286,7 @@
           <a:p>
             <a:fld id="{ADC35D24-B8FA-4DB0-9359-F1562E4A796A}" type="datetimeFigureOut">
               <a:rPr lang="en-US" smtClean="0"/>
-              <a:t>8/8/2023</a:t>
+              <a:t>8/16/2023</a:t>
             </a:fld>
             <a:endParaRPr lang="en-US"/>
           </a:p>
@@ -480,7 +484,7 @@
           <a:p>
             <a:fld id="{ADC35D24-B8FA-4DB0-9359-F1562E4A796A}" type="datetimeFigureOut">
               <a:rPr lang="en-US" smtClean="0"/>
-              <a:t>8/8/2023</a:t>
+              <a:t>8/16/2023</a:t>
             </a:fld>
             <a:endParaRPr lang="en-US"/>
           </a:p>
@@ -688,7 +692,7 @@
           <a:p>
             <a:fld id="{ADC35D24-B8FA-4DB0-9359-F1562E4A796A}" type="datetimeFigureOut">
               <a:rPr lang="en-US" smtClean="0"/>
-              <a:t>8/8/2023</a:t>
+              <a:t>8/16/2023</a:t>
             </a:fld>
             <a:endParaRPr lang="en-US"/>
           </a:p>
@@ -886,7 +890,7 @@
           <a:p>
             <a:fld id="{ADC35D24-B8FA-4DB0-9359-F1562E4A796A}" type="datetimeFigureOut">
               <a:rPr lang="en-US" smtClean="0"/>
-              <a:t>8/8/2023</a:t>
+              <a:t>8/16/2023</a:t>
             </a:fld>
             <a:endParaRPr lang="en-US"/>
           </a:p>
@@ -1161,7 +1165,7 @@
           <a:p>
             <a:fld id="{ADC35D24-B8FA-4DB0-9359-F1562E4A796A}" type="datetimeFigureOut">
               <a:rPr lang="en-US" smtClean="0"/>
-              <a:t>8/8/2023</a:t>
+              <a:t>8/16/2023</a:t>
             </a:fld>
             <a:endParaRPr lang="en-US"/>
           </a:p>
@@ -1426,7 +1430,7 @@
           <a:p>
             <a:fld id="{ADC35D24-B8FA-4DB0-9359-F1562E4A796A}" type="datetimeFigureOut">
               <a:rPr lang="en-US" smtClean="0"/>
-              <a:t>8/8/2023</a:t>
+              <a:t>8/16/2023</a:t>
             </a:fld>
             <a:endParaRPr lang="en-US"/>
           </a:p>
@@ -1838,7 +1842,7 @@
           <a:p>
             <a:fld id="{ADC35D24-B8FA-4DB0-9359-F1562E4A796A}" type="datetimeFigureOut">
               <a:rPr lang="en-US" smtClean="0"/>
-              <a:t>8/8/2023</a:t>
+              <a:t>8/16/2023</a:t>
             </a:fld>
             <a:endParaRPr lang="en-US"/>
           </a:p>
@@ -1979,7 +1983,7 @@
           <a:p>
             <a:fld id="{ADC35D24-B8FA-4DB0-9359-F1562E4A796A}" type="datetimeFigureOut">
               <a:rPr lang="en-US" smtClean="0"/>
-              <a:t>8/8/2023</a:t>
+              <a:t>8/16/2023</a:t>
             </a:fld>
             <a:endParaRPr lang="en-US"/>
           </a:p>
@@ -2092,7 +2096,7 @@
           <a:p>
             <a:fld id="{ADC35D24-B8FA-4DB0-9359-F1562E4A796A}" type="datetimeFigureOut">
               <a:rPr lang="en-US" smtClean="0"/>
-              <a:t>8/8/2023</a:t>
+              <a:t>8/16/2023</a:t>
             </a:fld>
             <a:endParaRPr lang="en-US"/>
           </a:p>
@@ -2403,7 +2407,7 @@
           <a:p>
             <a:fld id="{ADC35D24-B8FA-4DB0-9359-F1562E4A796A}" type="datetimeFigureOut">
               <a:rPr lang="en-US" smtClean="0"/>
-              <a:t>8/8/2023</a:t>
+              <a:t>8/16/2023</a:t>
             </a:fld>
             <a:endParaRPr lang="en-US"/>
           </a:p>
@@ -2691,7 +2695,7 @@
           <a:p>
             <a:fld id="{ADC35D24-B8FA-4DB0-9359-F1562E4A796A}" type="datetimeFigureOut">
               <a:rPr lang="en-US" smtClean="0"/>
-              <a:t>8/8/2023</a:t>
+              <a:t>8/16/2023</a:t>
             </a:fld>
             <a:endParaRPr lang="en-US"/>
           </a:p>
@@ -2932,7 +2936,7 @@
           <a:p>
             <a:fld id="{ADC35D24-B8FA-4DB0-9359-F1562E4A796A}" type="datetimeFigureOut">
               <a:rPr lang="en-US" smtClean="0"/>
-              <a:t>8/8/2023</a:t>
+              <a:t>8/16/2023</a:t>
             </a:fld>
             <a:endParaRPr lang="en-US"/>
           </a:p>
@@ -10855,6 +10859,13 @@
   <p:clrMapOvr>
     <a:masterClrMapping/>
   </p:clrMapOvr>
+  <p:timing>
+    <p:tnLst>
+      <p:par>
+        <p:cTn id="1" dur="indefinite" restart="never" nodeType="tmRoot"/>
+      </p:par>
+    </p:tnLst>
+  </p:timing>
 </p:sld>
 </file>
 
@@ -11885,11 +11896,7 @@
             <a:pPr algn="r"/>
             <a:r>
               <a:rPr lang="ar-SA" b="1" smtClean="0"/>
-              <a:t>2- </a:t>
-            </a:r>
-            <a:r>
-              <a:rPr lang="ar-SA" b="1" smtClean="0"/>
-              <a:t>انشاء النافذة والتحكم في خصائص</a:t>
+              <a:t>2- انشاء النافذة والتحكم في خصائص</a:t>
             </a:r>
           </a:p>
           <a:p>
@@ -12176,11 +12183,7 @@
             <a:pPr algn="r"/>
             <a:r>
               <a:rPr lang="en-US" smtClean="0"/>
-              <a:t>Window.mainloop</a:t>
-            </a:r>
-            <a:r>
-              <a:rPr lang="en-US" smtClean="0"/>
-              <a:t>()</a:t>
+              <a:t>Window.mainloop()</a:t>
             </a:r>
           </a:p>
           <a:p>
@@ -12276,15 +12279,7 @@
             </a:r>
             <a:r>
               <a:rPr lang="ar-SA" smtClean="0"/>
-              <a:t> </a:t>
-            </a:r>
-            <a:r>
-              <a:rPr lang="ar-SA" smtClean="0"/>
-              <a:t>مثال واجهة </a:t>
-            </a:r>
-            <a:r>
-              <a:rPr lang="ar-SA" smtClean="0"/>
-              <a:t>المسخدم </a:t>
+              <a:t> مثال واجهة المسخدم </a:t>
             </a:r>
             <a:r>
               <a:rPr lang="en-US" smtClean="0"/>
@@ -12330,6 +12325,1432 @@
     <p:extLst>
       <p:ext uri="{BB962C8B-B14F-4D97-AF65-F5344CB8AC3E}">
         <p14:creationId xmlns:p14="http://schemas.microsoft.com/office/powerpoint/2010/main" val="3468117960"/>
+      </p:ext>
+    </p:extLst>
+  </p:cSld>
+  <p:clrMapOvr>
+    <a:masterClrMapping/>
+  </p:clrMapOvr>
+  <p:timing>
+    <p:tnLst>
+      <p:par>
+        <p:cTn id="1" dur="indefinite" restart="never" nodeType="tmRoot"/>
+      </p:par>
+    </p:tnLst>
+  </p:timing>
+</p:sld>
+</file>
+
+<file path=ppt/slides/slide25.xml><?xml version="1.0" encoding="utf-8"?>
+<p:sld xmlns:a="http://schemas.openxmlformats.org/drawingml/2006/main" xmlns:r="http://schemas.openxmlformats.org/officeDocument/2006/relationships" xmlns:p="http://schemas.openxmlformats.org/presentationml/2006/main">
+  <p:cSld>
+    <p:spTree>
+      <p:nvGrpSpPr>
+        <p:cNvPr id="1" name=""/>
+        <p:cNvGrpSpPr/>
+        <p:nvPr/>
+      </p:nvGrpSpPr>
+      <p:grpSpPr>
+        <a:xfrm>
+          <a:off x="0" y="0"/>
+          <a:ext cx="0" cy="0"/>
+          <a:chOff x="0" y="0"/>
+          <a:chExt cx="0" cy="0"/>
+        </a:xfrm>
+      </p:grpSpPr>
+      <p:sp>
+        <p:nvSpPr>
+          <p:cNvPr id="2" name="Title 1">
+            <a:extLst>
+              <a:ext uri="{FF2B5EF4-FFF2-40B4-BE49-F238E27FC236}">
+                <a16:creationId xmlns:a16="http://schemas.microsoft.com/office/drawing/2014/main" id="{49E8F6CC-3BAD-9CCE-632A-8E6C1AA89B29}"/>
+              </a:ext>
+            </a:extLst>
+          </p:cNvPr>
+          <p:cNvSpPr>
+            <a:spLocks noGrp="1"/>
+          </p:cNvSpPr>
+          <p:nvPr>
+            <p:ph type="title"/>
+          </p:nvPr>
+        </p:nvSpPr>
+        <p:spPr>
+          <a:xfrm>
+            <a:off x="838200" y="365126"/>
+            <a:ext cx="10515600" cy="688612"/>
+          </a:xfrm>
+        </p:spPr>
+        <p:txBody>
+          <a:bodyPr>
+            <a:normAutofit fontScale="90000"/>
+          </a:bodyPr>
+          <a:lstStyle/>
+          <a:p>
+            <a:pPr algn="r" rtl="1"/>
+            <a:r>
+              <a:rPr lang="ar-SA">
+                <a:cs typeface="+mn-cs"/>
+              </a:rPr>
+              <a:t>معلومة </a:t>
+            </a:r>
+            <a:r>
+              <a:rPr lang="en-US">
+                <a:cs typeface="+mn-cs"/>
+              </a:rPr>
+              <a:t> </a:t>
+            </a:r>
+            <a:r>
+              <a:rPr lang="en-US" smtClean="0">
+                <a:cs typeface="+mn-cs"/>
+              </a:rPr>
+              <a:t>17</a:t>
+            </a:r>
+            <a:r>
+              <a:rPr lang="ar-SA" smtClean="0">
+                <a:cs typeface="+mn-cs"/>
+              </a:rPr>
+              <a:t> الدوال </a:t>
+            </a:r>
+            <a:r>
+              <a:rPr lang="en-US" smtClean="0">
+                <a:cs typeface="+mn-cs"/>
+              </a:rPr>
+              <a:t>(Functions)</a:t>
+            </a:r>
+            <a:r>
+              <a:rPr lang="ar-SA" smtClean="0">
+                <a:cs typeface="+mn-cs"/>
+              </a:rPr>
+              <a:t> 1 طريقة الكتابة</a:t>
+            </a:r>
+            <a:endParaRPr lang="en-US">
+              <a:cs typeface="+mn-cs"/>
+            </a:endParaRPr>
+          </a:p>
+        </p:txBody>
+      </p:sp>
+      <p:pic>
+        <p:nvPicPr>
+          <p:cNvPr id="5" name="Picture 4"/>
+          <p:cNvPicPr>
+            <a:picLocks noChangeAspect="1"/>
+          </p:cNvPicPr>
+          <p:nvPr/>
+        </p:nvPicPr>
+        <p:blipFill>
+          <a:blip r:embed="rId2"/>
+          <a:stretch>
+            <a:fillRect/>
+          </a:stretch>
+        </p:blipFill>
+        <p:spPr>
+          <a:xfrm>
+            <a:off x="362719" y="1053738"/>
+            <a:ext cx="3491526" cy="3255003"/>
+          </a:xfrm>
+          <a:prstGeom prst="rect">
+            <a:avLst/>
+          </a:prstGeom>
+        </p:spPr>
+      </p:pic>
+      <p:pic>
+        <p:nvPicPr>
+          <p:cNvPr id="6" name="Picture 5"/>
+          <p:cNvPicPr>
+            <a:picLocks noChangeAspect="1"/>
+          </p:cNvPicPr>
+          <p:nvPr/>
+        </p:nvPicPr>
+        <p:blipFill>
+          <a:blip r:embed="rId3"/>
+          <a:stretch>
+            <a:fillRect/>
+          </a:stretch>
+        </p:blipFill>
+        <p:spPr>
+          <a:xfrm>
+            <a:off x="3854245" y="1053738"/>
+            <a:ext cx="2054942" cy="3255004"/>
+          </a:xfrm>
+          <a:prstGeom prst="rect">
+            <a:avLst/>
+          </a:prstGeom>
+        </p:spPr>
+      </p:pic>
+      <p:sp>
+        <p:nvSpPr>
+          <p:cNvPr id="7" name="TextBox 6"/>
+          <p:cNvSpPr txBox="1"/>
+          <p:nvPr/>
+        </p:nvSpPr>
+        <p:spPr>
+          <a:xfrm>
+            <a:off x="5909187" y="1275907"/>
+            <a:ext cx="5882320" cy="5201424"/>
+          </a:xfrm>
+          <a:prstGeom prst="rect">
+            <a:avLst/>
+          </a:prstGeom>
+          <a:noFill/>
+        </p:spPr>
+        <p:txBody>
+          <a:bodyPr wrap="square" rtlCol="0">
+            <a:spAutoFit/>
+          </a:bodyPr>
+          <a:lstStyle/>
+          <a:p>
+            <a:pPr algn="r"/>
+            <a:r>
+              <a:rPr lang="ar-SA" sz="2800" smtClean="0"/>
+              <a:t>الدوال هي عبارة عن مجموعة اوامر يقوم النظام</a:t>
+            </a:r>
+          </a:p>
+          <a:p>
+            <a:pPr algn="r"/>
+            <a:r>
+              <a:rPr lang="ar-SA" sz="2800" smtClean="0"/>
+              <a:t>بتنفيذها في كل مرة يتم فيها استدعاء الدالة.</a:t>
+            </a:r>
+          </a:p>
+          <a:p>
+            <a:pPr algn="r"/>
+            <a:r>
+              <a:rPr lang="ar-SA" sz="2800" smtClean="0"/>
+              <a:t>, </a:t>
+            </a:r>
+            <a:r>
+              <a:rPr lang="en-US" sz="3200" b="1" smtClean="0">
+                <a:solidFill>
+                  <a:srgbClr val="0070C0"/>
+                </a:solidFill>
+              </a:rPr>
+              <a:t>def</a:t>
+            </a:r>
+            <a:r>
+              <a:rPr lang="ar-SA" sz="2800" smtClean="0"/>
+              <a:t>وتكون طريقة الكتابة بكتابة </a:t>
+            </a:r>
+          </a:p>
+          <a:p>
+            <a:pPr algn="r"/>
+            <a:r>
+              <a:rPr lang="ar-SA" sz="2800"/>
+              <a:t> بعدها </a:t>
+            </a:r>
+            <a:r>
+              <a:rPr lang="ar-SA" sz="3200" b="1">
+                <a:solidFill>
+                  <a:schemeClr val="accent4">
+                    <a:lumMod val="75000"/>
+                  </a:schemeClr>
+                </a:solidFill>
+              </a:rPr>
+              <a:t>اسم </a:t>
+            </a:r>
+            <a:r>
+              <a:rPr lang="ar-SA" sz="3200" b="1" smtClean="0">
+                <a:solidFill>
+                  <a:schemeClr val="accent4">
+                    <a:lumMod val="75000"/>
+                  </a:schemeClr>
+                </a:solidFill>
+              </a:rPr>
+              <a:t>الدالة</a:t>
+            </a:r>
+            <a:r>
+              <a:rPr lang="ar-SA" sz="3200" b="1"/>
+              <a:t> </a:t>
+            </a:r>
+            <a:r>
+              <a:rPr lang="ar-SA" sz="2800" smtClean="0"/>
+              <a:t>ويفضل ان يكون اسم يدل على وظيفة الدالة,</a:t>
+            </a:r>
+          </a:p>
+          <a:p>
+            <a:pPr algn="r"/>
+            <a:r>
+              <a:rPr lang="ar-SA" sz="2800" smtClean="0"/>
+              <a:t>ثم وضع </a:t>
+            </a:r>
+            <a:r>
+              <a:rPr lang="ar-SA" sz="3200" b="1" smtClean="0">
+                <a:solidFill>
+                  <a:schemeClr val="accent4">
+                    <a:lumMod val="75000"/>
+                  </a:schemeClr>
+                </a:solidFill>
+              </a:rPr>
+              <a:t>()</a:t>
+            </a:r>
+            <a:r>
+              <a:rPr lang="ar-SA" sz="2800" smtClean="0"/>
+              <a:t> ويمكن وضع اشياء داخل القوسين</a:t>
+            </a:r>
+          </a:p>
+          <a:p>
+            <a:pPr algn="r"/>
+            <a:r>
+              <a:rPr lang="ar-SA" sz="2800" smtClean="0"/>
+              <a:t>بناخذها في توابع هذا الدرس,</a:t>
+            </a:r>
+          </a:p>
+          <a:p>
+            <a:pPr algn="r"/>
+            <a:r>
+              <a:rPr lang="ar-SA" sz="2800" smtClean="0"/>
+              <a:t>ثم </a:t>
+            </a:r>
+            <a:r>
+              <a:rPr lang="ar-SA" sz="3200" b="1" smtClean="0">
+                <a:solidFill>
+                  <a:schemeClr val="accent4">
+                    <a:lumMod val="75000"/>
+                  </a:schemeClr>
+                </a:solidFill>
+              </a:rPr>
+              <a:t>:</a:t>
+            </a:r>
+            <a:r>
+              <a:rPr lang="ar-SA" sz="2800" smtClean="0"/>
+              <a:t> ويجب عند كتابة الاوامر ان يكون هناك مسافة ليعلم النظام ان هذا الامر داخل في الدالة.</a:t>
+            </a:r>
+          </a:p>
+          <a:p>
+            <a:pPr algn="r"/>
+            <a:r>
+              <a:rPr lang="ar-SA" sz="2800" smtClean="0"/>
+              <a:t>وعند استدعاء الدالة نكتب </a:t>
+            </a:r>
+            <a:r>
+              <a:rPr lang="ar-SA" sz="3200" b="1" smtClean="0">
+                <a:solidFill>
+                  <a:schemeClr val="accent4">
+                    <a:lumMod val="75000"/>
+                  </a:schemeClr>
+                </a:solidFill>
+              </a:rPr>
+              <a:t>اسم الدالة </a:t>
+            </a:r>
+            <a:r>
+              <a:rPr lang="ar-SA" sz="2800" smtClean="0"/>
+              <a:t>ثم </a:t>
+            </a:r>
+            <a:r>
+              <a:rPr lang="ar-SA" sz="3200" b="1" smtClean="0">
+                <a:solidFill>
+                  <a:schemeClr val="accent4">
+                    <a:lumMod val="75000"/>
+                  </a:schemeClr>
+                </a:solidFill>
+              </a:rPr>
+              <a:t>الاقواس</a:t>
+            </a:r>
+            <a:endParaRPr lang="ar-SA" sz="2800" smtClean="0"/>
+          </a:p>
+          <a:p>
+            <a:pPr algn="r"/>
+            <a:r>
+              <a:rPr lang="ar-SA" sz="2800" smtClean="0"/>
+              <a:t>ويمكن استدعاء الدالة اكثر من مرة.</a:t>
+            </a:r>
+            <a:endParaRPr lang="ar-SA" sz="3200" smtClean="0"/>
+          </a:p>
+        </p:txBody>
+      </p:sp>
+    </p:spTree>
+    <p:extLst>
+      <p:ext uri="{BB962C8B-B14F-4D97-AF65-F5344CB8AC3E}">
+        <p14:creationId xmlns:p14="http://schemas.microsoft.com/office/powerpoint/2010/main" val="1364232544"/>
+      </p:ext>
+    </p:extLst>
+  </p:cSld>
+  <p:clrMapOvr>
+    <a:masterClrMapping/>
+  </p:clrMapOvr>
+  <p:timing>
+    <p:tnLst>
+      <p:par>
+        <p:cTn id="1" dur="indefinite" restart="never" nodeType="tmRoot"/>
+      </p:par>
+    </p:tnLst>
+  </p:timing>
+</p:sld>
+</file>
+
+<file path=ppt/slides/slide26.xml><?xml version="1.0" encoding="utf-8"?>
+<p:sld xmlns:a="http://schemas.openxmlformats.org/drawingml/2006/main" xmlns:r="http://schemas.openxmlformats.org/officeDocument/2006/relationships" xmlns:p="http://schemas.openxmlformats.org/presentationml/2006/main">
+  <p:cSld>
+    <p:spTree>
+      <p:nvGrpSpPr>
+        <p:cNvPr id="1" name=""/>
+        <p:cNvGrpSpPr/>
+        <p:nvPr/>
+      </p:nvGrpSpPr>
+      <p:grpSpPr>
+        <a:xfrm>
+          <a:off x="0" y="0"/>
+          <a:ext cx="0" cy="0"/>
+          <a:chOff x="0" y="0"/>
+          <a:chExt cx="0" cy="0"/>
+        </a:xfrm>
+      </p:grpSpPr>
+      <p:sp>
+        <p:nvSpPr>
+          <p:cNvPr id="2" name="Title 1">
+            <a:extLst>
+              <a:ext uri="{FF2B5EF4-FFF2-40B4-BE49-F238E27FC236}">
+                <a16:creationId xmlns:a16="http://schemas.microsoft.com/office/drawing/2014/main" id="{49E8F6CC-3BAD-9CCE-632A-8E6C1AA89B29}"/>
+              </a:ext>
+            </a:extLst>
+          </p:cNvPr>
+          <p:cNvSpPr>
+            <a:spLocks noGrp="1"/>
+          </p:cNvSpPr>
+          <p:nvPr>
+            <p:ph type="title"/>
+          </p:nvPr>
+        </p:nvSpPr>
+        <p:spPr>
+          <a:xfrm>
+            <a:off x="255181" y="202019"/>
+            <a:ext cx="11536326" cy="851719"/>
+          </a:xfrm>
+        </p:spPr>
+        <p:txBody>
+          <a:bodyPr>
+            <a:normAutofit/>
+          </a:bodyPr>
+          <a:lstStyle/>
+          <a:p>
+            <a:pPr algn="r" rtl="1"/>
+            <a:r>
+              <a:rPr lang="ar-SA" sz="4000">
+                <a:cs typeface="+mn-cs"/>
+              </a:rPr>
+              <a:t>معلومة </a:t>
+            </a:r>
+            <a:r>
+              <a:rPr lang="en-US" sz="4000">
+                <a:cs typeface="+mn-cs"/>
+              </a:rPr>
+              <a:t> </a:t>
+            </a:r>
+            <a:r>
+              <a:rPr lang="en-US" sz="4000" smtClean="0">
+                <a:cs typeface="+mn-cs"/>
+              </a:rPr>
+              <a:t>17</a:t>
+            </a:r>
+            <a:r>
+              <a:rPr lang="ar-SA" sz="4000" smtClean="0">
+                <a:cs typeface="+mn-cs"/>
+              </a:rPr>
+              <a:t> الدوال </a:t>
+            </a:r>
+            <a:r>
+              <a:rPr lang="en-US" sz="4000" smtClean="0">
+                <a:cs typeface="+mn-cs"/>
+              </a:rPr>
+              <a:t>(Functions)</a:t>
+            </a:r>
+            <a:r>
+              <a:rPr lang="ar-SA" sz="4000" smtClean="0">
+                <a:cs typeface="+mn-cs"/>
+              </a:rPr>
+              <a:t> 2 </a:t>
+            </a:r>
+            <a:r>
+              <a:rPr lang="en-US" sz="4000">
+                <a:cs typeface="+mn-cs"/>
+              </a:rPr>
+              <a:t>(</a:t>
+            </a:r>
+            <a:r>
+              <a:rPr lang="en-US" sz="4000" smtClean="0">
+                <a:cs typeface="+mn-cs"/>
+              </a:rPr>
+              <a:t>parameters)</a:t>
+            </a:r>
+            <a:endParaRPr lang="en-US" sz="4000">
+              <a:cs typeface="+mn-cs"/>
+            </a:endParaRPr>
+          </a:p>
+        </p:txBody>
+      </p:sp>
+      <p:sp>
+        <p:nvSpPr>
+          <p:cNvPr id="7" name="TextBox 6"/>
+          <p:cNvSpPr txBox="1"/>
+          <p:nvPr/>
+        </p:nvSpPr>
+        <p:spPr>
+          <a:xfrm>
+            <a:off x="5858540" y="1275907"/>
+            <a:ext cx="5932967" cy="3970318"/>
+          </a:xfrm>
+          <a:prstGeom prst="rect">
+            <a:avLst/>
+          </a:prstGeom>
+          <a:noFill/>
+        </p:spPr>
+        <p:txBody>
+          <a:bodyPr wrap="square" rtlCol="0">
+            <a:spAutoFit/>
+          </a:bodyPr>
+          <a:lstStyle/>
+          <a:p>
+            <a:pPr algn="r"/>
+            <a:r>
+              <a:rPr lang="en-US" sz="2800" smtClean="0">
+                <a:solidFill>
+                  <a:schemeClr val="accent1">
+                    <a:lumMod val="75000"/>
+                  </a:schemeClr>
+                </a:solidFill>
+              </a:rPr>
+              <a:t> </a:t>
+            </a:r>
+            <a:r>
+              <a:rPr lang="ar-SA" sz="2800" smtClean="0">
+                <a:solidFill>
+                  <a:schemeClr val="accent1">
+                    <a:lumMod val="75000"/>
+                  </a:schemeClr>
+                </a:solidFill>
+              </a:rPr>
+              <a:t> هي عبارة عن قيم يتم اعطاؤها</a:t>
+            </a:r>
+            <a:r>
+              <a:rPr lang="en-US" sz="2800" b="1" smtClean="0"/>
+              <a:t>parameters</a:t>
+            </a:r>
+            <a:r>
+              <a:rPr lang="ar-SA" sz="2800" b="1" smtClean="0"/>
+              <a:t>ال</a:t>
+            </a:r>
+          </a:p>
+          <a:p>
+            <a:pPr algn="r"/>
+            <a:r>
+              <a:rPr lang="ar-SA" sz="2800" smtClean="0">
+                <a:solidFill>
+                  <a:schemeClr val="accent1">
+                    <a:lumMod val="75000"/>
+                  </a:schemeClr>
+                </a:solidFill>
+              </a:rPr>
+              <a:t>للدالة بحيث تقوم بوظيفتها على حسب القيم المعطاة</a:t>
+            </a:r>
+          </a:p>
+          <a:p>
+            <a:pPr algn="r"/>
+            <a:r>
+              <a:rPr lang="ar-SA" sz="2800" smtClean="0">
+                <a:solidFill>
+                  <a:schemeClr val="accent1">
+                    <a:lumMod val="75000"/>
+                  </a:schemeClr>
+                </a:solidFill>
+              </a:rPr>
+              <a:t>ويكمن ان تكون نصوص او ارقام حتى دوال اخرى او اي نوع من البايانات.</a:t>
+            </a:r>
+          </a:p>
+          <a:p>
+            <a:pPr algn="r"/>
+            <a:r>
+              <a:rPr lang="ar-SA" sz="2800" smtClean="0"/>
+              <a:t>يمكن استعمالها بوضع اسم الباراميتر داخل الاقواس</a:t>
+            </a:r>
+          </a:p>
+          <a:p>
+            <a:pPr algn="r"/>
+            <a:r>
+              <a:rPr lang="ar-SA" sz="2800" smtClean="0"/>
+              <a:t>وعند اضافة واحد اخر نضع فاصلة ثم نضيفه</a:t>
+            </a:r>
+            <a:r>
+              <a:rPr lang="ar-SA" smtClean="0"/>
+              <a:t>,</a:t>
+            </a:r>
+          </a:p>
+          <a:p>
+            <a:pPr algn="r"/>
+            <a:r>
+              <a:rPr lang="ar-SA" sz="2800" smtClean="0"/>
+              <a:t>وعند استدعاء الدالة يجب وضع القيم بترتيب فنضغ الرقم الاول ثم العملية الحسابية ثم الرقم الثاني كما </a:t>
+            </a:r>
+            <a:r>
+              <a:rPr lang="en-US" sz="2800" smtClean="0"/>
+              <a:t> </a:t>
+            </a:r>
+            <a:r>
+              <a:rPr lang="ar-SA" sz="2800" smtClean="0"/>
+              <a:t>في المثال ويمكن كتابتها بهذا الشكل بدون ترتيب.</a:t>
+            </a:r>
+            <a:endParaRPr lang="en-US" sz="2800" smtClean="0"/>
+          </a:p>
+        </p:txBody>
+      </p:sp>
+      <p:pic>
+        <p:nvPicPr>
+          <p:cNvPr id="4" name="Picture 3"/>
+          <p:cNvPicPr>
+            <a:picLocks noChangeAspect="1"/>
+          </p:cNvPicPr>
+          <p:nvPr/>
+        </p:nvPicPr>
+        <p:blipFill>
+          <a:blip r:embed="rId2"/>
+          <a:stretch>
+            <a:fillRect/>
+          </a:stretch>
+        </p:blipFill>
+        <p:spPr>
+          <a:xfrm>
+            <a:off x="255181" y="1275907"/>
+            <a:ext cx="5514621" cy="3689498"/>
+          </a:xfrm>
+          <a:prstGeom prst="rect">
+            <a:avLst/>
+          </a:prstGeom>
+        </p:spPr>
+      </p:pic>
+      <p:pic>
+        <p:nvPicPr>
+          <p:cNvPr id="8" name="Picture 7"/>
+          <p:cNvPicPr>
+            <a:picLocks noChangeAspect="1"/>
+          </p:cNvPicPr>
+          <p:nvPr/>
+        </p:nvPicPr>
+        <p:blipFill>
+          <a:blip r:embed="rId3"/>
+          <a:stretch>
+            <a:fillRect/>
+          </a:stretch>
+        </p:blipFill>
+        <p:spPr>
+          <a:xfrm>
+            <a:off x="255181" y="5479342"/>
+            <a:ext cx="3813747" cy="997989"/>
+          </a:xfrm>
+          <a:prstGeom prst="rect">
+            <a:avLst/>
+          </a:prstGeom>
+        </p:spPr>
+      </p:pic>
+      <p:cxnSp>
+        <p:nvCxnSpPr>
+          <p:cNvPr id="12" name="Elbow Connector 11"/>
+          <p:cNvCxnSpPr>
+            <a:stCxn id="4" idx="2"/>
+            <a:endCxn id="8" idx="0"/>
+          </p:cNvCxnSpPr>
+          <p:nvPr/>
+        </p:nvCxnSpPr>
+        <p:spPr>
+          <a:xfrm rot="5400000">
+            <a:off x="2330306" y="4797155"/>
+            <a:ext cx="513937" cy="850437"/>
+          </a:xfrm>
+          <a:prstGeom prst="bentConnector3">
+            <a:avLst>
+              <a:gd name="adj1" fmla="val 50000"/>
+            </a:avLst>
+          </a:prstGeom>
+          <a:ln w="9525" cap="flat" cmpd="sng" algn="ctr">
+            <a:solidFill>
+              <a:schemeClr val="accent1"/>
+            </a:solidFill>
+            <a:prstDash val="solid"/>
+            <a:round/>
+            <a:headEnd type="none" w="med" len="med"/>
+            <a:tailEnd type="arrow" w="med" len="med"/>
+          </a:ln>
+        </p:spPr>
+        <p:style>
+          <a:lnRef idx="0">
+            <a:scrgbClr r="0" g="0" b="0"/>
+          </a:lnRef>
+          <a:fillRef idx="0">
+            <a:scrgbClr r="0" g="0" b="0"/>
+          </a:fillRef>
+          <a:effectRef idx="0">
+            <a:scrgbClr r="0" g="0" b="0"/>
+          </a:effectRef>
+          <a:fontRef idx="minor">
+            <a:schemeClr val="tx1"/>
+          </a:fontRef>
+        </p:style>
+      </p:cxnSp>
+      <p:sp>
+        <p:nvSpPr>
+          <p:cNvPr id="15" name="TextBox 14"/>
+          <p:cNvSpPr txBox="1"/>
+          <p:nvPr/>
+        </p:nvSpPr>
+        <p:spPr>
+          <a:xfrm>
+            <a:off x="4281377" y="5215315"/>
+            <a:ext cx="7910623" cy="461665"/>
+          </a:xfrm>
+          <a:prstGeom prst="rect">
+            <a:avLst/>
+          </a:prstGeom>
+          <a:noFill/>
+        </p:spPr>
+        <p:txBody>
+          <a:bodyPr wrap="square" rtlCol="0">
+            <a:spAutoFit/>
+          </a:bodyPr>
+          <a:lstStyle/>
+          <a:p>
+            <a:r>
+              <a:rPr lang="en-US" sz="2400" smtClean="0">
+                <a:solidFill>
+                  <a:schemeClr val="accent4">
+                    <a:lumMod val="75000"/>
+                  </a:schemeClr>
+                </a:solidFill>
+              </a:rPr>
+              <a:t>make_math</a:t>
+            </a:r>
+            <a:r>
+              <a:rPr lang="en-US" sz="2400" smtClean="0">
+                <a:solidFill>
+                  <a:schemeClr val="accent4">
+                    <a:lumMod val="50000"/>
+                  </a:schemeClr>
+                </a:solidFill>
+              </a:rPr>
+              <a:t>(</a:t>
+            </a:r>
+            <a:r>
+              <a:rPr lang="en-US" sz="2400" smtClean="0">
+                <a:solidFill>
+                  <a:schemeClr val="accent1">
+                    <a:lumMod val="75000"/>
+                  </a:schemeClr>
+                </a:solidFill>
+              </a:rPr>
+              <a:t>first_num</a:t>
+            </a:r>
+            <a:r>
+              <a:rPr lang="en-US" sz="2400" smtClean="0"/>
+              <a:t>=</a:t>
+            </a:r>
+            <a:r>
+              <a:rPr lang="en-US" sz="2400" smtClean="0">
+                <a:solidFill>
+                  <a:schemeClr val="accent6">
+                    <a:lumMod val="75000"/>
+                  </a:schemeClr>
+                </a:solidFill>
+              </a:rPr>
+              <a:t>131</a:t>
+            </a:r>
+            <a:r>
+              <a:rPr lang="en-US" sz="2400" smtClean="0"/>
+              <a:t>,</a:t>
+            </a:r>
+            <a:r>
+              <a:rPr lang="en-US" sz="2400" smtClean="0">
+                <a:solidFill>
+                  <a:schemeClr val="accent1">
+                    <a:lumMod val="75000"/>
+                  </a:schemeClr>
+                </a:solidFill>
+              </a:rPr>
+              <a:t>operation</a:t>
+            </a:r>
+            <a:r>
+              <a:rPr lang="en-US" sz="2400" smtClean="0"/>
+              <a:t>=</a:t>
+            </a:r>
+            <a:r>
+              <a:rPr lang="en-US" sz="2400" smtClean="0">
+                <a:solidFill>
+                  <a:schemeClr val="accent2">
+                    <a:lumMod val="75000"/>
+                  </a:schemeClr>
+                </a:solidFill>
+              </a:rPr>
+              <a:t>“*”</a:t>
+            </a:r>
+            <a:r>
+              <a:rPr lang="en-US" sz="2400" smtClean="0"/>
+              <a:t>,</a:t>
+            </a:r>
+            <a:r>
+              <a:rPr lang="en-US" sz="2400" smtClean="0">
+                <a:solidFill>
+                  <a:schemeClr val="accent1">
+                    <a:lumMod val="75000"/>
+                  </a:schemeClr>
+                </a:solidFill>
+              </a:rPr>
+              <a:t>second_num</a:t>
+            </a:r>
+            <a:r>
+              <a:rPr lang="en-US" sz="2400" smtClean="0"/>
+              <a:t>=</a:t>
+            </a:r>
+            <a:r>
+              <a:rPr lang="en-US" sz="2400" smtClean="0">
+                <a:solidFill>
+                  <a:schemeClr val="accent6">
+                    <a:lumMod val="75000"/>
+                  </a:schemeClr>
+                </a:solidFill>
+              </a:rPr>
+              <a:t>621</a:t>
+            </a:r>
+            <a:r>
+              <a:rPr lang="en-US" sz="2400">
+                <a:solidFill>
+                  <a:schemeClr val="accent4">
+                    <a:lumMod val="50000"/>
+                  </a:schemeClr>
+                </a:solidFill>
+              </a:rPr>
+              <a:t>)</a:t>
+            </a:r>
+          </a:p>
+        </p:txBody>
+      </p:sp>
+    </p:spTree>
+    <p:extLst>
+      <p:ext uri="{BB962C8B-B14F-4D97-AF65-F5344CB8AC3E}">
+        <p14:creationId xmlns:p14="http://schemas.microsoft.com/office/powerpoint/2010/main" val="1980294693"/>
+      </p:ext>
+    </p:extLst>
+  </p:cSld>
+  <p:clrMapOvr>
+    <a:masterClrMapping/>
+  </p:clrMapOvr>
+  <p:timing>
+    <p:tnLst>
+      <p:par>
+        <p:cTn id="1" dur="indefinite" restart="never" nodeType="tmRoot"/>
+      </p:par>
+    </p:tnLst>
+  </p:timing>
+</p:sld>
+</file>
+
+<file path=ppt/slides/slide27.xml><?xml version="1.0" encoding="utf-8"?>
+<p:sld xmlns:a="http://schemas.openxmlformats.org/drawingml/2006/main" xmlns:r="http://schemas.openxmlformats.org/officeDocument/2006/relationships" xmlns:p="http://schemas.openxmlformats.org/presentationml/2006/main">
+  <p:cSld>
+    <p:spTree>
+      <p:nvGrpSpPr>
+        <p:cNvPr id="1" name=""/>
+        <p:cNvGrpSpPr/>
+        <p:nvPr/>
+      </p:nvGrpSpPr>
+      <p:grpSpPr>
+        <a:xfrm>
+          <a:off x="0" y="0"/>
+          <a:ext cx="0" cy="0"/>
+          <a:chOff x="0" y="0"/>
+          <a:chExt cx="0" cy="0"/>
+        </a:xfrm>
+      </p:grpSpPr>
+      <p:sp>
+        <p:nvSpPr>
+          <p:cNvPr id="2" name="Title 1">
+            <a:extLst>
+              <a:ext uri="{FF2B5EF4-FFF2-40B4-BE49-F238E27FC236}">
+                <a16:creationId xmlns:a16="http://schemas.microsoft.com/office/drawing/2014/main" id="{49E8F6CC-3BAD-9CCE-632A-8E6C1AA89B29}"/>
+              </a:ext>
+            </a:extLst>
+          </p:cNvPr>
+          <p:cNvSpPr>
+            <a:spLocks noGrp="1"/>
+          </p:cNvSpPr>
+          <p:nvPr>
+            <p:ph type="title"/>
+          </p:nvPr>
+        </p:nvSpPr>
+        <p:spPr>
+          <a:xfrm>
+            <a:off x="838200" y="365126"/>
+            <a:ext cx="10515600" cy="688612"/>
+          </a:xfrm>
+        </p:spPr>
+        <p:txBody>
+          <a:bodyPr>
+            <a:normAutofit fontScale="90000"/>
+          </a:bodyPr>
+          <a:lstStyle/>
+          <a:p>
+            <a:pPr algn="r" rtl="1"/>
+            <a:r>
+              <a:rPr lang="ar-SA">
+                <a:cs typeface="+mn-cs"/>
+              </a:rPr>
+              <a:t>معلومة </a:t>
+            </a:r>
+            <a:r>
+              <a:rPr lang="en-US">
+                <a:cs typeface="+mn-cs"/>
+              </a:rPr>
+              <a:t> </a:t>
+            </a:r>
+            <a:r>
+              <a:rPr lang="en-US" smtClean="0">
+                <a:cs typeface="+mn-cs"/>
+              </a:rPr>
+              <a:t>17</a:t>
+            </a:r>
+            <a:r>
+              <a:rPr lang="ar-SA" smtClean="0">
+                <a:cs typeface="+mn-cs"/>
+              </a:rPr>
+              <a:t> الدوال </a:t>
+            </a:r>
+            <a:r>
+              <a:rPr lang="en-US" smtClean="0">
+                <a:cs typeface="+mn-cs"/>
+              </a:rPr>
+              <a:t>(Functions)</a:t>
+            </a:r>
+            <a:r>
+              <a:rPr lang="ar-SA" smtClean="0">
+                <a:cs typeface="+mn-cs"/>
+              </a:rPr>
+              <a:t> 3 انواع الباراميترز</a:t>
+            </a:r>
+            <a:endParaRPr lang="en-US">
+              <a:cs typeface="+mn-cs"/>
+            </a:endParaRPr>
+          </a:p>
+        </p:txBody>
+      </p:sp>
+      <p:pic>
+        <p:nvPicPr>
+          <p:cNvPr id="3" name="Picture 2"/>
+          <p:cNvPicPr>
+            <a:picLocks noChangeAspect="1"/>
+          </p:cNvPicPr>
+          <p:nvPr/>
+        </p:nvPicPr>
+        <p:blipFill>
+          <a:blip r:embed="rId2"/>
+          <a:stretch>
+            <a:fillRect/>
+          </a:stretch>
+        </p:blipFill>
+        <p:spPr>
+          <a:xfrm>
+            <a:off x="113006" y="1593107"/>
+            <a:ext cx="5474595" cy="3042675"/>
+          </a:xfrm>
+          <a:prstGeom prst="rect">
+            <a:avLst/>
+          </a:prstGeom>
+        </p:spPr>
+      </p:pic>
+      <p:sp>
+        <p:nvSpPr>
+          <p:cNvPr id="8" name="TextBox 7"/>
+          <p:cNvSpPr txBox="1"/>
+          <p:nvPr/>
+        </p:nvSpPr>
+        <p:spPr>
+          <a:xfrm>
+            <a:off x="5326912" y="1222744"/>
+            <a:ext cx="6570921" cy="4401205"/>
+          </a:xfrm>
+          <a:prstGeom prst="rect">
+            <a:avLst/>
+          </a:prstGeom>
+          <a:noFill/>
+        </p:spPr>
+        <p:txBody>
+          <a:bodyPr wrap="square" rtlCol="0">
+            <a:spAutoFit/>
+          </a:bodyPr>
+          <a:lstStyle/>
+          <a:p>
+            <a:pPr algn="r"/>
+            <a:r>
+              <a:rPr lang="ar-SA" sz="2800" smtClean="0"/>
+              <a:t>عند وضع </a:t>
+            </a:r>
+            <a:r>
+              <a:rPr lang="ar-SA" sz="2800" b="1" smtClean="0">
+                <a:solidFill>
+                  <a:schemeClr val="accent1"/>
+                </a:solidFill>
+              </a:rPr>
+              <a:t>* </a:t>
+            </a:r>
+            <a:r>
+              <a:rPr lang="ar-SA" sz="2800" smtClean="0"/>
+              <a:t>قبل اسم الباراميتر يصبح عبارة عن</a:t>
+            </a:r>
+          </a:p>
+          <a:p>
+            <a:pPr algn="r"/>
+            <a:r>
+              <a:rPr lang="ar-SA" sz="2800" smtClean="0"/>
+              <a:t>مصفوفة .</a:t>
+            </a:r>
+          </a:p>
+          <a:p>
+            <a:pPr algn="r"/>
+            <a:r>
+              <a:rPr lang="ar-SA" sz="2800" smtClean="0"/>
+              <a:t>يقوم النظام بتعويض الدالة بالقيمة</a:t>
+            </a:r>
+            <a:r>
+              <a:rPr lang="en-US" sz="2800" smtClean="0"/>
+              <a:t> </a:t>
+            </a:r>
+            <a:r>
+              <a:rPr lang="en-US" sz="2800" smtClean="0">
+                <a:solidFill>
+                  <a:srgbClr val="7030A0"/>
+                </a:solidFill>
+              </a:rPr>
+              <a:t>return</a:t>
+            </a:r>
+            <a:r>
+              <a:rPr lang="en-US" sz="2800" smtClean="0"/>
+              <a:t> </a:t>
+            </a:r>
+            <a:r>
+              <a:rPr lang="ar-SA" sz="2800" smtClean="0"/>
+              <a:t>عند استعمال</a:t>
+            </a:r>
+          </a:p>
+          <a:p>
+            <a:pPr algn="r"/>
+            <a:r>
+              <a:rPr lang="en-US" sz="2800" smtClean="0">
+                <a:solidFill>
+                  <a:srgbClr val="7030A0"/>
+                </a:solidFill>
+              </a:rPr>
+              <a:t> </a:t>
+            </a:r>
+            <a:r>
+              <a:rPr lang="ar-SA" sz="2800">
+                <a:solidFill>
+                  <a:srgbClr val="7030A0"/>
+                </a:solidFill>
+              </a:rPr>
+              <a:t> </a:t>
+            </a:r>
+            <a:r>
+              <a:rPr lang="ar-SA" sz="2800" smtClean="0"/>
+              <a:t>ويتم ايقاف الدالة ولا يتم تنفيذ</a:t>
+            </a:r>
+            <a:r>
+              <a:rPr lang="en-US" sz="2800" smtClean="0">
+                <a:solidFill>
+                  <a:srgbClr val="7030A0"/>
+                </a:solidFill>
+              </a:rPr>
+              <a:t>return</a:t>
+            </a:r>
+            <a:r>
+              <a:rPr lang="ar-SA" sz="2800" smtClean="0"/>
+              <a:t>المكتوبة بعد </a:t>
+            </a:r>
+          </a:p>
+          <a:p>
+            <a:pPr algn="r"/>
+            <a:r>
+              <a:rPr lang="ar-SA" sz="2800" smtClean="0"/>
+              <a:t>الاوامر اللتي بعدها ويمكن وضع القيمة في متغير</a:t>
+            </a:r>
+          </a:p>
+          <a:p>
+            <a:pPr algn="r"/>
+            <a:r>
+              <a:rPr lang="ar-SA" sz="2800" smtClean="0"/>
+              <a:t>في المثال تاخذ الدالة مصفوفة من</a:t>
+            </a:r>
+          </a:p>
+          <a:p>
+            <a:pPr algn="r"/>
+            <a:r>
+              <a:rPr lang="ar-SA" sz="2800" smtClean="0"/>
+              <a:t>الارقام ثم تجمعها وتقسمها على عددها</a:t>
+            </a:r>
+          </a:p>
+          <a:p>
+            <a:pPr algn="r"/>
+            <a:r>
+              <a:rPr lang="ar-SA" sz="2800" smtClean="0"/>
+              <a:t>وتعيد المتوسط الحسابي للارقام ثم</a:t>
+            </a:r>
+          </a:p>
+          <a:p>
+            <a:pPr algn="r"/>
+            <a:r>
+              <a:rPr lang="ar-SA" sz="2800" smtClean="0"/>
+              <a:t>وضعنا القيمة المعادة من الدالة في متغير</a:t>
+            </a:r>
+          </a:p>
+          <a:p>
+            <a:pPr algn="r"/>
+            <a:r>
+              <a:rPr lang="ar-SA" sz="2800"/>
+              <a:t>.</a:t>
+            </a:r>
+            <a:r>
+              <a:rPr lang="en-US" sz="2800" smtClean="0">
+                <a:solidFill>
+                  <a:schemeClr val="accent1"/>
+                </a:solidFill>
+              </a:rPr>
+              <a:t>SMA</a:t>
+            </a:r>
+            <a:endParaRPr lang="ar-SA" sz="2800" smtClean="0">
+              <a:solidFill>
+                <a:schemeClr val="accent1"/>
+              </a:solidFill>
+            </a:endParaRPr>
+          </a:p>
+        </p:txBody>
+      </p:sp>
+      <p:pic>
+        <p:nvPicPr>
+          <p:cNvPr id="9" name="Picture 8"/>
+          <p:cNvPicPr>
+            <a:picLocks noChangeAspect="1"/>
+          </p:cNvPicPr>
+          <p:nvPr/>
+        </p:nvPicPr>
+        <p:blipFill>
+          <a:blip r:embed="rId3"/>
+          <a:stretch>
+            <a:fillRect/>
+          </a:stretch>
+        </p:blipFill>
+        <p:spPr>
+          <a:xfrm>
+            <a:off x="113006" y="5500188"/>
+            <a:ext cx="5908566" cy="585533"/>
+          </a:xfrm>
+          <a:prstGeom prst="rect">
+            <a:avLst/>
+          </a:prstGeom>
+        </p:spPr>
+      </p:pic>
+      <p:cxnSp>
+        <p:nvCxnSpPr>
+          <p:cNvPr id="13" name="Elbow Connector 12"/>
+          <p:cNvCxnSpPr>
+            <a:endCxn id="9" idx="0"/>
+          </p:cNvCxnSpPr>
+          <p:nvPr/>
+        </p:nvCxnSpPr>
+        <p:spPr>
+          <a:xfrm>
+            <a:off x="113006" y="4635782"/>
+            <a:ext cx="2954283" cy="864406"/>
+          </a:xfrm>
+          <a:prstGeom prst="bentConnector2">
+            <a:avLst/>
+          </a:prstGeom>
+          <a:ln>
+            <a:tailEnd type="triangle"/>
+          </a:ln>
+        </p:spPr>
+        <p:style>
+          <a:lnRef idx="1">
+            <a:schemeClr val="accent1"/>
+          </a:lnRef>
+          <a:fillRef idx="0">
+            <a:schemeClr val="accent1"/>
+          </a:fillRef>
+          <a:effectRef idx="0">
+            <a:schemeClr val="accent1"/>
+          </a:effectRef>
+          <a:fontRef idx="minor">
+            <a:schemeClr val="tx1"/>
+          </a:fontRef>
+        </p:style>
+      </p:cxnSp>
+    </p:spTree>
+    <p:extLst>
+      <p:ext uri="{BB962C8B-B14F-4D97-AF65-F5344CB8AC3E}">
+        <p14:creationId xmlns:p14="http://schemas.microsoft.com/office/powerpoint/2010/main" val="655503428"/>
+      </p:ext>
+    </p:extLst>
+  </p:cSld>
+  <p:clrMapOvr>
+    <a:masterClrMapping/>
+  </p:clrMapOvr>
+  <p:timing>
+    <p:tnLst>
+      <p:par>
+        <p:cTn id="1" dur="indefinite" restart="never" nodeType="tmRoot"/>
+      </p:par>
+    </p:tnLst>
+  </p:timing>
+</p:sld>
+</file>
+
+<file path=ppt/slides/slide28.xml><?xml version="1.0" encoding="utf-8"?>
+<p:sld xmlns:a="http://schemas.openxmlformats.org/drawingml/2006/main" xmlns:r="http://schemas.openxmlformats.org/officeDocument/2006/relationships" xmlns:p="http://schemas.openxmlformats.org/presentationml/2006/main">
+  <p:cSld>
+    <p:spTree>
+      <p:nvGrpSpPr>
+        <p:cNvPr id="1" name=""/>
+        <p:cNvGrpSpPr/>
+        <p:nvPr/>
+      </p:nvGrpSpPr>
+      <p:grpSpPr>
+        <a:xfrm>
+          <a:off x="0" y="0"/>
+          <a:ext cx="0" cy="0"/>
+          <a:chOff x="0" y="0"/>
+          <a:chExt cx="0" cy="0"/>
+        </a:xfrm>
+      </p:grpSpPr>
+      <p:sp>
+        <p:nvSpPr>
+          <p:cNvPr id="2" name="Title 1">
+            <a:extLst>
+              <a:ext uri="{FF2B5EF4-FFF2-40B4-BE49-F238E27FC236}">
+                <a16:creationId xmlns:a16="http://schemas.microsoft.com/office/drawing/2014/main" id="{49E8F6CC-3BAD-9CCE-632A-8E6C1AA89B29}"/>
+              </a:ext>
+            </a:extLst>
+          </p:cNvPr>
+          <p:cNvSpPr>
+            <a:spLocks noGrp="1"/>
+          </p:cNvSpPr>
+          <p:nvPr>
+            <p:ph type="title"/>
+          </p:nvPr>
+        </p:nvSpPr>
+        <p:spPr>
+          <a:xfrm>
+            <a:off x="838200" y="365126"/>
+            <a:ext cx="10515600" cy="688612"/>
+          </a:xfrm>
+        </p:spPr>
+        <p:txBody>
+          <a:bodyPr>
+            <a:normAutofit fontScale="90000"/>
+          </a:bodyPr>
+          <a:lstStyle/>
+          <a:p>
+            <a:pPr algn="r" rtl="1"/>
+            <a:r>
+              <a:rPr lang="ar-SA">
+                <a:cs typeface="+mn-cs"/>
+              </a:rPr>
+              <a:t>معلومة </a:t>
+            </a:r>
+            <a:r>
+              <a:rPr lang="en-US">
+                <a:cs typeface="+mn-cs"/>
+              </a:rPr>
+              <a:t> </a:t>
+            </a:r>
+            <a:r>
+              <a:rPr lang="en-US" smtClean="0">
+                <a:cs typeface="+mn-cs"/>
+              </a:rPr>
+              <a:t>17</a:t>
+            </a:r>
+            <a:r>
+              <a:rPr lang="ar-SA" smtClean="0">
+                <a:cs typeface="+mn-cs"/>
+              </a:rPr>
+              <a:t> الدوال </a:t>
+            </a:r>
+            <a:r>
+              <a:rPr lang="en-US" smtClean="0">
+                <a:cs typeface="+mn-cs"/>
+              </a:rPr>
+              <a:t>(Functions)</a:t>
+            </a:r>
+            <a:r>
+              <a:rPr lang="ar-SA" smtClean="0">
+                <a:cs typeface="+mn-cs"/>
+              </a:rPr>
+              <a:t> 3 انواع الباراميترز</a:t>
+            </a:r>
+            <a:endParaRPr lang="en-US">
+              <a:cs typeface="+mn-cs"/>
+            </a:endParaRPr>
+          </a:p>
+        </p:txBody>
+      </p:sp>
+      <p:sp>
+        <p:nvSpPr>
+          <p:cNvPr id="8" name="TextBox 7"/>
+          <p:cNvSpPr txBox="1"/>
+          <p:nvPr/>
+        </p:nvSpPr>
+        <p:spPr>
+          <a:xfrm>
+            <a:off x="5326912" y="1222744"/>
+            <a:ext cx="6570921" cy="4832092"/>
+          </a:xfrm>
+          <a:prstGeom prst="rect">
+            <a:avLst/>
+          </a:prstGeom>
+          <a:noFill/>
+        </p:spPr>
+        <p:txBody>
+          <a:bodyPr wrap="square" rtlCol="0">
+            <a:spAutoFit/>
+          </a:bodyPr>
+          <a:lstStyle/>
+          <a:p>
+            <a:pPr algn="r"/>
+            <a:r>
+              <a:rPr lang="ar-SA" sz="2800"/>
+              <a:t>عند </a:t>
+            </a:r>
+            <a:r>
+              <a:rPr lang="ar-SA" sz="2800"/>
+              <a:t>وضع </a:t>
+            </a:r>
+            <a:r>
+              <a:rPr lang="ar-SA" sz="2800" b="1" smtClean="0">
+                <a:solidFill>
+                  <a:schemeClr val="accent1"/>
+                </a:solidFill>
+              </a:rPr>
+              <a:t>** </a:t>
+            </a:r>
+            <a:r>
+              <a:rPr lang="ar-SA" sz="2800"/>
+              <a:t>قبل اسم </a:t>
+            </a:r>
+            <a:r>
+              <a:rPr lang="ar-SA" sz="2800"/>
+              <a:t>الباراميتر </a:t>
+            </a:r>
+            <a:endParaRPr lang="ar-SA" sz="2800" smtClean="0"/>
+          </a:p>
+          <a:p>
+            <a:pPr algn="r"/>
+            <a:r>
+              <a:rPr lang="ar-SA" sz="2800" smtClean="0"/>
+              <a:t>يصبح عبارة عن مصفوفة من نوع</a:t>
+            </a:r>
+          </a:p>
+          <a:p>
+            <a:pPr algn="r"/>
+            <a:r>
+              <a:rPr lang="ar-SA" sz="2800" b="1" smtClean="0"/>
+              <a:t> </a:t>
+            </a:r>
+            <a:r>
+              <a:rPr lang="ar-SA" sz="2800" smtClean="0"/>
+              <a:t>ويمكن التعامل معها</a:t>
+            </a:r>
+            <a:r>
+              <a:rPr lang="en-US" sz="2800" b="1" smtClean="0"/>
+              <a:t>dictionary</a:t>
+            </a:r>
+            <a:endParaRPr lang="ar-SA" sz="2800" b="1" smtClean="0"/>
+          </a:p>
+          <a:p>
+            <a:pPr algn="r"/>
+            <a:r>
+              <a:rPr lang="ar-SA" sz="2800" smtClean="0"/>
+              <a:t>داخل الدالة بشكل طبيعي بالدوال التي</a:t>
+            </a:r>
+          </a:p>
+          <a:p>
+            <a:pPr algn="r"/>
+            <a:r>
+              <a:rPr lang="ar-SA" sz="2800" smtClean="0"/>
+              <a:t>تعلمنها في درس المصفوفات,</a:t>
+            </a:r>
+          </a:p>
+          <a:p>
+            <a:pPr algn="r"/>
+            <a:r>
+              <a:rPr lang="ar-SA" sz="2800" smtClean="0"/>
+              <a:t>وعند استدعاء الدالة نكتب داخل </a:t>
+            </a:r>
+          </a:p>
+          <a:p>
+            <a:pPr algn="r"/>
+            <a:r>
+              <a:rPr lang="ar-SA" sz="2800" smtClean="0"/>
+              <a:t>الاقواس اسم المفتاح ثم يساوي ثم </a:t>
+            </a:r>
+          </a:p>
+          <a:p>
+            <a:pPr algn="r"/>
+            <a:r>
+              <a:rPr lang="ar-SA" sz="2800" smtClean="0"/>
+              <a:t>القيمة وفاصلة.</a:t>
+            </a:r>
+          </a:p>
+          <a:p>
+            <a:pPr algn="r"/>
+            <a:endParaRPr lang="ar-SA" sz="2800"/>
+          </a:p>
+          <a:p>
+            <a:pPr algn="r"/>
+            <a:r>
+              <a:rPr lang="ar-SA" sz="2800" smtClean="0"/>
+              <a:t> لاتفعل شي فقط لوضع شي مؤقت في الدالة لانه</a:t>
+            </a:r>
+            <a:r>
+              <a:rPr lang="en-US" sz="2800" smtClean="0">
+                <a:solidFill>
+                  <a:srgbClr val="7030A0"/>
+                </a:solidFill>
+              </a:rPr>
+              <a:t>pass</a:t>
+            </a:r>
+            <a:endParaRPr lang="ar-SA" sz="2800" smtClean="0">
+              <a:solidFill>
+                <a:srgbClr val="7030A0"/>
+              </a:solidFill>
+            </a:endParaRPr>
+          </a:p>
+          <a:p>
+            <a:pPr algn="r"/>
+            <a:r>
+              <a:rPr lang="ar-SA" sz="2800" smtClean="0"/>
+              <a:t>لايمكن ابقاؤها فارغة.</a:t>
+            </a:r>
+          </a:p>
+        </p:txBody>
+      </p:sp>
+      <p:pic>
+        <p:nvPicPr>
+          <p:cNvPr id="4" name="Picture 3"/>
+          <p:cNvPicPr>
+            <a:picLocks noChangeAspect="1"/>
+          </p:cNvPicPr>
+          <p:nvPr/>
+        </p:nvPicPr>
+        <p:blipFill>
+          <a:blip r:embed="rId2"/>
+          <a:stretch>
+            <a:fillRect/>
+          </a:stretch>
+        </p:blipFill>
+        <p:spPr>
+          <a:xfrm>
+            <a:off x="137135" y="1053738"/>
+            <a:ext cx="7490345" cy="3615071"/>
+          </a:xfrm>
+          <a:prstGeom prst="rect">
+            <a:avLst/>
+          </a:prstGeom>
+        </p:spPr>
+      </p:pic>
+    </p:spTree>
+    <p:extLst>
+      <p:ext uri="{BB962C8B-B14F-4D97-AF65-F5344CB8AC3E}">
+        <p14:creationId xmlns:p14="http://schemas.microsoft.com/office/powerpoint/2010/main" val="2614113152"/>
       </p:ext>
     </p:extLst>
   </p:cSld>

--- a/تدريب برمجة بايثون.pptx
+++ b/تدريب برمجة بايثون.pptx
@@ -12415,13 +12415,13 @@
               <a:rPr lang="en-US" smtClean="0">
                 <a:cs typeface="+mn-cs"/>
               </a:rPr>
-              <a:t>(Functions)</a:t>
-            </a:r>
-            <a:r>
-              <a:rPr lang="ar-SA" smtClean="0">
+              <a:t>(Functions</a:t>
+            </a:r>
+            <a:r>
+              <a:rPr lang="en-US" smtClean="0">
                 <a:cs typeface="+mn-cs"/>
               </a:rPr>
-              <a:t> 1 طريقة الكتابة</a:t>
+              <a:t>)</a:t>
             </a:r>
             <a:endParaRPr lang="en-US">
               <a:cs typeface="+mn-cs"/>
@@ -12445,7 +12445,7 @@
         </p:blipFill>
         <p:spPr>
           <a:xfrm>
-            <a:off x="362719" y="1053738"/>
+            <a:off x="421712" y="365126"/>
             <a:ext cx="3491526" cy="3255003"/>
           </a:xfrm>
           <a:prstGeom prst="rect">
@@ -12469,7 +12469,7 @@
         </p:blipFill>
         <p:spPr>
           <a:xfrm>
-            <a:off x="3854245" y="1053738"/>
+            <a:off x="4257369" y="3403647"/>
             <a:ext cx="2054942" cy="3255004"/>
           </a:xfrm>
           <a:prstGeom prst="rect">
@@ -12486,7 +12486,7 @@
         <p:spPr>
           <a:xfrm>
             <a:off x="5909187" y="1275907"/>
-            <a:ext cx="5882320" cy="5201424"/>
+            <a:ext cx="5882320" cy="4093428"/>
           </a:xfrm>
           <a:prstGeom prst="rect">
             <a:avLst/>
@@ -12534,129 +12534,148 @@
           <a:p>
             <a:pPr algn="r"/>
             <a:r>
-              <a:rPr lang="ar-SA" sz="2800"/>
-              <a:t> بعدها </a:t>
-            </a:r>
-            <a:r>
-              <a:rPr lang="ar-SA" sz="3200" b="1">
+              <a:rPr lang="ar-SA" sz="2800" smtClean="0">
+                <a:solidFill>
+                  <a:schemeClr val="accent1"/>
+                </a:solidFill>
+              </a:rPr>
+              <a:t>:</a:t>
+            </a:r>
+            <a:r>
+              <a:rPr lang="en-US" sz="2800" smtClean="0">
+                <a:solidFill>
+                  <a:schemeClr val="accent4">
+                    <a:lumMod val="50000"/>
+                  </a:schemeClr>
+                </a:solidFill>
+              </a:rPr>
+              <a:t>()</a:t>
+            </a:r>
+            <a:r>
+              <a:rPr lang="ar-SA" sz="2800" smtClean="0">
                 <a:solidFill>
                   <a:schemeClr val="accent4">
                     <a:lumMod val="75000"/>
                   </a:schemeClr>
                 </a:solidFill>
               </a:rPr>
-              <a:t>اسم </a:t>
-            </a:r>
-            <a:r>
-              <a:rPr lang="ar-SA" sz="3200" b="1" smtClean="0">
+              <a:t> </a:t>
+            </a:r>
+            <a:r>
+              <a:rPr lang="ar-SA" sz="2800" smtClean="0"/>
+              <a:t>بعدها</a:t>
+            </a:r>
+            <a:r>
+              <a:rPr lang="ar-SA" sz="2800" smtClean="0">
                 <a:solidFill>
                   <a:schemeClr val="accent4">
                     <a:lumMod val="75000"/>
                   </a:schemeClr>
                 </a:solidFill>
               </a:rPr>
-              <a:t>الدالة</a:t>
-            </a:r>
-            <a:r>
-              <a:rPr lang="ar-SA" sz="3200" b="1"/>
-              <a:t> </a:t>
-            </a:r>
+              <a:t> اسم الدالة</a:t>
+            </a:r>
+            <a:endParaRPr lang="en-US" sz="2800" smtClean="0">
+              <a:solidFill>
+                <a:schemeClr val="accent4">
+                  <a:lumMod val="75000"/>
+                </a:schemeClr>
+              </a:solidFill>
+            </a:endParaRPr>
+          </a:p>
+          <a:p>
+            <a:pPr algn="r"/>
             <a:r>
               <a:rPr lang="ar-SA" sz="2800" smtClean="0"/>
-              <a:t>ويفضل ان يكون اسم يدل على وظيفة الدالة,</a:t>
+              <a:t>يجب ترك مسافة قبل كل سطر في الدالة ليعلم </a:t>
+            </a:r>
+            <a:r>
+              <a:rPr lang="ar-SA" sz="2800" smtClean="0"/>
+              <a:t>النظام ان هذا الامر داخل في الدالة</a:t>
+            </a:r>
+            <a:r>
+              <a:rPr lang="ar-SA" sz="2800" smtClean="0"/>
+              <a:t>.</a:t>
             </a:r>
           </a:p>
           <a:p>
             <a:pPr algn="r"/>
+            <a:endParaRPr lang="ar-SA" sz="2800" smtClean="0"/>
+          </a:p>
+          <a:p>
+            <a:pPr algn="r"/>
             <a:r>
               <a:rPr lang="ar-SA" sz="2800" smtClean="0"/>
-              <a:t>ثم وضع </a:t>
-            </a:r>
-            <a:r>
-              <a:rPr lang="ar-SA" sz="3200" b="1" smtClean="0">
+              <a:t>وعند استدعاء الدالة نكتب </a:t>
+            </a:r>
+            <a:r>
+              <a:rPr lang="ar-SA" sz="2800" b="1" smtClean="0">
                 <a:solidFill>
                   <a:schemeClr val="accent4">
                     <a:lumMod val="75000"/>
                   </a:schemeClr>
                 </a:solidFill>
               </a:rPr>
-              <a:t>()</a:t>
-            </a:r>
-            <a:r>
-              <a:rPr lang="ar-SA" sz="2800" smtClean="0"/>
-              <a:t> ويمكن وضع اشياء داخل القوسين</a:t>
-            </a:r>
-          </a:p>
-          <a:p>
-            <a:pPr algn="r"/>
-            <a:r>
-              <a:rPr lang="ar-SA" sz="2800" smtClean="0"/>
-              <a:t>بناخذها في توابع هذا الدرس,</a:t>
-            </a:r>
-          </a:p>
-          <a:p>
-            <a:pPr algn="r"/>
-            <a:r>
-              <a:rPr lang="ar-SA" sz="2800" smtClean="0"/>
-              <a:t>ثم </a:t>
-            </a:r>
-            <a:r>
-              <a:rPr lang="ar-SA" sz="3200" b="1" smtClean="0">
+              <a:t>اسم </a:t>
+            </a:r>
+            <a:r>
+              <a:rPr lang="ar-SA" sz="2800" b="1" smtClean="0">
                 <a:solidFill>
                   <a:schemeClr val="accent4">
                     <a:lumMod val="75000"/>
                   </a:schemeClr>
                 </a:solidFill>
               </a:rPr>
-              <a:t>:</a:t>
+              <a:t>الدالة() </a:t>
             </a:r>
             <a:r>
               <a:rPr lang="ar-SA" sz="2800" smtClean="0"/>
-              <a:t> ويجب عند كتابة الاوامر ان يكون هناك مسافة ليعلم النظام ان هذا الامر داخل في الدالة.</a:t>
-            </a:r>
-          </a:p>
-          <a:p>
-            <a:pPr algn="r"/>
+              <a:t>ويمكن </a:t>
+            </a:r>
             <a:r>
               <a:rPr lang="ar-SA" sz="2800" smtClean="0"/>
-              <a:t>وعند استدعاء الدالة نكتب </a:t>
-            </a:r>
-            <a:r>
-              <a:rPr lang="ar-SA" sz="3200" b="1" smtClean="0">
-                <a:solidFill>
-                  <a:schemeClr val="accent4">
-                    <a:lumMod val="75000"/>
-                  </a:schemeClr>
-                </a:solidFill>
-              </a:rPr>
-              <a:t>اسم الدالة </a:t>
-            </a:r>
-            <a:r>
-              <a:rPr lang="ar-SA" sz="2800" smtClean="0"/>
-              <a:t>ثم </a:t>
-            </a:r>
-            <a:r>
-              <a:rPr lang="ar-SA" sz="3200" b="1" smtClean="0">
-                <a:solidFill>
-                  <a:schemeClr val="accent4">
-                    <a:lumMod val="75000"/>
-                  </a:schemeClr>
-                </a:solidFill>
-              </a:rPr>
-              <a:t>الاقواس</a:t>
-            </a:r>
-            <a:endParaRPr lang="ar-SA" sz="2800" smtClean="0"/>
-          </a:p>
-          <a:p>
-            <a:pPr algn="r"/>
-            <a:r>
-              <a:rPr lang="ar-SA" sz="2800" smtClean="0"/>
-              <a:t>ويمكن استدعاء الدالة اكثر من مرة.</a:t>
+              <a:t>استدعاء الدالة اكثر من مرة.</a:t>
             </a:r>
             <a:endParaRPr lang="ar-SA" sz="3200" smtClean="0"/>
           </a:p>
         </p:txBody>
       </p:sp>
+      <p:cxnSp>
+        <p:nvCxnSpPr>
+          <p:cNvPr id="4" name="Elbow Connector 3"/>
+          <p:cNvCxnSpPr>
+            <a:stCxn id="5" idx="2"/>
+            <a:endCxn id="6" idx="1"/>
+          </p:cNvCxnSpPr>
+          <p:nvPr/>
+        </p:nvCxnSpPr>
+        <p:spPr>
+          <a:xfrm rot="16200000" flipH="1">
+            <a:off x="2506912" y="3280692"/>
+            <a:ext cx="1411020" cy="2089894"/>
+          </a:xfrm>
+          <a:prstGeom prst="bentConnector2">
+            <a:avLst/>
+          </a:prstGeom>
+          <a:ln>
+            <a:tailEnd type="triangle"/>
+          </a:ln>
+        </p:spPr>
+        <p:style>
+          <a:lnRef idx="1">
+            <a:schemeClr val="accent1"/>
+          </a:lnRef>
+          <a:fillRef idx="0">
+            <a:schemeClr val="accent1"/>
+          </a:fillRef>
+          <a:effectRef idx="0">
+            <a:schemeClr val="accent1"/>
+          </a:effectRef>
+          <a:fontRef idx="minor">
+            <a:schemeClr val="tx1"/>
+          </a:fontRef>
+        </p:style>
+      </p:cxnSp>
     </p:spTree>
     <p:extLst>
       <p:ext uri="{BB962C8B-B14F-4D97-AF65-F5344CB8AC3E}">
@@ -12724,52 +12743,34 @@
           <a:p>
             <a:pPr algn="r" rtl="1"/>
             <a:r>
+              <a:rPr lang="ar-SA" sz="4000" smtClean="0">
+                <a:cs typeface="+mn-cs"/>
+              </a:rPr>
+              <a:t>معلومة </a:t>
+            </a:r>
+            <a:r>
+              <a:rPr lang="ar-SA" sz="4000" smtClean="0">
+                <a:cs typeface="+mn-cs"/>
+              </a:rPr>
+              <a:t>18 عوامل </a:t>
+            </a:r>
+            <a:r>
+              <a:rPr lang="ar-SA" sz="4000" smtClean="0">
+                <a:cs typeface="+mn-cs"/>
+              </a:rPr>
+              <a:t>الدوال</a:t>
+            </a:r>
+            <a:r>
               <a:rPr lang="ar-SA" sz="4000">
                 <a:cs typeface="+mn-cs"/>
               </a:rPr>
-              <a:t>معلومة </a:t>
-            </a:r>
-            <a:r>
-              <a:rPr lang="en-US" sz="4000">
-                <a:cs typeface="+mn-cs"/>
-              </a:rPr>
               <a:t> </a:t>
             </a:r>
             <a:r>
               <a:rPr lang="en-US" sz="4000" smtClean="0">
                 <a:cs typeface="+mn-cs"/>
               </a:rPr>
-              <a:t>17</a:t>
-            </a:r>
-            <a:r>
-              <a:rPr lang="ar-SA" sz="4000" smtClean="0">
-                <a:cs typeface="+mn-cs"/>
-              </a:rPr>
-              <a:t> الدوال </a:t>
-            </a:r>
-            <a:r>
-              <a:rPr lang="en-US" sz="4000" smtClean="0">
-                <a:cs typeface="+mn-cs"/>
-              </a:rPr>
-              <a:t>(Functions)</a:t>
-            </a:r>
-            <a:r>
-              <a:rPr lang="ar-SA" sz="4000" smtClean="0">
-                <a:cs typeface="+mn-cs"/>
-              </a:rPr>
-              <a:t> 2 </a:t>
-            </a:r>
-            <a:r>
-              <a:rPr lang="en-US" sz="4000">
-                <a:cs typeface="+mn-cs"/>
-              </a:rPr>
-              <a:t>(</a:t>
-            </a:r>
-            <a:r>
-              <a:rPr lang="en-US" sz="4000" smtClean="0">
-                <a:cs typeface="+mn-cs"/>
-              </a:rPr>
-              <a:t>parameters)</a:t>
+              <a:t>1 (Functions Parameters)</a:t>
             </a:r>
             <a:endParaRPr lang="en-US" sz="4000">
               <a:cs typeface="+mn-cs"/>
@@ -12786,7 +12787,7 @@
         <p:spPr>
           <a:xfrm>
             <a:off x="5858540" y="1275907"/>
-            <a:ext cx="5932967" cy="3970318"/>
+            <a:ext cx="5932967" cy="4678204"/>
           </a:xfrm>
           <a:prstGeom prst="rect">
             <a:avLst/>
@@ -12852,14 +12853,42 @@
                   </a:schemeClr>
                 </a:solidFill>
               </a:rPr>
-              <a:t>ويكمن ان تكون نصوص او ارقام حتى دوال اخرى او اي نوع من البايانات.</a:t>
+              <a:t>ويكمن ان تكون نصوص او ارقام حتى دوال اخرى او اي نوع من البايانات</a:t>
+            </a:r>
+            <a:r>
+              <a:rPr lang="ar-SA" sz="2800" smtClean="0">
+                <a:solidFill>
+                  <a:schemeClr val="accent1">
+                    <a:lumMod val="75000"/>
+                  </a:schemeClr>
+                </a:solidFill>
+              </a:rPr>
+              <a:t>.</a:t>
             </a:r>
           </a:p>
           <a:p>
             <a:pPr algn="r"/>
+            <a:endParaRPr lang="ar-SA" sz="2800" smtClean="0">
+              <a:solidFill>
+                <a:schemeClr val="accent1">
+                  <a:lumMod val="75000"/>
+                </a:schemeClr>
+              </a:solidFill>
+            </a:endParaRPr>
+          </a:p>
+          <a:p>
+            <a:pPr algn="r"/>
             <a:r>
               <a:rPr lang="ar-SA" sz="2800" smtClean="0"/>
-              <a:t>يمكن استعمالها بوضع اسم الباراميتر داخل الاقواس</a:t>
+              <a:t>يمكن استعمالها بوضع اسم </a:t>
+            </a:r>
+            <a:r>
+              <a:rPr lang="ar-SA" sz="2800" smtClean="0"/>
+              <a:t>العامل </a:t>
+            </a:r>
+            <a:r>
+              <a:rPr lang="ar-SA" sz="2800" smtClean="0"/>
+              <a:t>داخل الاقواس</a:t>
             </a:r>
           </a:p>
           <a:p>
@@ -12875,6 +12904,10 @@
           </a:p>
           <a:p>
             <a:pPr algn="r"/>
+            <a:endParaRPr lang="ar-SA" smtClean="0"/>
+          </a:p>
+          <a:p>
+            <a:pPr algn="r"/>
             <a:r>
               <a:rPr lang="ar-SA" sz="2800" smtClean="0"/>
               <a:t>وعند استدعاء الدالة يجب وضع القيم بترتيب فنضغ الرقم الاول ثم العملية الحسابية ثم الرقم الثاني كما </a:t>
@@ -12885,7 +12918,11 @@
             </a:r>
             <a:r>
               <a:rPr lang="ar-SA" sz="2800" smtClean="0"/>
-              <a:t>في المثال ويمكن كتابتها بهذا الشكل بدون ترتيب.</a:t>
+              <a:t>في المثال ويمكن كتابتها بهذا الشكل بدون </a:t>
+            </a:r>
+            <a:r>
+              <a:rPr lang="ar-SA" sz="2800" smtClean="0"/>
+              <a:t>ترتيب:</a:t>
             </a:r>
             <a:endParaRPr lang="en-US" sz="2800" smtClean="0"/>
           </a:p>
@@ -12991,7 +13028,7 @@
         </p:nvSpPr>
         <p:spPr>
           <a:xfrm>
-            <a:off x="4281377" y="5215315"/>
+            <a:off x="4281377" y="6015666"/>
             <a:ext cx="7910623" cy="461665"/>
           </a:xfrm>
           <a:prstGeom prst="rect">
@@ -13185,40 +13222,20 @@
           <a:p>
             <a:pPr algn="r" rtl="1"/>
             <a:r>
-              <a:rPr lang="ar-SA">
-                <a:cs typeface="+mn-cs"/>
-              </a:rPr>
-              <a:t>معلومة </a:t>
-            </a:r>
-            <a:r>
-              <a:rPr lang="en-US">
-                <a:cs typeface="+mn-cs"/>
-              </a:rPr>
-              <a:t> </a:t>
-            </a:r>
-            <a:r>
-              <a:rPr lang="en-US" smtClean="0">
-                <a:cs typeface="+mn-cs"/>
-              </a:rPr>
-              <a:t>17</a:t>
-            </a:r>
-            <a:r>
-              <a:rPr lang="ar-SA" smtClean="0">
-                <a:cs typeface="+mn-cs"/>
-              </a:rPr>
-              <a:t> الدوال </a:t>
-            </a:r>
-            <a:r>
-              <a:rPr lang="en-US" smtClean="0">
-                <a:cs typeface="+mn-cs"/>
-              </a:rPr>
-              <a:t>(Functions)</a:t>
-            </a:r>
-            <a:r>
-              <a:rPr lang="ar-SA" smtClean="0">
-                <a:cs typeface="+mn-cs"/>
-              </a:rPr>
-              <a:t> 3 انواع الباراميترز</a:t>
+              <a:rPr lang="ar-SA"/>
+              <a:t>معلومة 18 عوامل </a:t>
+            </a:r>
+            <a:r>
+              <a:rPr lang="ar-SA"/>
+              <a:t>الدوال </a:t>
+            </a:r>
+            <a:r>
+              <a:rPr lang="en-US" smtClean="0"/>
+              <a:t>2 </a:t>
+            </a:r>
+            <a:r>
+              <a:rPr lang="en-US"/>
+              <a:t>(Functions Parameters)</a:t>
             </a:r>
             <a:endParaRPr lang="en-US">
               <a:cs typeface="+mn-cs"/>
@@ -13287,7 +13304,15 @@
             </a:r>
             <a:r>
               <a:rPr lang="ar-SA" sz="2800" smtClean="0"/>
-              <a:t>قبل اسم الباراميتر يصبح عبارة عن</a:t>
+              <a:t>قبل اسم </a:t>
+            </a:r>
+            <a:r>
+              <a:rPr lang="ar-SA" sz="2800" smtClean="0"/>
+              <a:t>العامل </a:t>
+            </a:r>
+            <a:r>
+              <a:rPr lang="ar-SA" sz="2800" smtClean="0"/>
+              <a:t>يصبح عبارة عن</a:t>
             </a:r>
           </a:p>
           <a:p>
@@ -13542,40 +13567,20 @@
           <a:p>
             <a:pPr algn="r" rtl="1"/>
             <a:r>
-              <a:rPr lang="ar-SA">
-                <a:cs typeface="+mn-cs"/>
-              </a:rPr>
-              <a:t>معلومة </a:t>
-            </a:r>
-            <a:r>
-              <a:rPr lang="en-US">
-                <a:cs typeface="+mn-cs"/>
-              </a:rPr>
-              <a:t> </a:t>
-            </a:r>
-            <a:r>
-              <a:rPr lang="en-US" smtClean="0">
-                <a:cs typeface="+mn-cs"/>
-              </a:rPr>
-              <a:t>17</a:t>
-            </a:r>
-            <a:r>
-              <a:rPr lang="ar-SA" smtClean="0">
-                <a:cs typeface="+mn-cs"/>
-              </a:rPr>
-              <a:t> الدوال </a:t>
-            </a:r>
-            <a:r>
-              <a:rPr lang="en-US" smtClean="0">
-                <a:cs typeface="+mn-cs"/>
-              </a:rPr>
-              <a:t>(Functions)</a:t>
-            </a:r>
-            <a:r>
-              <a:rPr lang="ar-SA" smtClean="0">
-                <a:cs typeface="+mn-cs"/>
-              </a:rPr>
-              <a:t> 3 انواع الباراميترز</a:t>
+              <a:rPr lang="ar-SA"/>
+              <a:t>معلومة 18 عوامل </a:t>
+            </a:r>
+            <a:r>
+              <a:rPr lang="ar-SA"/>
+              <a:t>الدوال </a:t>
+            </a:r>
+            <a:r>
+              <a:rPr lang="en-US" smtClean="0"/>
+              <a:t>3 </a:t>
+            </a:r>
+            <a:r>
+              <a:rPr lang="en-US"/>
+              <a:t>(Functions Parameters)</a:t>
             </a:r>
             <a:endParaRPr lang="en-US">
               <a:cs typeface="+mn-cs"/>
@@ -13608,11 +13613,7 @@
             <a:pPr algn="r"/>
             <a:r>
               <a:rPr lang="ar-SA" sz="2800"/>
-              <a:t>عند </a:t>
-            </a:r>
-            <a:r>
-              <a:rPr lang="ar-SA" sz="2800"/>
-              <a:t>وضع </a:t>
+              <a:t>عند وضع </a:t>
             </a:r>
             <a:r>
               <a:rPr lang="ar-SA" sz="2800" b="1" smtClean="0">
@@ -13627,8 +13628,8 @@
               <a:t>قبل اسم </a:t>
             </a:r>
             <a:r>
-              <a:rPr lang="ar-SA" sz="2800"/>
-              <a:t>الباراميتر </a:t>
+              <a:rPr lang="ar-SA" sz="2800" smtClean="0"/>
+              <a:t>العامل </a:t>
             </a:r>
             <a:endParaRPr lang="ar-SA" sz="2800" smtClean="0"/>
           </a:p>
@@ -13747,6 +13748,66 @@
           </a:prstGeom>
         </p:spPr>
       </p:pic>
+      <p:pic>
+        <p:nvPicPr>
+          <p:cNvPr id="3" name="Picture 2"/>
+          <p:cNvPicPr>
+            <a:picLocks noChangeAspect="1"/>
+          </p:cNvPicPr>
+          <p:nvPr/>
+        </p:nvPicPr>
+        <p:blipFill>
+          <a:blip r:embed="rId3"/>
+          <a:stretch>
+            <a:fillRect/>
+          </a:stretch>
+        </p:blipFill>
+        <p:spPr>
+          <a:xfrm>
+            <a:off x="137135" y="5767034"/>
+            <a:ext cx="6858257" cy="575603"/>
+          </a:xfrm>
+          <a:prstGeom prst="rect">
+            <a:avLst/>
+          </a:prstGeom>
+        </p:spPr>
+      </p:pic>
+      <p:cxnSp>
+        <p:nvCxnSpPr>
+          <p:cNvPr id="6" name="Elbow Connector 5"/>
+          <p:cNvCxnSpPr>
+            <a:stCxn id="4" idx="2"/>
+            <a:endCxn id="3" idx="0"/>
+          </p:cNvCxnSpPr>
+          <p:nvPr/>
+        </p:nvCxnSpPr>
+        <p:spPr>
+          <a:xfrm rot="5400000">
+            <a:off x="3175174" y="5059899"/>
+            <a:ext cx="1098225" cy="316044"/>
+          </a:xfrm>
+          <a:prstGeom prst="bentConnector3">
+            <a:avLst/>
+          </a:prstGeom>
+          <a:ln>
+            <a:tailEnd type="triangle"/>
+          </a:ln>
+        </p:spPr>
+        <p:style>
+          <a:lnRef idx="1">
+            <a:schemeClr val="accent1"/>
+          </a:lnRef>
+          <a:fillRef idx="0">
+            <a:schemeClr val="accent1"/>
+          </a:fillRef>
+          <a:effectRef idx="0">
+            <a:schemeClr val="accent1"/>
+          </a:effectRef>
+          <a:fontRef idx="minor">
+            <a:schemeClr val="tx1"/>
+          </a:fontRef>
+        </p:style>
+      </p:cxnSp>
     </p:spTree>
     <p:extLst>
       <p:ext uri="{BB962C8B-B14F-4D97-AF65-F5344CB8AC3E}">

--- a/تدريب برمجة بايثون.pptx
+++ b/تدريب برمجة بايثون.pptx
@@ -4,6 +4,9 @@
   <p:sldMasterIdLst>
     <p:sldMasterId id="2147483648" r:id="rId1"/>
   </p:sldMasterIdLst>
+  <p:notesMasterIdLst>
+    <p:notesMasterId r:id="rId30"/>
+  </p:notesMasterIdLst>
   <p:sldIdLst>
     <p:sldId id="256" r:id="rId2"/>
     <p:sldId id="257" r:id="rId3"/>
@@ -137,6 +140,440 @@
     </p:ext>
   </p:extLst>
 </p:presentation>
+</file>
+
+<file path=ppt/notesMasters/notesMaster1.xml><?xml version="1.0" encoding="utf-8"?>
+<p:notesMaster xmlns:a="http://schemas.openxmlformats.org/drawingml/2006/main" xmlns:r="http://schemas.openxmlformats.org/officeDocument/2006/relationships" xmlns:p="http://schemas.openxmlformats.org/presentationml/2006/main">
+  <p:cSld>
+    <p:bg>
+      <p:bgRef idx="1001">
+        <a:schemeClr val="bg1"/>
+      </p:bgRef>
+    </p:bg>
+    <p:spTree>
+      <p:nvGrpSpPr>
+        <p:cNvPr id="1" name=""/>
+        <p:cNvGrpSpPr/>
+        <p:nvPr/>
+      </p:nvGrpSpPr>
+      <p:grpSpPr>
+        <a:xfrm>
+          <a:off x="0" y="0"/>
+          <a:ext cx="0" cy="0"/>
+          <a:chOff x="0" y="0"/>
+          <a:chExt cx="0" cy="0"/>
+        </a:xfrm>
+      </p:grpSpPr>
+      <p:sp>
+        <p:nvSpPr>
+          <p:cNvPr id="2" name="Header Placeholder 1"/>
+          <p:cNvSpPr>
+            <a:spLocks noGrp="1"/>
+          </p:cNvSpPr>
+          <p:nvPr>
+            <p:ph type="hdr" sz="quarter"/>
+          </p:nvPr>
+        </p:nvSpPr>
+        <p:spPr>
+          <a:xfrm>
+            <a:off x="0" y="0"/>
+            <a:ext cx="2971800" cy="458788"/>
+          </a:xfrm>
+          <a:prstGeom prst="rect">
+            <a:avLst/>
+          </a:prstGeom>
+        </p:spPr>
+        <p:txBody>
+          <a:bodyPr vert="horz" lIns="91440" tIns="45720" rIns="91440" bIns="45720" rtlCol="0"/>
+          <a:lstStyle>
+            <a:lvl1pPr algn="l">
+              <a:defRPr sz="1200"/>
+            </a:lvl1pPr>
+          </a:lstStyle>
+          <a:p>
+            <a:endParaRPr lang="en-US"/>
+          </a:p>
+        </p:txBody>
+      </p:sp>
+      <p:sp>
+        <p:nvSpPr>
+          <p:cNvPr id="3" name="Date Placeholder 2"/>
+          <p:cNvSpPr>
+            <a:spLocks noGrp="1"/>
+          </p:cNvSpPr>
+          <p:nvPr>
+            <p:ph type="dt" idx="1"/>
+          </p:nvPr>
+        </p:nvSpPr>
+        <p:spPr>
+          <a:xfrm>
+            <a:off x="3884613" y="0"/>
+            <a:ext cx="2971800" cy="458788"/>
+          </a:xfrm>
+          <a:prstGeom prst="rect">
+            <a:avLst/>
+          </a:prstGeom>
+        </p:spPr>
+        <p:txBody>
+          <a:bodyPr vert="horz" lIns="91440" tIns="45720" rIns="91440" bIns="45720" rtlCol="0"/>
+          <a:lstStyle>
+            <a:lvl1pPr algn="r">
+              <a:defRPr sz="1200"/>
+            </a:lvl1pPr>
+          </a:lstStyle>
+          <a:p>
+            <a:fld id="{1F2C5C2C-D6BA-4328-B74A-37F38002F7DD}" type="datetimeFigureOut">
+              <a:rPr lang="en-US" smtClean="0"/>
+              <a:t>8/16/2023</a:t>
+            </a:fld>
+            <a:endParaRPr lang="en-US"/>
+          </a:p>
+        </p:txBody>
+      </p:sp>
+      <p:sp>
+        <p:nvSpPr>
+          <p:cNvPr id="4" name="Slide Image Placeholder 3"/>
+          <p:cNvSpPr>
+            <a:spLocks noGrp="1" noRot="1" noChangeAspect="1"/>
+          </p:cNvSpPr>
+          <p:nvPr>
+            <p:ph type="sldImg" idx="2"/>
+          </p:nvPr>
+        </p:nvSpPr>
+        <p:spPr>
+          <a:xfrm>
+            <a:off x="685800" y="1143000"/>
+            <a:ext cx="5486400" cy="3086100"/>
+          </a:xfrm>
+          <a:prstGeom prst="rect">
+            <a:avLst/>
+          </a:prstGeom>
+          <a:noFill/>
+          <a:ln w="12700">
+            <a:solidFill>
+              <a:prstClr val="black"/>
+            </a:solidFill>
+          </a:ln>
+        </p:spPr>
+        <p:txBody>
+          <a:bodyPr vert="horz" lIns="91440" tIns="45720" rIns="91440" bIns="45720" rtlCol="0" anchor="ctr"/>
+          <a:lstStyle/>
+          <a:p>
+            <a:endParaRPr lang="en-US"/>
+          </a:p>
+        </p:txBody>
+      </p:sp>
+      <p:sp>
+        <p:nvSpPr>
+          <p:cNvPr id="5" name="Notes Placeholder 4"/>
+          <p:cNvSpPr>
+            <a:spLocks noGrp="1"/>
+          </p:cNvSpPr>
+          <p:nvPr>
+            <p:ph type="body" sz="quarter" idx="3"/>
+          </p:nvPr>
+        </p:nvSpPr>
+        <p:spPr>
+          <a:xfrm>
+            <a:off x="685800" y="4400550"/>
+            <a:ext cx="5486400" cy="3600450"/>
+          </a:xfrm>
+          <a:prstGeom prst="rect">
+            <a:avLst/>
+          </a:prstGeom>
+        </p:spPr>
+        <p:txBody>
+          <a:bodyPr vert="horz" lIns="91440" tIns="45720" rIns="91440" bIns="45720" rtlCol="0"/>
+          <a:lstStyle/>
+          <a:p>
+            <a:pPr lvl="0"/>
+            <a:r>
+              <a:rPr lang="en-US" smtClean="0"/>
+              <a:t>Edit Master text styles</a:t>
+            </a:r>
+          </a:p>
+          <a:p>
+            <a:pPr lvl="1"/>
+            <a:r>
+              <a:rPr lang="en-US" smtClean="0"/>
+              <a:t>Second level</a:t>
+            </a:r>
+          </a:p>
+          <a:p>
+            <a:pPr lvl="2"/>
+            <a:r>
+              <a:rPr lang="en-US" smtClean="0"/>
+              <a:t>Third level</a:t>
+            </a:r>
+          </a:p>
+          <a:p>
+            <a:pPr lvl="3"/>
+            <a:r>
+              <a:rPr lang="en-US" smtClean="0"/>
+              <a:t>Fourth level</a:t>
+            </a:r>
+          </a:p>
+          <a:p>
+            <a:pPr lvl="4"/>
+            <a:r>
+              <a:rPr lang="en-US" smtClean="0"/>
+              <a:t>Fifth level</a:t>
+            </a:r>
+            <a:endParaRPr lang="en-US"/>
+          </a:p>
+        </p:txBody>
+      </p:sp>
+      <p:sp>
+        <p:nvSpPr>
+          <p:cNvPr id="6" name="Footer Placeholder 5"/>
+          <p:cNvSpPr>
+            <a:spLocks noGrp="1"/>
+          </p:cNvSpPr>
+          <p:nvPr>
+            <p:ph type="ftr" sz="quarter" idx="4"/>
+          </p:nvPr>
+        </p:nvSpPr>
+        <p:spPr>
+          <a:xfrm>
+            <a:off x="0" y="8685213"/>
+            <a:ext cx="2971800" cy="458787"/>
+          </a:xfrm>
+          <a:prstGeom prst="rect">
+            <a:avLst/>
+          </a:prstGeom>
+        </p:spPr>
+        <p:txBody>
+          <a:bodyPr vert="horz" lIns="91440" tIns="45720" rIns="91440" bIns="45720" rtlCol="0" anchor="b"/>
+          <a:lstStyle>
+            <a:lvl1pPr algn="l">
+              <a:defRPr sz="1200"/>
+            </a:lvl1pPr>
+          </a:lstStyle>
+          <a:p>
+            <a:endParaRPr lang="en-US"/>
+          </a:p>
+        </p:txBody>
+      </p:sp>
+      <p:sp>
+        <p:nvSpPr>
+          <p:cNvPr id="7" name="Slide Number Placeholder 6"/>
+          <p:cNvSpPr>
+            <a:spLocks noGrp="1"/>
+          </p:cNvSpPr>
+          <p:nvPr>
+            <p:ph type="sldNum" sz="quarter" idx="5"/>
+          </p:nvPr>
+        </p:nvSpPr>
+        <p:spPr>
+          <a:xfrm>
+            <a:off x="3884613" y="8685213"/>
+            <a:ext cx="2971800" cy="458787"/>
+          </a:xfrm>
+          <a:prstGeom prst="rect">
+            <a:avLst/>
+          </a:prstGeom>
+        </p:spPr>
+        <p:txBody>
+          <a:bodyPr vert="horz" lIns="91440" tIns="45720" rIns="91440" bIns="45720" rtlCol="0" anchor="b"/>
+          <a:lstStyle>
+            <a:lvl1pPr algn="r">
+              <a:defRPr sz="1200"/>
+            </a:lvl1pPr>
+          </a:lstStyle>
+          <a:p>
+            <a:fld id="{972309AF-DE73-4492-BAAC-BA64117A59F6}" type="slidenum">
+              <a:rPr lang="en-US" smtClean="0"/>
+              <a:t>‹#›</a:t>
+            </a:fld>
+            <a:endParaRPr lang="en-US"/>
+          </a:p>
+        </p:txBody>
+      </p:sp>
+    </p:spTree>
+    <p:extLst>
+      <p:ext uri="{BB962C8B-B14F-4D97-AF65-F5344CB8AC3E}">
+        <p14:creationId xmlns:p14="http://schemas.microsoft.com/office/powerpoint/2010/main" val="24116587"/>
+      </p:ext>
+    </p:extLst>
+  </p:cSld>
+  <p:clrMap bg1="lt1" tx1="dk1" bg2="lt2" tx2="dk2" accent1="accent1" accent2="accent2" accent3="accent3" accent4="accent4" accent5="accent5" accent6="accent6" hlink="hlink" folHlink="folHlink"/>
+  <p:notesStyle>
+    <a:lvl1pPr marL="0" algn="l" defTabSz="914400" rtl="0" eaLnBrk="1" latinLnBrk="0" hangingPunct="1">
+      <a:defRPr sz="1200" kern="1200">
+        <a:solidFill>
+          <a:schemeClr val="tx1"/>
+        </a:solidFill>
+        <a:latin typeface="+mn-lt"/>
+        <a:ea typeface="+mn-ea"/>
+        <a:cs typeface="+mn-cs"/>
+      </a:defRPr>
+    </a:lvl1pPr>
+    <a:lvl2pPr marL="457200" algn="l" defTabSz="914400" rtl="0" eaLnBrk="1" latinLnBrk="0" hangingPunct="1">
+      <a:defRPr sz="1200" kern="1200">
+        <a:solidFill>
+          <a:schemeClr val="tx1"/>
+        </a:solidFill>
+        <a:latin typeface="+mn-lt"/>
+        <a:ea typeface="+mn-ea"/>
+        <a:cs typeface="+mn-cs"/>
+      </a:defRPr>
+    </a:lvl2pPr>
+    <a:lvl3pPr marL="914400" algn="l" defTabSz="914400" rtl="0" eaLnBrk="1" latinLnBrk="0" hangingPunct="1">
+      <a:defRPr sz="1200" kern="1200">
+        <a:solidFill>
+          <a:schemeClr val="tx1"/>
+        </a:solidFill>
+        <a:latin typeface="+mn-lt"/>
+        <a:ea typeface="+mn-ea"/>
+        <a:cs typeface="+mn-cs"/>
+      </a:defRPr>
+    </a:lvl3pPr>
+    <a:lvl4pPr marL="1371600" algn="l" defTabSz="914400" rtl="0" eaLnBrk="1" latinLnBrk="0" hangingPunct="1">
+      <a:defRPr sz="1200" kern="1200">
+        <a:solidFill>
+          <a:schemeClr val="tx1"/>
+        </a:solidFill>
+        <a:latin typeface="+mn-lt"/>
+        <a:ea typeface="+mn-ea"/>
+        <a:cs typeface="+mn-cs"/>
+      </a:defRPr>
+    </a:lvl4pPr>
+    <a:lvl5pPr marL="1828800" algn="l" defTabSz="914400" rtl="0" eaLnBrk="1" latinLnBrk="0" hangingPunct="1">
+      <a:defRPr sz="1200" kern="1200">
+        <a:solidFill>
+          <a:schemeClr val="tx1"/>
+        </a:solidFill>
+        <a:latin typeface="+mn-lt"/>
+        <a:ea typeface="+mn-ea"/>
+        <a:cs typeface="+mn-cs"/>
+      </a:defRPr>
+    </a:lvl5pPr>
+    <a:lvl6pPr marL="2286000" algn="l" defTabSz="914400" rtl="0" eaLnBrk="1" latinLnBrk="0" hangingPunct="1">
+      <a:defRPr sz="1200" kern="1200">
+        <a:solidFill>
+          <a:schemeClr val="tx1"/>
+        </a:solidFill>
+        <a:latin typeface="+mn-lt"/>
+        <a:ea typeface="+mn-ea"/>
+        <a:cs typeface="+mn-cs"/>
+      </a:defRPr>
+    </a:lvl6pPr>
+    <a:lvl7pPr marL="2743200" algn="l" defTabSz="914400" rtl="0" eaLnBrk="1" latinLnBrk="0" hangingPunct="1">
+      <a:defRPr sz="1200" kern="1200">
+        <a:solidFill>
+          <a:schemeClr val="tx1"/>
+        </a:solidFill>
+        <a:latin typeface="+mn-lt"/>
+        <a:ea typeface="+mn-ea"/>
+        <a:cs typeface="+mn-cs"/>
+      </a:defRPr>
+    </a:lvl7pPr>
+    <a:lvl8pPr marL="3200400" algn="l" defTabSz="914400" rtl="0" eaLnBrk="1" latinLnBrk="0" hangingPunct="1">
+      <a:defRPr sz="1200" kern="1200">
+        <a:solidFill>
+          <a:schemeClr val="tx1"/>
+        </a:solidFill>
+        <a:latin typeface="+mn-lt"/>
+        <a:ea typeface="+mn-ea"/>
+        <a:cs typeface="+mn-cs"/>
+      </a:defRPr>
+    </a:lvl8pPr>
+    <a:lvl9pPr marL="3657600" algn="l" defTabSz="914400" rtl="0" eaLnBrk="1" latinLnBrk="0" hangingPunct="1">
+      <a:defRPr sz="1200" kern="1200">
+        <a:solidFill>
+          <a:schemeClr val="tx1"/>
+        </a:solidFill>
+        <a:latin typeface="+mn-lt"/>
+        <a:ea typeface="+mn-ea"/>
+        <a:cs typeface="+mn-cs"/>
+      </a:defRPr>
+    </a:lvl9pPr>
+  </p:notesStyle>
+</p:notesMaster>
+</file>
+
+<file path=ppt/notesSlides/notesSlide1.xml><?xml version="1.0" encoding="utf-8"?>
+<p:notes xmlns:a="http://schemas.openxmlformats.org/drawingml/2006/main" xmlns:r="http://schemas.openxmlformats.org/officeDocument/2006/relationships" xmlns:p="http://schemas.openxmlformats.org/presentationml/2006/main">
+  <p:cSld>
+    <p:spTree>
+      <p:nvGrpSpPr>
+        <p:cNvPr id="1" name=""/>
+        <p:cNvGrpSpPr/>
+        <p:nvPr/>
+      </p:nvGrpSpPr>
+      <p:grpSpPr>
+        <a:xfrm>
+          <a:off x="0" y="0"/>
+          <a:ext cx="0" cy="0"/>
+          <a:chOff x="0" y="0"/>
+          <a:chExt cx="0" cy="0"/>
+        </a:xfrm>
+      </p:grpSpPr>
+      <p:sp>
+        <p:nvSpPr>
+          <p:cNvPr id="2" name="Slide Image Placeholder 1"/>
+          <p:cNvSpPr>
+            <a:spLocks noGrp="1" noRot="1" noChangeAspect="1"/>
+          </p:cNvSpPr>
+          <p:nvPr>
+            <p:ph type="sldImg"/>
+          </p:nvPr>
+        </p:nvSpPr>
+        <p:spPr/>
+      </p:sp>
+      <p:sp>
+        <p:nvSpPr>
+          <p:cNvPr id="3" name="Notes Placeholder 2"/>
+          <p:cNvSpPr>
+            <a:spLocks noGrp="1"/>
+          </p:cNvSpPr>
+          <p:nvPr>
+            <p:ph type="body" idx="1"/>
+          </p:nvPr>
+        </p:nvSpPr>
+        <p:spPr/>
+        <p:txBody>
+          <a:bodyPr/>
+          <a:lstStyle/>
+          <a:p>
+            <a:endParaRPr lang="en-US"/>
+          </a:p>
+        </p:txBody>
+      </p:sp>
+      <p:sp>
+        <p:nvSpPr>
+          <p:cNvPr id="4" name="Slide Number Placeholder 3"/>
+          <p:cNvSpPr>
+            <a:spLocks noGrp="1"/>
+          </p:cNvSpPr>
+          <p:nvPr>
+            <p:ph type="sldNum" sz="quarter" idx="10"/>
+          </p:nvPr>
+        </p:nvSpPr>
+        <p:spPr/>
+        <p:txBody>
+          <a:bodyPr/>
+          <a:lstStyle/>
+          <a:p>
+            <a:fld id="{972309AF-DE73-4492-BAAC-BA64117A59F6}" type="slidenum">
+              <a:rPr lang="en-US" smtClean="0"/>
+              <a:t>26</a:t>
+            </a:fld>
+            <a:endParaRPr lang="en-US"/>
+          </a:p>
+        </p:txBody>
+      </p:sp>
+    </p:spTree>
+    <p:extLst>
+      <p:ext uri="{BB962C8B-B14F-4D97-AF65-F5344CB8AC3E}">
+        <p14:creationId xmlns:p14="http://schemas.microsoft.com/office/powerpoint/2010/main" val="3289066873"/>
+      </p:ext>
+    </p:extLst>
+  </p:cSld>
+  <p:clrMapOvr>
+    <a:masterClrMapping/>
+  </p:clrMapOvr>
+</p:notes>
 </file>
 
 <file path=ppt/slideLayouts/slideLayout1.xml><?xml version="1.0" encoding="utf-8"?>
@@ -12412,16 +12849,16 @@
               <a:t> الدوال </a:t>
             </a:r>
             <a:r>
-              <a:rPr lang="en-US" smtClean="0">
+              <a:rPr lang="ar-SA" smtClean="0">
                 <a:cs typeface="+mn-cs"/>
               </a:rPr>
-              <a:t>(Functions</a:t>
-            </a:r>
-            <a:r>
-              <a:rPr lang="en-US" smtClean="0">
+              <a:t>بدون معاملات </a:t>
+            </a:r>
+            <a:r>
+              <a:rPr lang="en-US" sz="3100" smtClean="0">
                 <a:cs typeface="+mn-cs"/>
               </a:rPr>
-              <a:t>)</a:t>
+              <a:t>(Functions Without Parameters)</a:t>
             </a:r>
             <a:endParaRPr lang="en-US">
               <a:cs typeface="+mn-cs"/>
@@ -12445,8 +12882,8 @@
         </p:blipFill>
         <p:spPr>
           <a:xfrm>
-            <a:off x="421712" y="365126"/>
-            <a:ext cx="3491526" cy="3255003"/>
+            <a:off x="284061" y="1397514"/>
+            <a:ext cx="3491526" cy="2515726"/>
           </a:xfrm>
           <a:prstGeom prst="rect">
             <a:avLst/>
@@ -12469,8 +12906,8 @@
         </p:blipFill>
         <p:spPr>
           <a:xfrm>
-            <a:off x="4257369" y="3403647"/>
-            <a:ext cx="2054942" cy="3255004"/>
+            <a:off x="2300749" y="4257016"/>
+            <a:ext cx="2054942" cy="2006135"/>
           </a:xfrm>
           <a:prstGeom prst="rect">
             <a:avLst/>
@@ -12485,8 +12922,8 @@
         </p:nvSpPr>
         <p:spPr>
           <a:xfrm>
-            <a:off x="5909187" y="1275907"/>
-            <a:ext cx="5882320" cy="4093428"/>
+            <a:off x="4444181" y="1275907"/>
+            <a:ext cx="7347326" cy="4401205"/>
           </a:xfrm>
           <a:prstGeom prst="rect">
             <a:avLst/>
@@ -12499,27 +12936,35 @@
           </a:bodyPr>
           <a:lstStyle/>
           <a:p>
-            <a:pPr algn="r"/>
+            <a:pPr algn="r" rtl="1"/>
             <a:r>
               <a:rPr lang="ar-SA" sz="2800" smtClean="0"/>
               <a:t>الدوال هي عبارة عن مجموعة اوامر يقوم النظام</a:t>
             </a:r>
           </a:p>
           <a:p>
-            <a:pPr algn="r"/>
+            <a:pPr algn="r" rtl="1"/>
             <a:r>
               <a:rPr lang="ar-SA" sz="2800" smtClean="0"/>
               <a:t>بتنفيذها في كل مرة يتم فيها استدعاء الدالة.</a:t>
             </a:r>
           </a:p>
           <a:p>
-            <a:pPr algn="r"/>
+            <a:pPr algn="r" rtl="1"/>
             <a:r>
               <a:rPr lang="ar-SA" sz="2800" smtClean="0"/>
-              <a:t>, </a:t>
-            </a:r>
-            <a:r>
-              <a:rPr lang="en-US" sz="3200" b="1" smtClean="0">
+              <a:t>وتكون </a:t>
+            </a:r>
+            <a:r>
+              <a:rPr lang="ar-SA" sz="2800" smtClean="0"/>
+              <a:t>طريقة الكتابة </a:t>
+            </a:r>
+            <a:r>
+              <a:rPr lang="ar-SA" sz="2800" smtClean="0"/>
+              <a:t>بكتابة </a:t>
+            </a:r>
+            <a:r>
+              <a:rPr lang="en-US" sz="2800" b="1">
                 <a:solidFill>
                   <a:srgbClr val="0070C0"/>
                 </a:solidFill>
@@ -12528,28 +12973,7 @@
             </a:r>
             <a:r>
               <a:rPr lang="ar-SA" sz="2800" smtClean="0"/>
-              <a:t>وتكون طريقة الكتابة بكتابة </a:t>
-            </a:r>
-          </a:p>
-          <a:p>
-            <a:pPr algn="r"/>
-            <a:r>
-              <a:rPr lang="ar-SA" sz="2800" smtClean="0">
-                <a:solidFill>
-                  <a:schemeClr val="accent1"/>
-                </a:solidFill>
-              </a:rPr>
-              <a:t>:</a:t>
-            </a:r>
-            <a:r>
-              <a:rPr lang="en-US" sz="2800" smtClean="0">
-                <a:solidFill>
-                  <a:schemeClr val="accent4">
-                    <a:lumMod val="50000"/>
-                  </a:schemeClr>
-                </a:solidFill>
-              </a:rPr>
-              <a:t>()</a:t>
+              <a:t> يليها </a:t>
             </a:r>
             <a:r>
               <a:rPr lang="ar-SA" sz="2800" smtClean="0">
@@ -12559,11 +12983,31 @@
                   </a:schemeClr>
                 </a:solidFill>
               </a:rPr>
-              <a:t> </a:t>
-            </a:r>
+              <a:t>اسم الدالة متبوعا بـ </a:t>
+            </a:r>
+            <a:r>
+              <a:rPr lang="en-US" sz="2800" smtClean="0">
+                <a:solidFill>
+                  <a:schemeClr val="accent4">
+                    <a:lumMod val="75000"/>
+                  </a:schemeClr>
+                </a:solidFill>
+              </a:rPr>
+              <a:t>():</a:t>
+            </a:r>
+            <a:endParaRPr lang="ar-SA" sz="2800" smtClean="0">
+              <a:solidFill>
+                <a:schemeClr val="accent4">
+                  <a:lumMod val="75000"/>
+                </a:schemeClr>
+              </a:solidFill>
+            </a:endParaRPr>
+          </a:p>
+          <a:p>
+            <a:pPr algn="r" rtl="1"/>
             <a:r>
               <a:rPr lang="ar-SA" sz="2800" smtClean="0"/>
-              <a:t>بعدها</a:t>
+              <a:t>مثال</a:t>
             </a:r>
             <a:r>
               <a:rPr lang="ar-SA" sz="2800" smtClean="0">
@@ -12573,8 +13017,21 @@
                   </a:schemeClr>
                 </a:solidFill>
               </a:rPr>
-              <a:t> اسم الدالة</a:t>
-            </a:r>
+              <a:t> </a:t>
+            </a:r>
+            <a:r>
+              <a:rPr lang="en-US" sz="2800" smtClean="0">
+                <a:solidFill>
+                  <a:schemeClr val="accent4">
+                    <a:lumMod val="75000"/>
+                  </a:schemeClr>
+                </a:solidFill>
+              </a:rPr>
+              <a:t>def print_names():</a:t>
+            </a:r>
+          </a:p>
+          <a:p>
+            <a:pPr algn="r" rtl="1"/>
             <a:endParaRPr lang="en-US" sz="2800" smtClean="0">
               <a:solidFill>
                 <a:schemeClr val="accent4">
@@ -12584,29 +13041,33 @@
             </a:endParaRPr>
           </a:p>
           <a:p>
-            <a:pPr algn="r"/>
+            <a:pPr algn="r" rtl="1"/>
             <a:r>
               <a:rPr lang="ar-SA" sz="2800" smtClean="0"/>
-              <a:t>يجب ترك مسافة قبل كل سطر في الدالة ليعلم </a:t>
+              <a:t>ثم نبدأ سطر جديد ويجب </a:t>
             </a:r>
             <a:r>
               <a:rPr lang="ar-SA" sz="2800" smtClean="0"/>
-              <a:t>النظام ان هذا الامر داخل في الدالة</a:t>
-            </a:r>
+              <a:t>ترك مسافة قبل كل سطر في الدالة ليعلم النظام ان هذا الامر داخل في الدالة.</a:t>
+            </a:r>
+          </a:p>
+          <a:p>
+            <a:pPr algn="r" rtl="1"/>
+            <a:endParaRPr lang="ar-SA" sz="2800" smtClean="0"/>
+          </a:p>
+          <a:p>
+            <a:pPr algn="r" rtl="1"/>
             <a:r>
               <a:rPr lang="ar-SA" sz="2800" smtClean="0"/>
-              <a:t>.</a:t>
-            </a:r>
-          </a:p>
-          <a:p>
-            <a:pPr algn="r"/>
-            <a:endParaRPr lang="ar-SA" sz="2800" smtClean="0"/>
-          </a:p>
-          <a:p>
-            <a:pPr algn="r"/>
+              <a:t>وعند </a:t>
+            </a:r>
             <a:r>
               <a:rPr lang="ar-SA" sz="2800" smtClean="0"/>
-              <a:t>وعند استدعاء الدالة نكتب </a:t>
+              <a:t>الحاجة لاستدعاء </a:t>
+            </a:r>
+            <a:r>
+              <a:rPr lang="ar-SA" sz="2800" smtClean="0"/>
+              <a:t>الدالة نكتب </a:t>
             </a:r>
             <a:r>
               <a:rPr lang="ar-SA" sz="2800" b="1" smtClean="0">
@@ -12616,18 +13077,18 @@
                   </a:schemeClr>
                 </a:solidFill>
               </a:rPr>
-              <a:t>اسم </a:t>
-            </a:r>
-            <a:r>
-              <a:rPr lang="ar-SA" sz="2800" b="1" smtClean="0">
-                <a:solidFill>
-                  <a:schemeClr val="accent4">
-                    <a:lumMod val="75000"/>
-                  </a:schemeClr>
-                </a:solidFill>
-              </a:rPr>
-              <a:t>الدالة() </a:t>
-            </a:r>
+              <a:t>اسم الدالة() </a:t>
+            </a:r>
+            <a:endParaRPr lang="ar-SA" sz="2800" b="1" smtClean="0">
+              <a:solidFill>
+                <a:schemeClr val="accent4">
+                  <a:lumMod val="75000"/>
+                </a:schemeClr>
+              </a:solidFill>
+            </a:endParaRPr>
+          </a:p>
+          <a:p>
+            <a:pPr algn="r" rtl="1"/>
             <a:r>
               <a:rPr lang="ar-SA" sz="2800" smtClean="0"/>
               <a:t>ويمكن </a:t>
@@ -12651,8 +13112,8 @@
         </p:nvCxnSpPr>
         <p:spPr>
           <a:xfrm rot="16200000" flipH="1">
-            <a:off x="2506912" y="3280692"/>
-            <a:ext cx="1411020" cy="2089894"/>
+            <a:off x="1491864" y="4451199"/>
+            <a:ext cx="1346844" cy="270925"/>
           </a:xfrm>
           <a:prstGeom prst="bentConnector2">
             <a:avLst/>
@@ -12746,31 +13207,25 @@
               <a:rPr lang="ar-SA" sz="4000" smtClean="0">
                 <a:cs typeface="+mn-cs"/>
               </a:rPr>
-              <a:t>معلومة </a:t>
+              <a:t>معلومة 18 عوامل </a:t>
             </a:r>
             <a:r>
               <a:rPr lang="ar-SA" sz="4000" smtClean="0">
                 <a:cs typeface="+mn-cs"/>
               </a:rPr>
-              <a:t>18 عوامل </a:t>
-            </a:r>
-            <a:r>
-              <a:rPr lang="ar-SA" sz="4000" smtClean="0">
-                <a:cs typeface="+mn-cs"/>
-              </a:rPr>
-              <a:t>الدوال</a:t>
-            </a:r>
-            <a:r>
-              <a:rPr lang="ar-SA" sz="4000">
-                <a:cs typeface="+mn-cs"/>
-              </a:rPr>
-              <a:t> </a:t>
+              <a:t>الدوال بمعاملات </a:t>
             </a:r>
             <a:r>
               <a:rPr lang="en-US" sz="4000" smtClean="0">
                 <a:cs typeface="+mn-cs"/>
               </a:rPr>
-              <a:t>1 (Functions Parameters)</a:t>
+              <a:t>(</a:t>
+            </a:r>
+            <a:r>
+              <a:rPr lang="en-US" sz="4000" smtClean="0">
+                <a:cs typeface="+mn-cs"/>
+              </a:rPr>
+              <a:t>Functions Parameters)</a:t>
             </a:r>
             <a:endParaRPr lang="en-US" sz="4000">
               <a:cs typeface="+mn-cs"/>
@@ -12786,8 +13241,8 @@
         </p:nvSpPr>
         <p:spPr>
           <a:xfrm>
-            <a:off x="5858540" y="1275907"/>
-            <a:ext cx="5932967" cy="4678204"/>
+            <a:off x="4483510" y="1275907"/>
+            <a:ext cx="7307997" cy="3816429"/>
           </a:xfrm>
           <a:prstGeom prst="rect">
             <a:avLst/>
@@ -12800,7 +13255,17 @@
           </a:bodyPr>
           <a:lstStyle/>
           <a:p>
-            <a:pPr algn="r"/>
+            <a:pPr algn="r" rtl="1"/>
+            <a:r>
+              <a:rPr lang="ar-SA" sz="2800" smtClean="0">
+                <a:solidFill>
+                  <a:schemeClr val="accent1">
+                    <a:lumMod val="75000"/>
+                  </a:schemeClr>
+                </a:solidFill>
+              </a:rPr>
+              <a:t>المعاملات (</a:t>
+            </a:r>
             <a:r>
               <a:rPr lang="en-US" sz="2800" smtClean="0">
                 <a:solidFill>
@@ -12809,7 +13274,7 @@
                   </a:schemeClr>
                 </a:solidFill>
               </a:rPr>
-              <a:t> </a:t>
+              <a:t>parameters</a:t>
             </a:r>
             <a:r>
               <a:rPr lang="ar-SA" sz="2800" smtClean="0">
@@ -12819,19 +13284,8 @@
                   </a:schemeClr>
                 </a:solidFill>
               </a:rPr>
-              <a:t> هي عبارة عن قيم يتم اعطاؤها</a:t>
-            </a:r>
-            <a:r>
-              <a:rPr lang="en-US" sz="2800" b="1" smtClean="0"/>
-              <a:t>parameters</a:t>
-            </a:r>
-            <a:r>
-              <a:rPr lang="ar-SA" sz="2800" b="1" smtClean="0"/>
-              <a:t>ال</a:t>
-            </a:r>
-          </a:p>
-          <a:p>
-            <a:pPr algn="r"/>
+              <a:t>) </a:t>
+            </a:r>
             <a:r>
               <a:rPr lang="ar-SA" sz="2800" smtClean="0">
                 <a:solidFill>
@@ -12840,11 +13294,8 @@
                   </a:schemeClr>
                 </a:solidFill>
               </a:rPr>
-              <a:t>للدالة بحيث تقوم بوظيفتها على حسب القيم المعطاة</a:t>
-            </a:r>
-          </a:p>
-          <a:p>
-            <a:pPr algn="r"/>
+              <a:t>هي عبارة عن </a:t>
+            </a:r>
             <a:r>
               <a:rPr lang="ar-SA" sz="2800" smtClean="0">
                 <a:solidFill>
@@ -12853,7 +13304,7 @@
                   </a:schemeClr>
                 </a:solidFill>
               </a:rPr>
-              <a:t>ويكمن ان تكون نصوص او ارقام حتى دوال اخرى او اي نوع من البايانات</a:t>
+              <a:t>متغيرات</a:t>
             </a:r>
             <a:r>
               <a:rPr lang="ar-SA" sz="2800" smtClean="0">
@@ -12863,11 +13314,22 @@
                   </a:schemeClr>
                 </a:solidFill>
               </a:rPr>
-              <a:t>.</a:t>
-            </a:r>
-          </a:p>
-          <a:p>
-            <a:pPr algn="r"/>
+              <a:t> يتم تمرير القيم من خلالها الى الدالة</a:t>
+            </a:r>
+            <a:endParaRPr lang="ar-SA" sz="2800" b="1" smtClean="0"/>
+          </a:p>
+          <a:p>
+            <a:pPr algn="r" rtl="1"/>
+            <a:r>
+              <a:rPr lang="ar-SA" sz="2800" smtClean="0">
+                <a:solidFill>
+                  <a:schemeClr val="accent1">
+                    <a:lumMod val="75000"/>
+                  </a:schemeClr>
+                </a:solidFill>
+              </a:rPr>
+              <a:t>بحيث يتم استخدامها في الدالة</a:t>
+            </a:r>
             <a:endParaRPr lang="ar-SA" sz="2800" smtClean="0">
               <a:solidFill>
                 <a:schemeClr val="accent1">
@@ -12877,40 +13339,31 @@
             </a:endParaRPr>
           </a:p>
           <a:p>
-            <a:pPr algn="r"/>
+            <a:pPr algn="r" rtl="1"/>
+            <a:r>
+              <a:rPr lang="ar-SA" sz="2800" smtClean="0">
+                <a:solidFill>
+                  <a:schemeClr val="accent1">
+                    <a:lumMod val="75000"/>
+                  </a:schemeClr>
+                </a:solidFill>
+              </a:rPr>
+              <a:t>ويكمن ان تكون نصوص او ارقام حتى دوال اخرى او اي نوع من البايانات.</a:t>
+            </a:r>
+          </a:p>
+          <a:p>
+            <a:pPr algn="r" rtl="1"/>
             <a:r>
               <a:rPr lang="ar-SA" sz="2800" smtClean="0"/>
-              <a:t>يمكن استعمالها بوضع اسم </a:t>
+              <a:t>يمكن </a:t>
             </a:r>
             <a:r>
               <a:rPr lang="ar-SA" sz="2800" smtClean="0"/>
-              <a:t>العامل </a:t>
+              <a:t>استعمالها بوضع اسم العامل داخل </a:t>
             </a:r>
             <a:r>
               <a:rPr lang="ar-SA" sz="2800" smtClean="0"/>
-              <a:t>داخل الاقواس</a:t>
-            </a:r>
-          </a:p>
-          <a:p>
-            <a:pPr algn="r"/>
-            <a:r>
-              <a:rPr lang="ar-SA" sz="2800" smtClean="0"/>
-              <a:t>وعند اضافة واحد اخر نضع فاصلة ثم نضيفه</a:t>
-            </a:r>
-            <a:r>
-              <a:rPr lang="ar-SA" smtClean="0"/>
-              <a:t>,</a:t>
-            </a:r>
-          </a:p>
-          <a:p>
-            <a:pPr algn="r"/>
-            <a:endParaRPr lang="ar-SA" smtClean="0"/>
-          </a:p>
-          <a:p>
-            <a:pPr algn="r"/>
-            <a:r>
-              <a:rPr lang="ar-SA" sz="2800" smtClean="0"/>
-              <a:t>وعند استدعاء الدالة يجب وضع القيم بترتيب فنضغ الرقم الاول ثم العملية الحسابية ثم الرقم الثاني كما </a:t>
+              <a:t>الاقواس</a:t>
             </a:r>
             <a:r>
               <a:rPr lang="en-US" sz="2800" smtClean="0"/>
@@ -12918,13 +13371,37 @@
             </a:r>
             <a:r>
               <a:rPr lang="ar-SA" sz="2800" smtClean="0"/>
-              <a:t>في المثال ويمكن كتابتها بهذا الشكل بدون </a:t>
-            </a:r>
-            <a:r>
-              <a:rPr lang="ar-SA" sz="2800" smtClean="0"/>
-              <a:t>ترتيب:</a:t>
-            </a:r>
-            <a:endParaRPr lang="en-US" sz="2800" smtClean="0"/>
+              <a:t>ولأكثر من عامل يفصل بينهم بفاصلة مثل:</a:t>
+            </a:r>
+            <a:r>
+              <a:rPr lang="en-US" sz="2800" smtClean="0"/>
+              <a:t> </a:t>
+            </a:r>
+            <a:endParaRPr lang="ar-SA" sz="2800" smtClean="0"/>
+          </a:p>
+          <a:p>
+            <a:pPr algn="r" rtl="1"/>
+            <a:r>
+              <a:rPr lang="en-US" sz="2800" smtClean="0">
+                <a:solidFill>
+                  <a:schemeClr val="accent4">
+                    <a:lumMod val="75000"/>
+                  </a:schemeClr>
+                </a:solidFill>
+              </a:rPr>
+              <a:t>def print_names(par1,par2,par3)</a:t>
+            </a:r>
+            <a:endParaRPr lang="ar-SA" smtClean="0">
+              <a:solidFill>
+                <a:schemeClr val="accent4">
+                  <a:lumMod val="75000"/>
+                </a:schemeClr>
+              </a:solidFill>
+            </a:endParaRPr>
+          </a:p>
+          <a:p>
+            <a:pPr algn="r" rtl="1"/>
+            <a:endParaRPr lang="ar-SA" smtClean="0"/>
           </a:p>
         </p:txBody>
       </p:sp>
@@ -12937,7 +13414,7 @@
           <p:nvPr/>
         </p:nvPicPr>
         <p:blipFill>
-          <a:blip r:embed="rId2"/>
+          <a:blip r:embed="rId3"/>
           <a:stretch>
             <a:fillRect/>
           </a:stretch>
@@ -12945,7 +13422,7 @@
         <p:spPr>
           <a:xfrm>
             <a:off x="255181" y="1275907"/>
-            <a:ext cx="5514621" cy="3689498"/>
+            <a:ext cx="4133017" cy="2765151"/>
           </a:xfrm>
           <a:prstGeom prst="rect">
             <a:avLst/>
@@ -12961,15 +13438,15 @@
           <p:nvPr/>
         </p:nvPicPr>
         <p:blipFill>
-          <a:blip r:embed="rId3"/>
+          <a:blip r:embed="rId4"/>
           <a:stretch>
             <a:fillRect/>
           </a:stretch>
         </p:blipFill>
         <p:spPr>
           <a:xfrm>
-            <a:off x="255181" y="5479342"/>
-            <a:ext cx="3813747" cy="997989"/>
+            <a:off x="1284158" y="4330106"/>
+            <a:ext cx="2078476" cy="522077"/>
           </a:xfrm>
           <a:prstGeom prst="rect">
             <a:avLst/>
@@ -12986,9 +13463,9 @@
           <p:nvPr/>
         </p:nvCxnSpPr>
         <p:spPr>
-          <a:xfrm rot="5400000">
-            <a:off x="2330306" y="4797155"/>
-            <a:ext cx="513937" cy="850437"/>
+          <a:xfrm rot="16200000" flipH="1">
+            <a:off x="2178019" y="4184729"/>
+            <a:ext cx="289048" cy="1706"/>
           </a:xfrm>
           <a:prstGeom prst="bentConnector3">
             <a:avLst>
@@ -13022,14 +13499,14 @@
       </p:cxnSp>
       <p:sp>
         <p:nvSpPr>
-          <p:cNvPr id="15" name="TextBox 14"/>
+          <p:cNvPr id="11" name="TextBox 10"/>
           <p:cNvSpPr txBox="1"/>
           <p:nvPr/>
         </p:nvSpPr>
         <p:spPr>
           <a:xfrm>
-            <a:off x="4281377" y="6015666"/>
-            <a:ext cx="7910623" cy="461665"/>
+            <a:off x="688259" y="5170866"/>
+            <a:ext cx="11340463" cy="954107"/>
           </a:xfrm>
           <a:prstGeom prst="rect">
             <a:avLst/>
@@ -13042,8 +13519,45 @@
           </a:bodyPr>
           <a:lstStyle/>
           <a:p>
-            <a:r>
-              <a:rPr lang="en-US" sz="2400" smtClean="0">
+            <a:pPr algn="r" rtl="1"/>
+            <a:r>
+              <a:rPr lang="ar-SA" sz="2800"/>
+              <a:t>وعند استدعاء الدالة يجب وضع القيم بحسب </a:t>
+            </a:r>
+            <a:r>
+              <a:rPr lang="ar-SA" sz="2800"/>
+              <a:t>ترتيب </a:t>
+            </a:r>
+            <a:r>
+              <a:rPr lang="ar-SA" sz="2800" smtClean="0"/>
+              <a:t>العوامل كما </a:t>
+            </a:r>
+            <a:r>
+              <a:rPr lang="en-US" sz="2800" smtClean="0"/>
+              <a:t> </a:t>
+            </a:r>
+            <a:r>
+              <a:rPr lang="ar-SA" sz="2800"/>
+              <a:t>في </a:t>
+            </a:r>
+            <a:r>
+              <a:rPr lang="ar-SA" sz="2800" smtClean="0"/>
+              <a:t>المثال. </a:t>
+            </a:r>
+            <a:r>
+              <a:rPr lang="ar-SA" sz="2800"/>
+              <a:t>ويمكن كتابتها بهذا الشكل بدون </a:t>
+            </a:r>
+            <a:r>
+              <a:rPr lang="ar-SA" sz="2800"/>
+              <a:t>ترتيب</a:t>
+            </a:r>
+            <a:r>
+              <a:rPr lang="ar-SA" sz="2800" smtClean="0"/>
+              <a:t>: </a:t>
+            </a:r>
+            <a:r>
+              <a:rPr lang="en-US" sz="2800">
                 <a:solidFill>
                   <a:schemeClr val="accent4">
                     <a:lumMod val="75000"/>
@@ -13053,7 +13567,7 @@
               <a:t>make_math</a:t>
             </a:r>
             <a:r>
-              <a:rPr lang="en-US" sz="2400" smtClean="0">
+              <a:rPr lang="en-US" sz="2800">
                 <a:solidFill>
                   <a:schemeClr val="accent4">
                     <a:lumMod val="50000"/>
@@ -13063,7 +13577,7 @@
               <a:t>(</a:t>
             </a:r>
             <a:r>
-              <a:rPr lang="en-US" sz="2400" smtClean="0">
+              <a:rPr lang="en-US" sz="2800">
                 <a:solidFill>
                   <a:schemeClr val="accent1">
                     <a:lumMod val="75000"/>
@@ -13073,11 +13587,11 @@
               <a:t>first_num</a:t>
             </a:r>
             <a:r>
-              <a:rPr lang="en-US" sz="2400" smtClean="0"/>
+              <a:rPr lang="en-US" sz="2800"/>
               <a:t>=</a:t>
             </a:r>
             <a:r>
-              <a:rPr lang="en-US" sz="2400" smtClean="0">
+              <a:rPr lang="en-US" sz="2800">
                 <a:solidFill>
                   <a:schemeClr val="accent6">
                     <a:lumMod val="75000"/>
@@ -13087,11 +13601,11 @@
               <a:t>131</a:t>
             </a:r>
             <a:r>
-              <a:rPr lang="en-US" sz="2400" smtClean="0"/>
+              <a:rPr lang="en-US" sz="2800"/>
               <a:t>,</a:t>
             </a:r>
             <a:r>
-              <a:rPr lang="en-US" sz="2400" smtClean="0">
+              <a:rPr lang="en-US" sz="2800">
                 <a:solidFill>
                   <a:schemeClr val="accent1">
                     <a:lumMod val="75000"/>
@@ -13101,11 +13615,11 @@
               <a:t>operation</a:t>
             </a:r>
             <a:r>
-              <a:rPr lang="en-US" sz="2400" smtClean="0"/>
+              <a:rPr lang="en-US" sz="2800"/>
               <a:t>=</a:t>
             </a:r>
             <a:r>
-              <a:rPr lang="en-US" sz="2400" smtClean="0">
+              <a:rPr lang="en-US" sz="2800">
                 <a:solidFill>
                   <a:schemeClr val="accent2">
                     <a:lumMod val="75000"/>
@@ -13115,11 +13629,11 @@
               <a:t>“*”</a:t>
             </a:r>
             <a:r>
-              <a:rPr lang="en-US" sz="2400" smtClean="0"/>
+              <a:rPr lang="en-US" sz="2800"/>
               <a:t>,</a:t>
             </a:r>
             <a:r>
-              <a:rPr lang="en-US" sz="2400" smtClean="0">
+              <a:rPr lang="en-US" sz="2800">
                 <a:solidFill>
                   <a:schemeClr val="accent1">
                     <a:lumMod val="75000"/>
@@ -13129,11 +13643,11 @@
               <a:t>second_num</a:t>
             </a:r>
             <a:r>
-              <a:rPr lang="en-US" sz="2400" smtClean="0"/>
+              <a:rPr lang="en-US" sz="2800"/>
               <a:t>=</a:t>
             </a:r>
             <a:r>
-              <a:rPr lang="en-US" sz="2400" smtClean="0">
+              <a:rPr lang="en-US" sz="2800">
                 <a:solidFill>
                   <a:schemeClr val="accent6">
                     <a:lumMod val="75000"/>
@@ -13143,7 +13657,7 @@
               <a:t>621</a:t>
             </a:r>
             <a:r>
-              <a:rPr lang="en-US" sz="2400">
+              <a:rPr lang="en-US" sz="2800" smtClean="0">
                 <a:solidFill>
                   <a:schemeClr val="accent4">
                     <a:lumMod val="50000"/>
@@ -13152,6 +13666,13 @@
               </a:rPr>
               <a:t>)</a:t>
             </a:r>
+            <a:endParaRPr lang="en-US" sz="2800">
+              <a:solidFill>
+                <a:schemeClr val="accent4">
+                  <a:lumMod val="50000"/>
+                </a:schemeClr>
+              </a:solidFill>
+            </a:endParaRPr>
           </a:p>
         </p:txBody>
       </p:sp>
@@ -13223,19 +13744,15 @@
             <a:pPr algn="r" rtl="1"/>
             <a:r>
               <a:rPr lang="ar-SA"/>
-              <a:t>معلومة 18 عوامل </a:t>
-            </a:r>
-            <a:r>
-              <a:rPr lang="ar-SA"/>
-              <a:t>الدوال </a:t>
+              <a:t>معلومة 18 عوامل الدوال </a:t>
             </a:r>
             <a:r>
               <a:rPr lang="en-US" smtClean="0"/>
-              <a:t>2 </a:t>
+              <a:t>(</a:t>
             </a:r>
             <a:r>
               <a:rPr lang="en-US"/>
-              <a:t>(Functions Parameters)</a:t>
+              <a:t>Functions Parameters)</a:t>
             </a:r>
             <a:endParaRPr lang="en-US">
               <a:cs typeface="+mn-cs"/>
@@ -13259,8 +13776,8 @@
         </p:blipFill>
         <p:spPr>
           <a:xfrm>
-            <a:off x="113006" y="1593107"/>
-            <a:ext cx="5474595" cy="3042675"/>
+            <a:off x="358815" y="1563610"/>
+            <a:ext cx="4669889" cy="2595435"/>
           </a:xfrm>
           <a:prstGeom prst="rect">
             <a:avLst/>
@@ -13275,8 +13792,8 @@
         </p:nvSpPr>
         <p:spPr>
           <a:xfrm>
-            <a:off x="5326912" y="1222744"/>
-            <a:ext cx="6570921" cy="4401205"/>
+            <a:off x="4896466" y="1222744"/>
+            <a:ext cx="7001368" cy="4401205"/>
           </a:xfrm>
           <a:prstGeom prst="rect">
             <a:avLst/>
@@ -13289,7 +13806,7 @@
           </a:bodyPr>
           <a:lstStyle/>
           <a:p>
-            <a:pPr algn="r"/>
+            <a:pPr algn="r" rtl="1"/>
             <a:r>
               <a:rPr lang="ar-SA" sz="2800" smtClean="0"/>
               <a:t>عند وضع </a:t>
@@ -13304,33 +13821,44 @@
             </a:r>
             <a:r>
               <a:rPr lang="ar-SA" sz="2800" smtClean="0"/>
-              <a:t>قبل اسم </a:t>
-            </a:r>
+              <a:t>قبل اسم العامل يصبح عبارة عن</a:t>
+            </a:r>
+          </a:p>
+          <a:p>
+            <a:pPr algn="r" rtl="1"/>
             <a:r>
               <a:rPr lang="ar-SA" sz="2800" smtClean="0"/>
-              <a:t>العامل </a:t>
+              <a:t>مصفوفة من نوع </a:t>
+            </a:r>
+            <a:r>
+              <a:rPr lang="en-US" sz="2800" smtClean="0"/>
+              <a:t>tuple</a:t>
             </a:r>
             <a:r>
               <a:rPr lang="ar-SA" sz="2800" smtClean="0"/>
-              <a:t>يصبح عبارة عن</a:t>
-            </a:r>
-          </a:p>
-          <a:p>
-            <a:pPr algn="r"/>
+              <a:t> </a:t>
+            </a:r>
             <a:r>
               <a:rPr lang="ar-SA" sz="2800" smtClean="0"/>
-              <a:t>مصفوفة .</a:t>
-            </a:r>
-          </a:p>
-          <a:p>
-            <a:pPr algn="r"/>
+              <a:t>.</a:t>
+            </a:r>
+          </a:p>
+          <a:p>
+            <a:pPr algn="r" rtl="1"/>
             <a:r>
               <a:rPr lang="ar-SA" sz="2800" smtClean="0"/>
-              <a:t>يقوم النظام بتعويض الدالة بالقيمة</a:t>
+              <a:t>وفي حال رغبتنا في إعادة قيمة من الدالة نقوم بإسناد الدالة إلى متغير مثل: </a:t>
             </a:r>
             <a:r>
               <a:rPr lang="en-US" sz="2800" smtClean="0"/>
-              <a:t> </a:t>
+              <a:t>SMA = get_SMA(1,5,71,13,57,1)</a:t>
+            </a:r>
+          </a:p>
+          <a:p>
+            <a:pPr algn="r" rtl="1"/>
+            <a:r>
+              <a:rPr lang="ar-SA" sz="2800" smtClean="0"/>
+              <a:t>وفي اخر سطر داخل الدالة نقوم باستعمال الأمر</a:t>
             </a:r>
             <a:r>
               <a:rPr lang="en-US" sz="2800" smtClean="0">
@@ -13346,98 +13874,79 @@
             </a:r>
             <a:r>
               <a:rPr lang="ar-SA" sz="2800" smtClean="0"/>
-              <a:t>عند استعمال</a:t>
-            </a:r>
-          </a:p>
-          <a:p>
-            <a:pPr algn="r"/>
+              <a:t>كما في المثال </a:t>
+            </a:r>
             <a:r>
               <a:rPr lang="en-US" sz="2800" smtClean="0">
                 <a:solidFill>
                   <a:srgbClr val="7030A0"/>
                 </a:solidFill>
               </a:rPr>
+              <a:t>return full_number</a:t>
+            </a:r>
+          </a:p>
+          <a:p>
+            <a:pPr algn="r" rtl="1"/>
+            <a:r>
+              <a:rPr lang="ar-SA" sz="2800" smtClean="0"/>
+              <a:t>ولا </a:t>
+            </a:r>
+            <a:r>
+              <a:rPr lang="ar-SA" sz="2800" smtClean="0"/>
+              <a:t>يتم </a:t>
+            </a:r>
+            <a:r>
+              <a:rPr lang="ar-SA" sz="2800" smtClean="0"/>
+              <a:t>تنفيذ</a:t>
+            </a:r>
+            <a:r>
+              <a:rPr lang="en-US" sz="2800" smtClean="0"/>
               <a:t> </a:t>
             </a:r>
             <a:r>
-              <a:rPr lang="ar-SA" sz="2800">
+              <a:rPr lang="ar-SA" sz="2800" smtClean="0"/>
+              <a:t>الأوامر بعد </a:t>
+            </a:r>
+            <a:r>
+              <a:rPr lang="en-US" sz="2800">
                 <a:solidFill>
                   <a:srgbClr val="7030A0"/>
                 </a:solidFill>
               </a:rPr>
+              <a:t>return</a:t>
+            </a:r>
+            <a:r>
+              <a:rPr lang="ar-SA" sz="2800" smtClean="0"/>
               <a:t> </a:t>
             </a:r>
+          </a:p>
+          <a:p>
+            <a:pPr algn="r" rtl="1"/>
+            <a:endParaRPr lang="ar-SA" sz="2800" smtClean="0"/>
+          </a:p>
+          <a:p>
+            <a:pPr algn="r" rtl="1"/>
             <a:r>
               <a:rPr lang="ar-SA" sz="2800" smtClean="0"/>
-              <a:t>ويتم ايقاف الدالة ولا يتم تنفيذ</a:t>
-            </a:r>
-            <a:r>
-              <a:rPr lang="en-US" sz="2800" smtClean="0">
-                <a:solidFill>
-                  <a:srgbClr val="7030A0"/>
-                </a:solidFill>
-              </a:rPr>
-              <a:t>return</a:t>
+              <a:t>وفي المثال تقوم </a:t>
+            </a:r>
+            <a:r>
+              <a:rPr lang="en-US" sz="2800" smtClean="0"/>
+              <a:t>sum</a:t>
             </a:r>
             <a:r>
               <a:rPr lang="ar-SA" sz="2800" smtClean="0"/>
-              <a:t>المكتوبة بعد </a:t>
-            </a:r>
-          </a:p>
-          <a:p>
-            <a:pPr algn="r"/>
+              <a:t> بجمع جميع الارقام في المصفوفة </a:t>
+            </a:r>
+            <a:r>
+              <a:rPr lang="en-US" sz="2800" smtClean="0"/>
+              <a:t>numbers</a:t>
+            </a:r>
             <a:r>
               <a:rPr lang="ar-SA" sz="2800" smtClean="0"/>
-              <a:t>الاوامر اللتي بعدها ويمكن وضع القيمة في متغير</a:t>
-            </a:r>
-          </a:p>
-          <a:p>
-            <a:pPr algn="r"/>
-            <a:r>
-              <a:rPr lang="ar-SA" sz="2800" smtClean="0"/>
-              <a:t>في المثال تاخذ الدالة مصفوفة من</a:t>
-            </a:r>
-          </a:p>
-          <a:p>
-            <a:pPr algn="r"/>
-            <a:r>
-              <a:rPr lang="ar-SA" sz="2800" smtClean="0"/>
-              <a:t>الارقام ثم تجمعها وتقسمها على عددها</a:t>
-            </a:r>
-          </a:p>
-          <a:p>
-            <a:pPr algn="r"/>
-            <a:r>
-              <a:rPr lang="ar-SA" sz="2800" smtClean="0"/>
-              <a:t>وتعيد المتوسط الحسابي للارقام ثم</a:t>
-            </a:r>
-          </a:p>
-          <a:p>
-            <a:pPr algn="r"/>
-            <a:r>
-              <a:rPr lang="ar-SA" sz="2800" smtClean="0"/>
-              <a:t>وضعنا القيمة المعادة من الدالة في متغير</a:t>
-            </a:r>
-          </a:p>
-          <a:p>
-            <a:pPr algn="r"/>
-            <a:r>
-              <a:rPr lang="ar-SA" sz="2800"/>
-              <a:t>.</a:t>
-            </a:r>
-            <a:r>
-              <a:rPr lang="en-US" sz="2800" smtClean="0">
-                <a:solidFill>
-                  <a:schemeClr val="accent1"/>
-                </a:solidFill>
-              </a:rPr>
-              <a:t>SMA</a:t>
-            </a:r>
-            <a:endParaRPr lang="ar-SA" sz="2800" smtClean="0">
-              <a:solidFill>
-                <a:schemeClr val="accent1"/>
-              </a:solidFill>
-            </a:endParaRPr>
+              <a:t> ومن ثم قسمة المجموعة على طول المصفوفة</a:t>
+            </a:r>
+            <a:endParaRPr lang="ar-SA" sz="2800" smtClean="0"/>
           </a:p>
         </p:txBody>
       </p:sp>
@@ -13457,8 +13966,8 @@
         </p:blipFill>
         <p:spPr>
           <a:xfrm>
-            <a:off x="113006" y="5500188"/>
-            <a:ext cx="5908566" cy="585533"/>
+            <a:off x="1334520" y="4668917"/>
+            <a:ext cx="2738141" cy="271347"/>
           </a:xfrm>
           <a:prstGeom prst="rect">
             <a:avLst/>
@@ -13469,17 +13978,20 @@
         <p:nvCxnSpPr>
           <p:cNvPr id="13" name="Elbow Connector 12"/>
           <p:cNvCxnSpPr>
+            <a:stCxn id="3" idx="2"/>
             <a:endCxn id="9" idx="0"/>
           </p:cNvCxnSpPr>
           <p:nvPr/>
         </p:nvCxnSpPr>
         <p:spPr>
-          <a:xfrm>
-            <a:off x="113006" y="4635782"/>
-            <a:ext cx="2954283" cy="864406"/>
+          <a:xfrm rot="16200000" flipH="1">
+            <a:off x="2443739" y="4409065"/>
+            <a:ext cx="509872" cy="9831"/>
           </a:xfrm>
-          <a:prstGeom prst="bentConnector2">
-            <a:avLst/>
+          <a:prstGeom prst="bentConnector3">
+            <a:avLst>
+              <a:gd name="adj1" fmla="val 50000"/>
+            </a:avLst>
           </a:prstGeom>
           <a:ln>
             <a:tailEnd type="triangle"/>
@@ -13568,19 +14080,15 @@
             <a:pPr algn="r" rtl="1"/>
             <a:r>
               <a:rPr lang="ar-SA"/>
-              <a:t>معلومة 18 عوامل </a:t>
-            </a:r>
-            <a:r>
-              <a:rPr lang="ar-SA"/>
-              <a:t>الدوال </a:t>
+              <a:t>معلومة 18 عوامل الدوال </a:t>
             </a:r>
             <a:r>
               <a:rPr lang="en-US" smtClean="0"/>
-              <a:t>3 </a:t>
+              <a:t>(</a:t>
             </a:r>
             <a:r>
               <a:rPr lang="en-US"/>
-              <a:t>(Functions Parameters)</a:t>
+              <a:t>Functions Parameters)</a:t>
             </a:r>
             <a:endParaRPr lang="en-US">
               <a:cs typeface="+mn-cs"/>
@@ -13596,8 +14104,8 @@
         </p:nvSpPr>
         <p:spPr>
           <a:xfrm>
-            <a:off x="5326912" y="1222744"/>
-            <a:ext cx="6570921" cy="4832092"/>
+            <a:off x="6479457" y="1222744"/>
+            <a:ext cx="5418375" cy="4678204"/>
           </a:xfrm>
           <a:prstGeom prst="rect">
             <a:avLst/>
@@ -13610,7 +14118,7 @@
           </a:bodyPr>
           <a:lstStyle/>
           <a:p>
-            <a:pPr algn="r"/>
+            <a:pPr algn="r" rtl="1"/>
             <a:r>
               <a:rPr lang="ar-SA" sz="2800"/>
               <a:t>عند وضع </a:t>
@@ -13631,96 +14139,117 @@
               <a:rPr lang="ar-SA" sz="2800" smtClean="0"/>
               <a:t>العامل </a:t>
             </a:r>
-            <a:endParaRPr lang="ar-SA" sz="2800" smtClean="0"/>
-          </a:p>
-          <a:p>
-            <a:pPr algn="r"/>
             <a:r>
               <a:rPr lang="ar-SA" sz="2800" smtClean="0"/>
-              <a:t>يصبح عبارة عن مصفوفة من نوع</a:t>
-            </a:r>
-          </a:p>
-          <a:p>
-            <a:pPr algn="r"/>
+              <a:t>يصبح </a:t>
+            </a:r>
+            <a:r>
+              <a:rPr lang="ar-SA" sz="2800" smtClean="0"/>
+              <a:t>عبارة عن مصفوفة من </a:t>
+            </a:r>
+            <a:r>
+              <a:rPr lang="ar-SA" sz="2800" smtClean="0"/>
+              <a:t>نوع </a:t>
+            </a:r>
+            <a:r>
+              <a:rPr lang="en-US" sz="2800" b="1" smtClean="0"/>
+              <a:t>dictionary</a:t>
+            </a:r>
             <a:r>
               <a:rPr lang="ar-SA" sz="2800" b="1" smtClean="0"/>
               <a:t> </a:t>
             </a:r>
             <a:r>
               <a:rPr lang="ar-SA" sz="2800" smtClean="0"/>
-              <a:t>ويمكن التعامل معها</a:t>
-            </a:r>
-            <a:r>
-              <a:rPr lang="en-US" sz="2800" b="1" smtClean="0"/>
-              <a:t>dictionary</a:t>
-            </a:r>
-            <a:endParaRPr lang="ar-SA" sz="2800" b="1" smtClean="0"/>
-          </a:p>
-          <a:p>
-            <a:pPr algn="r"/>
+              <a:t>ويمكن </a:t>
+            </a:r>
             <a:r>
               <a:rPr lang="ar-SA" sz="2800" smtClean="0"/>
-              <a:t>داخل الدالة بشكل طبيعي بالدوال التي</a:t>
-            </a:r>
-          </a:p>
-          <a:p>
-            <a:pPr algn="r"/>
+              <a:t>التعامل </a:t>
+            </a:r>
             <a:r>
               <a:rPr lang="ar-SA" sz="2800" smtClean="0"/>
-              <a:t>تعلمنها في درس المصفوفات,</a:t>
-            </a:r>
-          </a:p>
-          <a:p>
-            <a:pPr algn="r"/>
+              <a:t>معها داخل </a:t>
+            </a:r>
             <a:r>
               <a:rPr lang="ar-SA" sz="2800" smtClean="0"/>
-              <a:t>وعند استدعاء الدالة نكتب داخل </a:t>
-            </a:r>
-          </a:p>
-          <a:p>
-            <a:pPr algn="r"/>
+              <a:t>الدالة </a:t>
+            </a:r>
+            <a:r>
+              <a:rPr lang="ar-SA" sz="2800" smtClean="0"/>
+              <a:t>كما </a:t>
+            </a:r>
+            <a:r>
+              <a:rPr lang="ar-SA" sz="2800" smtClean="0"/>
+              <a:t>تعلمنها </a:t>
+            </a:r>
+            <a:r>
+              <a:rPr lang="ar-SA" sz="2800" smtClean="0"/>
+              <a:t>في درس </a:t>
+            </a:r>
+            <a:r>
+              <a:rPr lang="ar-SA" sz="2800" smtClean="0"/>
+              <a:t>المصفوفات. وعند </a:t>
+            </a:r>
+            <a:r>
+              <a:rPr lang="ar-SA" sz="2800" smtClean="0"/>
+              <a:t>استدعاء الدالة نكتب داخل </a:t>
+            </a:r>
+          </a:p>
+          <a:p>
+            <a:pPr algn="r" rtl="1"/>
             <a:r>
               <a:rPr lang="ar-SA" sz="2800" smtClean="0"/>
               <a:t>الاقواس اسم المفتاح ثم يساوي ثم </a:t>
             </a:r>
-          </a:p>
-          <a:p>
-            <a:pPr algn="r"/>
             <a:r>
               <a:rPr lang="ar-SA" sz="2800" smtClean="0"/>
-              <a:t>القيمة وفاصلة.</a:t>
-            </a:r>
-          </a:p>
-          <a:p>
-            <a:pPr algn="r"/>
-            <a:endParaRPr lang="ar-SA" sz="2800"/>
-          </a:p>
-          <a:p>
-            <a:pPr algn="r"/>
-            <a:r>
-              <a:rPr lang="ar-SA" sz="2800" smtClean="0"/>
-              <a:t> لاتفعل شي فقط لوضع شي مؤقت في الدالة لانه</a:t>
-            </a:r>
-            <a:r>
-              <a:rPr lang="en-US" sz="2800" smtClean="0">
+              <a:t>القيمة وفاصلة مثال:</a:t>
+            </a:r>
+          </a:p>
+          <a:p>
+            <a:pPr algn="r" rtl="1"/>
+            <a:r>
+              <a:rPr lang="en-US" smtClean="0">
                 <a:solidFill>
                   <a:srgbClr val="7030A0"/>
                 </a:solidFill>
               </a:rPr>
-              <a:t>pass</a:t>
-            </a:r>
-            <a:endParaRPr lang="ar-SA" sz="2800" smtClean="0">
+              <a:t>Student(first_name = “Abdullah”, last_name=“baaqeil”)</a:t>
+            </a:r>
+            <a:endParaRPr lang="ar-SA" smtClean="0">
               <a:solidFill>
                 <a:srgbClr val="7030A0"/>
               </a:solidFill>
             </a:endParaRPr>
           </a:p>
           <a:p>
-            <a:pPr algn="r"/>
+            <a:pPr algn="r" rtl="1"/>
+            <a:endParaRPr lang="ar-SA" sz="2800"/>
+          </a:p>
+          <a:p>
+            <a:pPr algn="r" rtl="1"/>
             <a:r>
               <a:rPr lang="ar-SA" sz="2800" smtClean="0"/>
-              <a:t>لايمكن ابقاؤها فارغة.</a:t>
-            </a:r>
+              <a:t> </a:t>
+            </a:r>
+            <a:r>
+              <a:rPr lang="en-US" sz="2800" smtClean="0"/>
+              <a:t> pass</a:t>
+            </a:r>
+            <a:r>
+              <a:rPr lang="ar-SA" sz="2800" smtClean="0"/>
+              <a:t>لا تقوم فعل أي </a:t>
+            </a:r>
+            <a:r>
+              <a:rPr lang="ar-SA" sz="2800" smtClean="0"/>
+              <a:t>شي </a:t>
+            </a:r>
+            <a:r>
+              <a:rPr lang="ar-SA" sz="2800" smtClean="0"/>
+              <a:t>وتستخدم لإنشاء دالة فارغة ليتمكن المبرمج من اضافة الأوامر بها لاحقا.</a:t>
+            </a:r>
+            <a:endParaRPr lang="ar-SA" sz="2800" smtClean="0"/>
           </a:p>
         </p:txBody>
       </p:sp>
@@ -13740,8 +14269,8 @@
         </p:blipFill>
         <p:spPr>
           <a:xfrm>
-            <a:off x="137135" y="1053738"/>
-            <a:ext cx="7490345" cy="3615071"/>
+            <a:off x="314117" y="1053738"/>
+            <a:ext cx="6087799" cy="2938159"/>
           </a:xfrm>
           <a:prstGeom prst="rect">
             <a:avLst/>
@@ -13764,8 +14293,8 @@
         </p:blipFill>
         <p:spPr>
           <a:xfrm>
-            <a:off x="137135" y="5767034"/>
-            <a:ext cx="6858257" cy="575603"/>
+            <a:off x="464574" y="4518337"/>
+            <a:ext cx="5801549" cy="486915"/>
           </a:xfrm>
           <a:prstGeom prst="rect">
             <a:avLst/>
@@ -13782,9 +14311,9 @@
           <p:nvPr/>
         </p:nvCxnSpPr>
         <p:spPr>
-          <a:xfrm rot="5400000">
-            <a:off x="3175174" y="5059899"/>
-            <a:ext cx="1098225" cy="316044"/>
+          <a:xfrm rot="16200000" flipH="1">
+            <a:off x="3098463" y="4251451"/>
+            <a:ext cx="526440" cy="7332"/>
           </a:xfrm>
           <a:prstGeom prst="bentConnector3">
             <a:avLst/>
@@ -17834,4 +18363,265 @@
     </a:ext>
   </a:extLst>
 </a:theme>
+</file>
+
+<file path=ppt/theme/theme2.xml><?xml version="1.0" encoding="utf-8"?>
+<a:theme xmlns:a="http://schemas.openxmlformats.org/drawingml/2006/main" name="Office Theme">
+  <a:themeElements>
+    <a:clrScheme name="Office">
+      <a:dk1>
+        <a:sysClr val="windowText" lastClr="000000"/>
+      </a:dk1>
+      <a:lt1>
+        <a:sysClr val="window" lastClr="FFFFFF"/>
+      </a:lt1>
+      <a:dk2>
+        <a:srgbClr val="44546A"/>
+      </a:dk2>
+      <a:lt2>
+        <a:srgbClr val="E7E6E6"/>
+      </a:lt2>
+      <a:accent1>
+        <a:srgbClr val="5B9BD5"/>
+      </a:accent1>
+      <a:accent2>
+        <a:srgbClr val="ED7D31"/>
+      </a:accent2>
+      <a:accent3>
+        <a:srgbClr val="A5A5A5"/>
+      </a:accent3>
+      <a:accent4>
+        <a:srgbClr val="FFC000"/>
+      </a:accent4>
+      <a:accent5>
+        <a:srgbClr val="4472C4"/>
+      </a:accent5>
+      <a:accent6>
+        <a:srgbClr val="70AD47"/>
+      </a:accent6>
+      <a:hlink>
+        <a:srgbClr val="0563C1"/>
+      </a:hlink>
+      <a:folHlink>
+        <a:srgbClr val="954F72"/>
+      </a:folHlink>
+    </a:clrScheme>
+    <a:fontScheme name="Office">
+      <a:majorFont>
+        <a:latin typeface="Calibri Light" panose="020F0302020204030204"/>
+        <a:ea typeface=""/>
+        <a:cs typeface=""/>
+        <a:font script="Jpan" typeface="游ゴシック Light"/>
+        <a:font script="Hang" typeface="맑은 고딕"/>
+        <a:font script="Hans" typeface="等线 Light"/>
+        <a:font script="Hant" typeface="新細明體"/>
+        <a:font script="Arab" typeface="Times New Roman"/>
+        <a:font script="Hebr" typeface="Times New Roman"/>
+        <a:font script="Thai" typeface="Angsana New"/>
+        <a:font script="Ethi" typeface="Nyala"/>
+        <a:font script="Beng" typeface="Vrinda"/>
+        <a:font script="Gujr" typeface="Shruti"/>
+        <a:font script="Khmr" typeface="MoolBoran"/>
+        <a:font script="Knda" typeface="Tunga"/>
+        <a:font script="Guru" typeface="Raavi"/>
+        <a:font script="Cans" typeface="Euphemia"/>
+        <a:font script="Cher" typeface="Plantagenet Cherokee"/>
+        <a:font script="Yiii" typeface="Microsoft Yi Baiti"/>
+        <a:font script="Tibt" typeface="Microsoft Himalaya"/>
+        <a:font script="Thaa" typeface="MV Boli"/>
+        <a:font script="Deva" typeface="Mangal"/>
+        <a:font script="Telu" typeface="Gautami"/>
+        <a:font script="Taml" typeface="Latha"/>
+        <a:font script="Syrc" typeface="Estrangelo Edessa"/>
+        <a:font script="Orya" typeface="Kalinga"/>
+        <a:font script="Mlym" typeface="Kartika"/>
+        <a:font script="Laoo" typeface="DokChampa"/>
+        <a:font script="Sinh" typeface="Iskoola Pota"/>
+        <a:font script="Mong" typeface="Mongolian Baiti"/>
+        <a:font script="Viet" typeface="Times New Roman"/>
+        <a:font script="Uigh" typeface="Microsoft Uighur"/>
+        <a:font script="Geor" typeface="Sylfaen"/>
+      </a:majorFont>
+      <a:minorFont>
+        <a:latin typeface="Calibri" panose="020F0502020204030204"/>
+        <a:ea typeface=""/>
+        <a:cs typeface=""/>
+        <a:font script="Jpan" typeface="游ゴシック"/>
+        <a:font script="Hang" typeface="맑은 고딕"/>
+        <a:font script="Hans" typeface="等线"/>
+        <a:font script="Hant" typeface="新細明體"/>
+        <a:font script="Arab" typeface="Arial"/>
+        <a:font script="Hebr" typeface="Arial"/>
+        <a:font script="Thai" typeface="Cordia New"/>
+        <a:font script="Ethi" typeface="Nyala"/>
+        <a:font script="Beng" typeface="Vrinda"/>
+        <a:font script="Gujr" typeface="Shruti"/>
+        <a:font script="Khmr" typeface="DaunPenh"/>
+        <a:font script="Knda" typeface="Tunga"/>
+        <a:font script="Guru" typeface="Raavi"/>
+        <a:font script="Cans" typeface="Euphemia"/>
+        <a:font script="Cher" typeface="Plantagenet Cherokee"/>
+        <a:font script="Yiii" typeface="Microsoft Yi Baiti"/>
+        <a:font script="Tibt" typeface="Microsoft Himalaya"/>
+        <a:font script="Thaa" typeface="MV Boli"/>
+        <a:font script="Deva" typeface="Mangal"/>
+        <a:font script="Telu" typeface="Gautami"/>
+        <a:font script="Taml" typeface="Latha"/>
+        <a:font script="Syrc" typeface="Estrangelo Edessa"/>
+        <a:font script="Orya" typeface="Kalinga"/>
+        <a:font script="Mlym" typeface="Kartika"/>
+        <a:font script="Laoo" typeface="DokChampa"/>
+        <a:font script="Sinh" typeface="Iskoola Pota"/>
+        <a:font script="Mong" typeface="Mongolian Baiti"/>
+        <a:font script="Viet" typeface="Arial"/>
+        <a:font script="Uigh" typeface="Microsoft Uighur"/>
+        <a:font script="Geor" typeface="Sylfaen"/>
+      </a:minorFont>
+    </a:fontScheme>
+    <a:fmtScheme name="Office">
+      <a:fillStyleLst>
+        <a:solidFill>
+          <a:schemeClr val="phClr"/>
+        </a:solidFill>
+        <a:gradFill rotWithShape="1">
+          <a:gsLst>
+            <a:gs pos="0">
+              <a:schemeClr val="phClr">
+                <a:lumMod val="110000"/>
+                <a:satMod val="105000"/>
+                <a:tint val="67000"/>
+              </a:schemeClr>
+            </a:gs>
+            <a:gs pos="50000">
+              <a:schemeClr val="phClr">
+                <a:lumMod val="105000"/>
+                <a:satMod val="103000"/>
+                <a:tint val="73000"/>
+              </a:schemeClr>
+            </a:gs>
+            <a:gs pos="100000">
+              <a:schemeClr val="phClr">
+                <a:lumMod val="105000"/>
+                <a:satMod val="109000"/>
+                <a:tint val="81000"/>
+              </a:schemeClr>
+            </a:gs>
+          </a:gsLst>
+          <a:lin ang="5400000" scaled="0"/>
+        </a:gradFill>
+        <a:gradFill rotWithShape="1">
+          <a:gsLst>
+            <a:gs pos="0">
+              <a:schemeClr val="phClr">
+                <a:satMod val="103000"/>
+                <a:lumMod val="102000"/>
+                <a:tint val="94000"/>
+              </a:schemeClr>
+            </a:gs>
+            <a:gs pos="50000">
+              <a:schemeClr val="phClr">
+                <a:satMod val="110000"/>
+                <a:lumMod val="100000"/>
+                <a:shade val="100000"/>
+              </a:schemeClr>
+            </a:gs>
+            <a:gs pos="100000">
+              <a:schemeClr val="phClr">
+                <a:lumMod val="99000"/>
+                <a:satMod val="120000"/>
+                <a:shade val="78000"/>
+              </a:schemeClr>
+            </a:gs>
+          </a:gsLst>
+          <a:lin ang="5400000" scaled="0"/>
+        </a:gradFill>
+      </a:fillStyleLst>
+      <a:lnStyleLst>
+        <a:ln w="6350" cap="flat" cmpd="sng" algn="ctr">
+          <a:solidFill>
+            <a:schemeClr val="phClr"/>
+          </a:solidFill>
+          <a:prstDash val="solid"/>
+          <a:miter lim="800000"/>
+        </a:ln>
+        <a:ln w="12700" cap="flat" cmpd="sng" algn="ctr">
+          <a:solidFill>
+            <a:schemeClr val="phClr"/>
+          </a:solidFill>
+          <a:prstDash val="solid"/>
+          <a:miter lim="800000"/>
+        </a:ln>
+        <a:ln w="19050" cap="flat" cmpd="sng" algn="ctr">
+          <a:solidFill>
+            <a:schemeClr val="phClr"/>
+          </a:solidFill>
+          <a:prstDash val="solid"/>
+          <a:miter lim="800000"/>
+        </a:ln>
+      </a:lnStyleLst>
+      <a:effectStyleLst>
+        <a:effectStyle>
+          <a:effectLst/>
+        </a:effectStyle>
+        <a:effectStyle>
+          <a:effectLst/>
+        </a:effectStyle>
+        <a:effectStyle>
+          <a:effectLst>
+            <a:outerShdw blurRad="57150" dist="19050" dir="5400000" algn="ctr" rotWithShape="0">
+              <a:srgbClr val="000000">
+                <a:alpha val="63000"/>
+              </a:srgbClr>
+            </a:outerShdw>
+          </a:effectLst>
+        </a:effectStyle>
+      </a:effectStyleLst>
+      <a:bgFillStyleLst>
+        <a:solidFill>
+          <a:schemeClr val="phClr"/>
+        </a:solidFill>
+        <a:solidFill>
+          <a:schemeClr val="phClr">
+            <a:tint val="95000"/>
+            <a:satMod val="170000"/>
+          </a:schemeClr>
+        </a:solidFill>
+        <a:gradFill rotWithShape="1">
+          <a:gsLst>
+            <a:gs pos="0">
+              <a:schemeClr val="phClr">
+                <a:tint val="93000"/>
+                <a:satMod val="150000"/>
+                <a:shade val="98000"/>
+                <a:lumMod val="102000"/>
+              </a:schemeClr>
+            </a:gs>
+            <a:gs pos="50000">
+              <a:schemeClr val="phClr">
+                <a:tint val="98000"/>
+                <a:satMod val="130000"/>
+                <a:shade val="90000"/>
+                <a:lumMod val="103000"/>
+              </a:schemeClr>
+            </a:gs>
+            <a:gs pos="100000">
+              <a:schemeClr val="phClr">
+                <a:shade val="63000"/>
+                <a:satMod val="120000"/>
+              </a:schemeClr>
+            </a:gs>
+          </a:gsLst>
+          <a:lin ang="5400000" scaled="0"/>
+        </a:gradFill>
+      </a:bgFillStyleLst>
+    </a:fmtScheme>
+  </a:themeElements>
+  <a:objectDefaults/>
+  <a:extraClrSchemeLst/>
+  <a:extLst>
+    <a:ext uri="{05A4C25C-085E-4340-85A3-A5531E510DB2}">
+      <thm15:themeFamily xmlns:thm15="http://schemas.microsoft.com/office/thememl/2012/main" name="Office Theme" id="{62F939B6-93AF-4DB8-9C6B-D6C7DFDC589F}" vid="{4A3C46E8-61CC-4603-A589-7422A47A8E4A}"/>
+    </a:ext>
+  </a:extLst>
+</a:theme>
 </file>
--- a/تدريب برمجة بايثون.pptx
+++ b/تدريب برمجة بايثون.pptx
@@ -5,7 +5,7 @@
     <p:sldMasterId id="2147483648" r:id="rId1"/>
   </p:sldMasterIdLst>
   <p:notesMasterIdLst>
-    <p:notesMasterId r:id="rId30"/>
+    <p:notesMasterId r:id="rId32"/>
   </p:notesMasterIdLst>
   <p:sldIdLst>
     <p:sldId id="256" r:id="rId2"/>
@@ -36,6 +36,8 @@
     <p:sldId id="281" r:id="rId27"/>
     <p:sldId id="282" r:id="rId28"/>
     <p:sldId id="283" r:id="rId29"/>
+    <p:sldId id="284" r:id="rId30"/>
+    <p:sldId id="285" r:id="rId31"/>
   </p:sldIdLst>
   <p:sldSz cx="12192000" cy="6858000"/>
   <p:notesSz cx="6858000" cy="9144000"/>
@@ -142,6 +144,16 @@
 </p:presentation>
 </file>
 
+<file path=ppt/revisionInfo.xml><?xml version="1.0" encoding="utf-8"?>
+<p1510:revInfo xmlns:a="http://schemas.openxmlformats.org/drawingml/2006/main" xmlns:r="http://schemas.openxmlformats.org/officeDocument/2006/relationships" xmlns:p1510="http://schemas.microsoft.com/office/powerpoint/2015/10/main">
+  <p1510:revLst>
+    <p1510:client id="{0103706A-CE5E-BB56-FD09-89196E30A6B3}" v="879" dt="2023-09-16T12:19:54.738"/>
+    <p1510:client id="{5AB3B761-865D-4A64-B8F5-6C6B03881C5C}" v="2" dt="2023-09-16T12:28:33.439"/>
+    <p1510:client id="{6DA6D4DB-053D-E105-41BD-086C330C5436}" v="594" dt="2023-09-16T12:03:47.051"/>
+  </p1510:revLst>
+</p1510:revInfo>
+</file>
+
 <file path=ppt/notesMasters/notesMaster1.xml><?xml version="1.0" encoding="utf-8"?>
 <p:notesMaster xmlns:a="http://schemas.openxmlformats.org/drawingml/2006/main" xmlns:r="http://schemas.openxmlformats.org/officeDocument/2006/relationships" xmlns:p="http://schemas.openxmlformats.org/presentationml/2006/main">
   <p:cSld>
@@ -224,7 +236,7 @@
           <a:p>
             <a:fld id="{1F2C5C2C-D6BA-4328-B74A-37F38002F7DD}" type="datetimeFigureOut">
               <a:rPr lang="en-US" smtClean="0"/>
-              <a:t>8/16/2023</a:t>
+              <a:t>9/21/2023</a:t>
             </a:fld>
             <a:endParaRPr lang="en-US"/>
           </a:p>
@@ -288,38 +300,37 @@
           <a:p>
             <a:pPr lvl="0"/>
             <a:r>
-              <a:rPr lang="en-US" smtClean="0"/>
+              <a:rPr lang="en-US"/>
               <a:t>Edit Master text styles</a:t>
             </a:r>
           </a:p>
           <a:p>
             <a:pPr lvl="1"/>
             <a:r>
-              <a:rPr lang="en-US" smtClean="0"/>
+              <a:rPr lang="en-US"/>
               <a:t>Second level</a:t>
             </a:r>
           </a:p>
           <a:p>
             <a:pPr lvl="2"/>
             <a:r>
-              <a:rPr lang="en-US" smtClean="0"/>
+              <a:rPr lang="en-US"/>
               <a:t>Third level</a:t>
             </a:r>
           </a:p>
           <a:p>
             <a:pPr lvl="3"/>
             <a:r>
-              <a:rPr lang="en-US" smtClean="0"/>
+              <a:rPr lang="en-US"/>
               <a:t>Fourth level</a:t>
             </a:r>
           </a:p>
           <a:p>
             <a:pPr lvl="4"/>
             <a:r>
-              <a:rPr lang="en-US" smtClean="0"/>
+              <a:rPr lang="en-US"/>
               <a:t>Fifth level</a:t>
             </a:r>
-            <a:endParaRPr lang="en-US"/>
           </a:p>
         </p:txBody>
       </p:sp>
@@ -723,7 +734,7 @@
           <a:p>
             <a:fld id="{ADC35D24-B8FA-4DB0-9359-F1562E4A796A}" type="datetimeFigureOut">
               <a:rPr lang="en-US" smtClean="0"/>
-              <a:t>8/16/2023</a:t>
+              <a:t>9/21/2023</a:t>
             </a:fld>
             <a:endParaRPr lang="en-US"/>
           </a:p>
@@ -921,7 +932,7 @@
           <a:p>
             <a:fld id="{ADC35D24-B8FA-4DB0-9359-F1562E4A796A}" type="datetimeFigureOut">
               <a:rPr lang="en-US" smtClean="0"/>
-              <a:t>8/16/2023</a:t>
+              <a:t>9/21/2023</a:t>
             </a:fld>
             <a:endParaRPr lang="en-US"/>
           </a:p>
@@ -1129,7 +1140,7 @@
           <a:p>
             <a:fld id="{ADC35D24-B8FA-4DB0-9359-F1562E4A796A}" type="datetimeFigureOut">
               <a:rPr lang="en-US" smtClean="0"/>
-              <a:t>8/16/2023</a:t>
+              <a:t>9/21/2023</a:t>
             </a:fld>
             <a:endParaRPr lang="en-US"/>
           </a:p>
@@ -1327,7 +1338,7 @@
           <a:p>
             <a:fld id="{ADC35D24-B8FA-4DB0-9359-F1562E4A796A}" type="datetimeFigureOut">
               <a:rPr lang="en-US" smtClean="0"/>
-              <a:t>8/16/2023</a:t>
+              <a:t>9/21/2023</a:t>
             </a:fld>
             <a:endParaRPr lang="en-US"/>
           </a:p>
@@ -1602,7 +1613,7 @@
           <a:p>
             <a:fld id="{ADC35D24-B8FA-4DB0-9359-F1562E4A796A}" type="datetimeFigureOut">
               <a:rPr lang="en-US" smtClean="0"/>
-              <a:t>8/16/2023</a:t>
+              <a:t>9/21/2023</a:t>
             </a:fld>
             <a:endParaRPr lang="en-US"/>
           </a:p>
@@ -1867,7 +1878,7 @@
           <a:p>
             <a:fld id="{ADC35D24-B8FA-4DB0-9359-F1562E4A796A}" type="datetimeFigureOut">
               <a:rPr lang="en-US" smtClean="0"/>
-              <a:t>8/16/2023</a:t>
+              <a:t>9/21/2023</a:t>
             </a:fld>
             <a:endParaRPr lang="en-US"/>
           </a:p>
@@ -2279,7 +2290,7 @@
           <a:p>
             <a:fld id="{ADC35D24-B8FA-4DB0-9359-F1562E4A796A}" type="datetimeFigureOut">
               <a:rPr lang="en-US" smtClean="0"/>
-              <a:t>8/16/2023</a:t>
+              <a:t>9/21/2023</a:t>
             </a:fld>
             <a:endParaRPr lang="en-US"/>
           </a:p>
@@ -2420,7 +2431,7 @@
           <a:p>
             <a:fld id="{ADC35D24-B8FA-4DB0-9359-F1562E4A796A}" type="datetimeFigureOut">
               <a:rPr lang="en-US" smtClean="0"/>
-              <a:t>8/16/2023</a:t>
+              <a:t>9/21/2023</a:t>
             </a:fld>
             <a:endParaRPr lang="en-US"/>
           </a:p>
@@ -2533,7 +2544,7 @@
           <a:p>
             <a:fld id="{ADC35D24-B8FA-4DB0-9359-F1562E4A796A}" type="datetimeFigureOut">
               <a:rPr lang="en-US" smtClean="0"/>
-              <a:t>8/16/2023</a:t>
+              <a:t>9/21/2023</a:t>
             </a:fld>
             <a:endParaRPr lang="en-US"/>
           </a:p>
@@ -2844,7 +2855,7 @@
           <a:p>
             <a:fld id="{ADC35D24-B8FA-4DB0-9359-F1562E4A796A}" type="datetimeFigureOut">
               <a:rPr lang="en-US" smtClean="0"/>
-              <a:t>8/16/2023</a:t>
+              <a:t>9/21/2023</a:t>
             </a:fld>
             <a:endParaRPr lang="en-US"/>
           </a:p>
@@ -3132,7 +3143,7 @@
           <a:p>
             <a:fld id="{ADC35D24-B8FA-4DB0-9359-F1562E4A796A}" type="datetimeFigureOut">
               <a:rPr lang="en-US" smtClean="0"/>
-              <a:t>8/16/2023</a:t>
+              <a:t>9/21/2023</a:t>
             </a:fld>
             <a:endParaRPr lang="en-US"/>
           </a:p>
@@ -3373,7 +3384,7 @@
           <a:p>
             <a:fld id="{ADC35D24-B8FA-4DB0-9359-F1562E4A796A}" type="datetimeFigureOut">
               <a:rPr lang="en-US" smtClean="0"/>
-              <a:t>8/16/2023</a:t>
+              <a:t>9/21/2023</a:t>
             </a:fld>
             <a:endParaRPr lang="en-US"/>
           </a:p>
@@ -3913,10 +3924,6 @@
               </a:rPr>
               <a:t>1.10</a:t>
             </a:r>
-            <a:r>
-              <a:rPr lang="fr-FR"/>
-              <a:t/>
-            </a:r>
             <a:br>
               <a:rPr lang="fr-FR"/>
             </a:br>
@@ -3940,10 +3947,6 @@
               </a:rPr>
               <a:t>1.0</a:t>
             </a:r>
-            <a:r>
-              <a:rPr lang="fr-FR"/>
-              <a:t/>
-            </a:r>
             <a:br>
               <a:rPr lang="fr-FR"/>
             </a:br>
@@ -3967,17 +3970,9 @@
               </a:rPr>
               <a:t>35.59</a:t>
             </a:r>
-            <a:r>
-              <a:rPr lang="fr-FR"/>
-              <a:t/>
-            </a:r>
             <a:br>
               <a:rPr lang="fr-FR"/>
             </a:br>
-            <a:r>
-              <a:rPr lang="fr-FR"/>
-              <a:t/>
-            </a:r>
             <a:br>
               <a:rPr lang="fr-FR"/>
             </a:br>
@@ -4021,10 +4016,6 @@
               </a:rPr>
               <a:t>(x))</a:t>
             </a:r>
-            <a:r>
-              <a:rPr lang="fr-FR"/>
-              <a:t/>
-            </a:r>
             <a:br>
               <a:rPr lang="fr-FR"/>
             </a:br>
@@ -4067,10 +4058,6 @@
                 <a:latin typeface="Consolas" panose="020B0609020204030204" pitchFamily="49" charset="0"/>
               </a:rPr>
               <a:t>(y))</a:t>
-            </a:r>
-            <a:r>
-              <a:rPr lang="fr-FR"/>
-              <a:t/>
             </a:r>
             <a:br>
               <a:rPr lang="fr-FR"/>
@@ -5300,10 +5287,6 @@
                         </a:rPr>
                         <a:t>import datetime</a:t>
                       </a:r>
-                      <a:r>
-                        <a:rPr lang="nn-NO"/>
-                        <a:t/>
-                      </a:r>
                       <a:br>
                         <a:rPr lang="nn-NO"/>
                       </a:br>
@@ -5318,10 +5301,6 @@
                           <a:cs typeface="+mn-cs"/>
                         </a:rPr>
                         <a:t>x = datetime.datetime.now()</a:t>
-                      </a:r>
-                      <a:r>
-                        <a:rPr lang="nn-NO"/>
-                        <a:t/>
                       </a:r>
                       <a:br>
                         <a:rPr lang="nn-NO"/>
@@ -5494,10 +5473,6 @@
                         </a:rPr>
                         <a:t>import datetime</a:t>
                       </a:r>
-                      <a:r>
-                        <a:rPr lang="nn-NO"/>
-                        <a:t/>
-                      </a:r>
                       <a:br>
                         <a:rPr lang="nn-NO"/>
                       </a:br>
@@ -5512,10 +5487,6 @@
                           <a:cs typeface="+mn-cs"/>
                         </a:rPr>
                         <a:t>x = datetime.datetime(2020, 5, 17)</a:t>
-                      </a:r>
-                      <a:r>
-                        <a:rPr lang="nn-NO"/>
-                        <a:t/>
                       </a:r>
                       <a:br>
                         <a:rPr lang="nn-NO"/>
@@ -8419,16 +8390,6 @@
                 <a:spcPct val="150000"/>
               </a:lnSpc>
             </a:pPr>
-            <a:r>
-              <a:rPr lang="ar-SA" b="1" i="0">
-                <a:solidFill>
-                  <a:srgbClr val="000000"/>
-                </a:solidFill>
-                <a:effectLst/>
-                <a:latin typeface="Consolas" panose="020B0609020204030204" pitchFamily="49" charset="0"/>
-              </a:rPr>
-              <a:t/>
-            </a:r>
             <a:br>
               <a:rPr lang="ar-SA" b="1" i="0">
                 <a:solidFill>
@@ -9297,10 +9258,6 @@
               <a:rPr lang="en-US" sz="2800"/>
               <a:t>number = 0</a:t>
             </a:r>
-            <a:r>
-              <a:rPr lang="ar-SA" sz="2800"/>
-              <a:t/>
-            </a:r>
             <a:br>
               <a:rPr lang="ar-SA" sz="2800"/>
             </a:br>
@@ -9513,10 +9470,6 @@
             <a:r>
               <a:rPr lang="en-US" sz="2800"/>
               <a:t>number = 0</a:t>
-            </a:r>
-            <a:r>
-              <a:rPr lang="ar-SA" sz="2800"/>
-              <a:t/>
             </a:r>
             <a:br>
               <a:rPr lang="ar-SA" sz="2800"/>
@@ -10093,10 +10046,6 @@
                         <a:rPr lang="ar-SA" b="1"/>
                         <a:t>اقواس عادية</a:t>
                       </a:r>
-                      <a:r>
-                        <a:rPr lang="en-US" b="1"/>
-                        <a:t/>
-                      </a:r>
                       <a:br>
                         <a:rPr lang="en-US" b="1"/>
                       </a:br>
@@ -10118,10 +10067,6 @@
                         <a:rPr lang="ar-SA" b="1"/>
                         <a:t>اقواس متعرجة</a:t>
                       </a:r>
-                      <a:r>
-                        <a:rPr lang="en-US" b="1"/>
-                        <a:t/>
-                      </a:r>
                       <a:br>
                         <a:rPr lang="en-US" b="1"/>
                       </a:br>
@@ -10141,10 +10086,6 @@
                       <a:r>
                         <a:rPr lang="ar-SA" b="1"/>
                         <a:t>اقواس متعرجة</a:t>
-                      </a:r>
-                      <a:r>
-                        <a:rPr lang="en-US" b="1"/>
-                        <a:t/>
                       </a:r>
                       <a:br>
                         <a:rPr lang="en-US" b="1"/>
@@ -11296,13 +11237,6 @@
   <p:clrMapOvr>
     <a:masterClrMapping/>
   </p:clrMapOvr>
-  <p:timing>
-    <p:tnLst>
-      <p:par>
-        <p:cTn id="1" dur="indefinite" restart="never" nodeType="tmRoot"/>
-      </p:par>
-    </p:tnLst>
-  </p:timing>
 </p:sld>
 </file>
 
@@ -11601,21 +11535,17 @@
           <a:p>
             <a:pPr algn="r"/>
             <a:r>
-              <a:rPr lang="ar-SA" sz="2000" b="1" smtClean="0">
+              <a:rPr lang="ar-SA" sz="2000" b="1">
                 <a:latin typeface="Arial" panose="020B0604020202020204" pitchFamily="34" charset="0"/>
                 <a:cs typeface="Arial" panose="020B0604020202020204" pitchFamily="34" charset="0"/>
               </a:rPr>
               <a:t>يمكن ان تكتب الدكشنري على شكلين في عدة اسطر و</a:t>
             </a:r>
-            <a:endParaRPr lang="ar-SA" sz="2000" b="1">
-              <a:latin typeface="Arial" panose="020B0604020202020204" pitchFamily="34" charset="0"/>
-              <a:cs typeface="Arial" panose="020B0604020202020204" pitchFamily="34" charset="0"/>
-            </a:endParaRPr>
           </a:p>
           <a:p>
             <a:pPr algn="r"/>
             <a:r>
-              <a:rPr lang="ar-SA" sz="2000" b="1" smtClean="0">
+              <a:rPr lang="ar-SA" sz="2000" b="1">
                 <a:latin typeface="Arial" panose="020B0604020202020204" pitchFamily="34" charset="0"/>
                 <a:cs typeface="Arial" panose="020B0604020202020204" pitchFamily="34" charset="0"/>
               </a:rPr>
@@ -11631,7 +11561,7 @@
           </a:p>
           <a:p>
             <a:pPr algn="r"/>
-            <a:endParaRPr lang="ar-SA" sz="2000" b="1" smtClean="0">
+            <a:endParaRPr lang="ar-SA" sz="2000" b="1">
               <a:latin typeface="Arial" panose="020B0604020202020204" pitchFamily="34" charset="0"/>
               <a:cs typeface="Arial" panose="020B0604020202020204" pitchFamily="34" charset="0"/>
             </a:endParaRPr>
@@ -11645,7 +11575,7 @@
           </a:p>
           <a:p>
             <a:pPr algn="r"/>
-            <a:endParaRPr lang="ar-SA" sz="2000" b="1" smtClean="0">
+            <a:endParaRPr lang="ar-SA" sz="2000" b="1">
               <a:latin typeface="Arial" panose="020B0604020202020204" pitchFamily="34" charset="0"/>
               <a:cs typeface="Arial" panose="020B0604020202020204" pitchFamily="34" charset="0"/>
             </a:endParaRPr>
@@ -11659,7 +11589,7 @@
           </a:p>
           <a:p>
             <a:pPr algn="r"/>
-            <a:endParaRPr lang="ar-SA" sz="2000" b="1" smtClean="0">
+            <a:endParaRPr lang="ar-SA" sz="2000" b="1">
               <a:latin typeface="Arial" panose="020B0604020202020204" pitchFamily="34" charset="0"/>
               <a:cs typeface="Arial" panose="020B0604020202020204" pitchFamily="34" charset="0"/>
             </a:endParaRPr>
@@ -11673,7 +11603,7 @@
           </a:p>
           <a:p>
             <a:pPr algn="r"/>
-            <a:endParaRPr lang="ar-SA" sz="2000" b="1" smtClean="0">
+            <a:endParaRPr lang="ar-SA" sz="2000" b="1">
               <a:latin typeface="Arial" panose="020B0604020202020204" pitchFamily="34" charset="0"/>
               <a:cs typeface="Arial" panose="020B0604020202020204" pitchFamily="34" charset="0"/>
             </a:endParaRPr>
@@ -11687,7 +11617,7 @@
           </a:p>
           <a:p>
             <a:pPr algn="r"/>
-            <a:endParaRPr lang="ar-SA" sz="2000" b="1" smtClean="0">
+            <a:endParaRPr lang="ar-SA" sz="2000" b="1">
               <a:latin typeface="Arial" panose="020B0604020202020204" pitchFamily="34" charset="0"/>
               <a:cs typeface="Arial" panose="020B0604020202020204" pitchFamily="34" charset="0"/>
             </a:endParaRPr>
@@ -11701,7 +11631,7 @@
           </a:p>
           <a:p>
             <a:pPr algn="r"/>
-            <a:endParaRPr lang="ar-SA" sz="2000" b="1" smtClean="0">
+            <a:endParaRPr lang="ar-SA" sz="2000" b="1">
               <a:latin typeface="Arial" panose="020B0604020202020204" pitchFamily="34" charset="0"/>
               <a:cs typeface="Arial" panose="020B0604020202020204" pitchFamily="34" charset="0"/>
             </a:endParaRPr>
@@ -11716,7 +11646,7 @@
           <a:p>
             <a:pPr algn="r"/>
             <a:r>
-              <a:rPr lang="ar-SA" sz="2000" b="1" smtClean="0">
+              <a:rPr lang="ar-SA" sz="2000" b="1">
                 <a:solidFill>
                   <a:srgbClr val="FF0000"/>
                 </a:solidFill>
@@ -11800,7 +11730,7 @@
                     <a:p>
                       <a:pPr algn="ctr"/>
                       <a:r>
-                        <a:rPr lang="ar-SA" smtClean="0"/>
+                        <a:rPr lang="ar-SA"/>
                         <a:t>وظيفتها</a:t>
                       </a:r>
                       <a:endParaRPr lang="en-US"/>
@@ -11815,7 +11745,7 @@
                     <a:p>
                       <a:pPr algn="ctr"/>
                       <a:r>
-                        <a:rPr lang="ar-SA" smtClean="0"/>
+                        <a:rPr lang="ar-SA"/>
                         <a:t>اسم الدالة</a:t>
                       </a:r>
                       <a:endParaRPr lang="en-US"/>
@@ -11837,7 +11767,7 @@
                     <a:p>
                       <a:pPr algn="r"/>
                       <a:r>
-                        <a:rPr lang="ar-SA" smtClean="0"/>
+                        <a:rPr lang="ar-SA"/>
                         <a:t>تقوم تحذف المفتاح (القيمة الاولى) والقيمة (القيمة الثانية)</a:t>
                       </a:r>
                     </a:p>
@@ -11850,10 +11780,9 @@
                     <a:lstStyle/>
                     <a:p>
                       <a:r>
-                        <a:rPr lang="en-US" smtClean="0"/>
+                        <a:rPr lang="en-US"/>
                         <a:t>pop</a:t>
                       </a:r>
-                      <a:endParaRPr lang="en-US"/>
                     </a:p>
                   </a:txBody>
                   <a:tcPr/>
@@ -11872,11 +11801,11 @@
                     <a:p>
                       <a:pPr algn="r"/>
                       <a:r>
-                        <a:rPr lang="ar-SA" smtClean="0"/>
+                        <a:rPr lang="ar-SA"/>
                         <a:t>تقوم بوضع قيمة افتراضية بحيث انها لا تطبق إلا</a:t>
                       </a:r>
                       <a:r>
-                        <a:rPr lang="ar-SA" baseline="0" smtClean="0"/>
+                        <a:rPr lang="ar-SA" baseline="0"/>
                         <a:t> اذا لم يكن هناك مفتاح بهذا الاسم</a:t>
                       </a:r>
                       <a:endParaRPr lang="en-US"/>
@@ -11890,7 +11819,7 @@
                     <a:lstStyle/>
                     <a:p>
                       <a:r>
-                        <a:rPr lang="en-US" err="1" smtClean="0"/>
+                        <a:rPr lang="en-US" err="1"/>
                         <a:t>setdefault</a:t>
                       </a:r>
                       <a:endParaRPr lang="en-US"/>
@@ -11912,11 +11841,11 @@
                     <a:p>
                       <a:pPr algn="r"/>
                       <a:r>
-                        <a:rPr lang="ar-SA" smtClean="0"/>
+                        <a:rPr lang="ar-SA"/>
                         <a:t>تحصل على القيمة للمفتاح الذي ادخل واذا لم يكن موجودا فتحصل</a:t>
                       </a:r>
                       <a:r>
-                        <a:rPr lang="ar-SA" baseline="0" smtClean="0"/>
+                        <a:rPr lang="ar-SA" baseline="0"/>
                         <a:t> على القيمة الثانية التي هي نون في هذا المثال</a:t>
                       </a:r>
                       <a:endParaRPr lang="en-US"/>
@@ -11930,10 +11859,9 @@
                     <a:lstStyle/>
                     <a:p>
                       <a:r>
-                        <a:rPr lang="en-US" smtClean="0"/>
+                        <a:rPr lang="en-US"/>
                         <a:t>get</a:t>
                       </a:r>
-                      <a:endParaRPr lang="en-US"/>
                     </a:p>
                   </a:txBody>
                   <a:tcPr/>
@@ -11952,7 +11880,7 @@
                     <a:p>
                       <a:pPr algn="r"/>
                       <a:r>
-                        <a:rPr lang="ar-SA" smtClean="0"/>
+                        <a:rPr lang="ar-SA"/>
                         <a:t>اضافة دكشنري على الدكشنري الاساسية</a:t>
                       </a:r>
                       <a:endParaRPr lang="en-US"/>
@@ -11966,10 +11894,9 @@
                     <a:lstStyle/>
                     <a:p>
                       <a:r>
-                        <a:rPr lang="en-US" smtClean="0"/>
+                        <a:rPr lang="en-US"/>
                         <a:t>Update</a:t>
                       </a:r>
-                      <a:endParaRPr lang="en-US"/>
                     </a:p>
                   </a:txBody>
                   <a:tcPr/>
@@ -11988,11 +11915,11 @@
                     <a:p>
                       <a:pPr algn="r"/>
                       <a:r>
-                        <a:rPr lang="ar-SA" smtClean="0"/>
+                        <a:rPr lang="ar-SA"/>
                         <a:t>ترجع</a:t>
                       </a:r>
                       <a:r>
-                        <a:rPr lang="ar-SA" baseline="0" smtClean="0"/>
+                        <a:rPr lang="ar-SA" baseline="0"/>
                         <a:t> بمصفوفة من مفاتيح الدكشنري</a:t>
                       </a:r>
                       <a:endParaRPr lang="en-US"/>
@@ -12006,10 +11933,9 @@
                     <a:lstStyle/>
                     <a:p>
                       <a:r>
-                        <a:rPr lang="en-US" smtClean="0"/>
+                        <a:rPr lang="en-US"/>
                         <a:t>keys</a:t>
                       </a:r>
-                      <a:endParaRPr lang="en-US"/>
                     </a:p>
                   </a:txBody>
                   <a:tcPr/>
@@ -12044,14 +11970,14 @@
                         <a:defRPr/>
                       </a:pPr>
                       <a:r>
-                        <a:rPr lang="ar-SA" smtClean="0"/>
+                        <a:rPr lang="ar-SA"/>
                         <a:t>ترجع</a:t>
                       </a:r>
                       <a:r>
-                        <a:rPr lang="ar-SA" baseline="0" smtClean="0"/>
+                        <a:rPr lang="ar-SA" baseline="0"/>
                         <a:t> بمصفوفة من قيم الدكشنري</a:t>
                       </a:r>
-                      <a:endParaRPr lang="en-US" smtClean="0"/>
+                      <a:endParaRPr lang="en-US"/>
                     </a:p>
                   </a:txBody>
                   <a:tcPr/>
@@ -12062,7 +11988,7 @@
                     <a:lstStyle/>
                     <a:p>
                       <a:r>
-                        <a:rPr lang="en-US" smtClean="0"/>
+                        <a:rPr lang="en-US"/>
                         <a:t>values</a:t>
                       </a:r>
                     </a:p>
@@ -12099,14 +12025,14 @@
                         <a:defRPr/>
                       </a:pPr>
                       <a:r>
-                        <a:rPr lang="ar-SA" smtClean="0"/>
+                        <a:rPr lang="ar-SA"/>
                         <a:t>ترجع</a:t>
                       </a:r>
                       <a:r>
-                        <a:rPr lang="ar-SA" baseline="0" smtClean="0"/>
+                        <a:rPr lang="ar-SA" baseline="0"/>
                         <a:t> بمصفوفة من مفاتيح و القيم داخل توبل الدكشنري</a:t>
                       </a:r>
-                      <a:endParaRPr lang="en-US" smtClean="0"/>
+                      <a:endParaRPr lang="en-US"/>
                     </a:p>
                   </a:txBody>
                   <a:tcPr/>
@@ -12117,7 +12043,7 @@
                     <a:lstStyle/>
                     <a:p>
                       <a:r>
-                        <a:rPr lang="en-US" err="1" smtClean="0"/>
+                        <a:rPr lang="en-US" err="1"/>
                         <a:t>itmes</a:t>
                       </a:r>
                       <a:endParaRPr lang="en-US"/>
@@ -12145,13 +12071,6 @@
   <p:clrMapOvr>
     <a:masterClrMapping/>
   </p:clrMapOvr>
-  <p:timing>
-    <p:tnLst>
-      <p:par>
-        <p:cTn id="1" dur="indefinite" restart="never" nodeType="tmRoot"/>
-      </p:par>
-    </p:tnLst>
-  </p:timing>
 </p:sld>
 </file>
 
@@ -12207,29 +12126,24 @@
             </a:r>
             <a:r>
               <a:rPr lang="en-US"/>
-              <a:t> </a:t>
-            </a:r>
-            <a:r>
-              <a:rPr lang="en-US" smtClean="0"/>
-              <a:t>16</a:t>
-            </a:r>
-            <a:r>
-              <a:rPr lang="ar-SA" smtClean="0"/>
+              <a:t> 16</a:t>
+            </a:r>
+            <a:r>
+              <a:rPr lang="ar-SA"/>
               <a:t> واجهة المسخدم </a:t>
             </a:r>
             <a:r>
-              <a:rPr lang="en-US" smtClean="0"/>
+              <a:rPr lang="en-US"/>
               <a:t>(GUI </a:t>
             </a:r>
             <a:r>
-              <a:rPr lang="en-US" err="1" smtClean="0"/>
+              <a:rPr lang="en-US" err="1"/>
               <a:t>tkinter</a:t>
             </a:r>
             <a:r>
-              <a:rPr lang="en-US" smtClean="0"/>
+              <a:rPr lang="en-US"/>
               <a:t>)</a:t>
             </a:r>
-            <a:endParaRPr lang="en-US"/>
           </a:p>
         </p:txBody>
       </p:sp>
@@ -12263,28 +12177,24 @@
           <a:p>
             <a:pPr algn="r"/>
             <a:r>
-              <a:rPr lang="en-US" b="1" u="sng" smtClean="0"/>
+              <a:rPr lang="en-US" b="1" u="sng"/>
               <a:t>(Graphical User Interface</a:t>
             </a:r>
             <a:r>
-              <a:rPr lang="en-US" b="1" smtClean="0"/>
+              <a:rPr lang="en-US" b="1"/>
               <a:t>)</a:t>
             </a:r>
             <a:r>
-              <a:rPr lang="ar-SA" b="1" smtClean="0"/>
+              <a:rPr lang="ar-SA" b="1"/>
               <a:t> اختصار ل</a:t>
             </a:r>
             <a:r>
-              <a:rPr lang="en-US" b="1" smtClean="0"/>
+              <a:rPr lang="en-US" b="1"/>
               <a:t>GUI</a:t>
             </a:r>
             <a:r>
               <a:rPr lang="ar-SA" b="1"/>
-              <a:t> واجهة</a:t>
-            </a:r>
-            <a:r>
-              <a:rPr lang="ar-SA" b="1" smtClean="0"/>
-              <a:t> المستخدم هي عبارة عن تطبيق بعناصر مرئية يمكن للمتسخدم التفاعل</a:t>
+              <a:t> واجهة المستخدم هي عبارة عن تطبيق بعناصر مرئية يمكن للمتسخدم التفاعل</a:t>
             </a:r>
           </a:p>
           <a:p>
@@ -12294,15 +12204,15 @@
           <a:p>
             <a:pPr algn="r"/>
             <a:r>
-              <a:rPr lang="en-US" b="1" err="1" smtClean="0"/>
+              <a:rPr lang="en-US" b="1" err="1"/>
               <a:t>Tkinter</a:t>
             </a:r>
             <a:r>
-              <a:rPr lang="en-US" b="1" smtClean="0"/>
+              <a:rPr lang="en-US" b="1"/>
               <a:t> </a:t>
             </a:r>
             <a:r>
-              <a:rPr lang="ar-SA" b="1" smtClean="0"/>
+              <a:rPr lang="ar-SA" b="1"/>
               <a:t>1- استدعينا مكتبة</a:t>
             </a:r>
           </a:p>
@@ -12310,79 +12220,74 @@
             <a:pPr algn="r"/>
             <a:r>
               <a:rPr lang="ar-SA"/>
-              <a:t> وهي مكتبه متخصصة فقط في واجهة </a:t>
-            </a:r>
-            <a:r>
-              <a:rPr lang="ar-SA" smtClean="0"/>
-              <a:t>المستخدم</a:t>
+              <a:t> وهي مكتبه متخصصة فقط في واجهة المستخدم</a:t>
             </a:r>
           </a:p>
           <a:p>
             <a:pPr algn="r"/>
             <a:r>
-              <a:rPr lang="ar-SA" smtClean="0"/>
+              <a:rPr lang="ar-SA"/>
               <a:t>وعلامة النجمة تعني كل ما في المكتبة</a:t>
             </a:r>
-            <a:endParaRPr lang="ar-SA"/>
           </a:p>
           <a:p>
             <a:pPr algn="r"/>
-            <a:endParaRPr lang="en-US" b="1" smtClean="0"/>
+            <a:endParaRPr lang="en-US" b="1"/>
           </a:p>
           <a:p>
             <a:pPr algn="r"/>
             <a:r>
-              <a:rPr lang="ar-SA" b="1" smtClean="0"/>
+              <a:rPr lang="ar-SA" b="1"/>
               <a:t>2- انشاء النافذة والتحكم في خصائص</a:t>
             </a:r>
           </a:p>
           <a:p>
             <a:pPr algn="r"/>
             <a:r>
-              <a:rPr lang="en-US" smtClean="0"/>
+              <a:rPr lang="en-US"/>
               <a:t>window</a:t>
             </a:r>
             <a:r>
-              <a:rPr lang="ar-SA" smtClean="0"/>
+              <a:rPr lang="ar-SA"/>
               <a:t> في متغير </a:t>
             </a:r>
             <a:r>
-              <a:rPr lang="en-US" err="1" smtClean="0"/>
+              <a:rPr lang="en-US" err="1"/>
               <a:t>Tk</a:t>
             </a:r>
             <a:r>
-              <a:rPr lang="ar-SA" smtClean="0"/>
+              <a:rPr lang="ar-SA"/>
               <a:t>تم وضع نوع </a:t>
             </a:r>
-            <a:endParaRPr lang="en-US" smtClean="0"/>
+            <a:endParaRPr lang="en-US"/>
           </a:p>
           <a:p>
             <a:pPr algn="r"/>
             <a:r>
-              <a:rPr lang="ar-SA" smtClean="0"/>
+              <a:rPr lang="ar-SA"/>
               <a:t> عبارة عن نافذة البرنامج</a:t>
             </a:r>
             <a:r>
-              <a:rPr lang="en-US" err="1" smtClean="0"/>
+              <a:rPr lang="en-US" err="1"/>
               <a:t>Tk</a:t>
             </a:r>
             <a:r>
-              <a:rPr lang="ar-SA" smtClean="0"/>
+              <a:rPr lang="ar-SA"/>
               <a:t>و </a:t>
             </a:r>
           </a:p>
           <a:p>
             <a:pPr algn="r"/>
             <a:r>
-              <a:rPr lang="ar-SA" b="1" smtClean="0"/>
+              <a:rPr lang="ar-SA" b="1"/>
               <a:t> </a:t>
             </a:r>
             <a:r>
-              <a:rPr lang="ar-SA" smtClean="0"/>
+              <a:rPr lang="ar-SA"/>
               <a:t>نضع بين الاقوس</a:t>
             </a:r>
             <a:r>
-              <a:rPr lang="en-US" b="1" err="1" smtClean="0">
+              <a:rPr lang="en-US" b="1" err="1">
                 <a:solidFill>
                   <a:srgbClr val="0070C0"/>
                 </a:solidFill>
@@ -12390,14 +12295,14 @@
               <a:t>Window.title</a:t>
             </a:r>
             <a:r>
-              <a:rPr lang="en-US" b="1" smtClean="0">
+              <a:rPr lang="en-US" b="1">
                 <a:solidFill>
                   <a:srgbClr val="0070C0"/>
                 </a:solidFill>
               </a:rPr>
               <a:t>()</a:t>
             </a:r>
-            <a:endParaRPr lang="ar-SA" b="1" smtClean="0">
+            <a:endParaRPr lang="ar-SA" b="1">
               <a:solidFill>
                 <a:srgbClr val="0070C0"/>
               </a:solidFill>
@@ -12406,26 +12311,18 @@
           <a:p>
             <a:pPr algn="r"/>
             <a:r>
-              <a:rPr lang="ar-SA" smtClean="0"/>
-              <a:t>عنوان النافذة </a:t>
-            </a:r>
-            <a:r>
               <a:rPr lang="ar-SA"/>
-              <a:t>البرنامج</a:t>
-            </a:r>
-            <a:r>
-              <a:rPr lang="ar-SA" smtClean="0"/>
-              <a:t> كنص</a:t>
+              <a:t>عنوان النافذة البرنامج كنص</a:t>
             </a:r>
           </a:p>
           <a:p>
             <a:pPr algn="r"/>
             <a:r>
-              <a:rPr lang="ar-SA" smtClean="0"/>
+              <a:rPr lang="ar-SA"/>
               <a:t> نضع في</a:t>
             </a:r>
             <a:r>
-              <a:rPr lang="en-US" b="1" err="1" smtClean="0">
+              <a:rPr lang="en-US" b="1" err="1">
                 <a:solidFill>
                   <a:srgbClr val="0070C0"/>
                 </a:solidFill>
@@ -12433,14 +12330,14 @@
               <a:t>Window.geometry</a:t>
             </a:r>
             <a:r>
-              <a:rPr lang="en-US" b="1" smtClean="0">
+              <a:rPr lang="en-US" b="1">
                 <a:solidFill>
                   <a:srgbClr val="0070C0"/>
                 </a:solidFill>
               </a:rPr>
               <a:t>()</a:t>
             </a:r>
-            <a:endParaRPr lang="ar-SA" b="1" smtClean="0">
+            <a:endParaRPr lang="ar-SA" b="1">
               <a:solidFill>
                 <a:srgbClr val="0070C0"/>
               </a:solidFill>
@@ -12449,38 +12346,38 @@
           <a:p>
             <a:pPr algn="r"/>
             <a:r>
-              <a:rPr lang="ar-SA" smtClean="0"/>
+              <a:rPr lang="ar-SA"/>
               <a:t>داخل الاقواس حجم ومكان النافذة</a:t>
             </a:r>
           </a:p>
           <a:p>
             <a:pPr algn="r"/>
             <a:r>
-              <a:rPr lang="ar-SA" smtClean="0"/>
+              <a:rPr lang="ar-SA"/>
               <a:t>اولا يجب ان يكون نص واول رقمبن</a:t>
             </a:r>
           </a:p>
           <a:p>
             <a:pPr algn="r"/>
             <a:r>
-              <a:rPr lang="ar-SA" smtClean="0"/>
+              <a:rPr lang="ar-SA"/>
               <a:t>يكونوا العرض والطول وبعدها + مكان</a:t>
             </a:r>
           </a:p>
           <a:p>
             <a:pPr algn="r"/>
             <a:r>
-              <a:rPr lang="ar-SA" smtClean="0"/>
+              <a:rPr lang="ar-SA"/>
               <a:t>من اليسار كم خانة بوحدة البكسل + </a:t>
             </a:r>
           </a:p>
           <a:p>
             <a:pPr algn="r"/>
             <a:r>
-              <a:rPr lang="ar-SA" smtClean="0"/>
+              <a:rPr lang="ar-SA"/>
               <a:t>مكان من الاعلى</a:t>
             </a:r>
-            <a:endParaRPr lang="ar-SA" b="1" smtClean="0"/>
+            <a:endParaRPr lang="ar-SA" b="1"/>
           </a:p>
         </p:txBody>
       </p:sp>
@@ -12532,53 +12429,53 @@
           <a:p>
             <a:pPr algn="r"/>
             <a:r>
-              <a:rPr lang="ar-SA" b="1" smtClean="0"/>
+              <a:rPr lang="ar-SA" b="1"/>
               <a:t>3- انشاء صندوق للمدخلات</a:t>
             </a:r>
           </a:p>
           <a:p>
             <a:pPr algn="r"/>
             <a:r>
-              <a:rPr lang="en-US" smtClean="0"/>
+              <a:rPr lang="en-US"/>
               <a:t>tkinter</a:t>
             </a:r>
             <a:r>
-              <a:rPr lang="ar-SA" smtClean="0"/>
+              <a:rPr lang="ar-SA"/>
               <a:t> نستعمل في ال</a:t>
             </a:r>
             <a:r>
-              <a:rPr lang="en-US" smtClean="0"/>
+              <a:rPr lang="en-US"/>
               <a:t>input</a:t>
             </a:r>
             <a:r>
-              <a:rPr lang="ar-SA" smtClean="0"/>
+              <a:rPr lang="ar-SA"/>
               <a:t>بدلا من ال</a:t>
             </a:r>
-            <a:endParaRPr lang="en-US" smtClean="0"/>
+            <a:endParaRPr lang="en-US"/>
           </a:p>
           <a:p>
             <a:pPr algn="r"/>
             <a:r>
-              <a:rPr lang="ar-SA" smtClean="0"/>
+              <a:rPr lang="ar-SA"/>
               <a:t> للحصول على معلومات من المستخدم</a:t>
             </a:r>
             <a:r>
-              <a:rPr lang="en-US" smtClean="0"/>
+              <a:rPr lang="en-US"/>
               <a:t>Entry</a:t>
             </a:r>
-            <a:endParaRPr lang="ar-SA" smtClean="0"/>
+            <a:endParaRPr lang="ar-SA"/>
           </a:p>
           <a:p>
             <a:pPr algn="r"/>
             <a:r>
-              <a:rPr lang="ar-SA" smtClean="0"/>
+              <a:rPr lang="ar-SA"/>
               <a:t>وفي الاقواس اولا ندخل النافذة ثم يمكننا ادخل</a:t>
             </a:r>
           </a:p>
           <a:p>
             <a:pPr algn="r"/>
             <a:r>
-              <a:rPr lang="ar-SA" smtClean="0"/>
+              <a:rPr lang="ar-SA"/>
               <a:t>بقية الخواص مثل العرض ونوع الخط وحجمه</a:t>
             </a:r>
           </a:p>
@@ -12586,47 +12483,43 @@
             <a:pPr algn="r"/>
             <a:r>
               <a:rPr lang="en-US" b="1"/>
-              <a:t>Entry.pack</a:t>
-            </a:r>
-            <a:r>
-              <a:rPr lang="en-US" b="1" smtClean="0"/>
-              <a:t>()</a:t>
-            </a:r>
-            <a:endParaRPr lang="ar-SA" b="1" smtClean="0"/>
+              <a:t>Entry.pack()</a:t>
+            </a:r>
+            <a:endParaRPr lang="ar-SA" b="1"/>
           </a:p>
           <a:p>
             <a:pPr algn="r"/>
             <a:r>
-              <a:rPr lang="ar-SA" b="1" smtClean="0"/>
+              <a:rPr lang="ar-SA" b="1"/>
               <a:t> </a:t>
             </a:r>
             <a:r>
-              <a:rPr lang="ar-SA" smtClean="0"/>
+              <a:rPr lang="ar-SA"/>
               <a:t>تقوم باظهار الصندوق في اعلى منتصف النافذة</a:t>
             </a:r>
           </a:p>
           <a:p>
             <a:pPr algn="r"/>
-            <a:endParaRPr lang="en-US" b="1" smtClean="0"/>
+            <a:endParaRPr lang="en-US" b="1"/>
           </a:p>
           <a:p>
             <a:pPr algn="r"/>
             <a:r>
-              <a:rPr lang="ar-SA" b="1" smtClean="0"/>
+              <a:rPr lang="ar-SA" b="1"/>
               <a:t>4- تشغيل البرنامج</a:t>
             </a:r>
           </a:p>
           <a:p>
             <a:pPr algn="r"/>
             <a:r>
-              <a:rPr lang="en-US" smtClean="0"/>
+              <a:rPr lang="en-US"/>
               <a:t>Window.mainloop()</a:t>
             </a:r>
           </a:p>
           <a:p>
             <a:pPr algn="r"/>
             <a:r>
-              <a:rPr lang="ar-SA" smtClean="0"/>
+              <a:rPr lang="ar-SA"/>
               <a:t>هو امر تشغيل البرنامج وعرض النافذة</a:t>
             </a:r>
           </a:p>
@@ -12646,13 +12539,6 @@
   <p:clrMapOvr>
     <a:masterClrMapping/>
   </p:clrMapOvr>
-  <p:timing>
-    <p:tnLst>
-      <p:par>
-        <p:cTn id="1" dur="indefinite" restart="never" nodeType="tmRoot"/>
-      </p:par>
-    </p:tnLst>
-  </p:timing>
 </p:sld>
 </file>
 
@@ -12708,29 +12594,24 @@
             </a:r>
             <a:r>
               <a:rPr lang="en-US"/>
-              <a:t> </a:t>
-            </a:r>
-            <a:r>
-              <a:rPr lang="en-US" smtClean="0"/>
-              <a:t>16</a:t>
-            </a:r>
-            <a:r>
-              <a:rPr lang="ar-SA" smtClean="0"/>
+              <a:t> 16</a:t>
+            </a:r>
+            <a:r>
+              <a:rPr lang="ar-SA"/>
               <a:t> مثال واجهة المسخدم </a:t>
             </a:r>
             <a:r>
-              <a:rPr lang="en-US" smtClean="0"/>
+              <a:rPr lang="en-US"/>
               <a:t>(GUI </a:t>
             </a:r>
             <a:r>
-              <a:rPr lang="en-US" err="1" smtClean="0"/>
+              <a:rPr lang="en-US" err="1"/>
               <a:t>tkinter</a:t>
             </a:r>
             <a:r>
-              <a:rPr lang="en-US" smtClean="0"/>
+              <a:rPr lang="en-US"/>
               <a:t>)</a:t>
             </a:r>
-            <a:endParaRPr lang="en-US"/>
           </a:p>
         </p:txBody>
       </p:sp>
@@ -12768,13 +12649,6 @@
   <p:clrMapOvr>
     <a:masterClrMapping/>
   </p:clrMapOvr>
-  <p:timing>
-    <p:tnLst>
-      <p:par>
-        <p:cTn id="1" dur="indefinite" restart="never" nodeType="tmRoot"/>
-      </p:par>
-    </p:tnLst>
-  </p:timing>
 </p:sld>
 </file>
 
@@ -12834,28 +12708,16 @@
               <a:rPr lang="en-US">
                 <a:cs typeface="+mn-cs"/>
               </a:rPr>
-              <a:t> </a:t>
-            </a:r>
-            <a:r>
-              <a:rPr lang="en-US" smtClean="0">
+              <a:t> 17</a:t>
+            </a:r>
+            <a:r>
+              <a:rPr lang="ar-SA">
                 <a:cs typeface="+mn-cs"/>
               </a:rPr>
-              <a:t>17</a:t>
-            </a:r>
-            <a:r>
-              <a:rPr lang="ar-SA" smtClean="0">
-                <a:cs typeface="+mn-cs"/>
-              </a:rPr>
-              <a:t> الدوال </a:t>
-            </a:r>
-            <a:r>
-              <a:rPr lang="ar-SA" smtClean="0">
-                <a:cs typeface="+mn-cs"/>
-              </a:rPr>
-              <a:t>بدون معاملات </a:t>
-            </a:r>
-            <a:r>
-              <a:rPr lang="en-US" sz="3100" smtClean="0">
+              <a:t> الدوال بدون معاملات </a:t>
+            </a:r>
+            <a:r>
+              <a:rPr lang="en-US" sz="3100">
                 <a:cs typeface="+mn-cs"/>
               </a:rPr>
               <a:t>(Functions Without Parameters)</a:t>
@@ -12938,30 +12800,22 @@
           <a:p>
             <a:pPr algn="r" rtl="1"/>
             <a:r>
-              <a:rPr lang="ar-SA" sz="2800" smtClean="0"/>
+              <a:rPr lang="ar-SA" sz="2800"/>
               <a:t>الدوال هي عبارة عن مجموعة اوامر يقوم النظام</a:t>
             </a:r>
           </a:p>
           <a:p>
             <a:pPr algn="r" rtl="1"/>
             <a:r>
-              <a:rPr lang="ar-SA" sz="2800" smtClean="0"/>
+              <a:rPr lang="ar-SA" sz="2800"/>
               <a:t>بتنفيذها في كل مرة يتم فيها استدعاء الدالة.</a:t>
             </a:r>
           </a:p>
           <a:p>
             <a:pPr algn="r" rtl="1"/>
             <a:r>
-              <a:rPr lang="ar-SA" sz="2800" smtClean="0"/>
-              <a:t>وتكون </a:t>
-            </a:r>
-            <a:r>
-              <a:rPr lang="ar-SA" sz="2800" smtClean="0"/>
-              <a:t>طريقة الكتابة </a:t>
-            </a:r>
-            <a:r>
-              <a:rPr lang="ar-SA" sz="2800" smtClean="0"/>
-              <a:t>بكتابة </a:t>
+              <a:rPr lang="ar-SA" sz="2800"/>
+              <a:t>وتكون طريقة الكتابة بكتابة </a:t>
             </a:r>
             <a:r>
               <a:rPr lang="en-US" sz="2800" b="1">
@@ -12972,11 +12826,11 @@
               <a:t>def</a:t>
             </a:r>
             <a:r>
-              <a:rPr lang="ar-SA" sz="2800" smtClean="0"/>
+              <a:rPr lang="ar-SA" sz="2800"/>
               <a:t> يليها </a:t>
             </a:r>
             <a:r>
-              <a:rPr lang="ar-SA" sz="2800" smtClean="0">
+              <a:rPr lang="ar-SA" sz="2800">
                 <a:solidFill>
                   <a:schemeClr val="accent4">
                     <a:lumMod val="75000"/>
@@ -12986,7 +12840,7 @@
               <a:t>اسم الدالة متبوعا بـ </a:t>
             </a:r>
             <a:r>
-              <a:rPr lang="en-US" sz="2800" smtClean="0">
+              <a:rPr lang="en-US" sz="2800">
                 <a:solidFill>
                   <a:schemeClr val="accent4">
                     <a:lumMod val="75000"/>
@@ -12995,7 +12849,7 @@
               </a:rPr>
               <a:t>():</a:t>
             </a:r>
-            <a:endParaRPr lang="ar-SA" sz="2800" smtClean="0">
+            <a:endParaRPr lang="ar-SA" sz="2800">
               <a:solidFill>
                 <a:schemeClr val="accent4">
                   <a:lumMod val="75000"/>
@@ -13006,11 +12860,11 @@
           <a:p>
             <a:pPr algn="r" rtl="1"/>
             <a:r>
-              <a:rPr lang="ar-SA" sz="2800" smtClean="0"/>
+              <a:rPr lang="ar-SA" sz="2800"/>
               <a:t>مثال</a:t>
             </a:r>
             <a:r>
-              <a:rPr lang="ar-SA" sz="2800" smtClean="0">
+              <a:rPr lang="ar-SA" sz="2800">
                 <a:solidFill>
                   <a:schemeClr val="accent4">
                     <a:lumMod val="75000"/>
@@ -13020,7 +12874,7 @@
               <a:t> </a:t>
             </a:r>
             <a:r>
-              <a:rPr lang="en-US" sz="2800" smtClean="0">
+              <a:rPr lang="en-US" sz="2800">
                 <a:solidFill>
                   <a:schemeClr val="accent4">
                     <a:lumMod val="75000"/>
@@ -13032,7 +12886,7 @@
           </a:p>
           <a:p>
             <a:pPr algn="r" rtl="1"/>
-            <a:endParaRPr lang="en-US" sz="2800" smtClean="0">
+            <a:endParaRPr lang="en-US" sz="2800">
               <a:solidFill>
                 <a:schemeClr val="accent4">
                   <a:lumMod val="75000"/>
@@ -13043,34 +12897,22 @@
           <a:p>
             <a:pPr algn="r" rtl="1"/>
             <a:r>
-              <a:rPr lang="ar-SA" sz="2800" smtClean="0"/>
-              <a:t>ثم نبدأ سطر جديد ويجب </a:t>
-            </a:r>
-            <a:r>
-              <a:rPr lang="ar-SA" sz="2800" smtClean="0"/>
-              <a:t>ترك مسافة قبل كل سطر في الدالة ليعلم النظام ان هذا الامر داخل في الدالة.</a:t>
+              <a:rPr lang="ar-SA" sz="2800"/>
+              <a:t>ثم نبدأ سطر جديد ويجب ترك مسافة قبل كل سطر في الدالة ليعلم النظام ان هذا الامر داخل في الدالة.</a:t>
             </a:r>
           </a:p>
           <a:p>
             <a:pPr algn="r" rtl="1"/>
-            <a:endParaRPr lang="ar-SA" sz="2800" smtClean="0"/>
+            <a:endParaRPr lang="ar-SA" sz="2800"/>
           </a:p>
           <a:p>
             <a:pPr algn="r" rtl="1"/>
             <a:r>
-              <a:rPr lang="ar-SA" sz="2800" smtClean="0"/>
-              <a:t>وعند </a:t>
-            </a:r>
-            <a:r>
-              <a:rPr lang="ar-SA" sz="2800" smtClean="0"/>
-              <a:t>الحاجة لاستدعاء </a:t>
-            </a:r>
-            <a:r>
-              <a:rPr lang="ar-SA" sz="2800" smtClean="0"/>
-              <a:t>الدالة نكتب </a:t>
-            </a:r>
-            <a:r>
-              <a:rPr lang="ar-SA" sz="2800" b="1" smtClean="0">
+              <a:rPr lang="ar-SA" sz="2800"/>
+              <a:t>وعند الحاجة لاستدعاء الدالة نكتب </a:t>
+            </a:r>
+            <a:r>
+              <a:rPr lang="ar-SA" sz="2800" b="1">
                 <a:solidFill>
                   <a:schemeClr val="accent4">
                     <a:lumMod val="75000"/>
@@ -13079,25 +12921,14 @@
               </a:rPr>
               <a:t>اسم الدالة() </a:t>
             </a:r>
-            <a:endParaRPr lang="ar-SA" sz="2800" b="1" smtClean="0">
-              <a:solidFill>
-                <a:schemeClr val="accent4">
-                  <a:lumMod val="75000"/>
-                </a:schemeClr>
-              </a:solidFill>
-            </a:endParaRPr>
           </a:p>
           <a:p>
             <a:pPr algn="r" rtl="1"/>
             <a:r>
-              <a:rPr lang="ar-SA" sz="2800" smtClean="0"/>
-              <a:t>ويمكن </a:t>
-            </a:r>
-            <a:r>
-              <a:rPr lang="ar-SA" sz="2800" smtClean="0"/>
-              <a:t>استدعاء الدالة اكثر من مرة.</a:t>
-            </a:r>
-            <a:endParaRPr lang="ar-SA" sz="3200" smtClean="0"/>
+              <a:rPr lang="ar-SA" sz="2800"/>
+              <a:t>ويمكن استدعاء الدالة اكثر من مرة.</a:t>
+            </a:r>
+            <a:endParaRPr lang="ar-SA" sz="3200"/>
           </a:p>
         </p:txBody>
       </p:sp>
@@ -13147,13 +12978,6 @@
   <p:clrMapOvr>
     <a:masterClrMapping/>
   </p:clrMapOvr>
-  <p:timing>
-    <p:tnLst>
-      <p:par>
-        <p:cTn id="1" dur="indefinite" restart="never" nodeType="tmRoot"/>
-      </p:par>
-    </p:tnLst>
-  </p:timing>
 </p:sld>
 </file>
 
@@ -13204,32 +13028,17 @@
           <a:p>
             <a:pPr algn="r" rtl="1"/>
             <a:r>
-              <a:rPr lang="ar-SA" sz="4000" smtClean="0">
+              <a:rPr lang="ar-SA" sz="4000">
                 <a:cs typeface="+mn-cs"/>
               </a:rPr>
-              <a:t>معلومة 18 عوامل </a:t>
-            </a:r>
-            <a:r>
-              <a:rPr lang="ar-SA" sz="4000" smtClean="0">
+              <a:t>معلومة 18 عوامل الدوال بمعاملات </a:t>
+            </a:r>
+            <a:r>
+              <a:rPr lang="en-US" sz="4000">
                 <a:cs typeface="+mn-cs"/>
               </a:rPr>
-              <a:t>الدوال بمعاملات </a:t>
-            </a:r>
-            <a:r>
-              <a:rPr lang="en-US" sz="4000" smtClean="0">
-                <a:cs typeface="+mn-cs"/>
-              </a:rPr>
-              <a:t>(</a:t>
-            </a:r>
-            <a:r>
-              <a:rPr lang="en-US" sz="4000" smtClean="0">
-                <a:cs typeface="+mn-cs"/>
-              </a:rPr>
-              <a:t>Functions Parameters)</a:t>
-            </a:r>
-            <a:endParaRPr lang="en-US" sz="4000">
-              <a:cs typeface="+mn-cs"/>
-            </a:endParaRPr>
+              <a:t>(Functions Parameters)</a:t>
+            </a:r>
           </a:p>
         </p:txBody>
       </p:sp>
@@ -13257,7 +13066,7 @@
           <a:p>
             <a:pPr algn="r" rtl="1"/>
             <a:r>
-              <a:rPr lang="ar-SA" sz="2800" smtClean="0">
+              <a:rPr lang="ar-SA" sz="2800">
                 <a:solidFill>
                   <a:schemeClr val="accent1">
                     <a:lumMod val="75000"/>
@@ -13267,7 +13076,7 @@
               <a:t>المعاملات (</a:t>
             </a:r>
             <a:r>
-              <a:rPr lang="en-US" sz="2800" smtClean="0">
+              <a:rPr lang="en-US" sz="2800">
                 <a:solidFill>
                   <a:schemeClr val="accent1">
                     <a:lumMod val="75000"/>
@@ -13277,112 +13086,67 @@
               <a:t>parameters</a:t>
             </a:r>
             <a:r>
-              <a:rPr lang="ar-SA" sz="2800" smtClean="0">
+              <a:rPr lang="ar-SA" sz="2800">
                 <a:solidFill>
                   <a:schemeClr val="accent1">
                     <a:lumMod val="75000"/>
                   </a:schemeClr>
                 </a:solidFill>
               </a:rPr>
-              <a:t>) </a:t>
-            </a:r>
-            <a:r>
-              <a:rPr lang="ar-SA" sz="2800" smtClean="0">
+              <a:t>) هي عبارة عن متغيرات يتم تمرير القيم من خلالها الى الدالة</a:t>
+            </a:r>
+            <a:endParaRPr lang="ar-SA" sz="2800" b="1"/>
+          </a:p>
+          <a:p>
+            <a:pPr algn="r" rtl="1"/>
+            <a:r>
+              <a:rPr lang="ar-SA" sz="2800">
                 <a:solidFill>
                   <a:schemeClr val="accent1">
                     <a:lumMod val="75000"/>
                   </a:schemeClr>
                 </a:solidFill>
               </a:rPr>
-              <a:t>هي عبارة عن </a:t>
-            </a:r>
-            <a:r>
-              <a:rPr lang="ar-SA" sz="2800" smtClean="0">
+              <a:t>بحيث يتم استخدامها في الدالة</a:t>
+            </a:r>
+          </a:p>
+          <a:p>
+            <a:pPr algn="r" rtl="1"/>
+            <a:r>
+              <a:rPr lang="ar-SA" sz="2800">
                 <a:solidFill>
                   <a:schemeClr val="accent1">
                     <a:lumMod val="75000"/>
                   </a:schemeClr>
                 </a:solidFill>
               </a:rPr>
-              <a:t>متغيرات</a:t>
-            </a:r>
-            <a:r>
-              <a:rPr lang="ar-SA" sz="2800" smtClean="0">
-                <a:solidFill>
-                  <a:schemeClr val="accent1">
-                    <a:lumMod val="75000"/>
-                  </a:schemeClr>
-                </a:solidFill>
-              </a:rPr>
-              <a:t> يتم تمرير القيم من خلالها الى الدالة</a:t>
-            </a:r>
-            <a:endParaRPr lang="ar-SA" sz="2800" b="1" smtClean="0"/>
+              <a:t>ويكمن ان تكون نصوص او ارقام حتى دوال اخرى او اي نوع من البايانات.</a:t>
+            </a:r>
           </a:p>
           <a:p>
             <a:pPr algn="r" rtl="1"/>
             <a:r>
-              <a:rPr lang="ar-SA" sz="2800" smtClean="0">
-                <a:solidFill>
-                  <a:schemeClr val="accent1">
-                    <a:lumMod val="75000"/>
-                  </a:schemeClr>
-                </a:solidFill>
-              </a:rPr>
-              <a:t>بحيث يتم استخدامها في الدالة</a:t>
-            </a:r>
-            <a:endParaRPr lang="ar-SA" sz="2800" smtClean="0">
-              <a:solidFill>
-                <a:schemeClr val="accent1">
-                  <a:lumMod val="75000"/>
-                </a:schemeClr>
-              </a:solidFill>
-            </a:endParaRPr>
+              <a:rPr lang="ar-SA" sz="2800"/>
+              <a:t>يمكن استعمالها بوضع اسم العامل داخل الاقواس</a:t>
+            </a:r>
+            <a:r>
+              <a:rPr lang="en-US" sz="2800"/>
+              <a:t> </a:t>
+            </a:r>
+            <a:r>
+              <a:rPr lang="ar-SA" sz="2800"/>
+              <a:t>ولأكثر من عامل يفصل بينهم بفاصلة مثل:</a:t>
+            </a:r>
+            <a:r>
+              <a:rPr lang="en-US" sz="2800"/>
+              <a:t> </a:t>
+            </a:r>
+            <a:endParaRPr lang="ar-SA" sz="2800"/>
           </a:p>
           <a:p>
             <a:pPr algn="r" rtl="1"/>
             <a:r>
-              <a:rPr lang="ar-SA" sz="2800" smtClean="0">
-                <a:solidFill>
-                  <a:schemeClr val="accent1">
-                    <a:lumMod val="75000"/>
-                  </a:schemeClr>
-                </a:solidFill>
-              </a:rPr>
-              <a:t>ويكمن ان تكون نصوص او ارقام حتى دوال اخرى او اي نوع من البايانات.</a:t>
-            </a:r>
-          </a:p>
-          <a:p>
-            <a:pPr algn="r" rtl="1"/>
-            <a:r>
-              <a:rPr lang="ar-SA" sz="2800" smtClean="0"/>
-              <a:t>يمكن </a:t>
-            </a:r>
-            <a:r>
-              <a:rPr lang="ar-SA" sz="2800" smtClean="0"/>
-              <a:t>استعمالها بوضع اسم العامل داخل </a:t>
-            </a:r>
-            <a:r>
-              <a:rPr lang="ar-SA" sz="2800" smtClean="0"/>
-              <a:t>الاقواس</a:t>
-            </a:r>
-            <a:r>
-              <a:rPr lang="en-US" sz="2800" smtClean="0"/>
-              <a:t> </a:t>
-            </a:r>
-            <a:r>
-              <a:rPr lang="ar-SA" sz="2800" smtClean="0"/>
-              <a:t>ولأكثر من عامل يفصل بينهم بفاصلة مثل:</a:t>
-            </a:r>
-            <a:r>
-              <a:rPr lang="en-US" sz="2800" smtClean="0"/>
-              <a:t> </a:t>
-            </a:r>
-            <a:endParaRPr lang="ar-SA" sz="2800" smtClean="0"/>
-          </a:p>
-          <a:p>
-            <a:pPr algn="r" rtl="1"/>
-            <a:r>
-              <a:rPr lang="en-US" sz="2800" smtClean="0">
+              <a:rPr lang="en-US" sz="2800">
                 <a:solidFill>
                   <a:schemeClr val="accent4">
                     <a:lumMod val="75000"/>
@@ -13391,7 +13155,7 @@
               </a:rPr>
               <a:t>def print_names(par1,par2,par3)</a:t>
             </a:r>
-            <a:endParaRPr lang="ar-SA" smtClean="0">
+            <a:endParaRPr lang="ar-SA">
               <a:solidFill>
                 <a:schemeClr val="accent4">
                   <a:lumMod val="75000"/>
@@ -13401,7 +13165,7 @@
           </a:p>
           <a:p>
             <a:pPr algn="r" rtl="1"/>
-            <a:endParaRPr lang="ar-SA" smtClean="0"/>
+            <a:endParaRPr lang="ar-SA"/>
           </a:p>
         </p:txBody>
       </p:sp>
@@ -13522,39 +13286,15 @@
             <a:pPr algn="r" rtl="1"/>
             <a:r>
               <a:rPr lang="ar-SA" sz="2800"/>
-              <a:t>وعند استدعاء الدالة يجب وضع القيم بحسب </a:t>
+              <a:t>وعند استدعاء الدالة يجب وضع القيم بحسب ترتيب العوامل كما </a:t>
+            </a:r>
+            <a:r>
+              <a:rPr lang="en-US" sz="2800"/>
+              <a:t> </a:t>
             </a:r>
             <a:r>
               <a:rPr lang="ar-SA" sz="2800"/>
-              <a:t>ترتيب </a:t>
-            </a:r>
-            <a:r>
-              <a:rPr lang="ar-SA" sz="2800" smtClean="0"/>
-              <a:t>العوامل كما </a:t>
-            </a:r>
-            <a:r>
-              <a:rPr lang="en-US" sz="2800" smtClean="0"/>
-              <a:t> </a:t>
-            </a:r>
-            <a:r>
-              <a:rPr lang="ar-SA" sz="2800"/>
-              <a:t>في </a:t>
-            </a:r>
-            <a:r>
-              <a:rPr lang="ar-SA" sz="2800" smtClean="0"/>
-              <a:t>المثال. </a:t>
-            </a:r>
-            <a:r>
-              <a:rPr lang="ar-SA" sz="2800"/>
-              <a:t>ويمكن كتابتها بهذا الشكل بدون </a:t>
-            </a:r>
-            <a:r>
-              <a:rPr lang="ar-SA" sz="2800"/>
-              <a:t>ترتيب</a:t>
-            </a:r>
-            <a:r>
-              <a:rPr lang="ar-SA" sz="2800" smtClean="0"/>
-              <a:t>: </a:t>
+              <a:t>في المثال. ويمكن كتابتها بهذا الشكل بدون ترتيب: </a:t>
             </a:r>
             <a:r>
               <a:rPr lang="en-US" sz="2800">
@@ -13657,7 +13397,7 @@
               <a:t>621</a:t>
             </a:r>
             <a:r>
-              <a:rPr lang="en-US" sz="2800" smtClean="0">
+              <a:rPr lang="en-US" sz="2800">
                 <a:solidFill>
                   <a:schemeClr val="accent4">
                     <a:lumMod val="50000"/>
@@ -13666,13 +13406,6 @@
               </a:rPr>
               <a:t>)</a:t>
             </a:r>
-            <a:endParaRPr lang="en-US" sz="2800">
-              <a:solidFill>
-                <a:schemeClr val="accent4">
-                  <a:lumMod val="50000"/>
-                </a:schemeClr>
-              </a:solidFill>
-            </a:endParaRPr>
           </a:p>
         </p:txBody>
       </p:sp>
@@ -13686,13 +13419,6 @@
   <p:clrMapOvr>
     <a:masterClrMapping/>
   </p:clrMapOvr>
-  <p:timing>
-    <p:tnLst>
-      <p:par>
-        <p:cTn id="1" dur="indefinite" restart="never" nodeType="tmRoot"/>
-      </p:par>
-    </p:tnLst>
-  </p:timing>
 </p:sld>
 </file>
 
@@ -13747,12 +13473,8 @@
               <a:t>معلومة 18 عوامل الدوال </a:t>
             </a:r>
             <a:r>
-              <a:rPr lang="en-US" smtClean="0"/>
-              <a:t>(</a:t>
-            </a:r>
-            <a:r>
               <a:rPr lang="en-US"/>
-              <a:t>Functions Parameters)</a:t>
+              <a:t>(Functions Parameters)</a:t>
             </a:r>
             <a:endParaRPr lang="en-US">
               <a:cs typeface="+mn-cs"/>
@@ -13808,11 +13530,11 @@
           <a:p>
             <a:pPr algn="r" rtl="1"/>
             <a:r>
-              <a:rPr lang="ar-SA" sz="2800" smtClean="0"/>
+              <a:rPr lang="ar-SA" sz="2800"/>
               <a:t>عند وضع </a:t>
             </a:r>
             <a:r>
-              <a:rPr lang="ar-SA" sz="2800" b="1" smtClean="0">
+              <a:rPr lang="ar-SA" sz="2800" b="1">
                 <a:solidFill>
                   <a:schemeClr val="accent1"/>
                 </a:solidFill>
@@ -13820,92 +13542,41 @@
               <a:t>* </a:t>
             </a:r>
             <a:r>
-              <a:rPr lang="ar-SA" sz="2800" smtClean="0"/>
+              <a:rPr lang="ar-SA" sz="2800"/>
               <a:t>قبل اسم العامل يصبح عبارة عن</a:t>
             </a:r>
           </a:p>
           <a:p>
             <a:pPr algn="r" rtl="1"/>
             <a:r>
-              <a:rPr lang="ar-SA" sz="2800" smtClean="0"/>
+              <a:rPr lang="ar-SA" sz="2800"/>
               <a:t>مصفوفة من نوع </a:t>
             </a:r>
             <a:r>
-              <a:rPr lang="en-US" sz="2800" smtClean="0"/>
+              <a:rPr lang="en-US" sz="2800"/>
               <a:t>tuple</a:t>
             </a:r>
             <a:r>
-              <a:rPr lang="ar-SA" sz="2800" smtClean="0"/>
-              <a:t> </a:t>
-            </a:r>
-            <a:r>
-              <a:rPr lang="ar-SA" sz="2800" smtClean="0"/>
-              <a:t>.</a:t>
+              <a:rPr lang="ar-SA" sz="2800"/>
+              <a:t> .</a:t>
             </a:r>
           </a:p>
           <a:p>
             <a:pPr algn="r" rtl="1"/>
             <a:r>
-              <a:rPr lang="ar-SA" sz="2800" smtClean="0"/>
+              <a:rPr lang="ar-SA" sz="2800"/>
               <a:t>وفي حال رغبتنا في إعادة قيمة من الدالة نقوم بإسناد الدالة إلى متغير مثل: </a:t>
             </a:r>
             <a:r>
-              <a:rPr lang="en-US" sz="2800" smtClean="0"/>
+              <a:rPr lang="en-US" sz="2800"/>
               <a:t>SMA = get_SMA(1,5,71,13,57,1)</a:t>
             </a:r>
           </a:p>
           <a:p>
             <a:pPr algn="r" rtl="1"/>
             <a:r>
-              <a:rPr lang="ar-SA" sz="2800" smtClean="0"/>
+              <a:rPr lang="ar-SA" sz="2800"/>
               <a:t>وفي اخر سطر داخل الدالة نقوم باستعمال الأمر</a:t>
-            </a:r>
-            <a:r>
-              <a:rPr lang="en-US" sz="2800" smtClean="0">
-                <a:solidFill>
-                  <a:srgbClr val="7030A0"/>
-                </a:solidFill>
-              </a:rPr>
-              <a:t>return</a:t>
-            </a:r>
-            <a:r>
-              <a:rPr lang="en-US" sz="2800" smtClean="0"/>
-              <a:t> </a:t>
-            </a:r>
-            <a:r>
-              <a:rPr lang="ar-SA" sz="2800" smtClean="0"/>
-              <a:t>كما في المثال </a:t>
-            </a:r>
-            <a:r>
-              <a:rPr lang="en-US" sz="2800" smtClean="0">
-                <a:solidFill>
-                  <a:srgbClr val="7030A0"/>
-                </a:solidFill>
-              </a:rPr>
-              <a:t>return full_number</a:t>
-            </a:r>
-          </a:p>
-          <a:p>
-            <a:pPr algn="r" rtl="1"/>
-            <a:r>
-              <a:rPr lang="ar-SA" sz="2800" smtClean="0"/>
-              <a:t>ولا </a:t>
-            </a:r>
-            <a:r>
-              <a:rPr lang="ar-SA" sz="2800" smtClean="0"/>
-              <a:t>يتم </a:t>
-            </a:r>
-            <a:r>
-              <a:rPr lang="ar-SA" sz="2800" smtClean="0"/>
-              <a:t>تنفيذ</a:t>
-            </a:r>
-            <a:r>
-              <a:rPr lang="en-US" sz="2800" smtClean="0"/>
-              <a:t> </a:t>
-            </a:r>
-            <a:r>
-              <a:rPr lang="ar-SA" sz="2800" smtClean="0"/>
-              <a:t>الأوامر بعد </a:t>
             </a:r>
             <a:r>
               <a:rPr lang="en-US" sz="2800">
@@ -13916,37 +13587,75 @@
               <a:t>return</a:t>
             </a:r>
             <a:r>
-              <a:rPr lang="ar-SA" sz="2800" smtClean="0"/>
+              <a:rPr lang="en-US" sz="2800"/>
               <a:t> </a:t>
             </a:r>
+            <a:r>
+              <a:rPr lang="ar-SA" sz="2800"/>
+              <a:t>كما في المثال </a:t>
+            </a:r>
+            <a:r>
+              <a:rPr lang="en-US" sz="2800">
+                <a:solidFill>
+                  <a:srgbClr val="7030A0"/>
+                </a:solidFill>
+              </a:rPr>
+              <a:t>return full_number</a:t>
+            </a:r>
           </a:p>
           <a:p>
             <a:pPr algn="r" rtl="1"/>
-            <a:endParaRPr lang="ar-SA" sz="2800" smtClean="0"/>
+            <a:r>
+              <a:rPr lang="ar-SA" sz="2800"/>
+              <a:t>ولا يتم تنفيذ</a:t>
+            </a:r>
+            <a:r>
+              <a:rPr lang="en-US" sz="2800"/>
+              <a:t> </a:t>
+            </a:r>
+            <a:r>
+              <a:rPr lang="ar-SA" sz="2800"/>
+              <a:t>الأوامر بعد </a:t>
+            </a:r>
+            <a:r>
+              <a:rPr lang="en-US" sz="2800">
+                <a:solidFill>
+                  <a:srgbClr val="7030A0"/>
+                </a:solidFill>
+              </a:rPr>
+              <a:t>return</a:t>
+            </a:r>
+            <a:r>
+              <a:rPr lang="ar-SA" sz="2800"/>
+              <a:t> </a:t>
+            </a:r>
           </a:p>
           <a:p>
             <a:pPr algn="r" rtl="1"/>
-            <a:r>
-              <a:rPr lang="ar-SA" sz="2800" smtClean="0"/>
+            <a:endParaRPr lang="ar-SA" sz="2800"/>
+          </a:p>
+          <a:p>
+            <a:pPr algn="r" rtl="1"/>
+            <a:r>
+              <a:rPr lang="ar-SA" sz="2800"/>
               <a:t>وفي المثال تقوم </a:t>
             </a:r>
             <a:r>
-              <a:rPr lang="en-US" sz="2800" smtClean="0"/>
+              <a:rPr lang="en-US" sz="2800"/>
               <a:t>sum</a:t>
             </a:r>
             <a:r>
-              <a:rPr lang="ar-SA" sz="2800" smtClean="0"/>
+              <a:rPr lang="ar-SA" sz="2800"/>
               <a:t> بجمع جميع الارقام في المصفوفة </a:t>
             </a:r>
             <a:r>
-              <a:rPr lang="en-US" sz="2800" smtClean="0"/>
+              <a:rPr lang="en-US" sz="2800"/>
               <a:t>numbers</a:t>
             </a:r>
             <a:r>
-              <a:rPr lang="ar-SA" sz="2800" smtClean="0"/>
+              <a:rPr lang="ar-SA" sz="2800"/>
               <a:t> ومن ثم قسمة المجموعة على طول المصفوفة</a:t>
             </a:r>
-            <a:endParaRPr lang="ar-SA" sz="2800" smtClean="0"/>
           </a:p>
         </p:txBody>
       </p:sp>
@@ -14022,13 +13731,6 @@
   <p:clrMapOvr>
     <a:masterClrMapping/>
   </p:clrMapOvr>
-  <p:timing>
-    <p:tnLst>
-      <p:par>
-        <p:cTn id="1" dur="indefinite" restart="never" nodeType="tmRoot"/>
-      </p:par>
-    </p:tnLst>
-  </p:timing>
 </p:sld>
 </file>
 
@@ -14083,12 +13785,8 @@
               <a:t>معلومة 18 عوامل الدوال </a:t>
             </a:r>
             <a:r>
-              <a:rPr lang="en-US" smtClean="0"/>
-              <a:t>(</a:t>
-            </a:r>
-            <a:r>
               <a:rPr lang="en-US"/>
-              <a:t>Functions Parameters)</a:t>
+              <a:t>(Functions Parameters)</a:t>
             </a:r>
             <a:endParaRPr lang="en-US">
               <a:cs typeface="+mn-cs"/>
@@ -14124,7 +13822,7 @@
               <a:t>عند وضع </a:t>
             </a:r>
             <a:r>
-              <a:rPr lang="ar-SA" sz="2800" b="1" smtClean="0">
+              <a:rPr lang="ar-SA" sz="2800" b="1">
                 <a:solidFill>
                   <a:schemeClr val="accent1"/>
                 </a:solidFill>
@@ -14133,91 +13831,39 @@
             </a:r>
             <a:r>
               <a:rPr lang="ar-SA" sz="2800"/>
-              <a:t>قبل اسم </a:t>
-            </a:r>
-            <a:r>
-              <a:rPr lang="ar-SA" sz="2800" smtClean="0"/>
-              <a:t>العامل </a:t>
-            </a:r>
-            <a:r>
-              <a:rPr lang="ar-SA" sz="2800" smtClean="0"/>
-              <a:t>يصبح </a:t>
-            </a:r>
-            <a:r>
-              <a:rPr lang="ar-SA" sz="2800" smtClean="0"/>
-              <a:t>عبارة عن مصفوفة من </a:t>
-            </a:r>
-            <a:r>
-              <a:rPr lang="ar-SA" sz="2800" smtClean="0"/>
-              <a:t>نوع </a:t>
-            </a:r>
-            <a:r>
-              <a:rPr lang="en-US" sz="2800" b="1" smtClean="0"/>
+              <a:t>قبل اسم العامل يصبح عبارة عن مصفوفة من نوع </a:t>
+            </a:r>
+            <a:r>
+              <a:rPr lang="en-US" sz="2800" b="1"/>
               <a:t>dictionary</a:t>
             </a:r>
             <a:r>
-              <a:rPr lang="ar-SA" sz="2800" b="1" smtClean="0"/>
+              <a:rPr lang="ar-SA" sz="2800" b="1"/>
               <a:t> </a:t>
             </a:r>
             <a:r>
-              <a:rPr lang="ar-SA" sz="2800" smtClean="0"/>
-              <a:t>ويمكن </a:t>
-            </a:r>
-            <a:r>
-              <a:rPr lang="ar-SA" sz="2800" smtClean="0"/>
-              <a:t>التعامل </a:t>
-            </a:r>
-            <a:r>
-              <a:rPr lang="ar-SA" sz="2800" smtClean="0"/>
-              <a:t>معها داخل </a:t>
-            </a:r>
-            <a:r>
-              <a:rPr lang="ar-SA" sz="2800" smtClean="0"/>
-              <a:t>الدالة </a:t>
-            </a:r>
-            <a:r>
-              <a:rPr lang="ar-SA" sz="2800" smtClean="0"/>
-              <a:t>كما </a:t>
-            </a:r>
-            <a:r>
-              <a:rPr lang="ar-SA" sz="2800" smtClean="0"/>
-              <a:t>تعلمنها </a:t>
-            </a:r>
-            <a:r>
-              <a:rPr lang="ar-SA" sz="2800" smtClean="0"/>
-              <a:t>في درس </a:t>
-            </a:r>
-            <a:r>
-              <a:rPr lang="ar-SA" sz="2800" smtClean="0"/>
-              <a:t>المصفوفات. وعند </a:t>
-            </a:r>
-            <a:r>
-              <a:rPr lang="ar-SA" sz="2800" smtClean="0"/>
-              <a:t>استدعاء الدالة نكتب داخل </a:t>
+              <a:rPr lang="ar-SA" sz="2800"/>
+              <a:t>ويمكن التعامل معها داخل الدالة كما تعلمنها في درس المصفوفات. وعند استدعاء الدالة نكتب داخل </a:t>
             </a:r>
           </a:p>
           <a:p>
             <a:pPr algn="r" rtl="1"/>
             <a:r>
-              <a:rPr lang="ar-SA" sz="2800" smtClean="0"/>
-              <a:t>الاقواس اسم المفتاح ثم يساوي ثم </a:t>
-            </a:r>
-            <a:r>
-              <a:rPr lang="ar-SA" sz="2800" smtClean="0"/>
-              <a:t>القيمة وفاصلة مثال:</a:t>
+              <a:rPr lang="ar-SA" sz="2800"/>
+              <a:t>الاقواس اسم المفتاح ثم يساوي ثم القيمة وفاصلة مثال:</a:t>
             </a:r>
           </a:p>
           <a:p>
             <a:pPr algn="r" rtl="1"/>
             <a:r>
-              <a:rPr lang="en-US" smtClean="0">
+              <a:rPr lang="en-US">
                 <a:solidFill>
                   <a:srgbClr val="7030A0"/>
                 </a:solidFill>
               </a:rPr>
               <a:t>Student(first_name = “Abdullah”, last_name=“baaqeil”)</a:t>
             </a:r>
-            <a:endParaRPr lang="ar-SA" smtClean="0">
+            <a:endParaRPr lang="ar-SA">
               <a:solidFill>
                 <a:srgbClr val="7030A0"/>
               </a:solidFill>
@@ -14230,26 +13876,17 @@
           <a:p>
             <a:pPr algn="r" rtl="1"/>
             <a:r>
-              <a:rPr lang="ar-SA" sz="2800" smtClean="0"/>
+              <a:rPr lang="ar-SA" sz="2800"/>
               <a:t> </a:t>
             </a:r>
             <a:r>
-              <a:rPr lang="en-US" sz="2800" smtClean="0"/>
+              <a:rPr lang="en-US" sz="2800"/>
               <a:t> pass</a:t>
             </a:r>
             <a:r>
-              <a:rPr lang="ar-SA" sz="2800" smtClean="0"/>
-              <a:t>لا تقوم فعل أي </a:t>
-            </a:r>
-            <a:r>
-              <a:rPr lang="ar-SA" sz="2800" smtClean="0"/>
-              <a:t>شي </a:t>
-            </a:r>
-            <a:r>
-              <a:rPr lang="ar-SA" sz="2800" smtClean="0"/>
-              <a:t>وتستخدم لإنشاء دالة فارغة ليتمكن المبرمج من اضافة الأوامر بها لاحقا.</a:t>
-            </a:r>
-            <a:endParaRPr lang="ar-SA" sz="2800" smtClean="0"/>
+              <a:rPr lang="ar-SA" sz="2800"/>
+              <a:t>لا تقوم فعل أي شي وتستخدم لإنشاء دالة فارغة ليتمكن المبرمج من اضافة الأوامر بها لاحقا.</a:t>
+            </a:r>
           </a:p>
         </p:txBody>
       </p:sp>
@@ -14347,13 +13984,3514 @@
   <p:clrMapOvr>
     <a:masterClrMapping/>
   </p:clrMapOvr>
-  <p:timing>
-    <p:tnLst>
-      <p:par>
-        <p:cTn id="1" dur="indefinite" restart="never" nodeType="tmRoot"/>
-      </p:par>
-    </p:tnLst>
-  </p:timing>
+</p:sld>
+</file>
+
+<file path=ppt/slides/slide29.xml><?xml version="1.0" encoding="utf-8"?>
+<p:sld xmlns:a="http://schemas.openxmlformats.org/drawingml/2006/main" xmlns:r="http://schemas.openxmlformats.org/officeDocument/2006/relationships" xmlns:p="http://schemas.openxmlformats.org/presentationml/2006/main">
+  <p:cSld>
+    <p:bg>
+      <p:bgPr>
+        <a:solidFill>
+          <a:schemeClr val="bg1"/>
+        </a:solidFill>
+        <a:effectLst/>
+      </p:bgPr>
+    </p:bg>
+    <p:spTree>
+      <p:nvGrpSpPr>
+        <p:cNvPr id="1" name=""/>
+        <p:cNvGrpSpPr/>
+        <p:nvPr/>
+      </p:nvGrpSpPr>
+      <p:grpSpPr>
+        <a:xfrm>
+          <a:off x="0" y="0"/>
+          <a:ext cx="0" cy="0"/>
+          <a:chOff x="0" y="0"/>
+          <a:chExt cx="0" cy="0"/>
+        </a:xfrm>
+      </p:grpSpPr>
+      <p:sp useBgFill="1">
+        <p:nvSpPr>
+          <p:cNvPr id="22" name="Rectangle 21">
+            <a:extLst>
+              <a:ext uri="{FF2B5EF4-FFF2-40B4-BE49-F238E27FC236}">
+                <a16:creationId xmlns:a16="http://schemas.microsoft.com/office/drawing/2014/main" id="{D1942232-83D0-49E2-AF9B-1F97E3C1EF8E}"/>
+              </a:ext>
+              <a:ext uri="{C183D7F6-B498-43B3-948B-1728B52AA6E4}">
+                <adec:decorative xmlns:adec="http://schemas.microsoft.com/office/drawing/2017/decorative" val="1"/>
+              </a:ext>
+            </a:extLst>
+          </p:cNvPr>
+          <p:cNvSpPr>
+            <a:spLocks noGrp="1" noRot="1" noChangeAspect="1" noMove="1" noResize="1" noEditPoints="1" noAdjustHandles="1" noChangeArrowheads="1" noChangeShapeType="1" noTextEdit="1"/>
+          </p:cNvSpPr>
+          <p:nvPr>
+            <p:extLst>
+              <p:ext uri="{386F3935-93C4-4BCD-93E2-E3B085C9AB24}">
+                <p16:designElem xmlns:p16="http://schemas.microsoft.com/office/powerpoint/2015/main" val="1"/>
+              </p:ext>
+            </p:extLst>
+          </p:nvPr>
+        </p:nvSpPr>
+        <p:spPr>
+          <a:xfrm>
+            <a:off x="0" y="0"/>
+            <a:ext cx="12191695" cy="6858000"/>
+          </a:xfrm>
+          <a:prstGeom prst="rect">
+            <a:avLst/>
+          </a:prstGeom>
+          <a:ln>
+            <a:noFill/>
+          </a:ln>
+        </p:spPr>
+        <p:style>
+          <a:lnRef idx="2">
+            <a:schemeClr val="accent1">
+              <a:shade val="50000"/>
+            </a:schemeClr>
+          </a:lnRef>
+          <a:fillRef idx="1">
+            <a:schemeClr val="accent1"/>
+          </a:fillRef>
+          <a:effectRef idx="0">
+            <a:schemeClr val="accent1"/>
+          </a:effectRef>
+          <a:fontRef idx="minor">
+            <a:schemeClr val="lt1"/>
+          </a:fontRef>
+        </p:style>
+        <p:txBody>
+          <a:bodyPr rtlCol="0" anchor="ctr"/>
+          <a:lstStyle/>
+          <a:p>
+            <a:pPr algn="ctr"/>
+            <a:endParaRPr lang="en-US"/>
+          </a:p>
+        </p:txBody>
+      </p:sp>
+      <p:sp>
+        <p:nvSpPr>
+          <p:cNvPr id="28" name="Rectangle 27">
+            <a:extLst>
+              <a:ext uri="{FF2B5EF4-FFF2-40B4-BE49-F238E27FC236}">
+                <a16:creationId xmlns:a16="http://schemas.microsoft.com/office/drawing/2014/main" id="{E9E70D72-6E23-4015-A4A6-85C120C19167}"/>
+              </a:ext>
+              <a:ext uri="{C183D7F6-B498-43B3-948B-1728B52AA6E4}">
+                <adec:decorative xmlns:adec="http://schemas.microsoft.com/office/drawing/2017/decorative" val="1"/>
+              </a:ext>
+            </a:extLst>
+          </p:cNvPr>
+          <p:cNvSpPr>
+            <a:spLocks noGrp="1" noRot="1" noChangeAspect="1" noMove="1" noResize="1" noEditPoints="1" noAdjustHandles="1" noChangeArrowheads="1" noChangeShapeType="1" noTextEdit="1"/>
+          </p:cNvSpPr>
+          <p:nvPr>
+            <p:extLst>
+              <p:ext uri="{386F3935-93C4-4BCD-93E2-E3B085C9AB24}">
+                <p16:designElem xmlns:p16="http://schemas.microsoft.com/office/powerpoint/2015/main" val="1"/>
+              </p:ext>
+            </p:extLst>
+          </p:nvPr>
+        </p:nvSpPr>
+        <p:spPr>
+          <a:xfrm>
+            <a:off x="305" y="0"/>
+            <a:ext cx="12191695" cy="6858000"/>
+          </a:xfrm>
+          <a:prstGeom prst="rect">
+            <a:avLst/>
+          </a:prstGeom>
+          <a:solidFill>
+            <a:schemeClr val="bg1"/>
+          </a:solidFill>
+          <a:ln>
+            <a:noFill/>
+          </a:ln>
+        </p:spPr>
+        <p:style>
+          <a:lnRef idx="2">
+            <a:schemeClr val="accent1">
+              <a:shade val="50000"/>
+            </a:schemeClr>
+          </a:lnRef>
+          <a:fillRef idx="1">
+            <a:schemeClr val="accent1"/>
+          </a:fillRef>
+          <a:effectRef idx="0">
+            <a:schemeClr val="accent1"/>
+          </a:effectRef>
+          <a:fontRef idx="minor">
+            <a:schemeClr val="lt1"/>
+          </a:fontRef>
+        </p:style>
+        <p:txBody>
+          <a:bodyPr rtlCol="0" anchor="ctr"/>
+          <a:lstStyle/>
+          <a:p>
+            <a:pPr algn="ctr"/>
+            <a:endParaRPr lang="en-US"/>
+          </a:p>
+        </p:txBody>
+      </p:sp>
+      <p:sp>
+        <p:nvSpPr>
+          <p:cNvPr id="2" name="Title 1">
+            <a:extLst>
+              <a:ext uri="{FF2B5EF4-FFF2-40B4-BE49-F238E27FC236}">
+                <a16:creationId xmlns:a16="http://schemas.microsoft.com/office/drawing/2014/main" id="{49E8F6CC-3BAD-9CCE-632A-8E6C1AA89B29}"/>
+              </a:ext>
+            </a:extLst>
+          </p:cNvPr>
+          <p:cNvSpPr>
+            <a:spLocks noGrp="1"/>
+          </p:cNvSpPr>
+          <p:nvPr>
+            <p:ph type="title"/>
+          </p:nvPr>
+        </p:nvSpPr>
+        <p:spPr>
+          <a:xfrm>
+            <a:off x="1800899" y="272894"/>
+            <a:ext cx="9829800" cy="692834"/>
+          </a:xfrm>
+        </p:spPr>
+        <p:txBody>
+          <a:bodyPr vert="horz" lIns="91440" tIns="45720" rIns="91440" bIns="45720" rtlCol="0" anchor="b">
+            <a:normAutofit/>
+          </a:bodyPr>
+          <a:lstStyle/>
+          <a:p>
+            <a:pPr algn="r"/>
+            <a:r>
+              <a:rPr lang="en-US" sz="3600" kern="1200" err="1">
+                <a:solidFill>
+                  <a:schemeClr val="tx2"/>
+                </a:solidFill>
+                <a:latin typeface="+mj-lt"/>
+                <a:ea typeface="+mj-ea"/>
+                <a:cs typeface="+mj-cs"/>
+              </a:rPr>
+              <a:t>معلومة</a:t>
+            </a:r>
+            <a:r>
+              <a:rPr lang="en-US" sz="3600" kern="1200">
+                <a:solidFill>
+                  <a:schemeClr val="tx2"/>
+                </a:solidFill>
+                <a:latin typeface="+mj-lt"/>
+                <a:ea typeface="+mj-ea"/>
+                <a:cs typeface="+mj-cs"/>
+              </a:rPr>
+              <a:t> 19 </a:t>
+            </a:r>
+            <a:r>
+              <a:rPr lang="en-US" sz="3600" kern="1200" err="1">
+                <a:solidFill>
+                  <a:schemeClr val="tx2"/>
+                </a:solidFill>
+                <a:latin typeface="+mj-lt"/>
+                <a:ea typeface="+mj-ea"/>
+                <a:cs typeface="+mj-cs"/>
+              </a:rPr>
+              <a:t>انشاء</a:t>
+            </a:r>
+            <a:r>
+              <a:rPr lang="en-US" sz="3600" kern="1200">
+                <a:solidFill>
+                  <a:schemeClr val="tx2"/>
+                </a:solidFill>
+                <a:latin typeface="+mj-lt"/>
+                <a:ea typeface="+mj-ea"/>
+                <a:cs typeface="+mj-cs"/>
+              </a:rPr>
+              <a:t> </a:t>
+            </a:r>
+            <a:r>
+              <a:rPr lang="en-US" sz="3600" err="1">
+                <a:solidFill>
+                  <a:schemeClr val="tx2"/>
+                </a:solidFill>
+              </a:rPr>
+              <a:t>الكلاس</a:t>
+            </a:r>
+            <a:r>
+              <a:rPr lang="en-US" sz="3600" kern="1200">
+                <a:solidFill>
+                  <a:schemeClr val="tx2"/>
+                </a:solidFill>
+                <a:latin typeface="+mj-lt"/>
+                <a:ea typeface="+mj-ea"/>
+                <a:cs typeface="+mj-cs"/>
+              </a:rPr>
+              <a:t> (Create Class)</a:t>
+            </a:r>
+            <a:endParaRPr lang="en-US">
+              <a:solidFill>
+                <a:schemeClr val="tx2"/>
+              </a:solidFill>
+              <a:ea typeface="+mj-ea"/>
+              <a:cs typeface="+mj-cs"/>
+            </a:endParaRPr>
+          </a:p>
+        </p:txBody>
+      </p:sp>
+      <p:grpSp>
+        <p:nvGrpSpPr>
+          <p:cNvPr id="29" name="Group 28">
+            <a:extLst>
+              <a:ext uri="{FF2B5EF4-FFF2-40B4-BE49-F238E27FC236}">
+                <a16:creationId xmlns:a16="http://schemas.microsoft.com/office/drawing/2014/main" id="{C28A977F-B603-4D81-B0FC-C8DE048A7931}"/>
+              </a:ext>
+              <a:ext uri="{C183D7F6-B498-43B3-948B-1728B52AA6E4}">
+                <adec:decorative xmlns:adec="http://schemas.microsoft.com/office/drawing/2017/decorative" val="1"/>
+              </a:ext>
+            </a:extLst>
+          </p:cNvPr>
+          <p:cNvGrpSpPr>
+            <a:grpSpLocks noGrp="1" noUngrp="1" noRot="1" noChangeAspect="1" noMove="1" noResize="1"/>
+          </p:cNvGrpSpPr>
+          <p:nvPr>
+            <p:extLst>
+              <p:ext uri="{386F3935-93C4-4BCD-93E2-E3B085C9AB24}">
+                <p16:designElem xmlns:p16="http://schemas.microsoft.com/office/powerpoint/2015/main" val="1"/>
+              </p:ext>
+            </p:extLst>
+          </p:nvPr>
+        </p:nvGrpSpPr>
+        <p:grpSpPr>
+          <a:xfrm>
+            <a:off x="-305" y="-1"/>
+            <a:ext cx="3362070" cy="2522848"/>
+            <a:chOff x="-305" y="-1"/>
+            <a:chExt cx="3832880" cy="2876136"/>
+          </a:xfrm>
+        </p:grpSpPr>
+        <p:sp>
+          <p:nvSpPr>
+            <p:cNvPr id="18" name="Freeform: Shape 17">
+              <a:extLst>
+                <a:ext uri="{FF2B5EF4-FFF2-40B4-BE49-F238E27FC236}">
+                  <a16:creationId xmlns:a16="http://schemas.microsoft.com/office/drawing/2014/main" id="{0183CE8C-E039-4B2F-A36E-5FD5CD5DE190}"/>
+                </a:ext>
+                <a:ext uri="{C183D7F6-B498-43B3-948B-1728B52AA6E4}">
+                  <adec:decorative xmlns:adec="http://schemas.microsoft.com/office/drawing/2017/decorative" val="1"/>
+                </a:ext>
+              </a:extLst>
+            </p:cNvPr>
+            <p:cNvSpPr/>
+            <p:nvPr>
+              <p:extLst>
+                <p:ext uri="{386F3935-93C4-4BCD-93E2-E3B085C9AB24}">
+                  <p16:designElem xmlns:p16="http://schemas.microsoft.com/office/powerpoint/2015/main" val="1"/>
+                </p:ext>
+              </p:extLst>
+            </p:nvPr>
+          </p:nvSpPr>
+          <p:spPr>
+            <a:xfrm>
+              <a:off x="305" y="1"/>
+              <a:ext cx="3815424" cy="2653659"/>
+            </a:xfrm>
+            <a:custGeom>
+              <a:avLst/>
+              <a:gdLst>
+                <a:gd name="connsiteX0" fmla="*/ 3203055 w 3815424"/>
+                <a:gd name="connsiteY0" fmla="*/ 0 h 2653659"/>
+                <a:gd name="connsiteX1" fmla="*/ 3815424 w 3815424"/>
+                <a:gd name="connsiteY1" fmla="*/ 0 h 2653659"/>
+                <a:gd name="connsiteX2" fmla="*/ 3801025 w 3815424"/>
+                <a:gd name="connsiteY2" fmla="*/ 214243 h 2653659"/>
+                <a:gd name="connsiteX3" fmla="*/ 587142 w 3815424"/>
+                <a:gd name="connsiteY3" fmla="*/ 2653659 h 2653659"/>
+                <a:gd name="connsiteX4" fmla="*/ 53389 w 3815424"/>
+                <a:gd name="connsiteY4" fmla="*/ 2605041 h 2653659"/>
+                <a:gd name="connsiteX5" fmla="*/ 0 w 3815424"/>
+                <a:gd name="connsiteY5" fmla="*/ 2593136 h 2653659"/>
+                <a:gd name="connsiteX6" fmla="*/ 0 w 3815424"/>
+                <a:gd name="connsiteY6" fmla="*/ 1994836 h 2653659"/>
+                <a:gd name="connsiteX7" fmla="*/ 159710 w 3815424"/>
+                <a:gd name="connsiteY7" fmla="*/ 2035054 h 2653659"/>
+                <a:gd name="connsiteX8" fmla="*/ 587142 w 3815424"/>
+                <a:gd name="connsiteY8" fmla="*/ 2075152 h 2653659"/>
+                <a:gd name="connsiteX9" fmla="*/ 1549283 w 3815424"/>
+                <a:gd name="connsiteY9" fmla="*/ 1900153 h 2653659"/>
+                <a:gd name="connsiteX10" fmla="*/ 2406698 w 3815424"/>
+                <a:gd name="connsiteY10" fmla="*/ 1418450 h 2653659"/>
+                <a:gd name="connsiteX11" fmla="*/ 2996069 w 3815424"/>
+                <a:gd name="connsiteY11" fmla="*/ 728678 h 2653659"/>
+                <a:gd name="connsiteX12" fmla="*/ 3193967 w 3815424"/>
+                <a:gd name="connsiteY12" fmla="*/ 137719 h 2653659"/>
+              </a:gdLst>
+              <a:ahLst/>
+              <a:cxnLst>
+                <a:cxn ang="0">
+                  <a:pos x="connsiteX0" y="connsiteY0"/>
+                </a:cxn>
+                <a:cxn ang="0">
+                  <a:pos x="connsiteX1" y="connsiteY1"/>
+                </a:cxn>
+                <a:cxn ang="0">
+                  <a:pos x="connsiteX2" y="connsiteY2"/>
+                </a:cxn>
+                <a:cxn ang="0">
+                  <a:pos x="connsiteX3" y="connsiteY3"/>
+                </a:cxn>
+                <a:cxn ang="0">
+                  <a:pos x="connsiteX4" y="connsiteY4"/>
+                </a:cxn>
+                <a:cxn ang="0">
+                  <a:pos x="connsiteX5" y="connsiteY5"/>
+                </a:cxn>
+                <a:cxn ang="0">
+                  <a:pos x="connsiteX6" y="connsiteY6"/>
+                </a:cxn>
+                <a:cxn ang="0">
+                  <a:pos x="connsiteX7" y="connsiteY7"/>
+                </a:cxn>
+                <a:cxn ang="0">
+                  <a:pos x="connsiteX8" y="connsiteY8"/>
+                </a:cxn>
+                <a:cxn ang="0">
+                  <a:pos x="connsiteX9" y="connsiteY9"/>
+                </a:cxn>
+                <a:cxn ang="0">
+                  <a:pos x="connsiteX10" y="connsiteY10"/>
+                </a:cxn>
+                <a:cxn ang="0">
+                  <a:pos x="connsiteX11" y="connsiteY11"/>
+                </a:cxn>
+                <a:cxn ang="0">
+                  <a:pos x="connsiteX12" y="connsiteY12"/>
+                </a:cxn>
+              </a:cxnLst>
+              <a:rect l="l" t="t" r="r" b="b"/>
+              <a:pathLst>
+                <a:path w="3815424" h="2653659">
+                  <a:moveTo>
+                    <a:pt x="3203055" y="0"/>
+                  </a:moveTo>
+                  <a:lnTo>
+                    <a:pt x="3815424" y="0"/>
+                  </a:lnTo>
+                  <a:lnTo>
+                    <a:pt x="3801025" y="214243"/>
+                  </a:lnTo>
+                  <a:cubicBezTo>
+                    <a:pt x="3616317" y="1584467"/>
+                    <a:pt x="2091637" y="2653659"/>
+                    <a:pt x="587142" y="2653659"/>
+                  </a:cubicBezTo>
+                  <a:cubicBezTo>
+                    <a:pt x="400192" y="2653659"/>
+                    <a:pt x="222112" y="2636953"/>
+                    <a:pt x="53389" y="2605041"/>
+                  </a:cubicBezTo>
+                  <a:lnTo>
+                    <a:pt x="0" y="2593136"/>
+                  </a:lnTo>
+                  <a:lnTo>
+                    <a:pt x="0" y="1994836"/>
+                  </a:lnTo>
+                  <a:lnTo>
+                    <a:pt x="159710" y="2035054"/>
+                  </a:lnTo>
+                  <a:cubicBezTo>
+                    <a:pt x="295467" y="2061726"/>
+                    <a:pt x="438268" y="2075152"/>
+                    <a:pt x="587142" y="2075152"/>
+                  </a:cubicBezTo>
+                  <a:cubicBezTo>
+                    <a:pt x="901731" y="2075152"/>
+                    <a:pt x="1234490" y="2014697"/>
+                    <a:pt x="1549283" y="1900153"/>
+                  </a:cubicBezTo>
+                  <a:cubicBezTo>
+                    <a:pt x="1860709" y="1786959"/>
+                    <a:pt x="2157231" y="1620350"/>
+                    <a:pt x="2406698" y="1418450"/>
+                  </a:cubicBezTo>
+                  <a:cubicBezTo>
+                    <a:pt x="2655859" y="1216840"/>
+                    <a:pt x="2859596" y="978302"/>
+                    <a:pt x="2996069" y="728678"/>
+                  </a:cubicBezTo>
+                  <a:cubicBezTo>
+                    <a:pt x="3101178" y="536396"/>
+                    <a:pt x="3167417" y="338366"/>
+                    <a:pt x="3193967" y="137719"/>
+                  </a:cubicBezTo>
+                  <a:close/>
+                </a:path>
+              </a:pathLst>
+            </a:custGeom>
+            <a:gradFill>
+              <a:gsLst>
+                <a:gs pos="2000">
+                  <a:schemeClr val="bg1">
+                    <a:alpha val="10000"/>
+                  </a:schemeClr>
+                </a:gs>
+                <a:gs pos="16000">
+                  <a:schemeClr val="accent6">
+                    <a:alpha val="10000"/>
+                  </a:schemeClr>
+                </a:gs>
+                <a:gs pos="100000">
+                  <a:schemeClr val="bg1">
+                    <a:alpha val="10000"/>
+                  </a:schemeClr>
+                </a:gs>
+                <a:gs pos="85000">
+                  <a:schemeClr val="accent1">
+                    <a:alpha val="10000"/>
+                  </a:schemeClr>
+                </a:gs>
+              </a:gsLst>
+              <a:lin ang="12000000" scaled="0"/>
+            </a:gradFill>
+            <a:ln>
+              <a:noFill/>
+            </a:ln>
+          </p:spPr>
+          <p:style>
+            <a:lnRef idx="2">
+              <a:schemeClr val="accent1">
+                <a:shade val="50000"/>
+              </a:schemeClr>
+            </a:lnRef>
+            <a:fillRef idx="1">
+              <a:schemeClr val="accent1"/>
+            </a:fillRef>
+            <a:effectRef idx="0">
+              <a:schemeClr val="accent1"/>
+            </a:effectRef>
+            <a:fontRef idx="minor">
+              <a:schemeClr val="lt1"/>
+            </a:fontRef>
+          </p:style>
+          <p:txBody>
+            <a:bodyPr rtlCol="0" anchor="ctr"/>
+            <a:lstStyle/>
+            <a:p>
+              <a:pPr algn="ctr"/>
+              <a:endParaRPr lang="en-US"/>
+            </a:p>
+          </p:txBody>
+        </p:sp>
+        <p:sp>
+          <p:nvSpPr>
+            <p:cNvPr id="19" name="Freeform: Shape 18">
+              <a:extLst>
+                <a:ext uri="{FF2B5EF4-FFF2-40B4-BE49-F238E27FC236}">
+                  <a16:creationId xmlns:a16="http://schemas.microsoft.com/office/drawing/2014/main" id="{3EB77281-FAB4-40D0-B3F3-264EC4AB202F}"/>
+                </a:ext>
+                <a:ext uri="{C183D7F6-B498-43B3-948B-1728B52AA6E4}">
+                  <adec:decorative xmlns:adec="http://schemas.microsoft.com/office/drawing/2017/decorative" val="1"/>
+                </a:ext>
+              </a:extLst>
+            </p:cNvPr>
+            <p:cNvSpPr/>
+            <p:nvPr>
+              <p:extLst>
+                <p:ext uri="{386F3935-93C4-4BCD-93E2-E3B085C9AB24}">
+                  <p16:designElem xmlns:p16="http://schemas.microsoft.com/office/powerpoint/2015/main" val="1"/>
+                </p:ext>
+              </p:extLst>
+            </p:nvPr>
+          </p:nvSpPr>
+          <p:spPr>
+            <a:xfrm>
+              <a:off x="305" y="-1"/>
+              <a:ext cx="3815424" cy="2653660"/>
+            </a:xfrm>
+            <a:custGeom>
+              <a:avLst/>
+              <a:gdLst>
+                <a:gd name="connsiteX0" fmla="*/ 3305038 w 3815424"/>
+                <a:gd name="connsiteY0" fmla="*/ 0 h 2653660"/>
+                <a:gd name="connsiteX1" fmla="*/ 3815424 w 3815424"/>
+                <a:gd name="connsiteY1" fmla="*/ 0 h 2653660"/>
+                <a:gd name="connsiteX2" fmla="*/ 3801025 w 3815424"/>
+                <a:gd name="connsiteY2" fmla="*/ 214244 h 2653660"/>
+                <a:gd name="connsiteX3" fmla="*/ 587142 w 3815424"/>
+                <a:gd name="connsiteY3" fmla="*/ 2653660 h 2653660"/>
+                <a:gd name="connsiteX4" fmla="*/ 53389 w 3815424"/>
+                <a:gd name="connsiteY4" fmla="*/ 2605042 h 2653660"/>
+                <a:gd name="connsiteX5" fmla="*/ 0 w 3815424"/>
+                <a:gd name="connsiteY5" fmla="*/ 2593137 h 2653660"/>
+                <a:gd name="connsiteX6" fmla="*/ 0 w 3815424"/>
+                <a:gd name="connsiteY6" fmla="*/ 2094444 h 2653660"/>
+                <a:gd name="connsiteX7" fmla="*/ 137675 w 3815424"/>
+                <a:gd name="connsiteY7" fmla="*/ 2129195 h 2653660"/>
+                <a:gd name="connsiteX8" fmla="*/ 587142 w 3815424"/>
+                <a:gd name="connsiteY8" fmla="*/ 2171571 h 2653660"/>
+                <a:gd name="connsiteX9" fmla="*/ 1585826 w 3815424"/>
+                <a:gd name="connsiteY9" fmla="*/ 1990112 h 2653660"/>
+                <a:gd name="connsiteX10" fmla="*/ 2473046 w 3815424"/>
+                <a:gd name="connsiteY10" fmla="*/ 1491633 h 2653660"/>
+                <a:gd name="connsiteX11" fmla="*/ 3086710 w 3815424"/>
+                <a:gd name="connsiteY11" fmla="*/ 772838 h 2653660"/>
+                <a:gd name="connsiteX12" fmla="*/ 3295217 w 3815424"/>
+                <a:gd name="connsiteY12" fmla="*/ 149229 h 2653660"/>
+              </a:gdLst>
+              <a:ahLst/>
+              <a:cxnLst>
+                <a:cxn ang="0">
+                  <a:pos x="connsiteX0" y="connsiteY0"/>
+                </a:cxn>
+                <a:cxn ang="0">
+                  <a:pos x="connsiteX1" y="connsiteY1"/>
+                </a:cxn>
+                <a:cxn ang="0">
+                  <a:pos x="connsiteX2" y="connsiteY2"/>
+                </a:cxn>
+                <a:cxn ang="0">
+                  <a:pos x="connsiteX3" y="connsiteY3"/>
+                </a:cxn>
+                <a:cxn ang="0">
+                  <a:pos x="connsiteX4" y="connsiteY4"/>
+                </a:cxn>
+                <a:cxn ang="0">
+                  <a:pos x="connsiteX5" y="connsiteY5"/>
+                </a:cxn>
+                <a:cxn ang="0">
+                  <a:pos x="connsiteX6" y="connsiteY6"/>
+                </a:cxn>
+                <a:cxn ang="0">
+                  <a:pos x="connsiteX7" y="connsiteY7"/>
+                </a:cxn>
+                <a:cxn ang="0">
+                  <a:pos x="connsiteX8" y="connsiteY8"/>
+                </a:cxn>
+                <a:cxn ang="0">
+                  <a:pos x="connsiteX9" y="connsiteY9"/>
+                </a:cxn>
+                <a:cxn ang="0">
+                  <a:pos x="connsiteX10" y="connsiteY10"/>
+                </a:cxn>
+                <a:cxn ang="0">
+                  <a:pos x="connsiteX11" y="connsiteY11"/>
+                </a:cxn>
+                <a:cxn ang="0">
+                  <a:pos x="connsiteX12" y="connsiteY12"/>
+                </a:cxn>
+              </a:cxnLst>
+              <a:rect l="l" t="t" r="r" b="b"/>
+              <a:pathLst>
+                <a:path w="3815424" h="2653660">
+                  <a:moveTo>
+                    <a:pt x="3305038" y="0"/>
+                  </a:moveTo>
+                  <a:lnTo>
+                    <a:pt x="3815424" y="0"/>
+                  </a:lnTo>
+                  <a:lnTo>
+                    <a:pt x="3801025" y="214244"/>
+                  </a:lnTo>
+                  <a:cubicBezTo>
+                    <a:pt x="3616317" y="1584467"/>
+                    <a:pt x="2091637" y="2653660"/>
+                    <a:pt x="587142" y="2653660"/>
+                  </a:cubicBezTo>
+                  <a:cubicBezTo>
+                    <a:pt x="400192" y="2653660"/>
+                    <a:pt x="222112" y="2636954"/>
+                    <a:pt x="53389" y="2605042"/>
+                  </a:cubicBezTo>
+                  <a:lnTo>
+                    <a:pt x="0" y="2593137"/>
+                  </a:lnTo>
+                  <a:lnTo>
+                    <a:pt x="0" y="2094444"/>
+                  </a:lnTo>
+                  <a:lnTo>
+                    <a:pt x="137675" y="2129195"/>
+                  </a:lnTo>
+                  <a:cubicBezTo>
+                    <a:pt x="280616" y="2157374"/>
+                    <a:pt x="430766" y="2171571"/>
+                    <a:pt x="587142" y="2171571"/>
+                  </a:cubicBezTo>
+                  <a:cubicBezTo>
+                    <a:pt x="918879" y="2171571"/>
+                    <a:pt x="1254904" y="2110634"/>
+                    <a:pt x="1585826" y="1990112"/>
+                  </a:cubicBezTo>
+                  <a:cubicBezTo>
+                    <a:pt x="1908071" y="1873061"/>
+                    <a:pt x="2214800" y="1700666"/>
+                    <a:pt x="2473046" y="1491633"/>
+                  </a:cubicBezTo>
+                  <a:cubicBezTo>
+                    <a:pt x="2735782" y="1279031"/>
+                    <a:pt x="2942276" y="1037118"/>
+                    <a:pt x="3086710" y="772838"/>
+                  </a:cubicBezTo>
+                  <a:cubicBezTo>
+                    <a:pt x="3197408" y="570216"/>
+                    <a:pt x="3267226" y="361248"/>
+                    <a:pt x="3295217" y="149229"/>
+                  </a:cubicBezTo>
+                  <a:close/>
+                </a:path>
+              </a:pathLst>
+            </a:custGeom>
+            <a:gradFill>
+              <a:gsLst>
+                <a:gs pos="2000">
+                  <a:schemeClr val="bg1">
+                    <a:alpha val="10000"/>
+                  </a:schemeClr>
+                </a:gs>
+                <a:gs pos="16000">
+                  <a:schemeClr val="accent6">
+                    <a:alpha val="10000"/>
+                  </a:schemeClr>
+                </a:gs>
+                <a:gs pos="100000">
+                  <a:schemeClr val="bg1">
+                    <a:alpha val="10000"/>
+                  </a:schemeClr>
+                </a:gs>
+                <a:gs pos="85000">
+                  <a:schemeClr val="accent1">
+                    <a:alpha val="10000"/>
+                  </a:schemeClr>
+                </a:gs>
+              </a:gsLst>
+              <a:lin ang="12000000" scaled="0"/>
+            </a:gradFill>
+            <a:ln>
+              <a:noFill/>
+            </a:ln>
+          </p:spPr>
+          <p:style>
+            <a:lnRef idx="2">
+              <a:schemeClr val="accent1">
+                <a:shade val="50000"/>
+              </a:schemeClr>
+            </a:lnRef>
+            <a:fillRef idx="1">
+              <a:schemeClr val="accent1"/>
+            </a:fillRef>
+            <a:effectRef idx="0">
+              <a:schemeClr val="accent1"/>
+            </a:effectRef>
+            <a:fontRef idx="minor">
+              <a:schemeClr val="lt1"/>
+            </a:fontRef>
+          </p:style>
+          <p:txBody>
+            <a:bodyPr rtlCol="0" anchor="ctr"/>
+            <a:lstStyle/>
+            <a:p>
+              <a:pPr algn="ctr"/>
+              <a:endParaRPr lang="en-US"/>
+            </a:p>
+          </p:txBody>
+        </p:sp>
+        <p:sp>
+          <p:nvSpPr>
+            <p:cNvPr id="20" name="Freeform: Shape 19">
+              <a:extLst>
+                <a:ext uri="{FF2B5EF4-FFF2-40B4-BE49-F238E27FC236}">
+                  <a16:creationId xmlns:a16="http://schemas.microsoft.com/office/drawing/2014/main" id="{815E59F3-75FC-494F-8737-5F00A4964FE1}"/>
+                </a:ext>
+                <a:ext uri="{C183D7F6-B498-43B3-948B-1728B52AA6E4}">
+                  <adec:decorative xmlns:adec="http://schemas.microsoft.com/office/drawing/2017/decorative" val="1"/>
+                </a:ext>
+              </a:extLst>
+            </p:cNvPr>
+            <p:cNvSpPr/>
+            <p:nvPr>
+              <p:extLst>
+                <p:ext uri="{386F3935-93C4-4BCD-93E2-E3B085C9AB24}">
+                  <p16:designElem xmlns:p16="http://schemas.microsoft.com/office/powerpoint/2015/main" val="1"/>
+                </p:ext>
+              </p:extLst>
+            </p:nvPr>
+          </p:nvSpPr>
+          <p:spPr>
+            <a:xfrm>
+              <a:off x="-305" y="1"/>
+              <a:ext cx="3815986" cy="2675935"/>
+            </a:xfrm>
+            <a:custGeom>
+              <a:avLst/>
+              <a:gdLst>
+                <a:gd name="connsiteX0" fmla="*/ 3648768 w 3815986"/>
+                <a:gd name="connsiteY0" fmla="*/ 0 h 2675935"/>
+                <a:gd name="connsiteX1" fmla="*/ 3815986 w 3815986"/>
+                <a:gd name="connsiteY1" fmla="*/ 0 h 2675935"/>
+                <a:gd name="connsiteX2" fmla="*/ 3804695 w 3815986"/>
+                <a:gd name="connsiteY2" fmla="*/ 200084 h 2675935"/>
+                <a:gd name="connsiteX3" fmla="*/ 3762590 w 3815986"/>
+                <a:gd name="connsiteY3" fmla="*/ 455543 h 2675935"/>
+                <a:gd name="connsiteX4" fmla="*/ 3592332 w 3815986"/>
+                <a:gd name="connsiteY4" fmla="*/ 947274 h 2675935"/>
+                <a:gd name="connsiteX5" fmla="*/ 2953967 w 3815986"/>
+                <a:gd name="connsiteY5" fmla="*/ 1782349 h 2675935"/>
+                <a:gd name="connsiteX6" fmla="*/ 2530669 w 3815986"/>
+                <a:gd name="connsiteY6" fmla="*/ 2109494 h 2675935"/>
+                <a:gd name="connsiteX7" fmla="*/ 2057561 w 3815986"/>
+                <a:gd name="connsiteY7" fmla="*/ 2369245 h 2675935"/>
+                <a:gd name="connsiteX8" fmla="*/ 1007330 w 3815986"/>
+                <a:gd name="connsiteY8" fmla="*/ 2655701 h 2675935"/>
+                <a:gd name="connsiteX9" fmla="*/ 732765 w 3815986"/>
+                <a:gd name="connsiteY9" fmla="*/ 2674696 h 2675935"/>
+                <a:gd name="connsiteX10" fmla="*/ 457666 w 3815986"/>
+                <a:gd name="connsiteY10" fmla="*/ 2670839 h 2675935"/>
+                <a:gd name="connsiteX11" fmla="*/ 183574 w 3815986"/>
+                <a:gd name="connsiteY11" fmla="*/ 2643312 h 2675935"/>
+                <a:gd name="connsiteX12" fmla="*/ 0 w 3815986"/>
+                <a:gd name="connsiteY12" fmla="*/ 2607798 h 2675935"/>
+                <a:gd name="connsiteX13" fmla="*/ 0 w 3815986"/>
+                <a:gd name="connsiteY13" fmla="*/ 2356652 h 2675935"/>
+                <a:gd name="connsiteX14" fmla="*/ 222195 w 3815986"/>
+                <a:gd name="connsiteY14" fmla="*/ 2396940 h 2675935"/>
+                <a:gd name="connsiteX15" fmla="*/ 472364 w 3815986"/>
+                <a:gd name="connsiteY15" fmla="*/ 2419092 h 2675935"/>
+                <a:gd name="connsiteX16" fmla="*/ 974972 w 3815986"/>
+                <a:gd name="connsiteY16" fmla="*/ 2402122 h 2675935"/>
+                <a:gd name="connsiteX17" fmla="*/ 1468292 w 3815986"/>
+                <a:gd name="connsiteY17" fmla="*/ 2304162 h 2675935"/>
+                <a:gd name="connsiteX18" fmla="*/ 1940176 w 3815986"/>
+                <a:gd name="connsiteY18" fmla="*/ 2133695 h 2675935"/>
+                <a:gd name="connsiteX19" fmla="*/ 2783403 w 3815986"/>
+                <a:gd name="connsiteY19" fmla="*/ 1609954 h 2675935"/>
+                <a:gd name="connsiteX20" fmla="*/ 3128104 w 3815986"/>
+                <a:gd name="connsiteY20" fmla="*/ 1260439 h 2675935"/>
+                <a:gd name="connsiteX21" fmla="*/ 3400639 w 3815986"/>
+                <a:gd name="connsiteY21" fmla="*/ 859052 h 2675935"/>
+                <a:gd name="connsiteX22" fmla="*/ 3585595 w 3815986"/>
+                <a:gd name="connsiteY22" fmla="*/ 415336 h 2675935"/>
+                <a:gd name="connsiteX23" fmla="*/ 3635918 w 3815986"/>
+                <a:gd name="connsiteY23" fmla="*/ 181137 h 2675935"/>
+              </a:gdLst>
+              <a:ahLst/>
+              <a:cxnLst>
+                <a:cxn ang="0">
+                  <a:pos x="connsiteX0" y="connsiteY0"/>
+                </a:cxn>
+                <a:cxn ang="0">
+                  <a:pos x="connsiteX1" y="connsiteY1"/>
+                </a:cxn>
+                <a:cxn ang="0">
+                  <a:pos x="connsiteX2" y="connsiteY2"/>
+                </a:cxn>
+                <a:cxn ang="0">
+                  <a:pos x="connsiteX3" y="connsiteY3"/>
+                </a:cxn>
+                <a:cxn ang="0">
+                  <a:pos x="connsiteX4" y="connsiteY4"/>
+                </a:cxn>
+                <a:cxn ang="0">
+                  <a:pos x="connsiteX5" y="connsiteY5"/>
+                </a:cxn>
+                <a:cxn ang="0">
+                  <a:pos x="connsiteX6" y="connsiteY6"/>
+                </a:cxn>
+                <a:cxn ang="0">
+                  <a:pos x="connsiteX7" y="connsiteY7"/>
+                </a:cxn>
+                <a:cxn ang="0">
+                  <a:pos x="connsiteX8" y="connsiteY8"/>
+                </a:cxn>
+                <a:cxn ang="0">
+                  <a:pos x="connsiteX9" y="connsiteY9"/>
+                </a:cxn>
+                <a:cxn ang="0">
+                  <a:pos x="connsiteX10" y="connsiteY10"/>
+                </a:cxn>
+                <a:cxn ang="0">
+                  <a:pos x="connsiteX11" y="connsiteY11"/>
+                </a:cxn>
+                <a:cxn ang="0">
+                  <a:pos x="connsiteX12" y="connsiteY12"/>
+                </a:cxn>
+                <a:cxn ang="0">
+                  <a:pos x="connsiteX13" y="connsiteY13"/>
+                </a:cxn>
+                <a:cxn ang="0">
+                  <a:pos x="connsiteX14" y="connsiteY14"/>
+                </a:cxn>
+                <a:cxn ang="0">
+                  <a:pos x="connsiteX15" y="connsiteY15"/>
+                </a:cxn>
+                <a:cxn ang="0">
+                  <a:pos x="connsiteX16" y="connsiteY16"/>
+                </a:cxn>
+                <a:cxn ang="0">
+                  <a:pos x="connsiteX17" y="connsiteY17"/>
+                </a:cxn>
+                <a:cxn ang="0">
+                  <a:pos x="connsiteX18" y="connsiteY18"/>
+                </a:cxn>
+                <a:cxn ang="0">
+                  <a:pos x="connsiteX19" y="connsiteY19"/>
+                </a:cxn>
+                <a:cxn ang="0">
+                  <a:pos x="connsiteX20" y="connsiteY20"/>
+                </a:cxn>
+                <a:cxn ang="0">
+                  <a:pos x="connsiteX21" y="connsiteY21"/>
+                </a:cxn>
+                <a:cxn ang="0">
+                  <a:pos x="connsiteX22" y="connsiteY22"/>
+                </a:cxn>
+                <a:cxn ang="0">
+                  <a:pos x="connsiteX23" y="connsiteY23"/>
+                </a:cxn>
+              </a:cxnLst>
+              <a:rect l="l" t="t" r="r" b="b"/>
+              <a:pathLst>
+                <a:path w="3815986" h="2675935">
+                  <a:moveTo>
+                    <a:pt x="3648768" y="0"/>
+                  </a:moveTo>
+                  <a:lnTo>
+                    <a:pt x="3815986" y="0"/>
+                  </a:lnTo>
+                  <a:lnTo>
+                    <a:pt x="3804695" y="200084"/>
+                  </a:lnTo>
+                  <a:cubicBezTo>
+                    <a:pt x="3795228" y="285751"/>
+                    <a:pt x="3781167" y="371032"/>
+                    <a:pt x="3762590" y="455543"/>
+                  </a:cubicBezTo>
+                  <a:cubicBezTo>
+                    <a:pt x="3725537" y="624467"/>
+                    <a:pt x="3668784" y="790112"/>
+                    <a:pt x="3592332" y="947274"/>
+                  </a:cubicBezTo>
+                  <a:cubicBezTo>
+                    <a:pt x="3438712" y="1261596"/>
+                    <a:pt x="3216091" y="1542847"/>
+                    <a:pt x="2953967" y="1782349"/>
+                  </a:cubicBezTo>
+                  <a:cubicBezTo>
+                    <a:pt x="2822599" y="1902099"/>
+                    <a:pt x="2680615" y="2011341"/>
+                    <a:pt x="2530669" y="2109494"/>
+                  </a:cubicBezTo>
+                  <a:cubicBezTo>
+                    <a:pt x="2380520" y="2207551"/>
+                    <a:pt x="2222510" y="2294906"/>
+                    <a:pt x="2057561" y="2369245"/>
+                  </a:cubicBezTo>
+                  <a:cubicBezTo>
+                    <a:pt x="1727252" y="2516859"/>
+                    <a:pt x="1371629" y="2614434"/>
+                    <a:pt x="1007330" y="2655701"/>
+                  </a:cubicBezTo>
+                  <a:cubicBezTo>
+                    <a:pt x="916281" y="2665873"/>
+                    <a:pt x="824568" y="2672188"/>
+                    <a:pt x="732765" y="2674696"/>
+                  </a:cubicBezTo>
+                  <a:cubicBezTo>
+                    <a:pt x="640963" y="2677203"/>
+                    <a:pt x="549072" y="2675901"/>
+                    <a:pt x="457666" y="2670839"/>
+                  </a:cubicBezTo>
+                  <a:cubicBezTo>
+                    <a:pt x="366106" y="2665584"/>
+                    <a:pt x="274572" y="2656521"/>
+                    <a:pt x="183574" y="2643312"/>
+                  </a:cubicBezTo>
+                  <a:lnTo>
+                    <a:pt x="0" y="2607798"/>
+                  </a:lnTo>
+                  <a:lnTo>
+                    <a:pt x="0" y="2356652"/>
+                  </a:lnTo>
+                  <a:lnTo>
+                    <a:pt x="222195" y="2396940"/>
+                  </a:lnTo>
+                  <a:cubicBezTo>
+                    <a:pt x="304990" y="2407980"/>
+                    <a:pt x="388511" y="2415283"/>
+                    <a:pt x="472364" y="2419092"/>
+                  </a:cubicBezTo>
+                  <a:cubicBezTo>
+                    <a:pt x="640376" y="2427095"/>
+                    <a:pt x="808184" y="2421791"/>
+                    <a:pt x="974972" y="2402122"/>
+                  </a:cubicBezTo>
+                  <a:cubicBezTo>
+                    <a:pt x="1141658" y="2382358"/>
+                    <a:pt x="1306812" y="2349286"/>
+                    <a:pt x="1468292" y="2304162"/>
+                  </a:cubicBezTo>
+                  <a:cubicBezTo>
+                    <a:pt x="1629874" y="2259231"/>
+                    <a:pt x="1787475" y="2201091"/>
+                    <a:pt x="1940176" y="2133695"/>
+                  </a:cubicBezTo>
+                  <a:cubicBezTo>
+                    <a:pt x="2246498" y="2000349"/>
+                    <a:pt x="2532507" y="1823520"/>
+                    <a:pt x="2783403" y="1609954"/>
+                  </a:cubicBezTo>
+                  <a:cubicBezTo>
+                    <a:pt x="2908442" y="1502833"/>
+                    <a:pt x="3024295" y="1385975"/>
+                    <a:pt x="3128104" y="1260439"/>
+                  </a:cubicBezTo>
+                  <a:cubicBezTo>
+                    <a:pt x="3232116" y="1135096"/>
+                    <a:pt x="3323881" y="1000689"/>
+                    <a:pt x="3400639" y="859052"/>
+                  </a:cubicBezTo>
+                  <a:cubicBezTo>
+                    <a:pt x="3477399" y="717510"/>
+                    <a:pt x="3541296" y="569316"/>
+                    <a:pt x="3585595" y="415336"/>
+                  </a:cubicBezTo>
+                  <a:cubicBezTo>
+                    <a:pt x="3607796" y="338540"/>
+                    <a:pt x="3624638" y="260224"/>
+                    <a:pt x="3635918" y="181137"/>
+                  </a:cubicBezTo>
+                  <a:close/>
+                </a:path>
+              </a:pathLst>
+            </a:custGeom>
+            <a:gradFill>
+              <a:gsLst>
+                <a:gs pos="2000">
+                  <a:schemeClr val="bg1">
+                    <a:alpha val="10000"/>
+                  </a:schemeClr>
+                </a:gs>
+                <a:gs pos="16000">
+                  <a:schemeClr val="accent6">
+                    <a:alpha val="10000"/>
+                  </a:schemeClr>
+                </a:gs>
+                <a:gs pos="100000">
+                  <a:schemeClr val="bg1">
+                    <a:alpha val="10000"/>
+                  </a:schemeClr>
+                </a:gs>
+                <a:gs pos="85000">
+                  <a:schemeClr val="accent1">
+                    <a:alpha val="10000"/>
+                  </a:schemeClr>
+                </a:gs>
+              </a:gsLst>
+              <a:lin ang="12000000" scaled="0"/>
+            </a:gradFill>
+            <a:ln>
+              <a:noFill/>
+            </a:ln>
+          </p:spPr>
+          <p:style>
+            <a:lnRef idx="2">
+              <a:schemeClr val="accent1">
+                <a:shade val="50000"/>
+              </a:schemeClr>
+            </a:lnRef>
+            <a:fillRef idx="1">
+              <a:schemeClr val="accent1"/>
+            </a:fillRef>
+            <a:effectRef idx="0">
+              <a:schemeClr val="accent1"/>
+            </a:effectRef>
+            <a:fontRef idx="minor">
+              <a:schemeClr val="lt1"/>
+            </a:fontRef>
+          </p:style>
+          <p:txBody>
+            <a:bodyPr rtlCol="0" anchor="ctr"/>
+            <a:lstStyle/>
+            <a:p>
+              <a:pPr algn="ctr"/>
+              <a:endParaRPr lang="en-US"/>
+            </a:p>
+          </p:txBody>
+        </p:sp>
+        <p:sp>
+          <p:nvSpPr>
+            <p:cNvPr id="21" name="Freeform: Shape 20">
+              <a:extLst>
+                <a:ext uri="{FF2B5EF4-FFF2-40B4-BE49-F238E27FC236}">
+                  <a16:creationId xmlns:a16="http://schemas.microsoft.com/office/drawing/2014/main" id="{43ADDCFA-B066-4D79-AB71-062E66E58FEE}"/>
+                </a:ext>
+                <a:ext uri="{C183D7F6-B498-43B3-948B-1728B52AA6E4}">
+                  <adec:decorative xmlns:adec="http://schemas.microsoft.com/office/drawing/2017/decorative" val="1"/>
+                </a:ext>
+              </a:extLst>
+            </p:cNvPr>
+            <p:cNvSpPr/>
+            <p:nvPr>
+              <p:extLst>
+                <p:ext uri="{386F3935-93C4-4BCD-93E2-E3B085C9AB24}">
+                  <p16:designElem xmlns:p16="http://schemas.microsoft.com/office/powerpoint/2015/main" val="1"/>
+                </p:ext>
+              </p:extLst>
+            </p:nvPr>
+          </p:nvSpPr>
+          <p:spPr>
+            <a:xfrm>
+              <a:off x="305" y="-1"/>
+              <a:ext cx="3832270" cy="2876136"/>
+            </a:xfrm>
+            <a:custGeom>
+              <a:avLst/>
+              <a:gdLst>
+                <a:gd name="connsiteX0" fmla="*/ 3800718 w 3832270"/>
+                <a:gd name="connsiteY0" fmla="*/ 0 h 2876136"/>
+                <a:gd name="connsiteX1" fmla="*/ 3832270 w 3832270"/>
+                <a:gd name="connsiteY1" fmla="*/ 0 h 2876136"/>
+                <a:gd name="connsiteX2" fmla="*/ 3824562 w 3832270"/>
+                <a:gd name="connsiteY2" fmla="*/ 143769 h 2876136"/>
+                <a:gd name="connsiteX3" fmla="*/ 3628155 w 3832270"/>
+                <a:gd name="connsiteY3" fmla="*/ 922055 h 2876136"/>
+                <a:gd name="connsiteX4" fmla="*/ 3514853 w 3832270"/>
+                <a:gd name="connsiteY4" fmla="*/ 1169078 h 2876136"/>
+                <a:gd name="connsiteX5" fmla="*/ 3379198 w 3832270"/>
+                <a:gd name="connsiteY5" fmla="*/ 1407037 h 2876136"/>
+                <a:gd name="connsiteX6" fmla="*/ 3043787 w 3832270"/>
+                <a:gd name="connsiteY6" fmla="*/ 1848342 h 2876136"/>
+                <a:gd name="connsiteX7" fmla="*/ 2845661 w 3832270"/>
+                <a:gd name="connsiteY7" fmla="*/ 2047444 h 2876136"/>
+                <a:gd name="connsiteX8" fmla="*/ 2793197 w 3832270"/>
+                <a:gd name="connsiteY8" fmla="*/ 2094689 h 2876136"/>
+                <a:gd name="connsiteX9" fmla="*/ 2739710 w 3832270"/>
+                <a:gd name="connsiteY9" fmla="*/ 2140969 h 2876136"/>
+                <a:gd name="connsiteX10" fmla="*/ 2629166 w 3832270"/>
+                <a:gd name="connsiteY10" fmla="*/ 2229867 h 2876136"/>
+                <a:gd name="connsiteX11" fmla="*/ 2145952 w 3832270"/>
+                <a:gd name="connsiteY11" fmla="*/ 2535994 h 2876136"/>
+                <a:gd name="connsiteX12" fmla="*/ 1034987 w 3832270"/>
+                <a:gd name="connsiteY12" fmla="*/ 2863910 h 2876136"/>
+                <a:gd name="connsiteX13" fmla="*/ 741909 w 3832270"/>
+                <a:gd name="connsiteY13" fmla="*/ 2875939 h 2876136"/>
+                <a:gd name="connsiteX14" fmla="*/ 450208 w 3832270"/>
+                <a:gd name="connsiteY14" fmla="*/ 2857451 h 2876136"/>
+                <a:gd name="connsiteX15" fmla="*/ 22215 w 3832270"/>
+                <a:gd name="connsiteY15" fmla="*/ 2775923 h 2876136"/>
+                <a:gd name="connsiteX16" fmla="*/ 0 w 3832270"/>
+                <a:gd name="connsiteY16" fmla="*/ 2769256 h 2876136"/>
+                <a:gd name="connsiteX17" fmla="*/ 0 w 3832270"/>
+                <a:gd name="connsiteY17" fmla="*/ 2590612 h 2876136"/>
+                <a:gd name="connsiteX18" fmla="*/ 199046 w 3832270"/>
+                <a:gd name="connsiteY18" fmla="*/ 2627410 h 2876136"/>
+                <a:gd name="connsiteX19" fmla="*/ 468174 w 3832270"/>
+                <a:gd name="connsiteY19" fmla="*/ 2649670 h 2876136"/>
+                <a:gd name="connsiteX20" fmla="*/ 1003650 w 3832270"/>
+                <a:gd name="connsiteY20" fmla="*/ 2622480 h 2876136"/>
+                <a:gd name="connsiteX21" fmla="*/ 1266489 w 3832270"/>
+                <a:gd name="connsiteY21" fmla="*/ 2573982 h 2876136"/>
+                <a:gd name="connsiteX22" fmla="*/ 1524223 w 3832270"/>
+                <a:gd name="connsiteY22" fmla="*/ 2504657 h 2876136"/>
+                <a:gd name="connsiteX23" fmla="*/ 1775731 w 3832270"/>
+                <a:gd name="connsiteY23" fmla="*/ 2416243 h 2876136"/>
+                <a:gd name="connsiteX24" fmla="*/ 2019789 w 3832270"/>
+                <a:gd name="connsiteY24" fmla="*/ 2309412 h 2876136"/>
+                <a:gd name="connsiteX25" fmla="*/ 2482486 w 3832270"/>
+                <a:gd name="connsiteY25" fmla="*/ 2046962 h 2876136"/>
+                <a:gd name="connsiteX26" fmla="*/ 2591908 w 3832270"/>
+                <a:gd name="connsiteY26" fmla="*/ 1971371 h 2876136"/>
+                <a:gd name="connsiteX27" fmla="*/ 2645702 w 3832270"/>
+                <a:gd name="connsiteY27" fmla="*/ 1932321 h 2876136"/>
+                <a:gd name="connsiteX28" fmla="*/ 2698779 w 3832270"/>
+                <a:gd name="connsiteY28" fmla="*/ 1892309 h 2876136"/>
+                <a:gd name="connsiteX29" fmla="*/ 2903537 w 3832270"/>
+                <a:gd name="connsiteY29" fmla="*/ 1722516 h 2876136"/>
+                <a:gd name="connsiteX30" fmla="*/ 3269061 w 3832270"/>
+                <a:gd name="connsiteY30" fmla="*/ 1337327 h 2876136"/>
+                <a:gd name="connsiteX31" fmla="*/ 3424928 w 3832270"/>
+                <a:gd name="connsiteY31" fmla="*/ 1122508 h 2876136"/>
+                <a:gd name="connsiteX32" fmla="*/ 3557622 w 3832270"/>
+                <a:gd name="connsiteY32" fmla="*/ 893226 h 2876136"/>
+                <a:gd name="connsiteX33" fmla="*/ 3587019 w 3832270"/>
+                <a:gd name="connsiteY33" fmla="*/ 833929 h 2876136"/>
+                <a:gd name="connsiteX34" fmla="*/ 3601310 w 3832270"/>
+                <a:gd name="connsiteY34" fmla="*/ 804040 h 2876136"/>
+                <a:gd name="connsiteX35" fmla="*/ 3614885 w 3832270"/>
+                <a:gd name="connsiteY35" fmla="*/ 773861 h 2876136"/>
+                <a:gd name="connsiteX36" fmla="*/ 3640812 w 3832270"/>
+                <a:gd name="connsiteY36" fmla="*/ 713022 h 2876136"/>
+                <a:gd name="connsiteX37" fmla="*/ 3665105 w 3832270"/>
+                <a:gd name="connsiteY37" fmla="*/ 651506 h 2876136"/>
+                <a:gd name="connsiteX38" fmla="*/ 3744110 w 3832270"/>
+                <a:gd name="connsiteY38" fmla="*/ 399567 h 2876136"/>
+                <a:gd name="connsiteX39" fmla="*/ 3792123 w 3832270"/>
+                <a:gd name="connsiteY39" fmla="*/ 140444 h 2876136"/>
+              </a:gdLst>
+              <a:ahLst/>
+              <a:cxnLst>
+                <a:cxn ang="0">
+                  <a:pos x="connsiteX0" y="connsiteY0"/>
+                </a:cxn>
+                <a:cxn ang="0">
+                  <a:pos x="connsiteX1" y="connsiteY1"/>
+                </a:cxn>
+                <a:cxn ang="0">
+                  <a:pos x="connsiteX2" y="connsiteY2"/>
+                </a:cxn>
+                <a:cxn ang="0">
+                  <a:pos x="connsiteX3" y="connsiteY3"/>
+                </a:cxn>
+                <a:cxn ang="0">
+                  <a:pos x="connsiteX4" y="connsiteY4"/>
+                </a:cxn>
+                <a:cxn ang="0">
+                  <a:pos x="connsiteX5" y="connsiteY5"/>
+                </a:cxn>
+                <a:cxn ang="0">
+                  <a:pos x="connsiteX6" y="connsiteY6"/>
+                </a:cxn>
+                <a:cxn ang="0">
+                  <a:pos x="connsiteX7" y="connsiteY7"/>
+                </a:cxn>
+                <a:cxn ang="0">
+                  <a:pos x="connsiteX8" y="connsiteY8"/>
+                </a:cxn>
+                <a:cxn ang="0">
+                  <a:pos x="connsiteX9" y="connsiteY9"/>
+                </a:cxn>
+                <a:cxn ang="0">
+                  <a:pos x="connsiteX10" y="connsiteY10"/>
+                </a:cxn>
+                <a:cxn ang="0">
+                  <a:pos x="connsiteX11" y="connsiteY11"/>
+                </a:cxn>
+                <a:cxn ang="0">
+                  <a:pos x="connsiteX12" y="connsiteY12"/>
+                </a:cxn>
+                <a:cxn ang="0">
+                  <a:pos x="connsiteX13" y="connsiteY13"/>
+                </a:cxn>
+                <a:cxn ang="0">
+                  <a:pos x="connsiteX14" y="connsiteY14"/>
+                </a:cxn>
+                <a:cxn ang="0">
+                  <a:pos x="connsiteX15" y="connsiteY15"/>
+                </a:cxn>
+                <a:cxn ang="0">
+                  <a:pos x="connsiteX16" y="connsiteY16"/>
+                </a:cxn>
+                <a:cxn ang="0">
+                  <a:pos x="connsiteX17" y="connsiteY17"/>
+                </a:cxn>
+                <a:cxn ang="0">
+                  <a:pos x="connsiteX18" y="connsiteY18"/>
+                </a:cxn>
+                <a:cxn ang="0">
+                  <a:pos x="connsiteX19" y="connsiteY19"/>
+                </a:cxn>
+                <a:cxn ang="0">
+                  <a:pos x="connsiteX20" y="connsiteY20"/>
+                </a:cxn>
+                <a:cxn ang="0">
+                  <a:pos x="connsiteX21" y="connsiteY21"/>
+                </a:cxn>
+                <a:cxn ang="0">
+                  <a:pos x="connsiteX22" y="connsiteY22"/>
+                </a:cxn>
+                <a:cxn ang="0">
+                  <a:pos x="connsiteX23" y="connsiteY23"/>
+                </a:cxn>
+                <a:cxn ang="0">
+                  <a:pos x="connsiteX24" y="connsiteY24"/>
+                </a:cxn>
+                <a:cxn ang="0">
+                  <a:pos x="connsiteX25" y="connsiteY25"/>
+                </a:cxn>
+                <a:cxn ang="0">
+                  <a:pos x="connsiteX26" y="connsiteY26"/>
+                </a:cxn>
+                <a:cxn ang="0">
+                  <a:pos x="connsiteX27" y="connsiteY27"/>
+                </a:cxn>
+                <a:cxn ang="0">
+                  <a:pos x="connsiteX28" y="connsiteY28"/>
+                </a:cxn>
+                <a:cxn ang="0">
+                  <a:pos x="connsiteX29" y="connsiteY29"/>
+                </a:cxn>
+                <a:cxn ang="0">
+                  <a:pos x="connsiteX30" y="connsiteY30"/>
+                </a:cxn>
+                <a:cxn ang="0">
+                  <a:pos x="connsiteX31" y="connsiteY31"/>
+                </a:cxn>
+                <a:cxn ang="0">
+                  <a:pos x="connsiteX32" y="connsiteY32"/>
+                </a:cxn>
+                <a:cxn ang="0">
+                  <a:pos x="connsiteX33" y="connsiteY33"/>
+                </a:cxn>
+                <a:cxn ang="0">
+                  <a:pos x="connsiteX34" y="connsiteY34"/>
+                </a:cxn>
+                <a:cxn ang="0">
+                  <a:pos x="connsiteX35" y="connsiteY35"/>
+                </a:cxn>
+                <a:cxn ang="0">
+                  <a:pos x="connsiteX36" y="connsiteY36"/>
+                </a:cxn>
+                <a:cxn ang="0">
+                  <a:pos x="connsiteX37" y="connsiteY37"/>
+                </a:cxn>
+                <a:cxn ang="0">
+                  <a:pos x="connsiteX38" y="connsiteY38"/>
+                </a:cxn>
+                <a:cxn ang="0">
+                  <a:pos x="connsiteX39" y="connsiteY39"/>
+                </a:cxn>
+              </a:cxnLst>
+              <a:rect l="l" t="t" r="r" b="b"/>
+              <a:pathLst>
+                <a:path w="3832270" h="2876136">
+                  <a:moveTo>
+                    <a:pt x="3800718" y="0"/>
+                  </a:moveTo>
+                  <a:lnTo>
+                    <a:pt x="3832270" y="0"/>
+                  </a:lnTo>
+                  <a:lnTo>
+                    <a:pt x="3824562" y="143769"/>
+                  </a:lnTo>
+                  <a:cubicBezTo>
+                    <a:pt x="3797131" y="409191"/>
+                    <a:pt x="3730585" y="671345"/>
+                    <a:pt x="3628155" y="922055"/>
+                  </a:cubicBezTo>
+                  <a:cubicBezTo>
+                    <a:pt x="3593858" y="1005553"/>
+                    <a:pt x="3556704" y="1088280"/>
+                    <a:pt x="3514853" y="1169078"/>
+                  </a:cubicBezTo>
+                  <a:cubicBezTo>
+                    <a:pt x="3473616" y="1250166"/>
+                    <a:pt x="3428194" y="1329517"/>
+                    <a:pt x="3379198" y="1407037"/>
+                  </a:cubicBezTo>
+                  <a:cubicBezTo>
+                    <a:pt x="3281106" y="1561980"/>
+                    <a:pt x="3169132" y="1710174"/>
+                    <a:pt x="3043787" y="1848342"/>
+                  </a:cubicBezTo>
+                  <a:cubicBezTo>
+                    <a:pt x="2980806" y="1917184"/>
+                    <a:pt x="2915071" y="1984001"/>
+                    <a:pt x="2845661" y="2047444"/>
+                  </a:cubicBezTo>
+                  <a:cubicBezTo>
+                    <a:pt x="2828411" y="2063450"/>
+                    <a:pt x="2811060" y="2079263"/>
+                    <a:pt x="2793197" y="2094689"/>
+                  </a:cubicBezTo>
+                  <a:cubicBezTo>
+                    <a:pt x="2775436" y="2110213"/>
+                    <a:pt x="2757982" y="2126025"/>
+                    <a:pt x="2739710" y="2140969"/>
+                  </a:cubicBezTo>
+                  <a:cubicBezTo>
+                    <a:pt x="2703576" y="2171341"/>
+                    <a:pt x="2666524" y="2200749"/>
+                    <a:pt x="2629166" y="2229867"/>
+                  </a:cubicBezTo>
+                  <a:cubicBezTo>
+                    <a:pt x="2479015" y="2345569"/>
+                    <a:pt x="2316821" y="2448061"/>
+                    <a:pt x="2145952" y="2535994"/>
+                  </a:cubicBezTo>
+                  <a:cubicBezTo>
+                    <a:pt x="1804312" y="2711957"/>
+                    <a:pt x="1424600" y="2826982"/>
+                    <a:pt x="1034987" y="2863910"/>
+                  </a:cubicBezTo>
+                  <a:cubicBezTo>
+                    <a:pt x="937762" y="2873167"/>
+                    <a:pt x="839720" y="2877096"/>
+                    <a:pt x="741909" y="2875939"/>
+                  </a:cubicBezTo>
+                  <a:cubicBezTo>
+                    <a:pt x="644097" y="2874782"/>
+                    <a:pt x="546515" y="2868539"/>
+                    <a:pt x="450208" y="2857451"/>
+                  </a:cubicBezTo>
+                  <a:cubicBezTo>
+                    <a:pt x="305520" y="2840674"/>
+                    <a:pt x="162095" y="2813810"/>
+                    <a:pt x="22215" y="2775923"/>
+                  </a:cubicBezTo>
+                  <a:lnTo>
+                    <a:pt x="0" y="2769256"/>
+                  </a:lnTo>
+                  <a:lnTo>
+                    <a:pt x="0" y="2590612"/>
+                  </a:lnTo>
+                  <a:lnTo>
+                    <a:pt x="199046" y="2627410"/>
+                  </a:lnTo>
+                  <a:cubicBezTo>
+                    <a:pt x="288321" y="2639209"/>
+                    <a:pt x="378197" y="2646537"/>
+                    <a:pt x="468174" y="2649670"/>
+                  </a:cubicBezTo>
+                  <a:cubicBezTo>
+                    <a:pt x="648333" y="2656805"/>
+                    <a:pt x="826655" y="2647163"/>
+                    <a:pt x="1003650" y="2622480"/>
+                  </a:cubicBezTo>
+                  <a:cubicBezTo>
+                    <a:pt x="1091943" y="2609658"/>
+                    <a:pt x="1179725" y="2593747"/>
+                    <a:pt x="1266489" y="2573982"/>
+                  </a:cubicBezTo>
+                  <a:cubicBezTo>
+                    <a:pt x="1353250" y="2553927"/>
+                    <a:pt x="1439298" y="2531076"/>
+                    <a:pt x="1524223" y="2504657"/>
+                  </a:cubicBezTo>
+                  <a:cubicBezTo>
+                    <a:pt x="1609149" y="2478336"/>
+                    <a:pt x="1693052" y="2448833"/>
+                    <a:pt x="1775731" y="2416243"/>
+                  </a:cubicBezTo>
+                  <a:cubicBezTo>
+                    <a:pt x="1858309" y="2383557"/>
+                    <a:pt x="1939764" y="2347882"/>
+                    <a:pt x="2019789" y="2309412"/>
+                  </a:cubicBezTo>
+                  <a:cubicBezTo>
+                    <a:pt x="2179839" y="2232567"/>
+                    <a:pt x="2334583" y="2144923"/>
+                    <a:pt x="2482486" y="2046962"/>
+                  </a:cubicBezTo>
+                  <a:cubicBezTo>
+                    <a:pt x="2519334" y="2022376"/>
+                    <a:pt x="2556081" y="1997403"/>
+                    <a:pt x="2591908" y="1971371"/>
+                  </a:cubicBezTo>
+                  <a:cubicBezTo>
+                    <a:pt x="2610077" y="1958644"/>
+                    <a:pt x="2627838" y="1945434"/>
+                    <a:pt x="2645702" y="1932321"/>
+                  </a:cubicBezTo>
+                  <a:cubicBezTo>
+                    <a:pt x="2663666" y="1919305"/>
+                    <a:pt x="2681325" y="1905903"/>
+                    <a:pt x="2698779" y="1892309"/>
+                  </a:cubicBezTo>
+                  <a:cubicBezTo>
+                    <a:pt x="2768903" y="1838025"/>
+                    <a:pt x="2837496" y="1781717"/>
+                    <a:pt x="2903537" y="1722516"/>
+                  </a:cubicBezTo>
+                  <a:cubicBezTo>
+                    <a:pt x="3035926" y="1604501"/>
+                    <a:pt x="3158720" y="1475784"/>
+                    <a:pt x="3269061" y="1337327"/>
+                  </a:cubicBezTo>
+                  <a:cubicBezTo>
+                    <a:pt x="3324182" y="1268099"/>
+                    <a:pt x="3376341" y="1196461"/>
+                    <a:pt x="3424928" y="1122508"/>
+                  </a:cubicBezTo>
+                  <a:cubicBezTo>
+                    <a:pt x="3472697" y="1048170"/>
+                    <a:pt x="3517814" y="972000"/>
+                    <a:pt x="3557622" y="893226"/>
+                  </a:cubicBezTo>
+                  <a:cubicBezTo>
+                    <a:pt x="3567931" y="873654"/>
+                    <a:pt x="3577526" y="853791"/>
+                    <a:pt x="3587019" y="833929"/>
+                  </a:cubicBezTo>
+                  <a:lnTo>
+                    <a:pt x="3601310" y="804040"/>
+                  </a:lnTo>
+                  <a:lnTo>
+                    <a:pt x="3614885" y="773861"/>
+                  </a:lnTo>
+                  <a:cubicBezTo>
+                    <a:pt x="3623766" y="753709"/>
+                    <a:pt x="3632748" y="733559"/>
+                    <a:pt x="3640812" y="713022"/>
+                  </a:cubicBezTo>
+                  <a:cubicBezTo>
+                    <a:pt x="3648876" y="692485"/>
+                    <a:pt x="3657756" y="672236"/>
+                    <a:pt x="3665105" y="651506"/>
+                  </a:cubicBezTo>
+                  <a:cubicBezTo>
+                    <a:pt x="3696544" y="569166"/>
+                    <a:pt x="3723185" y="485089"/>
+                    <a:pt x="3744110" y="399567"/>
+                  </a:cubicBezTo>
+                  <a:cubicBezTo>
+                    <a:pt x="3765341" y="314238"/>
+                    <a:pt x="3781392" y="227654"/>
+                    <a:pt x="3792123" y="140444"/>
+                  </a:cubicBezTo>
+                  <a:close/>
+                </a:path>
+              </a:pathLst>
+            </a:custGeom>
+            <a:gradFill>
+              <a:gsLst>
+                <a:gs pos="2000">
+                  <a:schemeClr val="bg1">
+                    <a:alpha val="10000"/>
+                  </a:schemeClr>
+                </a:gs>
+                <a:gs pos="16000">
+                  <a:schemeClr val="accent6">
+                    <a:alpha val="10000"/>
+                  </a:schemeClr>
+                </a:gs>
+                <a:gs pos="100000">
+                  <a:schemeClr val="bg1">
+                    <a:alpha val="10000"/>
+                  </a:schemeClr>
+                </a:gs>
+                <a:gs pos="85000">
+                  <a:schemeClr val="accent1">
+                    <a:alpha val="10000"/>
+                  </a:schemeClr>
+                </a:gs>
+              </a:gsLst>
+              <a:lin ang="12000000" scaled="0"/>
+            </a:gradFill>
+            <a:ln>
+              <a:noFill/>
+            </a:ln>
+          </p:spPr>
+          <p:style>
+            <a:lnRef idx="2">
+              <a:schemeClr val="accent1">
+                <a:shade val="50000"/>
+              </a:schemeClr>
+            </a:lnRef>
+            <a:fillRef idx="1">
+              <a:schemeClr val="accent1"/>
+            </a:fillRef>
+            <a:effectRef idx="0">
+              <a:schemeClr val="accent1"/>
+            </a:effectRef>
+            <a:fontRef idx="minor">
+              <a:schemeClr val="lt1"/>
+            </a:fontRef>
+          </p:style>
+          <p:txBody>
+            <a:bodyPr rtlCol="0" anchor="ctr"/>
+            <a:lstStyle/>
+            <a:p>
+              <a:pPr algn="ctr"/>
+              <a:endParaRPr lang="en-US"/>
+            </a:p>
+          </p:txBody>
+        </p:sp>
+      </p:grpSp>
+      <p:sp>
+        <p:nvSpPr>
+          <p:cNvPr id="8" name="TextBox 7"/>
+          <p:cNvSpPr txBox="1"/>
+          <p:nvPr/>
+        </p:nvSpPr>
+        <p:spPr>
+          <a:xfrm>
+            <a:off x="964" y="1257334"/>
+            <a:ext cx="12086491" cy="5256824"/>
+          </a:xfrm>
+          <a:prstGeom prst="rect">
+            <a:avLst/>
+          </a:prstGeom>
+          <a:noFill/>
+        </p:spPr>
+        <p:txBody>
+          <a:bodyPr wrap="square" lIns="91440" tIns="45720" rIns="91440" bIns="45720" rtlCol="0" anchor="t">
+            <a:spAutoFit/>
+          </a:bodyPr>
+          <a:lstStyle/>
+          <a:p>
+            <a:pPr algn="r" rtl="1">
+              <a:lnSpc>
+                <a:spcPct val="90000"/>
+              </a:lnSpc>
+              <a:spcAft>
+                <a:spcPts val="600"/>
+              </a:spcAft>
+            </a:pPr>
+            <a:r>
+              <a:rPr lang="en-US" sz="2400" err="1"/>
+              <a:t>االكلاس</a:t>
+            </a:r>
+            <a:r>
+              <a:rPr lang="en-US" sz="2400"/>
+              <a:t> </a:t>
+            </a:r>
+            <a:r>
+              <a:rPr lang="en-US" sz="2400" err="1"/>
+              <a:t>هو</a:t>
+            </a:r>
+            <a:r>
+              <a:rPr lang="en-US" sz="2400"/>
+              <a:t> </a:t>
+            </a:r>
+            <a:r>
+              <a:rPr lang="en-US" sz="2400" err="1"/>
+              <a:t>عبارة</a:t>
+            </a:r>
+            <a:r>
+              <a:rPr lang="en-US" sz="2400"/>
+              <a:t> </a:t>
+            </a:r>
+            <a:r>
+              <a:rPr lang="en-US" sz="2400" err="1"/>
+              <a:t>عن</a:t>
+            </a:r>
+            <a:r>
+              <a:rPr lang="en-US" sz="2400"/>
+              <a:t> </a:t>
+            </a:r>
+            <a:r>
+              <a:rPr lang="en-US" sz="2400" err="1"/>
+              <a:t>كائن</a:t>
+            </a:r>
+            <a:r>
+              <a:rPr lang="en-US" sz="2400"/>
+              <a:t> </a:t>
+            </a:r>
+            <a:r>
+              <a:rPr lang="en-US" sz="2400" err="1"/>
+              <a:t>تحتوي</a:t>
+            </a:r>
+            <a:r>
+              <a:rPr lang="en-US" sz="2400"/>
+              <a:t> </a:t>
+            </a:r>
+            <a:r>
+              <a:rPr lang="en-US" sz="2400" err="1"/>
+              <a:t>على</a:t>
+            </a:r>
+            <a:r>
+              <a:rPr lang="en-US" sz="2400"/>
+              <a:t> </a:t>
+            </a:r>
+            <a:r>
+              <a:rPr lang="en-US" sz="2400" err="1"/>
+              <a:t>دوال</a:t>
+            </a:r>
+            <a:endParaRPr lang="en-US" sz="2400">
+              <a:cs typeface="Calibri"/>
+            </a:endParaRPr>
+          </a:p>
+          <a:p>
+            <a:pPr algn="r" rtl="1">
+              <a:lnSpc>
+                <a:spcPct val="90000"/>
+              </a:lnSpc>
+              <a:spcAft>
+                <a:spcPts val="600"/>
+              </a:spcAft>
+            </a:pPr>
+            <a:r>
+              <a:rPr lang="en-US" sz="2400" err="1"/>
+              <a:t>ومتغيرات</a:t>
+            </a:r>
+            <a:r>
+              <a:rPr lang="en-US" sz="2400"/>
+              <a:t> </a:t>
+            </a:r>
+            <a:r>
+              <a:rPr lang="en-US" sz="2400" err="1"/>
+              <a:t>يتم</a:t>
+            </a:r>
+            <a:r>
+              <a:rPr lang="en-US" sz="2400"/>
+              <a:t> </a:t>
+            </a:r>
+            <a:r>
+              <a:rPr lang="en-US" sz="2400" err="1"/>
+              <a:t>إستدعاؤها</a:t>
+            </a:r>
+            <a:r>
+              <a:rPr lang="en-US" sz="2400"/>
+              <a:t> </a:t>
+            </a:r>
+            <a:r>
+              <a:rPr lang="en-US" sz="2400" err="1"/>
+              <a:t>لتنفيذها</a:t>
+            </a:r>
+            <a:r>
+              <a:rPr lang="en-US" sz="2400"/>
+              <a:t> </a:t>
+            </a:r>
+            <a:r>
+              <a:rPr lang="en-US" sz="2400" err="1"/>
+              <a:t>عند</a:t>
+            </a:r>
+            <a:r>
+              <a:rPr lang="en-US" sz="2400"/>
+              <a:t> </a:t>
+            </a:r>
+            <a:r>
+              <a:rPr lang="en-US" sz="2400" err="1"/>
+              <a:t>الحاجة</a:t>
+            </a:r>
+            <a:r>
+              <a:rPr lang="en-US" sz="2400"/>
+              <a:t>.</a:t>
+            </a:r>
+            <a:endParaRPr lang="en-US" sz="2400">
+              <a:cs typeface="Calibri"/>
+            </a:endParaRPr>
+          </a:p>
+          <a:p>
+            <a:pPr algn="r" rtl="1">
+              <a:lnSpc>
+                <a:spcPct val="90000"/>
+              </a:lnSpc>
+              <a:spcAft>
+                <a:spcPts val="600"/>
+              </a:spcAft>
+            </a:pPr>
+            <a:endParaRPr lang="en-US" sz="2400">
+              <a:cs typeface="Calibri"/>
+            </a:endParaRPr>
+          </a:p>
+          <a:p>
+            <a:pPr algn="r" rtl="1">
+              <a:lnSpc>
+                <a:spcPct val="90000"/>
+              </a:lnSpc>
+              <a:spcAft>
+                <a:spcPts val="600"/>
+              </a:spcAft>
+            </a:pPr>
+            <a:r>
+              <a:rPr lang="en-US" sz="2400" err="1"/>
+              <a:t>ولإستدعاء</a:t>
+            </a:r>
+            <a:r>
+              <a:rPr lang="en-US" sz="2400"/>
+              <a:t> </a:t>
+            </a:r>
+            <a:r>
+              <a:rPr lang="en-US" sz="2400" err="1"/>
+              <a:t>الكلاس</a:t>
+            </a:r>
+            <a:r>
+              <a:rPr lang="en-US" sz="2400"/>
+              <a:t> </a:t>
+            </a:r>
+            <a:r>
+              <a:rPr lang="en-US" sz="2400" err="1"/>
+              <a:t>نقول</a:t>
+            </a:r>
+            <a:r>
+              <a:rPr lang="en-US" sz="2400"/>
+              <a:t> </a:t>
+            </a:r>
+            <a:r>
+              <a:rPr lang="en-US" sz="2400" err="1"/>
+              <a:t>بإسنادها</a:t>
+            </a:r>
+            <a:r>
+              <a:rPr lang="en-US" sz="2400"/>
+              <a:t> </a:t>
+            </a:r>
+            <a:r>
+              <a:rPr lang="en-US" sz="2400" err="1"/>
+              <a:t>إلى</a:t>
+            </a:r>
+            <a:r>
+              <a:rPr lang="en-US" sz="2400"/>
+              <a:t> </a:t>
+            </a:r>
+            <a:r>
+              <a:rPr lang="en-US" sz="2400" err="1"/>
+              <a:t>متغير</a:t>
+            </a:r>
+            <a:r>
+              <a:rPr lang="en-US" sz="2400"/>
+              <a:t>.</a:t>
+            </a:r>
+            <a:endParaRPr lang="en-US" sz="2400">
+              <a:cs typeface="Calibri"/>
+            </a:endParaRPr>
+          </a:p>
+          <a:p>
+            <a:pPr algn="r" rtl="1">
+              <a:lnSpc>
+                <a:spcPct val="90000"/>
+              </a:lnSpc>
+              <a:spcAft>
+                <a:spcPts val="600"/>
+              </a:spcAft>
+            </a:pPr>
+            <a:r>
+              <a:rPr lang="en-US" sz="2400" err="1"/>
+              <a:t>ففي</a:t>
+            </a:r>
+            <a:r>
+              <a:rPr lang="en-US" sz="2400"/>
+              <a:t> </a:t>
+            </a:r>
+            <a:r>
+              <a:rPr lang="en-US" sz="2400" err="1"/>
+              <a:t>المثال</a:t>
+            </a:r>
+            <a:r>
+              <a:rPr lang="en-US" sz="2400"/>
+              <a:t> </a:t>
+            </a:r>
+            <a:r>
+              <a:rPr lang="en-US" sz="2400" err="1"/>
+              <a:t>قمنا</a:t>
+            </a:r>
+            <a:r>
+              <a:rPr lang="en-US" sz="2400"/>
+              <a:t> </a:t>
+            </a:r>
+            <a:r>
+              <a:rPr lang="en-US" sz="2400" err="1"/>
+              <a:t>بإنشاء</a:t>
+            </a:r>
+            <a:r>
+              <a:rPr lang="en-US" sz="2400"/>
+              <a:t> </a:t>
+            </a:r>
+            <a:r>
+              <a:rPr lang="en-US" sz="2400" err="1"/>
+              <a:t>كلاس</a:t>
+            </a:r>
+            <a:r>
+              <a:rPr lang="en-US" sz="2400"/>
+              <a:t> </a:t>
+            </a:r>
+            <a:r>
+              <a:rPr lang="en-US" sz="2400" err="1"/>
+              <a:t>بإسم</a:t>
+            </a:r>
+            <a:r>
+              <a:rPr lang="en-US" sz="2400"/>
+              <a:t> user </a:t>
+            </a:r>
+            <a:r>
+              <a:rPr lang="en-US" sz="2400" err="1"/>
+              <a:t>ولإستدعائها</a:t>
+            </a:r>
+            <a:endParaRPr lang="en-US" sz="2400" err="1">
+              <a:cs typeface="Calibri"/>
+            </a:endParaRPr>
+          </a:p>
+          <a:p>
+            <a:pPr algn="r" rtl="1">
+              <a:lnSpc>
+                <a:spcPct val="90000"/>
+              </a:lnSpc>
+              <a:spcAft>
+                <a:spcPts val="600"/>
+              </a:spcAft>
+            </a:pPr>
+            <a:r>
+              <a:rPr lang="en-US" sz="2400" err="1">
+                <a:cs typeface="Calibri"/>
+              </a:rPr>
+              <a:t>نسندها</a:t>
+            </a:r>
+            <a:r>
+              <a:rPr lang="en-US" sz="2400">
+                <a:cs typeface="Calibri"/>
+              </a:rPr>
+              <a:t> </a:t>
+            </a:r>
+            <a:r>
+              <a:rPr lang="en-US" sz="2400" err="1">
+                <a:cs typeface="Calibri"/>
+              </a:rPr>
+              <a:t>إلى</a:t>
+            </a:r>
+            <a:r>
+              <a:rPr lang="en-US" sz="2400">
+                <a:cs typeface="Calibri"/>
+              </a:rPr>
+              <a:t> </a:t>
+            </a:r>
+            <a:r>
+              <a:rPr lang="en-US" sz="2400" err="1">
+                <a:cs typeface="Calibri"/>
+              </a:rPr>
+              <a:t>متغير</a:t>
+            </a:r>
+            <a:r>
+              <a:rPr lang="en-US" sz="2400">
+                <a:cs typeface="Calibri"/>
+              </a:rPr>
+              <a:t> </a:t>
+            </a:r>
+            <a:r>
+              <a:rPr lang="en-US" sz="2400" err="1">
+                <a:cs typeface="Calibri"/>
+              </a:rPr>
+              <a:t>كما</a:t>
+            </a:r>
+            <a:r>
+              <a:rPr lang="en-US" sz="2400">
+                <a:cs typeface="Calibri"/>
+              </a:rPr>
+              <a:t> </a:t>
+            </a:r>
+            <a:r>
+              <a:rPr lang="en-US" sz="2400" err="1">
+                <a:cs typeface="Calibri"/>
+              </a:rPr>
+              <a:t>في</a:t>
+            </a:r>
+            <a:r>
+              <a:rPr lang="en-US" sz="2400">
+                <a:cs typeface="Calibri"/>
+              </a:rPr>
+              <a:t> </a:t>
+            </a:r>
+            <a:r>
+              <a:rPr lang="en-US" sz="2400" err="1">
+                <a:cs typeface="Calibri"/>
+              </a:rPr>
+              <a:t>المثال</a:t>
+            </a:r>
+            <a:r>
+              <a:rPr lang="en-US" sz="2400">
+                <a:cs typeface="Calibri"/>
+              </a:rPr>
+              <a:t> </a:t>
+            </a:r>
+            <a:r>
+              <a:rPr lang="en-US" sz="2400"/>
+              <a:t>user1 = user</a:t>
+            </a:r>
+            <a:endParaRPr lang="en-US" sz="2400">
+              <a:cs typeface="Calibri"/>
+            </a:endParaRPr>
+          </a:p>
+          <a:p>
+            <a:pPr algn="r" rtl="1">
+              <a:lnSpc>
+                <a:spcPct val="90000"/>
+              </a:lnSpc>
+              <a:spcAft>
+                <a:spcPts val="600"/>
+              </a:spcAft>
+            </a:pPr>
+            <a:r>
+              <a:rPr lang="en-US" sz="2400" err="1">
+                <a:cs typeface="Calibri"/>
+              </a:rPr>
+              <a:t>ولتمرير</a:t>
+            </a:r>
+            <a:r>
+              <a:rPr lang="en-US" sz="2400">
+                <a:cs typeface="Calibri"/>
+              </a:rPr>
+              <a:t> </a:t>
+            </a:r>
+            <a:r>
+              <a:rPr lang="en-US" sz="2400" err="1">
+                <a:cs typeface="Calibri"/>
+              </a:rPr>
+              <a:t>قيمة</a:t>
+            </a:r>
+            <a:r>
+              <a:rPr lang="en-US" sz="2400">
+                <a:cs typeface="Calibri"/>
+              </a:rPr>
+              <a:t> </a:t>
+            </a:r>
+            <a:r>
+              <a:rPr lang="en-US" sz="2400" err="1">
+                <a:cs typeface="Calibri"/>
+              </a:rPr>
+              <a:t>متغيرات</a:t>
+            </a:r>
+            <a:r>
+              <a:rPr lang="en-US" sz="2400">
+                <a:cs typeface="Calibri"/>
+              </a:rPr>
+              <a:t> </a:t>
+            </a:r>
+            <a:r>
+              <a:rPr lang="en-US" sz="2400" err="1">
+                <a:cs typeface="Calibri"/>
+              </a:rPr>
+              <a:t>إلى</a:t>
+            </a:r>
+            <a:r>
+              <a:rPr lang="en-US" sz="2400">
+                <a:cs typeface="Calibri"/>
+              </a:rPr>
+              <a:t> </a:t>
+            </a:r>
+            <a:r>
+              <a:rPr lang="en-US" sz="2400" err="1">
+                <a:cs typeface="Calibri"/>
+              </a:rPr>
+              <a:t>الكلاس</a:t>
+            </a:r>
+            <a:r>
+              <a:rPr lang="en-US" sz="2400">
+                <a:cs typeface="Calibri"/>
+              </a:rPr>
+              <a:t> </a:t>
+            </a:r>
+            <a:r>
+              <a:rPr lang="en-US" sz="2400" err="1">
+                <a:cs typeface="Calibri"/>
+              </a:rPr>
+              <a:t>نقوم</a:t>
+            </a:r>
+            <a:r>
+              <a:rPr lang="en-US" sz="2400">
+                <a:cs typeface="Calibri"/>
+              </a:rPr>
+              <a:t> </a:t>
+            </a:r>
+            <a:r>
+              <a:rPr lang="en-US" sz="2400" err="1">
+                <a:cs typeface="Calibri"/>
+              </a:rPr>
+              <a:t>بإنشاء</a:t>
+            </a:r>
+            <a:r>
+              <a:rPr lang="en-US" sz="2400">
+                <a:cs typeface="Calibri"/>
+              </a:rPr>
+              <a:t> </a:t>
+            </a:r>
+            <a:r>
+              <a:rPr lang="en-US" sz="2400" err="1">
+                <a:cs typeface="Calibri"/>
+              </a:rPr>
+              <a:t>دالة</a:t>
+            </a:r>
+            <a:endParaRPr lang="en-US" sz="2400" err="1"/>
+          </a:p>
+          <a:p>
+            <a:pPr algn="r" rtl="1">
+              <a:lnSpc>
+                <a:spcPct val="90000"/>
+              </a:lnSpc>
+              <a:spcAft>
+                <a:spcPts val="600"/>
+              </a:spcAft>
+            </a:pPr>
+            <a:r>
+              <a:rPr lang="en-US" sz="2400" err="1"/>
+              <a:t>بإسم</a:t>
+            </a:r>
+            <a:r>
+              <a:rPr lang="en-US" sz="2400"/>
+              <a:t>  __</a:t>
+            </a:r>
+            <a:r>
+              <a:rPr lang="en-US" sz="2400" err="1"/>
+              <a:t>init</a:t>
+            </a:r>
+            <a:r>
+              <a:rPr lang="en-US" sz="2400"/>
+              <a:t>__  </a:t>
+            </a:r>
+            <a:r>
+              <a:rPr lang="en-US" sz="2400" err="1"/>
+              <a:t>داخل</a:t>
+            </a:r>
+            <a:r>
+              <a:rPr lang="en-US" sz="2400"/>
+              <a:t> </a:t>
+            </a:r>
+            <a:r>
+              <a:rPr lang="en-US" sz="2400" err="1"/>
+              <a:t>الكلاس</a:t>
+            </a:r>
+            <a:r>
+              <a:rPr lang="en-US" sz="2400"/>
+              <a:t> </a:t>
+            </a:r>
+            <a:r>
+              <a:rPr lang="en-US" sz="2400" err="1"/>
+              <a:t>ونحدد</a:t>
+            </a:r>
+            <a:r>
+              <a:rPr lang="en-US" sz="2400"/>
+              <a:t> </a:t>
+            </a:r>
+            <a:r>
+              <a:rPr lang="en-US" sz="2400" err="1"/>
+              <a:t>المتغيرات</a:t>
+            </a:r>
+            <a:r>
+              <a:rPr lang="en-US" sz="2400"/>
+              <a:t> </a:t>
+            </a:r>
+            <a:r>
+              <a:rPr lang="en-US" sz="2400" err="1"/>
+              <a:t>مثلا</a:t>
+            </a:r>
+            <a:endParaRPr lang="en-US" sz="2400">
+              <a:cs typeface="Calibri"/>
+            </a:endParaRPr>
+          </a:p>
+          <a:p>
+            <a:pPr algn="r" rtl="1"/>
+            <a:r>
+              <a:rPr lang="en-US" sz="2400"/>
+              <a:t>def __</a:t>
+            </a:r>
+            <a:r>
+              <a:rPr lang="en-US" sz="2400" err="1"/>
+              <a:t>init</a:t>
+            </a:r>
+            <a:r>
+              <a:rPr lang="en-US" sz="2400"/>
+              <a:t>__(</a:t>
+            </a:r>
+            <a:r>
+              <a:rPr lang="en-US" sz="2400" err="1"/>
+              <a:t>self,name,age,country</a:t>
+            </a:r>
+            <a:r>
+              <a:rPr lang="en-US" sz="2400"/>
+              <a:t>)</a:t>
+            </a:r>
+            <a:endParaRPr lang="en-US" sz="2400">
+              <a:cs typeface="Calibri"/>
+            </a:endParaRPr>
+          </a:p>
+          <a:p>
+            <a:pPr algn="r" rtl="1">
+              <a:lnSpc>
+                <a:spcPct val="90000"/>
+              </a:lnSpc>
+              <a:spcAft>
+                <a:spcPts val="600"/>
+              </a:spcAft>
+            </a:pPr>
+            <a:r>
+              <a:rPr lang="en-US" sz="2400" err="1">
+                <a:cs typeface="Calibri"/>
+              </a:rPr>
+              <a:t>يتم</a:t>
+            </a:r>
+            <a:r>
+              <a:rPr lang="en-US" sz="2400">
+                <a:cs typeface="Calibri"/>
+              </a:rPr>
+              <a:t> </a:t>
+            </a:r>
+            <a:r>
+              <a:rPr lang="en-US" sz="2400" err="1">
+                <a:cs typeface="Calibri"/>
+              </a:rPr>
+              <a:t>تنفيذ</a:t>
+            </a:r>
+            <a:r>
+              <a:rPr lang="en-US" sz="2400">
+                <a:cs typeface="Calibri"/>
+              </a:rPr>
+              <a:t> __</a:t>
+            </a:r>
+            <a:r>
+              <a:rPr lang="en-US" sz="2400" err="1">
+                <a:cs typeface="Calibri"/>
+              </a:rPr>
+              <a:t>init</a:t>
+            </a:r>
+            <a:r>
+              <a:rPr lang="en-US" sz="2400">
+                <a:cs typeface="Calibri"/>
+              </a:rPr>
+              <a:t>__ </a:t>
+            </a:r>
+            <a:r>
+              <a:rPr lang="en-US" sz="2400" err="1">
+                <a:cs typeface="Calibri"/>
+              </a:rPr>
+              <a:t>عند</a:t>
+            </a:r>
+            <a:r>
+              <a:rPr lang="en-US" sz="2400">
+                <a:cs typeface="Calibri"/>
+              </a:rPr>
+              <a:t> </a:t>
+            </a:r>
+            <a:r>
+              <a:rPr lang="en-US" sz="2400" err="1">
+                <a:cs typeface="Calibri"/>
+              </a:rPr>
+              <a:t>أول</a:t>
+            </a:r>
+            <a:r>
+              <a:rPr lang="en-US" sz="2400">
+                <a:cs typeface="Calibri"/>
+              </a:rPr>
+              <a:t> </a:t>
+            </a:r>
+            <a:r>
+              <a:rPr lang="en-US" sz="2400" err="1">
+                <a:cs typeface="Calibri"/>
+              </a:rPr>
+              <a:t>إسناد</a:t>
+            </a:r>
+            <a:r>
+              <a:rPr lang="en-US" sz="2400">
+                <a:cs typeface="Calibri"/>
+              </a:rPr>
+              <a:t> </a:t>
+            </a:r>
+            <a:r>
+              <a:rPr lang="en-US" sz="2400" err="1">
+                <a:cs typeface="Calibri"/>
+              </a:rPr>
+              <a:t>كما</a:t>
+            </a:r>
+            <a:r>
+              <a:rPr lang="en-US" sz="2400">
+                <a:cs typeface="Calibri"/>
+              </a:rPr>
+              <a:t> </a:t>
+            </a:r>
+            <a:r>
+              <a:rPr lang="en-US" sz="2400" err="1">
+                <a:cs typeface="Calibri"/>
+              </a:rPr>
+              <a:t>في</a:t>
+            </a:r>
+            <a:r>
+              <a:rPr lang="en-US" sz="2400">
+                <a:cs typeface="Calibri"/>
+              </a:rPr>
+              <a:t> </a:t>
+            </a:r>
+            <a:r>
+              <a:rPr lang="en-US" sz="2400" err="1">
+                <a:cs typeface="Calibri"/>
+              </a:rPr>
+              <a:t>المث</a:t>
+            </a:r>
+            <a:r>
+              <a:rPr lang="en-US" sz="2400" err="1"/>
+              <a:t>ال</a:t>
+            </a:r>
+            <a:r>
+              <a:rPr lang="en-US" sz="2400"/>
+              <a:t> </a:t>
+            </a:r>
+          </a:p>
+          <a:p>
+            <a:pPr algn="r" rtl="1"/>
+            <a:r>
+              <a:rPr lang="en-US" sz="2400"/>
+              <a:t>user1 = User(name = "</a:t>
+            </a:r>
+            <a:r>
+              <a:rPr lang="en-US" sz="2400" err="1"/>
+              <a:t>Hamzah",age</a:t>
+            </a:r>
+            <a:r>
+              <a:rPr lang="en-US" sz="2400"/>
+              <a:t> = 16,country = "Saudi Arabia")</a:t>
+            </a:r>
+          </a:p>
+          <a:p>
+            <a:pPr algn="r" rtl="1">
+              <a:lnSpc>
+                <a:spcPct val="90000"/>
+              </a:lnSpc>
+              <a:spcAft>
+                <a:spcPts val="600"/>
+              </a:spcAft>
+            </a:pPr>
+            <a:endParaRPr lang="en-US" sz="2400">
+              <a:cs typeface="Calibri"/>
+            </a:endParaRPr>
+          </a:p>
+          <a:p>
+            <a:pPr algn="r" rtl="1">
+              <a:lnSpc>
+                <a:spcPct val="90000"/>
+              </a:lnSpc>
+              <a:spcAft>
+                <a:spcPts val="600"/>
+              </a:spcAft>
+            </a:pPr>
+            <a:r>
+              <a:rPr lang="en-US" sz="2400" err="1">
+                <a:cs typeface="Calibri"/>
+              </a:rPr>
+              <a:t>شاهد</a:t>
+            </a:r>
+            <a:r>
+              <a:rPr lang="en-US" sz="2400">
+                <a:cs typeface="Calibri"/>
+              </a:rPr>
+              <a:t> </a:t>
+            </a:r>
+            <a:r>
+              <a:rPr lang="en-US" sz="2400" err="1">
+                <a:cs typeface="Calibri"/>
+              </a:rPr>
+              <a:t>المثال</a:t>
+            </a:r>
+            <a:r>
+              <a:rPr lang="en-US" sz="2400">
+                <a:cs typeface="Calibri"/>
+              </a:rPr>
+              <a:t> </a:t>
+            </a:r>
+            <a:r>
+              <a:rPr lang="en-US" sz="2400" err="1">
+                <a:cs typeface="Calibri"/>
+              </a:rPr>
+              <a:t>لمعرفة</a:t>
+            </a:r>
+            <a:r>
+              <a:rPr lang="en-US" sz="2400">
+                <a:cs typeface="Calibri"/>
+              </a:rPr>
+              <a:t> </a:t>
+            </a:r>
+            <a:r>
+              <a:rPr lang="en-US" sz="2400" err="1">
+                <a:cs typeface="Calibri"/>
+              </a:rPr>
+              <a:t>كيفية</a:t>
+            </a:r>
+            <a:r>
+              <a:rPr lang="en-US" sz="2400">
+                <a:cs typeface="Calibri"/>
+              </a:rPr>
+              <a:t> </a:t>
+            </a:r>
+            <a:r>
+              <a:rPr lang="en-US" sz="2400" err="1">
+                <a:cs typeface="Calibri"/>
+              </a:rPr>
+              <a:t>تمرير</a:t>
+            </a:r>
+            <a:r>
+              <a:rPr lang="en-US" sz="2400">
+                <a:cs typeface="Calibri"/>
+              </a:rPr>
+              <a:t> </a:t>
+            </a:r>
+            <a:r>
+              <a:rPr lang="en-US" sz="2400" err="1">
+                <a:cs typeface="Calibri"/>
+              </a:rPr>
+              <a:t>واسناد</a:t>
+            </a:r>
+            <a:r>
+              <a:rPr lang="en-US" sz="2400">
+                <a:cs typeface="Calibri"/>
+              </a:rPr>
+              <a:t> </a:t>
+            </a:r>
+            <a:r>
+              <a:rPr lang="en-US" sz="2400" err="1">
+                <a:cs typeface="Calibri"/>
+              </a:rPr>
+              <a:t>القيم</a:t>
+            </a:r>
+            <a:r>
+              <a:rPr lang="en-US" sz="2400">
+                <a:cs typeface="Calibri"/>
+              </a:rPr>
+              <a:t> لuser1 </a:t>
+            </a:r>
+            <a:r>
+              <a:rPr lang="en-US" sz="2400" err="1">
+                <a:cs typeface="Calibri"/>
+              </a:rPr>
+              <a:t>وكيفيه</a:t>
+            </a:r>
+            <a:r>
+              <a:rPr lang="en-US" sz="2400">
+                <a:cs typeface="Calibri"/>
+              </a:rPr>
+              <a:t> </a:t>
+            </a:r>
+            <a:r>
+              <a:rPr lang="en-US" sz="2400" err="1">
+                <a:cs typeface="Calibri"/>
+              </a:rPr>
+              <a:t>إستدعاء</a:t>
+            </a:r>
+            <a:r>
+              <a:rPr lang="en-US" sz="2400">
+                <a:cs typeface="Calibri"/>
+              </a:rPr>
+              <a:t> </a:t>
+            </a:r>
+            <a:r>
+              <a:rPr lang="en-US" sz="2400" err="1">
+                <a:cs typeface="Calibri"/>
+              </a:rPr>
+              <a:t>دوال</a:t>
+            </a:r>
+            <a:r>
+              <a:rPr lang="en-US" sz="2400">
+                <a:cs typeface="Calibri"/>
+              </a:rPr>
+              <a:t> </a:t>
+            </a:r>
+            <a:r>
+              <a:rPr lang="en-US" sz="2400" err="1">
+                <a:cs typeface="Calibri"/>
+              </a:rPr>
+              <a:t>أخرى</a:t>
+            </a:r>
+            <a:r>
+              <a:rPr lang="en-US" sz="2400">
+                <a:cs typeface="Calibri"/>
+              </a:rPr>
+              <a:t> </a:t>
+            </a:r>
+            <a:r>
+              <a:rPr lang="en-US" sz="2400" err="1">
+                <a:cs typeface="Calibri"/>
+              </a:rPr>
+              <a:t>داخل</a:t>
+            </a:r>
+            <a:r>
+              <a:rPr lang="en-US" sz="2400">
+                <a:cs typeface="Calibri"/>
+              </a:rPr>
+              <a:t> </a:t>
+            </a:r>
+            <a:r>
+              <a:rPr lang="en-US" sz="2400" err="1">
+                <a:cs typeface="Calibri"/>
+              </a:rPr>
+              <a:t>الكلاس</a:t>
+            </a:r>
+            <a:r>
+              <a:rPr lang="en-US" sz="2400">
+                <a:cs typeface="Calibri"/>
+              </a:rPr>
+              <a:t> user</a:t>
+            </a:r>
+          </a:p>
+        </p:txBody>
+      </p:sp>
+      <p:grpSp>
+        <p:nvGrpSpPr>
+          <p:cNvPr id="23" name="Group 22">
+            <a:extLst>
+              <a:ext uri="{FF2B5EF4-FFF2-40B4-BE49-F238E27FC236}">
+                <a16:creationId xmlns:a16="http://schemas.microsoft.com/office/drawing/2014/main" id="{C78D9229-E61D-4FEE-8321-2F8B64A8CADF}"/>
+              </a:ext>
+              <a:ext uri="{C183D7F6-B498-43B3-948B-1728B52AA6E4}">
+                <adec:decorative xmlns:adec="http://schemas.microsoft.com/office/drawing/2017/decorative" val="1"/>
+              </a:ext>
+            </a:extLst>
+          </p:cNvPr>
+          <p:cNvGrpSpPr>
+            <a:grpSpLocks noGrp="1" noUngrp="1" noRot="1" noChangeAspect="1" noMove="1" noResize="1"/>
+          </p:cNvGrpSpPr>
+          <p:nvPr>
+            <p:extLst>
+              <p:ext uri="{386F3935-93C4-4BCD-93E2-E3B085C9AB24}">
+                <p16:designElem xmlns:p16="http://schemas.microsoft.com/office/powerpoint/2015/main" val="1"/>
+              </p:ext>
+            </p:extLst>
+          </p:nvPr>
+        </p:nvGrpSpPr>
+        <p:grpSpPr>
+          <a:xfrm rot="5400000" flipH="1">
+            <a:off x="10186037" y="4852038"/>
+            <a:ext cx="2151670" cy="1860256"/>
+            <a:chOff x="-305" y="-4155"/>
+            <a:chExt cx="2514948" cy="2174333"/>
+          </a:xfrm>
+        </p:grpSpPr>
+        <p:sp>
+          <p:nvSpPr>
+            <p:cNvPr id="24" name="Freeform: Shape 23">
+              <a:extLst>
+                <a:ext uri="{FF2B5EF4-FFF2-40B4-BE49-F238E27FC236}">
+                  <a16:creationId xmlns:a16="http://schemas.microsoft.com/office/drawing/2014/main" id="{1FDD3CCB-26A3-4D79-AEB6-7A60CF980DC2}"/>
+                </a:ext>
+                <a:ext uri="{C183D7F6-B498-43B3-948B-1728B52AA6E4}">
+                  <adec:decorative xmlns:adec="http://schemas.microsoft.com/office/drawing/2017/decorative" val="1"/>
+                </a:ext>
+              </a:extLst>
+            </p:cNvPr>
+            <p:cNvSpPr/>
+            <p:nvPr>
+              <p:extLst>
+                <p:ext uri="{386F3935-93C4-4BCD-93E2-E3B085C9AB24}">
+                  <p16:designElem xmlns:p16="http://schemas.microsoft.com/office/powerpoint/2015/main" val="1"/>
+                </p:ext>
+              </p:extLst>
+            </p:nvPr>
+          </p:nvSpPr>
+          <p:spPr>
+            <a:xfrm>
+              <a:off x="-305" y="0"/>
+              <a:ext cx="2514948" cy="2170178"/>
+            </a:xfrm>
+            <a:custGeom>
+              <a:avLst/>
+              <a:gdLst>
+                <a:gd name="connsiteX0" fmla="*/ 2466091 w 2514948"/>
+                <a:gd name="connsiteY0" fmla="*/ 0 h 2170178"/>
+                <a:gd name="connsiteX1" fmla="*/ 2514948 w 2514948"/>
+                <a:gd name="connsiteY1" fmla="*/ 0 h 2170178"/>
+                <a:gd name="connsiteX2" fmla="*/ 2512286 w 2514948"/>
+                <a:gd name="connsiteY2" fmla="*/ 12375 h 2170178"/>
+                <a:gd name="connsiteX3" fmla="*/ 2394961 w 2514948"/>
+                <a:gd name="connsiteY3" fmla="*/ 368660 h 2170178"/>
+                <a:gd name="connsiteX4" fmla="*/ 2289734 w 2514948"/>
+                <a:gd name="connsiteY4" fmla="*/ 598078 h 2170178"/>
+                <a:gd name="connsiteX5" fmla="*/ 2163747 w 2514948"/>
+                <a:gd name="connsiteY5" fmla="*/ 819078 h 2170178"/>
+                <a:gd name="connsiteX6" fmla="*/ 1852241 w 2514948"/>
+                <a:gd name="connsiteY6" fmla="*/ 1228932 h 2170178"/>
+                <a:gd name="connsiteX7" fmla="*/ 1668235 w 2514948"/>
+                <a:gd name="connsiteY7" fmla="*/ 1413844 h 2170178"/>
+                <a:gd name="connsiteX8" fmla="*/ 1619510 w 2514948"/>
+                <a:gd name="connsiteY8" fmla="*/ 1457722 h 2170178"/>
+                <a:gd name="connsiteX9" fmla="*/ 1569835 w 2514948"/>
+                <a:gd name="connsiteY9" fmla="*/ 1500704 h 2170178"/>
+                <a:gd name="connsiteX10" fmla="*/ 1467169 w 2514948"/>
+                <a:gd name="connsiteY10" fmla="*/ 1583266 h 2170178"/>
+                <a:gd name="connsiteX11" fmla="*/ 1018393 w 2514948"/>
+                <a:gd name="connsiteY11" fmla="*/ 1867576 h 2170178"/>
+                <a:gd name="connsiteX12" fmla="*/ 255857 w 2514948"/>
+                <a:gd name="connsiteY12" fmla="*/ 2133049 h 2170178"/>
+                <a:gd name="connsiteX13" fmla="*/ 0 w 2514948"/>
+                <a:gd name="connsiteY13" fmla="*/ 2170178 h 2170178"/>
+                <a:gd name="connsiteX14" fmla="*/ 0 w 2514948"/>
+                <a:gd name="connsiteY14" fmla="*/ 1940056 h 2170178"/>
+                <a:gd name="connsiteX15" fmla="*/ 201609 w 2514948"/>
+                <a:gd name="connsiteY15" fmla="*/ 1902856 h 2170178"/>
+                <a:gd name="connsiteX16" fmla="*/ 440974 w 2514948"/>
+                <a:gd name="connsiteY16" fmla="*/ 1838472 h 2170178"/>
+                <a:gd name="connsiteX17" fmla="*/ 674558 w 2514948"/>
+                <a:gd name="connsiteY17" fmla="*/ 1756359 h 2170178"/>
+                <a:gd name="connsiteX18" fmla="*/ 901222 w 2514948"/>
+                <a:gd name="connsiteY18" fmla="*/ 1657142 h 2170178"/>
+                <a:gd name="connsiteX19" fmla="*/ 1330943 w 2514948"/>
+                <a:gd name="connsiteY19" fmla="*/ 1413396 h 2170178"/>
+                <a:gd name="connsiteX20" fmla="*/ 1432566 w 2514948"/>
+                <a:gd name="connsiteY20" fmla="*/ 1343193 h 2170178"/>
+                <a:gd name="connsiteX21" fmla="*/ 1482527 w 2514948"/>
+                <a:gd name="connsiteY21" fmla="*/ 1306926 h 2170178"/>
+                <a:gd name="connsiteX22" fmla="*/ 1531821 w 2514948"/>
+                <a:gd name="connsiteY22" fmla="*/ 1269765 h 2170178"/>
+                <a:gd name="connsiteX23" fmla="*/ 1721986 w 2514948"/>
+                <a:gd name="connsiteY23" fmla="*/ 1112073 h 2170178"/>
+                <a:gd name="connsiteX24" fmla="*/ 2061460 w 2514948"/>
+                <a:gd name="connsiteY24" fmla="*/ 754336 h 2170178"/>
+                <a:gd name="connsiteX25" fmla="*/ 2206218 w 2514948"/>
+                <a:gd name="connsiteY25" fmla="*/ 554827 h 2170178"/>
+                <a:gd name="connsiteX26" fmla="*/ 2329455 w 2514948"/>
+                <a:gd name="connsiteY26" fmla="*/ 341886 h 2170178"/>
+                <a:gd name="connsiteX27" fmla="*/ 2356757 w 2514948"/>
+                <a:gd name="connsiteY27" fmla="*/ 286815 h 2170178"/>
+                <a:gd name="connsiteX28" fmla="*/ 2370030 w 2514948"/>
+                <a:gd name="connsiteY28" fmla="*/ 259056 h 2170178"/>
+                <a:gd name="connsiteX29" fmla="*/ 2382637 w 2514948"/>
+                <a:gd name="connsiteY29" fmla="*/ 231028 h 2170178"/>
+                <a:gd name="connsiteX30" fmla="*/ 2406716 w 2514948"/>
+                <a:gd name="connsiteY30" fmla="*/ 174525 h 2170178"/>
+                <a:gd name="connsiteX31" fmla="*/ 2429278 w 2514948"/>
+                <a:gd name="connsiteY31" fmla="*/ 117393 h 2170178"/>
+              </a:gdLst>
+              <a:ahLst/>
+              <a:cxnLst>
+                <a:cxn ang="0">
+                  <a:pos x="connsiteX0" y="connsiteY0"/>
+                </a:cxn>
+                <a:cxn ang="0">
+                  <a:pos x="connsiteX1" y="connsiteY1"/>
+                </a:cxn>
+                <a:cxn ang="0">
+                  <a:pos x="connsiteX2" y="connsiteY2"/>
+                </a:cxn>
+                <a:cxn ang="0">
+                  <a:pos x="connsiteX3" y="connsiteY3"/>
+                </a:cxn>
+                <a:cxn ang="0">
+                  <a:pos x="connsiteX4" y="connsiteY4"/>
+                </a:cxn>
+                <a:cxn ang="0">
+                  <a:pos x="connsiteX5" y="connsiteY5"/>
+                </a:cxn>
+                <a:cxn ang="0">
+                  <a:pos x="connsiteX6" y="connsiteY6"/>
+                </a:cxn>
+                <a:cxn ang="0">
+                  <a:pos x="connsiteX7" y="connsiteY7"/>
+                </a:cxn>
+                <a:cxn ang="0">
+                  <a:pos x="connsiteX8" y="connsiteY8"/>
+                </a:cxn>
+                <a:cxn ang="0">
+                  <a:pos x="connsiteX9" y="connsiteY9"/>
+                </a:cxn>
+                <a:cxn ang="0">
+                  <a:pos x="connsiteX10" y="connsiteY10"/>
+                </a:cxn>
+                <a:cxn ang="0">
+                  <a:pos x="connsiteX11" y="connsiteY11"/>
+                </a:cxn>
+                <a:cxn ang="0">
+                  <a:pos x="connsiteX12" y="connsiteY12"/>
+                </a:cxn>
+                <a:cxn ang="0">
+                  <a:pos x="connsiteX13" y="connsiteY13"/>
+                </a:cxn>
+                <a:cxn ang="0">
+                  <a:pos x="connsiteX14" y="connsiteY14"/>
+                </a:cxn>
+                <a:cxn ang="0">
+                  <a:pos x="connsiteX15" y="connsiteY15"/>
+                </a:cxn>
+                <a:cxn ang="0">
+                  <a:pos x="connsiteX16" y="connsiteY16"/>
+                </a:cxn>
+                <a:cxn ang="0">
+                  <a:pos x="connsiteX17" y="connsiteY17"/>
+                </a:cxn>
+                <a:cxn ang="0">
+                  <a:pos x="connsiteX18" y="connsiteY18"/>
+                </a:cxn>
+                <a:cxn ang="0">
+                  <a:pos x="connsiteX19" y="connsiteY19"/>
+                </a:cxn>
+                <a:cxn ang="0">
+                  <a:pos x="connsiteX20" y="connsiteY20"/>
+                </a:cxn>
+                <a:cxn ang="0">
+                  <a:pos x="connsiteX21" y="connsiteY21"/>
+                </a:cxn>
+                <a:cxn ang="0">
+                  <a:pos x="connsiteX22" y="connsiteY22"/>
+                </a:cxn>
+                <a:cxn ang="0">
+                  <a:pos x="connsiteX23" y="connsiteY23"/>
+                </a:cxn>
+                <a:cxn ang="0">
+                  <a:pos x="connsiteX24" y="connsiteY24"/>
+                </a:cxn>
+                <a:cxn ang="0">
+                  <a:pos x="connsiteX25" y="connsiteY25"/>
+                </a:cxn>
+                <a:cxn ang="0">
+                  <a:pos x="connsiteX26" y="connsiteY26"/>
+                </a:cxn>
+                <a:cxn ang="0">
+                  <a:pos x="connsiteX27" y="connsiteY27"/>
+                </a:cxn>
+                <a:cxn ang="0">
+                  <a:pos x="connsiteX28" y="connsiteY28"/>
+                </a:cxn>
+                <a:cxn ang="0">
+                  <a:pos x="connsiteX29" y="connsiteY29"/>
+                </a:cxn>
+                <a:cxn ang="0">
+                  <a:pos x="connsiteX30" y="connsiteY30"/>
+                </a:cxn>
+                <a:cxn ang="0">
+                  <a:pos x="connsiteX31" y="connsiteY31"/>
+                </a:cxn>
+              </a:cxnLst>
+              <a:rect l="l" t="t" r="r" b="b"/>
+              <a:pathLst>
+                <a:path w="2514948" h="2170178">
+                  <a:moveTo>
+                    <a:pt x="2466091" y="0"/>
+                  </a:moveTo>
+                  <a:lnTo>
+                    <a:pt x="2514948" y="0"/>
+                  </a:lnTo>
+                  <a:lnTo>
+                    <a:pt x="2512286" y="12375"/>
+                  </a:lnTo>
+                  <a:cubicBezTo>
+                    <a:pt x="2481760" y="133161"/>
+                    <a:pt x="2442526" y="252239"/>
+                    <a:pt x="2394961" y="368660"/>
+                  </a:cubicBezTo>
+                  <a:cubicBezTo>
+                    <a:pt x="2363109" y="446208"/>
+                    <a:pt x="2328603" y="523039"/>
+                    <a:pt x="2289734" y="598078"/>
+                  </a:cubicBezTo>
+                  <a:cubicBezTo>
+                    <a:pt x="2251436" y="673387"/>
+                    <a:pt x="2209251" y="747083"/>
+                    <a:pt x="2163747" y="819078"/>
+                  </a:cubicBezTo>
+                  <a:cubicBezTo>
+                    <a:pt x="2072646" y="962979"/>
+                    <a:pt x="1968652" y="1100611"/>
+                    <a:pt x="1852241" y="1228932"/>
+                  </a:cubicBezTo>
+                  <a:cubicBezTo>
+                    <a:pt x="1793748" y="1292868"/>
+                    <a:pt x="1732698" y="1354923"/>
+                    <a:pt x="1668235" y="1413844"/>
+                  </a:cubicBezTo>
+                  <a:cubicBezTo>
+                    <a:pt x="1652214" y="1428709"/>
+                    <a:pt x="1636100" y="1443395"/>
+                    <a:pt x="1619510" y="1457722"/>
+                  </a:cubicBezTo>
+                  <a:cubicBezTo>
+                    <a:pt x="1603015" y="1472140"/>
+                    <a:pt x="1586805" y="1486825"/>
+                    <a:pt x="1569835" y="1500704"/>
+                  </a:cubicBezTo>
+                  <a:cubicBezTo>
+                    <a:pt x="1536276" y="1528911"/>
+                    <a:pt x="1501865" y="1556223"/>
+                    <a:pt x="1467169" y="1583266"/>
+                  </a:cubicBezTo>
+                  <a:cubicBezTo>
+                    <a:pt x="1327719" y="1690722"/>
+                    <a:pt x="1177085" y="1785910"/>
+                    <a:pt x="1018393" y="1867576"/>
+                  </a:cubicBezTo>
+                  <a:cubicBezTo>
+                    <a:pt x="780425" y="1990142"/>
+                    <a:pt x="522567" y="2080875"/>
+                    <a:pt x="255857" y="2133049"/>
+                  </a:cubicBezTo>
+                  <a:lnTo>
+                    <a:pt x="0" y="2170178"/>
+                  </a:lnTo>
+                  <a:lnTo>
+                    <a:pt x="0" y="1940056"/>
+                  </a:lnTo>
+                  <a:lnTo>
+                    <a:pt x="201609" y="1902856"/>
+                  </a:lnTo>
+                  <a:cubicBezTo>
+                    <a:pt x="282186" y="1884231"/>
+                    <a:pt x="362102" y="1863008"/>
+                    <a:pt x="440974" y="1838472"/>
+                  </a:cubicBezTo>
+                  <a:cubicBezTo>
+                    <a:pt x="519848" y="1814027"/>
+                    <a:pt x="597771" y="1786627"/>
+                    <a:pt x="674558" y="1756359"/>
+                  </a:cubicBezTo>
+                  <a:cubicBezTo>
+                    <a:pt x="751250" y="1726003"/>
+                    <a:pt x="826900" y="1692870"/>
+                    <a:pt x="901222" y="1657142"/>
+                  </a:cubicBezTo>
+                  <a:cubicBezTo>
+                    <a:pt x="1049865" y="1585774"/>
+                    <a:pt x="1193581" y="1504376"/>
+                    <a:pt x="1330943" y="1413396"/>
+                  </a:cubicBezTo>
+                  <a:cubicBezTo>
+                    <a:pt x="1365165" y="1390563"/>
+                    <a:pt x="1399293" y="1367370"/>
+                    <a:pt x="1432566" y="1343193"/>
+                  </a:cubicBezTo>
+                  <a:cubicBezTo>
+                    <a:pt x="1449441" y="1331373"/>
+                    <a:pt x="1465936" y="1319104"/>
+                    <a:pt x="1482527" y="1306926"/>
+                  </a:cubicBezTo>
+                  <a:cubicBezTo>
+                    <a:pt x="1499210" y="1294837"/>
+                    <a:pt x="1515611" y="1282391"/>
+                    <a:pt x="1531821" y="1269765"/>
+                  </a:cubicBezTo>
+                  <a:cubicBezTo>
+                    <a:pt x="1596947" y="1219350"/>
+                    <a:pt x="1660652" y="1167055"/>
+                    <a:pt x="1721986" y="1112073"/>
+                  </a:cubicBezTo>
+                  <a:cubicBezTo>
+                    <a:pt x="1844940" y="1002469"/>
+                    <a:pt x="1958983" y="882926"/>
+                    <a:pt x="2061460" y="754336"/>
+                  </a:cubicBezTo>
+                  <a:cubicBezTo>
+                    <a:pt x="2112652" y="690042"/>
+                    <a:pt x="2161094" y="623510"/>
+                    <a:pt x="2206218" y="554827"/>
+                  </a:cubicBezTo>
+                  <a:cubicBezTo>
+                    <a:pt x="2250583" y="485787"/>
+                    <a:pt x="2292484" y="415046"/>
+                    <a:pt x="2329455" y="341886"/>
+                  </a:cubicBezTo>
+                  <a:cubicBezTo>
+                    <a:pt x="2339030" y="323709"/>
+                    <a:pt x="2347941" y="305261"/>
+                    <a:pt x="2356757" y="286815"/>
+                  </a:cubicBezTo>
+                  <a:lnTo>
+                    <a:pt x="2370030" y="259056"/>
+                  </a:lnTo>
+                  <a:lnTo>
+                    <a:pt x="2382637" y="231028"/>
+                  </a:lnTo>
+                  <a:cubicBezTo>
+                    <a:pt x="2390885" y="212312"/>
+                    <a:pt x="2399227" y="193598"/>
+                    <a:pt x="2406716" y="174525"/>
+                  </a:cubicBezTo>
+                  <a:cubicBezTo>
+                    <a:pt x="2414206" y="155452"/>
+                    <a:pt x="2422453" y="136646"/>
+                    <a:pt x="2429278" y="117393"/>
+                  </a:cubicBezTo>
+                  <a:close/>
+                </a:path>
+              </a:pathLst>
+            </a:custGeom>
+            <a:gradFill>
+              <a:gsLst>
+                <a:gs pos="2000">
+                  <a:schemeClr val="bg1">
+                    <a:alpha val="10000"/>
+                  </a:schemeClr>
+                </a:gs>
+                <a:gs pos="16000">
+                  <a:schemeClr val="accent6">
+                    <a:alpha val="10000"/>
+                  </a:schemeClr>
+                </a:gs>
+                <a:gs pos="100000">
+                  <a:schemeClr val="bg1">
+                    <a:alpha val="10000"/>
+                  </a:schemeClr>
+                </a:gs>
+                <a:gs pos="85000">
+                  <a:schemeClr val="accent1">
+                    <a:alpha val="10000"/>
+                  </a:schemeClr>
+                </a:gs>
+              </a:gsLst>
+              <a:lin ang="12000000" scaled="0"/>
+            </a:gradFill>
+            <a:ln>
+              <a:noFill/>
+            </a:ln>
+          </p:spPr>
+          <p:style>
+            <a:lnRef idx="2">
+              <a:schemeClr val="accent1">
+                <a:shade val="50000"/>
+              </a:schemeClr>
+            </a:lnRef>
+            <a:fillRef idx="1">
+              <a:schemeClr val="accent1"/>
+            </a:fillRef>
+            <a:effectRef idx="0">
+              <a:schemeClr val="accent1"/>
+            </a:effectRef>
+            <a:fontRef idx="minor">
+              <a:schemeClr val="lt1"/>
+            </a:fontRef>
+          </p:style>
+          <p:txBody>
+            <a:bodyPr rtlCol="0" anchor="ctr"/>
+            <a:lstStyle/>
+            <a:p>
+              <a:pPr algn="ctr"/>
+              <a:endParaRPr lang="en-US"/>
+            </a:p>
+          </p:txBody>
+        </p:sp>
+        <p:sp>
+          <p:nvSpPr>
+            <p:cNvPr id="25" name="Freeform: Shape 24">
+              <a:extLst>
+                <a:ext uri="{FF2B5EF4-FFF2-40B4-BE49-F238E27FC236}">
+                  <a16:creationId xmlns:a16="http://schemas.microsoft.com/office/drawing/2014/main" id="{E9AC4470-5113-4709-B29F-CDB937F2545C}"/>
+                </a:ext>
+                <a:ext uri="{C183D7F6-B498-43B3-948B-1728B52AA6E4}">
+                  <adec:decorative xmlns:adec="http://schemas.microsoft.com/office/drawing/2017/decorative" val="1"/>
+                </a:ext>
+              </a:extLst>
+            </p:cNvPr>
+            <p:cNvSpPr/>
+            <p:nvPr>
+              <p:extLst>
+                <p:ext uri="{386F3935-93C4-4BCD-93E2-E3B085C9AB24}">
+                  <p16:designElem xmlns:p16="http://schemas.microsoft.com/office/powerpoint/2015/main" val="1"/>
+                </p:ext>
+              </p:extLst>
+            </p:nvPr>
+          </p:nvSpPr>
+          <p:spPr>
+            <a:xfrm>
+              <a:off x="-305" y="-4155"/>
+              <a:ext cx="2493062" cy="1947896"/>
+            </a:xfrm>
+            <a:custGeom>
+              <a:avLst/>
+              <a:gdLst>
+                <a:gd name="connsiteX0" fmla="*/ 1896911 w 2493062"/>
+                <a:gd name="connsiteY0" fmla="*/ 0 h 1947896"/>
+                <a:gd name="connsiteX1" fmla="*/ 2493062 w 2493062"/>
+                <a:gd name="connsiteY1" fmla="*/ 0 h 1947896"/>
+                <a:gd name="connsiteX2" fmla="*/ 2435315 w 2493062"/>
+                <a:gd name="connsiteY2" fmla="*/ 178165 h 1947896"/>
+                <a:gd name="connsiteX3" fmla="*/ 93066 w 2493062"/>
+                <a:gd name="connsiteY3" fmla="*/ 1935859 h 1947896"/>
+                <a:gd name="connsiteX4" fmla="*/ 0 w 2493062"/>
+                <a:gd name="connsiteY4" fmla="*/ 1947896 h 1947896"/>
+                <a:gd name="connsiteX5" fmla="*/ 0 w 2493062"/>
+                <a:gd name="connsiteY5" fmla="*/ 1404756 h 1947896"/>
+                <a:gd name="connsiteX6" fmla="*/ 17392 w 2493062"/>
+                <a:gd name="connsiteY6" fmla="*/ 1402364 h 1947896"/>
+                <a:gd name="connsiteX7" fmla="*/ 464249 w 2493062"/>
+                <a:gd name="connsiteY7" fmla="*/ 1281208 h 1947896"/>
+                <a:gd name="connsiteX8" fmla="*/ 1260556 w 2493062"/>
+                <a:gd name="connsiteY8" fmla="*/ 833835 h 1947896"/>
+                <a:gd name="connsiteX9" fmla="*/ 1807924 w 2493062"/>
+                <a:gd name="connsiteY9" fmla="*/ 193222 h 1947896"/>
+                <a:gd name="connsiteX10" fmla="*/ 1874357 w 2493062"/>
+                <a:gd name="connsiteY10" fmla="*/ 58333 h 1947896"/>
+              </a:gdLst>
+              <a:ahLst/>
+              <a:cxnLst>
+                <a:cxn ang="0">
+                  <a:pos x="connsiteX0" y="connsiteY0"/>
+                </a:cxn>
+                <a:cxn ang="0">
+                  <a:pos x="connsiteX1" y="connsiteY1"/>
+                </a:cxn>
+                <a:cxn ang="0">
+                  <a:pos x="connsiteX2" y="connsiteY2"/>
+                </a:cxn>
+                <a:cxn ang="0">
+                  <a:pos x="connsiteX3" y="connsiteY3"/>
+                </a:cxn>
+                <a:cxn ang="0">
+                  <a:pos x="connsiteX4" y="connsiteY4"/>
+                </a:cxn>
+                <a:cxn ang="0">
+                  <a:pos x="connsiteX5" y="connsiteY5"/>
+                </a:cxn>
+                <a:cxn ang="0">
+                  <a:pos x="connsiteX6" y="connsiteY6"/>
+                </a:cxn>
+                <a:cxn ang="0">
+                  <a:pos x="connsiteX7" y="connsiteY7"/>
+                </a:cxn>
+                <a:cxn ang="0">
+                  <a:pos x="connsiteX8" y="connsiteY8"/>
+                </a:cxn>
+                <a:cxn ang="0">
+                  <a:pos x="connsiteX9" y="connsiteY9"/>
+                </a:cxn>
+                <a:cxn ang="0">
+                  <a:pos x="connsiteX10" y="connsiteY10"/>
+                </a:cxn>
+              </a:cxnLst>
+              <a:rect l="l" t="t" r="r" b="b"/>
+              <a:pathLst>
+                <a:path w="2493062" h="1947896">
+                  <a:moveTo>
+                    <a:pt x="1896911" y="0"/>
+                  </a:moveTo>
+                  <a:lnTo>
+                    <a:pt x="2493062" y="0"/>
+                  </a:lnTo>
+                  <a:lnTo>
+                    <a:pt x="2435315" y="178165"/>
+                  </a:lnTo>
+                  <a:cubicBezTo>
+                    <a:pt x="2088122" y="1071812"/>
+                    <a:pt x="1129732" y="1758033"/>
+                    <a:pt x="93066" y="1935859"/>
+                  </a:cubicBezTo>
+                  <a:lnTo>
+                    <a:pt x="0" y="1947896"/>
+                  </a:lnTo>
+                  <a:lnTo>
+                    <a:pt x="0" y="1404756"/>
+                  </a:lnTo>
+                  <a:lnTo>
+                    <a:pt x="17392" y="1402364"/>
+                  </a:lnTo>
+                  <a:cubicBezTo>
+                    <a:pt x="167719" y="1375030"/>
+                    <a:pt x="318070" y="1334398"/>
+                    <a:pt x="464249" y="1281208"/>
+                  </a:cubicBezTo>
+                  <a:cubicBezTo>
+                    <a:pt x="753480" y="1176081"/>
+                    <a:pt x="1028869" y="1021346"/>
+                    <a:pt x="1260556" y="833835"/>
+                  </a:cubicBezTo>
+                  <a:cubicBezTo>
+                    <a:pt x="1491960" y="646594"/>
+                    <a:pt x="1681177" y="425056"/>
+                    <a:pt x="1807924" y="193222"/>
+                  </a:cubicBezTo>
+                  <a:cubicBezTo>
+                    <a:pt x="1832328" y="148578"/>
+                    <a:pt x="1854477" y="103599"/>
+                    <a:pt x="1874357" y="58333"/>
+                  </a:cubicBezTo>
+                  <a:close/>
+                </a:path>
+              </a:pathLst>
+            </a:custGeom>
+            <a:gradFill>
+              <a:gsLst>
+                <a:gs pos="2000">
+                  <a:schemeClr val="bg1">
+                    <a:alpha val="10000"/>
+                  </a:schemeClr>
+                </a:gs>
+                <a:gs pos="16000">
+                  <a:schemeClr val="accent6">
+                    <a:alpha val="10000"/>
+                  </a:schemeClr>
+                </a:gs>
+                <a:gs pos="100000">
+                  <a:schemeClr val="bg1">
+                    <a:alpha val="10000"/>
+                  </a:schemeClr>
+                </a:gs>
+                <a:gs pos="85000">
+                  <a:schemeClr val="accent1">
+                    <a:alpha val="10000"/>
+                  </a:schemeClr>
+                </a:gs>
+              </a:gsLst>
+              <a:lin ang="12000000" scaled="0"/>
+            </a:gradFill>
+            <a:ln>
+              <a:noFill/>
+            </a:ln>
+          </p:spPr>
+          <p:style>
+            <a:lnRef idx="2">
+              <a:schemeClr val="accent1">
+                <a:shade val="50000"/>
+              </a:schemeClr>
+            </a:lnRef>
+            <a:fillRef idx="1">
+              <a:schemeClr val="accent1"/>
+            </a:fillRef>
+            <a:effectRef idx="0">
+              <a:schemeClr val="accent1"/>
+            </a:effectRef>
+            <a:fontRef idx="minor">
+              <a:schemeClr val="lt1"/>
+            </a:fontRef>
+          </p:style>
+          <p:txBody>
+            <a:bodyPr rtlCol="0" anchor="ctr"/>
+            <a:lstStyle/>
+            <a:p>
+              <a:pPr algn="ctr"/>
+              <a:endParaRPr lang="en-US"/>
+            </a:p>
+          </p:txBody>
+        </p:sp>
+        <p:sp>
+          <p:nvSpPr>
+            <p:cNvPr id="26" name="Freeform: Shape 25">
+              <a:extLst>
+                <a:ext uri="{FF2B5EF4-FFF2-40B4-BE49-F238E27FC236}">
+                  <a16:creationId xmlns:a16="http://schemas.microsoft.com/office/drawing/2014/main" id="{3E0D146C-9DAB-421E-AE88-5F854BF3F7E5}"/>
+                </a:ext>
+                <a:ext uri="{C183D7F6-B498-43B3-948B-1728B52AA6E4}">
+                  <adec:decorative xmlns:adec="http://schemas.microsoft.com/office/drawing/2017/decorative" val="1"/>
+                </a:ext>
+              </a:extLst>
+            </p:cNvPr>
+            <p:cNvSpPr/>
+            <p:nvPr>
+              <p:extLst>
+                <p:ext uri="{386F3935-93C4-4BCD-93E2-E3B085C9AB24}">
+                  <p16:designElem xmlns:p16="http://schemas.microsoft.com/office/powerpoint/2015/main" val="1"/>
+                </p:ext>
+              </p:extLst>
+            </p:nvPr>
+          </p:nvSpPr>
+          <p:spPr>
+            <a:xfrm>
+              <a:off x="-305" y="0"/>
+              <a:ext cx="2501089" cy="1972702"/>
+            </a:xfrm>
+            <a:custGeom>
+              <a:avLst/>
+              <a:gdLst>
+                <a:gd name="connsiteX0" fmla="*/ 2318728 w 2501089"/>
+                <a:gd name="connsiteY0" fmla="*/ 0 h 1972702"/>
+                <a:gd name="connsiteX1" fmla="*/ 2501089 w 2501089"/>
+                <a:gd name="connsiteY1" fmla="*/ 0 h 1972702"/>
+                <a:gd name="connsiteX2" fmla="*/ 2453909 w 2501089"/>
+                <a:gd name="connsiteY2" fmla="*/ 167837 h 1972702"/>
+                <a:gd name="connsiteX3" fmla="*/ 2361125 w 2501089"/>
+                <a:gd name="connsiteY3" fmla="*/ 392084 h 1972702"/>
+                <a:gd name="connsiteX4" fmla="*/ 1768255 w 2501089"/>
+                <a:gd name="connsiteY4" fmla="*/ 1167644 h 1972702"/>
+                <a:gd name="connsiteX5" fmla="*/ 1375125 w 2501089"/>
+                <a:gd name="connsiteY5" fmla="*/ 1471474 h 1972702"/>
+                <a:gd name="connsiteX6" fmla="*/ 935735 w 2501089"/>
+                <a:gd name="connsiteY6" fmla="*/ 1712713 h 1972702"/>
+                <a:gd name="connsiteX7" fmla="*/ 212353 w 2501089"/>
+                <a:gd name="connsiteY7" fmla="*/ 1940294 h 1972702"/>
+                <a:gd name="connsiteX8" fmla="*/ 0 w 2501089"/>
+                <a:gd name="connsiteY8" fmla="*/ 1972702 h 1972702"/>
+                <a:gd name="connsiteX9" fmla="*/ 0 w 2501089"/>
+                <a:gd name="connsiteY9" fmla="*/ 1732181 h 1972702"/>
+                <a:gd name="connsiteX10" fmla="*/ 161195 w 2501089"/>
+                <a:gd name="connsiteY10" fmla="*/ 1706590 h 1972702"/>
+                <a:gd name="connsiteX11" fmla="*/ 388463 w 2501089"/>
+                <a:gd name="connsiteY11" fmla="*/ 1652268 h 1972702"/>
+                <a:gd name="connsiteX12" fmla="*/ 826716 w 2501089"/>
+                <a:gd name="connsiteY12" fmla="*/ 1493950 h 1972702"/>
+                <a:gd name="connsiteX13" fmla="*/ 1609847 w 2501089"/>
+                <a:gd name="connsiteY13" fmla="*/ 1007535 h 1972702"/>
+                <a:gd name="connsiteX14" fmla="*/ 1929982 w 2501089"/>
+                <a:gd name="connsiteY14" fmla="*/ 682930 h 1972702"/>
+                <a:gd name="connsiteX15" fmla="*/ 2183093 w 2501089"/>
+                <a:gd name="connsiteY15" fmla="*/ 310149 h 1972702"/>
+                <a:gd name="connsiteX16" fmla="*/ 2280286 w 2501089"/>
+                <a:gd name="connsiteY16" fmla="*/ 108435 h 1972702"/>
+              </a:gdLst>
+              <a:ahLst/>
+              <a:cxnLst>
+                <a:cxn ang="0">
+                  <a:pos x="connsiteX0" y="connsiteY0"/>
+                </a:cxn>
+                <a:cxn ang="0">
+                  <a:pos x="connsiteX1" y="connsiteY1"/>
+                </a:cxn>
+                <a:cxn ang="0">
+                  <a:pos x="connsiteX2" y="connsiteY2"/>
+                </a:cxn>
+                <a:cxn ang="0">
+                  <a:pos x="connsiteX3" y="connsiteY3"/>
+                </a:cxn>
+                <a:cxn ang="0">
+                  <a:pos x="connsiteX4" y="connsiteY4"/>
+                </a:cxn>
+                <a:cxn ang="0">
+                  <a:pos x="connsiteX5" y="connsiteY5"/>
+                </a:cxn>
+                <a:cxn ang="0">
+                  <a:pos x="connsiteX6" y="connsiteY6"/>
+                </a:cxn>
+                <a:cxn ang="0">
+                  <a:pos x="connsiteX7" y="connsiteY7"/>
+                </a:cxn>
+                <a:cxn ang="0">
+                  <a:pos x="connsiteX8" y="connsiteY8"/>
+                </a:cxn>
+                <a:cxn ang="0">
+                  <a:pos x="connsiteX9" y="connsiteY9"/>
+                </a:cxn>
+                <a:cxn ang="0">
+                  <a:pos x="connsiteX10" y="connsiteY10"/>
+                </a:cxn>
+                <a:cxn ang="0">
+                  <a:pos x="connsiteX11" y="connsiteY11"/>
+                </a:cxn>
+                <a:cxn ang="0">
+                  <a:pos x="connsiteX12" y="connsiteY12"/>
+                </a:cxn>
+                <a:cxn ang="0">
+                  <a:pos x="connsiteX13" y="connsiteY13"/>
+                </a:cxn>
+                <a:cxn ang="0">
+                  <a:pos x="connsiteX14" y="connsiteY14"/>
+                </a:cxn>
+                <a:cxn ang="0">
+                  <a:pos x="connsiteX15" y="connsiteY15"/>
+                </a:cxn>
+                <a:cxn ang="0">
+                  <a:pos x="connsiteX16" y="connsiteY16"/>
+                </a:cxn>
+              </a:cxnLst>
+              <a:rect l="l" t="t" r="r" b="b"/>
+              <a:pathLst>
+                <a:path w="2501089" h="1972702">
+                  <a:moveTo>
+                    <a:pt x="2318728" y="0"/>
+                  </a:moveTo>
+                  <a:lnTo>
+                    <a:pt x="2501089" y="0"/>
+                  </a:lnTo>
+                  <a:lnTo>
+                    <a:pt x="2453909" y="167837"/>
+                  </a:lnTo>
+                  <a:cubicBezTo>
+                    <a:pt x="2427555" y="244153"/>
+                    <a:pt x="2396627" y="319103"/>
+                    <a:pt x="2361125" y="392084"/>
+                  </a:cubicBezTo>
+                  <a:cubicBezTo>
+                    <a:pt x="2218453" y="684005"/>
+                    <a:pt x="2011698" y="945211"/>
+                    <a:pt x="1768255" y="1167644"/>
+                  </a:cubicBezTo>
+                  <a:cubicBezTo>
+                    <a:pt x="1646250" y="1278860"/>
+                    <a:pt x="1514385" y="1380316"/>
+                    <a:pt x="1375125" y="1471474"/>
+                  </a:cubicBezTo>
+                  <a:cubicBezTo>
+                    <a:pt x="1235677" y="1562542"/>
+                    <a:pt x="1088928" y="1643672"/>
+                    <a:pt x="935735" y="1712713"/>
+                  </a:cubicBezTo>
+                  <a:cubicBezTo>
+                    <a:pt x="705659" y="1815533"/>
+                    <a:pt x="462359" y="1892212"/>
+                    <a:pt x="212353" y="1940294"/>
+                  </a:cubicBezTo>
+                  <a:lnTo>
+                    <a:pt x="0" y="1972702"/>
+                  </a:lnTo>
+                  <a:lnTo>
+                    <a:pt x="0" y="1732181"/>
+                  </a:lnTo>
+                  <a:lnTo>
+                    <a:pt x="161195" y="1706590"/>
+                  </a:lnTo>
+                  <a:cubicBezTo>
+                    <a:pt x="237638" y="1691378"/>
+                    <a:pt x="313477" y="1673222"/>
+                    <a:pt x="388463" y="1652268"/>
+                  </a:cubicBezTo>
+                  <a:cubicBezTo>
+                    <a:pt x="538529" y="1610539"/>
+                    <a:pt x="684898" y="1556543"/>
+                    <a:pt x="826716" y="1493950"/>
+                  </a:cubicBezTo>
+                  <a:cubicBezTo>
+                    <a:pt x="1111207" y="1370107"/>
+                    <a:pt x="1376832" y="1205881"/>
+                    <a:pt x="1609847" y="1007535"/>
+                  </a:cubicBezTo>
+                  <a:cubicBezTo>
+                    <a:pt x="1725975" y="908049"/>
+                    <a:pt x="1833571" y="799519"/>
+                    <a:pt x="1929982" y="682930"/>
+                  </a:cubicBezTo>
+                  <a:cubicBezTo>
+                    <a:pt x="2026581" y="566520"/>
+                    <a:pt x="2111806" y="441692"/>
+                    <a:pt x="2183093" y="310149"/>
+                  </a:cubicBezTo>
+                  <a:cubicBezTo>
+                    <a:pt x="2218738" y="244422"/>
+                    <a:pt x="2251396" y="177150"/>
+                    <a:pt x="2280286" y="108435"/>
+                  </a:cubicBezTo>
+                  <a:close/>
+                </a:path>
+              </a:pathLst>
+            </a:custGeom>
+            <a:gradFill>
+              <a:gsLst>
+                <a:gs pos="2000">
+                  <a:schemeClr val="bg1">
+                    <a:alpha val="10000"/>
+                  </a:schemeClr>
+                </a:gs>
+                <a:gs pos="16000">
+                  <a:schemeClr val="accent6">
+                    <a:alpha val="10000"/>
+                  </a:schemeClr>
+                </a:gs>
+                <a:gs pos="100000">
+                  <a:schemeClr val="bg1">
+                    <a:alpha val="10000"/>
+                  </a:schemeClr>
+                </a:gs>
+                <a:gs pos="85000">
+                  <a:schemeClr val="accent1">
+                    <a:alpha val="10000"/>
+                  </a:schemeClr>
+                </a:gs>
+              </a:gsLst>
+              <a:lin ang="12000000" scaled="0"/>
+            </a:gradFill>
+            <a:ln>
+              <a:noFill/>
+            </a:ln>
+          </p:spPr>
+          <p:style>
+            <a:lnRef idx="2">
+              <a:schemeClr val="accent1">
+                <a:shade val="50000"/>
+              </a:schemeClr>
+            </a:lnRef>
+            <a:fillRef idx="1">
+              <a:schemeClr val="accent1"/>
+            </a:fillRef>
+            <a:effectRef idx="0">
+              <a:schemeClr val="accent1"/>
+            </a:effectRef>
+            <a:fontRef idx="minor">
+              <a:schemeClr val="lt1"/>
+            </a:fontRef>
+          </p:style>
+          <p:txBody>
+            <a:bodyPr wrap="square" rtlCol="0" anchor="ctr">
+              <a:noAutofit/>
+            </a:bodyPr>
+            <a:lstStyle/>
+            <a:p>
+              <a:pPr algn="ctr"/>
+              <a:endParaRPr lang="en-US" sz="800"/>
+            </a:p>
+          </p:txBody>
+        </p:sp>
+        <p:sp>
+          <p:nvSpPr>
+            <p:cNvPr id="27" name="Freeform: Shape 26">
+              <a:extLst>
+                <a:ext uri="{FF2B5EF4-FFF2-40B4-BE49-F238E27FC236}">
+                  <a16:creationId xmlns:a16="http://schemas.microsoft.com/office/drawing/2014/main" id="{12EB32A5-4408-4F6C-84B2-F9A908237A6D}"/>
+                </a:ext>
+                <a:ext uri="{C183D7F6-B498-43B3-948B-1728B52AA6E4}">
+                  <adec:decorative xmlns:adec="http://schemas.microsoft.com/office/drawing/2017/decorative" val="1"/>
+                </a:ext>
+              </a:extLst>
+            </p:cNvPr>
+            <p:cNvSpPr/>
+            <p:nvPr>
+              <p:extLst>
+                <p:ext uri="{386F3935-93C4-4BCD-93E2-E3B085C9AB24}">
+                  <p16:designElem xmlns:p16="http://schemas.microsoft.com/office/powerpoint/2015/main" val="1"/>
+                </p:ext>
+              </p:extLst>
+            </p:nvPr>
+          </p:nvSpPr>
+          <p:spPr>
+            <a:xfrm>
+              <a:off x="305" y="1"/>
+              <a:ext cx="2491105" cy="1943661"/>
+            </a:xfrm>
+            <a:custGeom>
+              <a:avLst/>
+              <a:gdLst>
+                <a:gd name="connsiteX0" fmla="*/ 1995408 w 2491105"/>
+                <a:gd name="connsiteY0" fmla="*/ 0 h 1943661"/>
+                <a:gd name="connsiteX1" fmla="*/ 2491105 w 2491105"/>
+                <a:gd name="connsiteY1" fmla="*/ 0 h 1943661"/>
+                <a:gd name="connsiteX2" fmla="*/ 2434705 w 2491105"/>
+                <a:gd name="connsiteY2" fmla="*/ 174009 h 1943661"/>
+                <a:gd name="connsiteX3" fmla="*/ 92457 w 2491105"/>
+                <a:gd name="connsiteY3" fmla="*/ 1931703 h 1943661"/>
+                <a:gd name="connsiteX4" fmla="*/ 0 w 2491105"/>
+                <a:gd name="connsiteY4" fmla="*/ 1943661 h 1943661"/>
+                <a:gd name="connsiteX5" fmla="*/ 0 w 2491105"/>
+                <a:gd name="connsiteY5" fmla="*/ 1491489 h 1943661"/>
+                <a:gd name="connsiteX6" fmla="*/ 34107 w 2491105"/>
+                <a:gd name="connsiteY6" fmla="*/ 1486836 h 1943661"/>
+                <a:gd name="connsiteX7" fmla="*/ 497577 w 2491105"/>
+                <a:gd name="connsiteY7" fmla="*/ 1360598 h 1943661"/>
+                <a:gd name="connsiteX8" fmla="*/ 1321566 w 2491105"/>
+                <a:gd name="connsiteY8" fmla="*/ 897645 h 1943661"/>
+                <a:gd name="connsiteX9" fmla="*/ 1891495 w 2491105"/>
+                <a:gd name="connsiteY9" fmla="*/ 230078 h 1943661"/>
+                <a:gd name="connsiteX10" fmla="*/ 1961469 w 2491105"/>
+                <a:gd name="connsiteY10" fmla="*/ 87885 h 1943661"/>
+              </a:gdLst>
+              <a:ahLst/>
+              <a:cxnLst>
+                <a:cxn ang="0">
+                  <a:pos x="connsiteX0" y="connsiteY0"/>
+                </a:cxn>
+                <a:cxn ang="0">
+                  <a:pos x="connsiteX1" y="connsiteY1"/>
+                </a:cxn>
+                <a:cxn ang="0">
+                  <a:pos x="connsiteX2" y="connsiteY2"/>
+                </a:cxn>
+                <a:cxn ang="0">
+                  <a:pos x="connsiteX3" y="connsiteY3"/>
+                </a:cxn>
+                <a:cxn ang="0">
+                  <a:pos x="connsiteX4" y="connsiteY4"/>
+                </a:cxn>
+                <a:cxn ang="0">
+                  <a:pos x="connsiteX5" y="connsiteY5"/>
+                </a:cxn>
+                <a:cxn ang="0">
+                  <a:pos x="connsiteX6" y="connsiteY6"/>
+                </a:cxn>
+                <a:cxn ang="0">
+                  <a:pos x="connsiteX7" y="connsiteY7"/>
+                </a:cxn>
+                <a:cxn ang="0">
+                  <a:pos x="connsiteX8" y="connsiteY8"/>
+                </a:cxn>
+                <a:cxn ang="0">
+                  <a:pos x="connsiteX9" y="connsiteY9"/>
+                </a:cxn>
+                <a:cxn ang="0">
+                  <a:pos x="connsiteX10" y="connsiteY10"/>
+                </a:cxn>
+              </a:cxnLst>
+              <a:rect l="l" t="t" r="r" b="b"/>
+              <a:pathLst>
+                <a:path w="2491105" h="1943661">
+                  <a:moveTo>
+                    <a:pt x="1995408" y="0"/>
+                  </a:moveTo>
+                  <a:lnTo>
+                    <a:pt x="2491105" y="0"/>
+                  </a:lnTo>
+                  <a:lnTo>
+                    <a:pt x="2434705" y="174009"/>
+                  </a:lnTo>
+                  <a:cubicBezTo>
+                    <a:pt x="2087512" y="1067655"/>
+                    <a:pt x="1129122" y="1753877"/>
+                    <a:pt x="92457" y="1931703"/>
+                  </a:cubicBezTo>
+                  <a:lnTo>
+                    <a:pt x="0" y="1943661"/>
+                  </a:lnTo>
+                  <a:lnTo>
+                    <a:pt x="0" y="1491489"/>
+                  </a:lnTo>
+                  <a:lnTo>
+                    <a:pt x="34107" y="1486836"/>
+                  </a:lnTo>
+                  <a:cubicBezTo>
+                    <a:pt x="189055" y="1458696"/>
+                    <a:pt x="343908" y="1416565"/>
+                    <a:pt x="497577" y="1360598"/>
+                  </a:cubicBezTo>
+                  <a:cubicBezTo>
+                    <a:pt x="796856" y="1251889"/>
+                    <a:pt x="1081725" y="1091781"/>
+                    <a:pt x="1321566" y="897645"/>
+                  </a:cubicBezTo>
+                  <a:cubicBezTo>
+                    <a:pt x="1565577" y="700195"/>
+                    <a:pt x="1757355" y="475523"/>
+                    <a:pt x="1891495" y="230078"/>
+                  </a:cubicBezTo>
+                  <a:cubicBezTo>
+                    <a:pt x="1917197" y="183033"/>
+                    <a:pt x="1940526" y="135619"/>
+                    <a:pt x="1961469" y="87885"/>
+                  </a:cubicBezTo>
+                  <a:close/>
+                </a:path>
+              </a:pathLst>
+            </a:custGeom>
+            <a:gradFill>
+              <a:gsLst>
+                <a:gs pos="2000">
+                  <a:schemeClr val="bg1">
+                    <a:alpha val="10000"/>
+                  </a:schemeClr>
+                </a:gs>
+                <a:gs pos="16000">
+                  <a:schemeClr val="accent6">
+                    <a:alpha val="10000"/>
+                  </a:schemeClr>
+                </a:gs>
+                <a:gs pos="100000">
+                  <a:schemeClr val="bg1">
+                    <a:alpha val="10000"/>
+                  </a:schemeClr>
+                </a:gs>
+                <a:gs pos="85000">
+                  <a:schemeClr val="accent1">
+                    <a:alpha val="10000"/>
+                  </a:schemeClr>
+                </a:gs>
+              </a:gsLst>
+              <a:lin ang="12000000" scaled="0"/>
+            </a:gradFill>
+            <a:ln>
+              <a:noFill/>
+            </a:ln>
+          </p:spPr>
+          <p:style>
+            <a:lnRef idx="2">
+              <a:schemeClr val="accent1">
+                <a:shade val="50000"/>
+              </a:schemeClr>
+            </a:lnRef>
+            <a:fillRef idx="1">
+              <a:schemeClr val="accent1"/>
+            </a:fillRef>
+            <a:effectRef idx="0">
+              <a:schemeClr val="accent1"/>
+            </a:effectRef>
+            <a:fontRef idx="minor">
+              <a:schemeClr val="lt1"/>
+            </a:fontRef>
+          </p:style>
+          <p:txBody>
+            <a:bodyPr rtlCol="0" anchor="ctr"/>
+            <a:lstStyle/>
+            <a:p>
+              <a:pPr algn="ctr"/>
+              <a:endParaRPr lang="en-US"/>
+            </a:p>
+          </p:txBody>
+        </p:sp>
+      </p:grpSp>
+      <p:pic>
+        <p:nvPicPr>
+          <p:cNvPr id="4" name="Picture 3" descr="A computer screen shot of text&#10;&#10;Description automatically generated">
+            <a:extLst>
+              <a:ext uri="{FF2B5EF4-FFF2-40B4-BE49-F238E27FC236}">
+                <a16:creationId xmlns:a16="http://schemas.microsoft.com/office/drawing/2014/main" id="{06665A8B-B75F-7B3B-5323-DCAB7D0CBF6A}"/>
+              </a:ext>
+            </a:extLst>
+          </p:cNvPr>
+          <p:cNvPicPr>
+            <a:picLocks noChangeAspect="1"/>
+          </p:cNvPicPr>
+          <p:nvPr/>
+        </p:nvPicPr>
+        <p:blipFill>
+          <a:blip r:embed="rId2"/>
+          <a:stretch>
+            <a:fillRect/>
+          </a:stretch>
+        </p:blipFill>
+        <p:spPr>
+          <a:xfrm>
+            <a:off x="114401" y="1053494"/>
+            <a:ext cx="6498602" cy="3482493"/>
+          </a:xfrm>
+          <a:prstGeom prst="rect">
+            <a:avLst/>
+          </a:prstGeom>
+        </p:spPr>
+      </p:pic>
+    </p:spTree>
+    <p:extLst>
+      <p:ext uri="{BB962C8B-B14F-4D97-AF65-F5344CB8AC3E}">
+        <p14:creationId xmlns:p14="http://schemas.microsoft.com/office/powerpoint/2010/main" val="577470691"/>
+      </p:ext>
+    </p:extLst>
+  </p:cSld>
+  <p:clrMapOvr>
+    <a:masterClrMapping/>
+  </p:clrMapOvr>
 </p:sld>
 </file>
 
@@ -14549,6 +17687,592 @@
     <p:extLst>
       <p:ext uri="{BB962C8B-B14F-4D97-AF65-F5344CB8AC3E}">
         <p14:creationId xmlns:p14="http://schemas.microsoft.com/office/powerpoint/2010/main" val="2790063141"/>
+      </p:ext>
+    </p:extLst>
+  </p:cSld>
+  <p:clrMapOvr>
+    <a:masterClrMapping/>
+  </p:clrMapOvr>
+</p:sld>
+</file>
+
+<file path=ppt/slides/slide30.xml><?xml version="1.0" encoding="utf-8"?>
+<p:sld xmlns:a="http://schemas.openxmlformats.org/drawingml/2006/main" xmlns:r="http://schemas.openxmlformats.org/officeDocument/2006/relationships" xmlns:p="http://schemas.openxmlformats.org/presentationml/2006/main">
+  <p:cSld>
+    <p:bg>
+      <p:bgPr>
+        <a:solidFill>
+          <a:srgbClr val="1F1F1F"/>
+        </a:solidFill>
+        <a:effectLst/>
+      </p:bgPr>
+    </p:bg>
+    <p:spTree>
+      <p:nvGrpSpPr>
+        <p:cNvPr id="1" name=""/>
+        <p:cNvGrpSpPr/>
+        <p:nvPr/>
+      </p:nvGrpSpPr>
+      <p:grpSpPr>
+        <a:xfrm>
+          <a:off x="0" y="0"/>
+          <a:ext cx="0" cy="0"/>
+          <a:chOff x="0" y="0"/>
+          <a:chExt cx="0" cy="0"/>
+        </a:xfrm>
+      </p:grpSpPr>
+      <p:sp>
+        <p:nvSpPr>
+          <p:cNvPr id="2" name="Title 1">
+            <a:extLst>
+              <a:ext uri="{FF2B5EF4-FFF2-40B4-BE49-F238E27FC236}">
+                <a16:creationId xmlns:a16="http://schemas.microsoft.com/office/drawing/2014/main" id="{49E8F6CC-3BAD-9CCE-632A-8E6C1AA89B29}"/>
+              </a:ext>
+            </a:extLst>
+          </p:cNvPr>
+          <p:cNvSpPr>
+            <a:spLocks noGrp="1"/>
+          </p:cNvSpPr>
+          <p:nvPr>
+            <p:ph type="title"/>
+          </p:nvPr>
+        </p:nvSpPr>
+        <p:spPr>
+          <a:xfrm>
+            <a:off x="1800899" y="272894"/>
+            <a:ext cx="9829800" cy="692834"/>
+          </a:xfrm>
+        </p:spPr>
+        <p:txBody>
+          <a:bodyPr vert="horz" lIns="91440" tIns="45720" rIns="91440" bIns="45720" rtlCol="0" anchor="b">
+            <a:normAutofit/>
+          </a:bodyPr>
+          <a:lstStyle/>
+          <a:p>
+            <a:pPr algn="r" rtl="1"/>
+            <a:r>
+              <a:rPr lang="ar-SA" sz="3600" kern="1200" dirty="0">
+                <a:solidFill>
+                  <a:schemeClr val="bg1"/>
+                </a:solidFill>
+                <a:latin typeface="Calibri" panose="020F0502020204030204" pitchFamily="34" charset="0"/>
+                <a:ea typeface="Calibri" panose="020F0502020204030204" pitchFamily="34" charset="0"/>
+                <a:cs typeface="Calibri" panose="020F0502020204030204" pitchFamily="34" charset="0"/>
+              </a:rPr>
+              <a:t>معلومة 20 التوريث في الكلاسات</a:t>
+            </a:r>
+            <a:r>
+              <a:rPr lang="en-US" sz="3600" dirty="0">
+                <a:solidFill>
+                  <a:schemeClr val="bg1"/>
+                </a:solidFill>
+                <a:latin typeface="Calibri" panose="020F0502020204030204" pitchFamily="34" charset="0"/>
+                <a:ea typeface="Calibri" panose="020F0502020204030204" pitchFamily="34" charset="0"/>
+                <a:cs typeface="Calibri" panose="020F0502020204030204" pitchFamily="34" charset="0"/>
+              </a:rPr>
+              <a:t>  (Classes Inheritance) </a:t>
+            </a:r>
+            <a:endParaRPr lang="en-US" dirty="0">
+              <a:solidFill>
+                <a:schemeClr val="bg1"/>
+              </a:solidFill>
+              <a:latin typeface="Calibri" panose="020F0502020204030204" pitchFamily="34" charset="0"/>
+              <a:ea typeface="Calibri" panose="020F0502020204030204" pitchFamily="34" charset="0"/>
+              <a:cs typeface="Calibri" panose="020F0502020204030204" pitchFamily="34" charset="0"/>
+            </a:endParaRPr>
+          </a:p>
+        </p:txBody>
+      </p:sp>
+      <p:pic>
+        <p:nvPicPr>
+          <p:cNvPr id="7" name="Picture 6">
+            <a:extLst>
+              <a:ext uri="{FF2B5EF4-FFF2-40B4-BE49-F238E27FC236}">
+                <a16:creationId xmlns:a16="http://schemas.microsoft.com/office/drawing/2014/main" id="{9AFE816B-C9FF-7C97-2F1C-A110E1342B5C}"/>
+              </a:ext>
+            </a:extLst>
+          </p:cNvPr>
+          <p:cNvPicPr>
+            <a:picLocks noChangeAspect="1"/>
+          </p:cNvPicPr>
+          <p:nvPr/>
+        </p:nvPicPr>
+        <p:blipFill>
+          <a:blip r:embed="rId2"/>
+          <a:stretch>
+            <a:fillRect/>
+          </a:stretch>
+        </p:blipFill>
+        <p:spPr>
+          <a:xfrm>
+            <a:off x="191724" y="1073472"/>
+            <a:ext cx="5277121" cy="5124713"/>
+          </a:xfrm>
+          <a:prstGeom prst="round2DiagRect">
+            <a:avLst>
+              <a:gd name="adj1" fmla="val 5834"/>
+              <a:gd name="adj2" fmla="val 3399"/>
+            </a:avLst>
+          </a:prstGeom>
+          <a:ln/>
+        </p:spPr>
+        <p:style>
+          <a:lnRef idx="0">
+            <a:schemeClr val="dk1"/>
+          </a:lnRef>
+          <a:fillRef idx="3">
+            <a:schemeClr val="dk1"/>
+          </a:fillRef>
+          <a:effectRef idx="3">
+            <a:schemeClr val="dk1"/>
+          </a:effectRef>
+          <a:fontRef idx="minor">
+            <a:schemeClr val="lt1"/>
+          </a:fontRef>
+        </p:style>
+      </p:pic>
+      <p:sp>
+        <p:nvSpPr>
+          <p:cNvPr id="10" name="TextBox 9">
+            <a:extLst>
+              <a:ext uri="{FF2B5EF4-FFF2-40B4-BE49-F238E27FC236}">
+                <a16:creationId xmlns:a16="http://schemas.microsoft.com/office/drawing/2014/main" id="{22F01AE7-1EA4-A737-8FE7-3C6895FE5AE8}"/>
+              </a:ext>
+            </a:extLst>
+          </p:cNvPr>
+          <p:cNvSpPr txBox="1"/>
+          <p:nvPr/>
+        </p:nvSpPr>
+        <p:spPr>
+          <a:xfrm>
+            <a:off x="5468845" y="1208314"/>
+            <a:ext cx="6407469" cy="5632311"/>
+          </a:xfrm>
+          <a:prstGeom prst="rect">
+            <a:avLst/>
+          </a:prstGeom>
+          <a:noFill/>
+        </p:spPr>
+        <p:txBody>
+          <a:bodyPr wrap="square" rtlCol="0">
+            <a:spAutoFit/>
+          </a:bodyPr>
+          <a:lstStyle/>
+          <a:p>
+            <a:pPr algn="r" rtl="1"/>
+            <a:r>
+              <a:rPr lang="ar-SA" sz="2400" b="1" dirty="0">
+                <a:solidFill>
+                  <a:schemeClr val="bg1"/>
+                </a:solidFill>
+                <a:latin typeface="Calibri" panose="020F0502020204030204" pitchFamily="34" charset="0"/>
+                <a:ea typeface="Calibri" panose="020F0502020204030204" pitchFamily="34" charset="0"/>
+                <a:cs typeface="Calibri" panose="020F0502020204030204" pitchFamily="34" charset="0"/>
+              </a:rPr>
+              <a:t>التوريث هو </a:t>
+            </a:r>
+            <a:r>
+              <a:rPr lang="ar-SA" sz="2400" dirty="0">
+                <a:solidFill>
+                  <a:schemeClr val="bg1"/>
+                </a:solidFill>
+                <a:latin typeface="Calibri" panose="020F0502020204030204" pitchFamily="34" charset="0"/>
+                <a:ea typeface="Calibri" panose="020F0502020204030204" pitchFamily="34" charset="0"/>
+                <a:cs typeface="Calibri" panose="020F0502020204030204" pitchFamily="34" charset="0"/>
+              </a:rPr>
+              <a:t>نقل جميع الدوال من كلاس الى اخر دون تنفيذها</a:t>
+            </a:r>
+          </a:p>
+          <a:p>
+            <a:pPr algn="r" rtl="1"/>
+            <a:r>
+              <a:rPr lang="ar-SA" sz="2400" dirty="0">
+                <a:solidFill>
+                  <a:schemeClr val="bg1"/>
+                </a:solidFill>
+                <a:latin typeface="Calibri" panose="020F0502020204030204" pitchFamily="34" charset="0"/>
+                <a:ea typeface="Calibri" panose="020F0502020204030204" pitchFamily="34" charset="0"/>
+                <a:cs typeface="Calibri" panose="020F0502020204030204" pitchFamily="34" charset="0"/>
+              </a:rPr>
+              <a:t>ويكون بكتابة اقواس بعد اسم </a:t>
+            </a:r>
+            <a:r>
+              <a:rPr lang="ar-SA" sz="2400" b="1" dirty="0">
+                <a:solidFill>
+                  <a:schemeClr val="bg1"/>
+                </a:solidFill>
+                <a:latin typeface="Calibri" panose="020F0502020204030204" pitchFamily="34" charset="0"/>
+                <a:ea typeface="Calibri" panose="020F0502020204030204" pitchFamily="34" charset="0"/>
+                <a:cs typeface="Calibri" panose="020F0502020204030204" pitchFamily="34" charset="0"/>
+              </a:rPr>
+              <a:t>الكلاس الابن </a:t>
+            </a:r>
+            <a:r>
+              <a:rPr lang="ar-SA" sz="2000" b="1" dirty="0">
+                <a:solidFill>
+                  <a:schemeClr val="tx1">
+                    <a:lumMod val="50000"/>
+                    <a:lumOff val="50000"/>
+                  </a:schemeClr>
+                </a:solidFill>
+                <a:latin typeface="Calibri" panose="020F0502020204030204" pitchFamily="34" charset="0"/>
+                <a:ea typeface="Calibri" panose="020F0502020204030204" pitchFamily="34" charset="0"/>
+                <a:cs typeface="Calibri" panose="020F0502020204030204" pitchFamily="34" charset="0"/>
+              </a:rPr>
+              <a:t>(المراد ثوريثه) </a:t>
+            </a:r>
+            <a:r>
+              <a:rPr lang="ar-SA" sz="2400" dirty="0">
+                <a:solidFill>
+                  <a:schemeClr val="bg1"/>
+                </a:solidFill>
+                <a:latin typeface="Calibri" panose="020F0502020204030204" pitchFamily="34" charset="0"/>
+                <a:ea typeface="Calibri" panose="020F0502020204030204" pitchFamily="34" charset="0"/>
+                <a:cs typeface="Calibri" panose="020F0502020204030204" pitchFamily="34" charset="0"/>
+              </a:rPr>
+              <a:t>وكتابة اسم </a:t>
+            </a:r>
+            <a:r>
+              <a:rPr lang="ar-SA" sz="2400" b="1" dirty="0">
+                <a:solidFill>
+                  <a:schemeClr val="bg1"/>
+                </a:solidFill>
+                <a:latin typeface="Calibri" panose="020F0502020204030204" pitchFamily="34" charset="0"/>
+                <a:ea typeface="Calibri" panose="020F0502020204030204" pitchFamily="34" charset="0"/>
+                <a:cs typeface="Calibri" panose="020F0502020204030204" pitchFamily="34" charset="0"/>
+              </a:rPr>
+              <a:t>الكلاس الاب </a:t>
+            </a:r>
+            <a:r>
+              <a:rPr lang="ar-SA" sz="2000" b="1" dirty="0">
+                <a:solidFill>
+                  <a:schemeClr val="tx1">
+                    <a:lumMod val="50000"/>
+                    <a:lumOff val="50000"/>
+                  </a:schemeClr>
+                </a:solidFill>
+                <a:latin typeface="Calibri" panose="020F0502020204030204" pitchFamily="34" charset="0"/>
+                <a:ea typeface="Calibri" panose="020F0502020204030204" pitchFamily="34" charset="0"/>
+                <a:cs typeface="Calibri" panose="020F0502020204030204" pitchFamily="34" charset="0"/>
+              </a:rPr>
+              <a:t>(المراد التوريث منه)</a:t>
+            </a:r>
+            <a:r>
+              <a:rPr lang="ar-SA" sz="2000" dirty="0">
+                <a:solidFill>
+                  <a:schemeClr val="tx1">
+                    <a:lumMod val="50000"/>
+                    <a:lumOff val="50000"/>
+                  </a:schemeClr>
+                </a:solidFill>
+                <a:latin typeface="Calibri" panose="020F0502020204030204" pitchFamily="34" charset="0"/>
+                <a:ea typeface="Calibri" panose="020F0502020204030204" pitchFamily="34" charset="0"/>
+                <a:cs typeface="Calibri" panose="020F0502020204030204" pitchFamily="34" charset="0"/>
+              </a:rPr>
+              <a:t>  </a:t>
+            </a:r>
+            <a:r>
+              <a:rPr lang="ar-SA" sz="2400" dirty="0">
+                <a:solidFill>
+                  <a:schemeClr val="bg1"/>
+                </a:solidFill>
+                <a:latin typeface="Calibri" panose="020F0502020204030204" pitchFamily="34" charset="0"/>
+                <a:ea typeface="Calibri" panose="020F0502020204030204" pitchFamily="34" charset="0"/>
+                <a:cs typeface="Calibri" panose="020F0502020204030204" pitchFamily="34" charset="0"/>
+              </a:rPr>
+              <a:t>داخل الاقواس.</a:t>
+            </a:r>
+          </a:p>
+          <a:p>
+            <a:pPr algn="r" rtl="1"/>
+            <a:endParaRPr lang="ar-SA" sz="2400" dirty="0">
+              <a:solidFill>
+                <a:schemeClr val="bg1"/>
+              </a:solidFill>
+              <a:latin typeface="Calibri" panose="020F0502020204030204" pitchFamily="34" charset="0"/>
+              <a:ea typeface="Calibri" panose="020F0502020204030204" pitchFamily="34" charset="0"/>
+              <a:cs typeface="Calibri" panose="020F0502020204030204" pitchFamily="34" charset="0"/>
+            </a:endParaRPr>
+          </a:p>
+          <a:p>
+            <a:pPr algn="r" rtl="1"/>
+            <a:r>
+              <a:rPr lang="ar-SA" sz="2400" dirty="0">
+                <a:solidFill>
+                  <a:schemeClr val="bg1"/>
+                </a:solidFill>
+                <a:latin typeface="Calibri" panose="020F0502020204030204" pitchFamily="34" charset="0"/>
+                <a:ea typeface="Calibri" panose="020F0502020204030204" pitchFamily="34" charset="0"/>
+                <a:cs typeface="Calibri" panose="020F0502020204030204" pitchFamily="34" charset="0"/>
+              </a:rPr>
+              <a:t>في المثال تم كتابة </a:t>
+            </a:r>
+            <a:r>
+              <a:rPr lang="en-US" sz="2400" b="1" dirty="0">
+                <a:solidFill>
+                  <a:schemeClr val="accent6">
+                    <a:lumMod val="60000"/>
+                    <a:lumOff val="40000"/>
+                  </a:schemeClr>
+                </a:solidFill>
+                <a:latin typeface="Calibri" panose="020F0502020204030204" pitchFamily="34" charset="0"/>
+                <a:ea typeface="Calibri" panose="020F0502020204030204" pitchFamily="34" charset="0"/>
+                <a:cs typeface="Calibri" panose="020F0502020204030204" pitchFamily="34" charset="0"/>
+              </a:rPr>
+              <a:t>super</a:t>
+            </a:r>
+            <a:r>
+              <a:rPr lang="en-US" sz="2400" b="1" dirty="0">
+                <a:solidFill>
+                  <a:schemeClr val="bg1"/>
+                </a:solidFill>
+                <a:latin typeface="Calibri" panose="020F0502020204030204" pitchFamily="34" charset="0"/>
+                <a:ea typeface="Calibri" panose="020F0502020204030204" pitchFamily="34" charset="0"/>
+                <a:cs typeface="Calibri" panose="020F0502020204030204" pitchFamily="34" charset="0"/>
+              </a:rPr>
+              <a:t>().</a:t>
+            </a:r>
+            <a:r>
+              <a:rPr lang="en-US" sz="2400" b="1" dirty="0">
+                <a:solidFill>
+                  <a:schemeClr val="accent4">
+                    <a:lumMod val="40000"/>
+                    <a:lumOff val="60000"/>
+                  </a:schemeClr>
+                </a:solidFill>
+                <a:latin typeface="Calibri" panose="020F0502020204030204" pitchFamily="34" charset="0"/>
+                <a:ea typeface="Calibri" panose="020F0502020204030204" pitchFamily="34" charset="0"/>
+                <a:cs typeface="Calibri" panose="020F0502020204030204" pitchFamily="34" charset="0"/>
+              </a:rPr>
+              <a:t>__</a:t>
+            </a:r>
+            <a:r>
+              <a:rPr lang="en-US" sz="2400" b="1" dirty="0" err="1">
+                <a:solidFill>
+                  <a:schemeClr val="accent4">
+                    <a:lumMod val="40000"/>
+                    <a:lumOff val="60000"/>
+                  </a:schemeClr>
+                </a:solidFill>
+                <a:latin typeface="Calibri" panose="020F0502020204030204" pitchFamily="34" charset="0"/>
+                <a:ea typeface="Calibri" panose="020F0502020204030204" pitchFamily="34" charset="0"/>
+                <a:cs typeface="Calibri" panose="020F0502020204030204" pitchFamily="34" charset="0"/>
+              </a:rPr>
+              <a:t>init</a:t>
+            </a:r>
+            <a:r>
+              <a:rPr lang="en-US" sz="2400" b="1" dirty="0">
+                <a:solidFill>
+                  <a:schemeClr val="accent4">
+                    <a:lumMod val="40000"/>
+                    <a:lumOff val="60000"/>
+                  </a:schemeClr>
+                </a:solidFill>
+                <a:latin typeface="Calibri" panose="020F0502020204030204" pitchFamily="34" charset="0"/>
+                <a:ea typeface="Calibri" panose="020F0502020204030204" pitchFamily="34" charset="0"/>
+                <a:cs typeface="Calibri" panose="020F0502020204030204" pitchFamily="34" charset="0"/>
+              </a:rPr>
+              <a:t>__</a:t>
+            </a:r>
+            <a:r>
+              <a:rPr lang="en-US" sz="2400" b="1" dirty="0">
+                <a:solidFill>
+                  <a:schemeClr val="bg1"/>
+                </a:solidFill>
+                <a:latin typeface="Calibri" panose="020F0502020204030204" pitchFamily="34" charset="0"/>
+                <a:ea typeface="Calibri" panose="020F0502020204030204" pitchFamily="34" charset="0"/>
+                <a:cs typeface="Calibri" panose="020F0502020204030204" pitchFamily="34" charset="0"/>
+              </a:rPr>
+              <a:t>()</a:t>
+            </a:r>
+            <a:r>
+              <a:rPr lang="ar-SA" sz="2400" dirty="0">
+                <a:solidFill>
+                  <a:schemeClr val="bg1"/>
+                </a:solidFill>
+                <a:latin typeface="Calibri" panose="020F0502020204030204" pitchFamily="34" charset="0"/>
+                <a:ea typeface="Calibri" panose="020F0502020204030204" pitchFamily="34" charset="0"/>
+                <a:cs typeface="Calibri" panose="020F0502020204030204" pitchFamily="34" charset="0"/>
+              </a:rPr>
+              <a:t> وسوبر تعني الكلاس الاب فيتم تنفيذ الدالة </a:t>
+            </a:r>
+            <a:r>
+              <a:rPr lang="en-US" sz="2400" b="1" dirty="0">
+                <a:solidFill>
+                  <a:schemeClr val="accent4">
+                    <a:lumMod val="40000"/>
+                    <a:lumOff val="60000"/>
+                  </a:schemeClr>
+                </a:solidFill>
+                <a:latin typeface="Calibri" panose="020F0502020204030204" pitchFamily="34" charset="0"/>
+                <a:ea typeface="Calibri" panose="020F0502020204030204" pitchFamily="34" charset="0"/>
+                <a:cs typeface="Calibri" panose="020F0502020204030204" pitchFamily="34" charset="0"/>
+              </a:rPr>
+              <a:t>__</a:t>
+            </a:r>
+            <a:r>
+              <a:rPr lang="en-US" sz="2400" b="1" dirty="0" err="1">
+                <a:solidFill>
+                  <a:schemeClr val="accent4">
+                    <a:lumMod val="40000"/>
+                    <a:lumOff val="60000"/>
+                  </a:schemeClr>
+                </a:solidFill>
+                <a:latin typeface="Calibri" panose="020F0502020204030204" pitchFamily="34" charset="0"/>
+                <a:ea typeface="Calibri" panose="020F0502020204030204" pitchFamily="34" charset="0"/>
+                <a:cs typeface="Calibri" panose="020F0502020204030204" pitchFamily="34" charset="0"/>
+              </a:rPr>
+              <a:t>init</a:t>
+            </a:r>
+            <a:r>
+              <a:rPr lang="en-US" sz="2400" b="1" dirty="0">
+                <a:solidFill>
+                  <a:schemeClr val="accent4">
+                    <a:lumMod val="40000"/>
+                    <a:lumOff val="60000"/>
+                  </a:schemeClr>
+                </a:solidFill>
+                <a:latin typeface="Calibri" panose="020F0502020204030204" pitchFamily="34" charset="0"/>
+                <a:ea typeface="Calibri" panose="020F0502020204030204" pitchFamily="34" charset="0"/>
+                <a:cs typeface="Calibri" panose="020F0502020204030204" pitchFamily="34" charset="0"/>
+              </a:rPr>
+              <a:t>__</a:t>
+            </a:r>
+            <a:r>
+              <a:rPr lang="ar-SA" sz="2400" b="1" dirty="0">
+                <a:solidFill>
+                  <a:schemeClr val="accent4">
+                    <a:lumMod val="40000"/>
+                    <a:lumOff val="60000"/>
+                  </a:schemeClr>
+                </a:solidFill>
+                <a:latin typeface="Calibri" panose="020F0502020204030204" pitchFamily="34" charset="0"/>
+                <a:ea typeface="Calibri" panose="020F0502020204030204" pitchFamily="34" charset="0"/>
+                <a:cs typeface="Calibri" panose="020F0502020204030204" pitchFamily="34" charset="0"/>
+              </a:rPr>
+              <a:t> </a:t>
+            </a:r>
+            <a:r>
+              <a:rPr lang="ar-SA" sz="2400" dirty="0">
+                <a:solidFill>
+                  <a:schemeClr val="bg1"/>
+                </a:solidFill>
+                <a:latin typeface="Calibri" panose="020F0502020204030204" pitchFamily="34" charset="0"/>
+                <a:ea typeface="Calibri" panose="020F0502020204030204" pitchFamily="34" charset="0"/>
+                <a:cs typeface="Calibri" panose="020F0502020204030204" pitchFamily="34" charset="0"/>
+              </a:rPr>
+              <a:t>اللتي في الكلاس الاب ويحصل الكلاس الابن على جميع المتغيرات اللتي انشأت في الدالة</a:t>
+            </a:r>
+          </a:p>
+          <a:p>
+            <a:pPr algn="r" rtl="1"/>
+            <a:endParaRPr lang="ar-SA" sz="2400" dirty="0">
+              <a:solidFill>
+                <a:schemeClr val="bg1"/>
+              </a:solidFill>
+              <a:latin typeface="Calibri" panose="020F0502020204030204" pitchFamily="34" charset="0"/>
+              <a:ea typeface="Calibri" panose="020F0502020204030204" pitchFamily="34" charset="0"/>
+              <a:cs typeface="Calibri" panose="020F0502020204030204" pitchFamily="34" charset="0"/>
+            </a:endParaRPr>
+          </a:p>
+          <a:p>
+            <a:pPr algn="r" rtl="1"/>
+            <a:r>
+              <a:rPr lang="ar-SA" sz="2400" dirty="0">
+                <a:solidFill>
+                  <a:schemeClr val="bg1"/>
+                </a:solidFill>
+                <a:latin typeface="Calibri" panose="020F0502020204030204" pitchFamily="34" charset="0"/>
+                <a:ea typeface="Calibri" panose="020F0502020204030204" pitchFamily="34" charset="0"/>
+                <a:cs typeface="Calibri" panose="020F0502020204030204" pitchFamily="34" charset="0"/>
+              </a:rPr>
+              <a:t>عند انشاء دالة جديدة باسم دالة تم توريثها بالفعل فسوف تتغير الدالة وعند كتابة دالة باسم مختلف فلا يؤثر ذلك على الكلاس الاب فقط يضيفها إلى الكلاس الابن </a:t>
+            </a:r>
+          </a:p>
+          <a:p>
+            <a:pPr algn="r" rtl="1"/>
+            <a:endParaRPr lang="ar-SA" sz="2400" dirty="0">
+              <a:solidFill>
+                <a:schemeClr val="bg1"/>
+              </a:solidFill>
+              <a:latin typeface="Calibri" panose="020F0502020204030204" pitchFamily="34" charset="0"/>
+              <a:ea typeface="Calibri" panose="020F0502020204030204" pitchFamily="34" charset="0"/>
+              <a:cs typeface="Calibri" panose="020F0502020204030204" pitchFamily="34" charset="0"/>
+            </a:endParaRPr>
+          </a:p>
+          <a:p>
+            <a:pPr algn="r" rtl="1"/>
+            <a:r>
+              <a:rPr lang="ar-SA" sz="2400" dirty="0">
+                <a:solidFill>
+                  <a:schemeClr val="bg1"/>
+                </a:solidFill>
+                <a:latin typeface="Calibri" panose="020F0502020204030204" pitchFamily="34" charset="0"/>
+                <a:ea typeface="Calibri" panose="020F0502020204030204" pitchFamily="34" charset="0"/>
+                <a:cs typeface="Calibri" panose="020F0502020204030204" pitchFamily="34" charset="0"/>
+              </a:rPr>
+              <a:t>ثم يمكن استدعاء الكلاس كما اخذنا في الدرس السابق واستدعاء الدالة </a:t>
+            </a:r>
+            <a:r>
+              <a:rPr lang="en-US" sz="2400" b="1" dirty="0" err="1">
+                <a:solidFill>
+                  <a:schemeClr val="accent4">
+                    <a:lumMod val="40000"/>
+                    <a:lumOff val="60000"/>
+                  </a:schemeClr>
+                </a:solidFill>
+                <a:latin typeface="Calibri" panose="020F0502020204030204" pitchFamily="34" charset="0"/>
+                <a:ea typeface="Calibri" panose="020F0502020204030204" pitchFamily="34" charset="0"/>
+                <a:cs typeface="Calibri" panose="020F0502020204030204" pitchFamily="34" charset="0"/>
+              </a:rPr>
+              <a:t>take_damage</a:t>
+            </a:r>
+            <a:r>
+              <a:rPr lang="ar-SA" sz="2400" b="1" dirty="0">
+                <a:solidFill>
+                  <a:schemeClr val="accent4">
+                    <a:lumMod val="40000"/>
+                    <a:lumOff val="60000"/>
+                  </a:schemeClr>
+                </a:solidFill>
+                <a:latin typeface="Calibri" panose="020F0502020204030204" pitchFamily="34" charset="0"/>
+                <a:ea typeface="Calibri" panose="020F0502020204030204" pitchFamily="34" charset="0"/>
+                <a:cs typeface="Calibri" panose="020F0502020204030204" pitchFamily="34" charset="0"/>
+              </a:rPr>
+              <a:t> </a:t>
+            </a:r>
+            <a:r>
+              <a:rPr lang="ar-SA" sz="2400" dirty="0">
+                <a:solidFill>
+                  <a:schemeClr val="bg1"/>
+                </a:solidFill>
+                <a:latin typeface="Calibri" panose="020F0502020204030204" pitchFamily="34" charset="0"/>
+                <a:ea typeface="Calibri" panose="020F0502020204030204" pitchFamily="34" charset="0"/>
+                <a:cs typeface="Calibri" panose="020F0502020204030204" pitchFamily="34" charset="0"/>
+              </a:rPr>
+              <a:t>على سبيل المثال</a:t>
+            </a:r>
+          </a:p>
+          <a:p>
+            <a:pPr algn="r" rtl="1"/>
+            <a:r>
+              <a:rPr lang="ar-SA" sz="2400" dirty="0">
+                <a:solidFill>
+                  <a:schemeClr val="bg1"/>
+                </a:solidFill>
+                <a:latin typeface="Calibri" panose="020F0502020204030204" pitchFamily="34" charset="0"/>
+                <a:ea typeface="Calibri" panose="020F0502020204030204" pitchFamily="34" charset="0"/>
+                <a:cs typeface="Calibri" panose="020F0502020204030204" pitchFamily="34" charset="0"/>
+              </a:rPr>
+              <a:t>من الكلاس الابن لانه تم توريثها</a:t>
+            </a:r>
+          </a:p>
+        </p:txBody>
+      </p:sp>
+    </p:spTree>
+    <p:extLst>
+      <p:ext uri="{BB962C8B-B14F-4D97-AF65-F5344CB8AC3E}">
+        <p14:creationId xmlns:p14="http://schemas.microsoft.com/office/powerpoint/2010/main" val="3751116172"/>
       </p:ext>
     </p:extLst>
   </p:cSld>
@@ -17214,13 +20938,6 @@
             </a:r>
           </a:p>
           <a:p>
-            <a:r>
-              <a:rPr lang="en-US" b="0">
-                <a:effectLst/>
-                <a:latin typeface="Consolas" panose="020B0609020204030204" pitchFamily="49" charset="0"/>
-              </a:rPr>
-              <a:t/>
-            </a:r>
             <a:br>
               <a:rPr lang="en-US" b="0">
                 <a:effectLst/>
@@ -17236,13 +20953,6 @@
             </a:r>
           </a:p>
           <a:p>
-            <a:r>
-              <a:rPr lang="en-US" b="0">
-                <a:effectLst/>
-                <a:latin typeface="Consolas" panose="020B0609020204030204" pitchFamily="49" charset="0"/>
-              </a:rPr>
-              <a:t/>
-            </a:r>
             <a:br>
               <a:rPr lang="en-US" b="0">
                 <a:effectLst/>
@@ -17702,13 +21412,6 @@
             </a:r>
           </a:p>
           <a:p>
-            <a:r>
-              <a:rPr lang="en-US" b="0">
-                <a:effectLst/>
-                <a:latin typeface="Consolas" panose="020B0609020204030204" pitchFamily="49" charset="0"/>
-              </a:rPr>
-              <a:t/>
-            </a:r>
             <a:br>
               <a:rPr lang="en-US" b="0">
                 <a:effectLst/>
@@ -17851,10 +21554,6 @@
               </a:rPr>
               <a:t>1</a:t>
             </a:r>
-            <a:r>
-              <a:rPr lang="fr-FR"/>
-              <a:t/>
-            </a:r>
             <a:br>
               <a:rPr lang="fr-FR"/>
             </a:br>
@@ -17878,10 +21577,6 @@
               </a:rPr>
               <a:t>35656222554887711</a:t>
             </a:r>
-            <a:r>
-              <a:rPr lang="fr-FR"/>
-              <a:t/>
-            </a:r>
             <a:br>
               <a:rPr lang="fr-FR"/>
             </a:br>
@@ -17905,17 +21600,9 @@
               </a:rPr>
               <a:t>3255522</a:t>
             </a:r>
-            <a:r>
-              <a:rPr lang="fr-FR"/>
-              <a:t/>
-            </a:r>
             <a:br>
               <a:rPr lang="fr-FR"/>
             </a:br>
-            <a:r>
-              <a:rPr lang="fr-FR"/>
-              <a:t/>
-            </a:r>
             <a:br>
               <a:rPr lang="fr-FR"/>
             </a:br>
@@ -17959,10 +21646,6 @@
               </a:rPr>
               <a:t>(x))</a:t>
             </a:r>
-            <a:r>
-              <a:rPr lang="fr-FR"/>
-              <a:t/>
-            </a:r>
             <a:br>
               <a:rPr lang="fr-FR"/>
             </a:br>
@@ -18005,10 +21688,6 @@
                 <a:latin typeface="Consolas" panose="020B0609020204030204" pitchFamily="49" charset="0"/>
               </a:rPr>
               <a:t>(y))</a:t>
-            </a:r>
-            <a:r>
-              <a:rPr lang="fr-FR"/>
-              <a:t/>
             </a:r>
             <a:br>
               <a:rPr lang="fr-FR"/>

--- a/تدريب برمجة بايثون.pptx
+++ b/تدريب برمجة بايثون.pptx
@@ -5,7 +5,7 @@
     <p:sldMasterId id="2147483648" r:id="rId1"/>
   </p:sldMasterIdLst>
   <p:notesMasterIdLst>
-    <p:notesMasterId r:id="rId32"/>
+    <p:notesMasterId r:id="rId34"/>
   </p:notesMasterIdLst>
   <p:sldIdLst>
     <p:sldId id="256" r:id="rId2"/>
@@ -38,6 +38,8 @@
     <p:sldId id="283" r:id="rId29"/>
     <p:sldId id="284" r:id="rId30"/>
     <p:sldId id="285" r:id="rId31"/>
+    <p:sldId id="286" r:id="rId32"/>
+    <p:sldId id="287" r:id="rId33"/>
   </p:sldIdLst>
   <p:sldSz cx="12192000" cy="6858000"/>
   <p:notesSz cx="6858000" cy="9144000"/>
@@ -236,7 +238,7 @@
           <a:p>
             <a:fld id="{1F2C5C2C-D6BA-4328-B74A-37F38002F7DD}" type="datetimeFigureOut">
               <a:rPr lang="en-US" smtClean="0"/>
-              <a:t>9/21/2023</a:t>
+              <a:t>11/1/2023</a:t>
             </a:fld>
             <a:endParaRPr lang="en-US"/>
           </a:p>
@@ -734,7 +736,7 @@
           <a:p>
             <a:fld id="{ADC35D24-B8FA-4DB0-9359-F1562E4A796A}" type="datetimeFigureOut">
               <a:rPr lang="en-US" smtClean="0"/>
-              <a:t>9/21/2023</a:t>
+              <a:t>11/1/2023</a:t>
             </a:fld>
             <a:endParaRPr lang="en-US"/>
           </a:p>
@@ -932,7 +934,7 @@
           <a:p>
             <a:fld id="{ADC35D24-B8FA-4DB0-9359-F1562E4A796A}" type="datetimeFigureOut">
               <a:rPr lang="en-US" smtClean="0"/>
-              <a:t>9/21/2023</a:t>
+              <a:t>11/1/2023</a:t>
             </a:fld>
             <a:endParaRPr lang="en-US"/>
           </a:p>
@@ -1140,7 +1142,7 @@
           <a:p>
             <a:fld id="{ADC35D24-B8FA-4DB0-9359-F1562E4A796A}" type="datetimeFigureOut">
               <a:rPr lang="en-US" smtClean="0"/>
-              <a:t>9/21/2023</a:t>
+              <a:t>11/1/2023</a:t>
             </a:fld>
             <a:endParaRPr lang="en-US"/>
           </a:p>
@@ -1338,7 +1340,7 @@
           <a:p>
             <a:fld id="{ADC35D24-B8FA-4DB0-9359-F1562E4A796A}" type="datetimeFigureOut">
               <a:rPr lang="en-US" smtClean="0"/>
-              <a:t>9/21/2023</a:t>
+              <a:t>11/1/2023</a:t>
             </a:fld>
             <a:endParaRPr lang="en-US"/>
           </a:p>
@@ -1613,7 +1615,7 @@
           <a:p>
             <a:fld id="{ADC35D24-B8FA-4DB0-9359-F1562E4A796A}" type="datetimeFigureOut">
               <a:rPr lang="en-US" smtClean="0"/>
-              <a:t>9/21/2023</a:t>
+              <a:t>11/1/2023</a:t>
             </a:fld>
             <a:endParaRPr lang="en-US"/>
           </a:p>
@@ -1878,7 +1880,7 @@
           <a:p>
             <a:fld id="{ADC35D24-B8FA-4DB0-9359-F1562E4A796A}" type="datetimeFigureOut">
               <a:rPr lang="en-US" smtClean="0"/>
-              <a:t>9/21/2023</a:t>
+              <a:t>11/1/2023</a:t>
             </a:fld>
             <a:endParaRPr lang="en-US"/>
           </a:p>
@@ -2290,7 +2292,7 @@
           <a:p>
             <a:fld id="{ADC35D24-B8FA-4DB0-9359-F1562E4A796A}" type="datetimeFigureOut">
               <a:rPr lang="en-US" smtClean="0"/>
-              <a:t>9/21/2023</a:t>
+              <a:t>11/1/2023</a:t>
             </a:fld>
             <a:endParaRPr lang="en-US"/>
           </a:p>
@@ -2431,7 +2433,7 @@
           <a:p>
             <a:fld id="{ADC35D24-B8FA-4DB0-9359-F1562E4A796A}" type="datetimeFigureOut">
               <a:rPr lang="en-US" smtClean="0"/>
-              <a:t>9/21/2023</a:t>
+              <a:t>11/1/2023</a:t>
             </a:fld>
             <a:endParaRPr lang="en-US"/>
           </a:p>
@@ -2544,7 +2546,7 @@
           <a:p>
             <a:fld id="{ADC35D24-B8FA-4DB0-9359-F1562E4A796A}" type="datetimeFigureOut">
               <a:rPr lang="en-US" smtClean="0"/>
-              <a:t>9/21/2023</a:t>
+              <a:t>11/1/2023</a:t>
             </a:fld>
             <a:endParaRPr lang="en-US"/>
           </a:p>
@@ -2855,7 +2857,7 @@
           <a:p>
             <a:fld id="{ADC35D24-B8FA-4DB0-9359-F1562E4A796A}" type="datetimeFigureOut">
               <a:rPr lang="en-US" smtClean="0"/>
-              <a:t>9/21/2023</a:t>
+              <a:t>11/1/2023</a:t>
             </a:fld>
             <a:endParaRPr lang="en-US"/>
           </a:p>
@@ -3143,7 +3145,7 @@
           <a:p>
             <a:fld id="{ADC35D24-B8FA-4DB0-9359-F1562E4A796A}" type="datetimeFigureOut">
               <a:rPr lang="en-US" smtClean="0"/>
-              <a:t>9/21/2023</a:t>
+              <a:t>11/1/2023</a:t>
             </a:fld>
             <a:endParaRPr lang="en-US"/>
           </a:p>
@@ -3384,7 +3386,7 @@
           <a:p>
             <a:fld id="{ADC35D24-B8FA-4DB0-9359-F1562E4A796A}" type="datetimeFigureOut">
               <a:rPr lang="en-US" smtClean="0"/>
-              <a:t>9/21/2023</a:t>
+              <a:t>11/1/2023</a:t>
             </a:fld>
             <a:endParaRPr lang="en-US"/>
           </a:p>
@@ -18282,6 +18284,1358 @@
 </p:sld>
 </file>
 
+<file path=ppt/slides/slide31.xml><?xml version="1.0" encoding="utf-8"?>
+<p:sld xmlns:a="http://schemas.openxmlformats.org/drawingml/2006/main" xmlns:r="http://schemas.openxmlformats.org/officeDocument/2006/relationships" xmlns:p="http://schemas.openxmlformats.org/presentationml/2006/main">
+  <p:cSld>
+    <p:bg>
+      <p:bgPr>
+        <a:solidFill>
+          <a:srgbClr val="1F1F1F"/>
+        </a:solidFill>
+        <a:effectLst/>
+      </p:bgPr>
+    </p:bg>
+    <p:spTree>
+      <p:nvGrpSpPr>
+        <p:cNvPr id="1" name=""/>
+        <p:cNvGrpSpPr/>
+        <p:nvPr/>
+      </p:nvGrpSpPr>
+      <p:grpSpPr>
+        <a:xfrm>
+          <a:off x="0" y="0"/>
+          <a:ext cx="0" cy="0"/>
+          <a:chOff x="0" y="0"/>
+          <a:chExt cx="0" cy="0"/>
+        </a:xfrm>
+      </p:grpSpPr>
+      <p:pic>
+        <p:nvPicPr>
+          <p:cNvPr id="4" name="Picture 3">
+            <a:extLst>
+              <a:ext uri="{FF2B5EF4-FFF2-40B4-BE49-F238E27FC236}">
+                <a16:creationId xmlns:a16="http://schemas.microsoft.com/office/drawing/2014/main" id="{D9931F39-55DA-27BD-14F6-2DE5AD25F97B}"/>
+              </a:ext>
+            </a:extLst>
+          </p:cNvPr>
+          <p:cNvPicPr>
+            <a:picLocks noChangeAspect="1"/>
+          </p:cNvPicPr>
+          <p:nvPr/>
+        </p:nvPicPr>
+        <p:blipFill>
+          <a:blip r:embed="rId2"/>
+          <a:stretch>
+            <a:fillRect/>
+          </a:stretch>
+        </p:blipFill>
+        <p:spPr>
+          <a:xfrm>
+            <a:off x="0" y="1740540"/>
+            <a:ext cx="6531429" cy="3719286"/>
+          </a:xfrm>
+          <a:prstGeom prst="rect">
+            <a:avLst/>
+          </a:prstGeom>
+        </p:spPr>
+      </p:pic>
+      <p:sp>
+        <p:nvSpPr>
+          <p:cNvPr id="2" name="Title 1">
+            <a:extLst>
+              <a:ext uri="{FF2B5EF4-FFF2-40B4-BE49-F238E27FC236}">
+                <a16:creationId xmlns:a16="http://schemas.microsoft.com/office/drawing/2014/main" id="{49E8F6CC-3BAD-9CCE-632A-8E6C1AA89B29}"/>
+              </a:ext>
+            </a:extLst>
+          </p:cNvPr>
+          <p:cNvSpPr>
+            <a:spLocks noGrp="1"/>
+          </p:cNvSpPr>
+          <p:nvPr>
+            <p:ph type="title"/>
+          </p:nvPr>
+        </p:nvSpPr>
+        <p:spPr>
+          <a:xfrm>
+            <a:off x="1800899" y="272894"/>
+            <a:ext cx="9829800" cy="692834"/>
+          </a:xfrm>
+        </p:spPr>
+        <p:txBody>
+          <a:bodyPr vert="horz" lIns="91440" tIns="45720" rIns="91440" bIns="45720" rtlCol="0" anchor="b">
+            <a:normAutofit/>
+          </a:bodyPr>
+          <a:lstStyle/>
+          <a:p>
+            <a:pPr algn="r" rtl="1"/>
+            <a:r>
+              <a:rPr lang="ar-SA" sz="3600" kern="1200" dirty="0">
+                <a:solidFill>
+                  <a:schemeClr val="bg1"/>
+                </a:solidFill>
+                <a:latin typeface="Calibri" panose="020F0502020204030204" pitchFamily="34" charset="0"/>
+                <a:ea typeface="Calibri" panose="020F0502020204030204" pitchFamily="34" charset="0"/>
+                <a:cs typeface="Calibri" panose="020F0502020204030204" pitchFamily="34" charset="0"/>
+              </a:rPr>
+              <a:t>معلومة 21 معالجة الاخطاء </a:t>
+            </a:r>
+            <a:r>
+              <a:rPr lang="en-US" sz="3600" kern="1200" dirty="0">
+                <a:solidFill>
+                  <a:schemeClr val="bg1"/>
+                </a:solidFill>
+                <a:latin typeface="Calibri" panose="020F0502020204030204" pitchFamily="34" charset="0"/>
+                <a:ea typeface="Calibri" panose="020F0502020204030204" pitchFamily="34" charset="0"/>
+                <a:cs typeface="Calibri" panose="020F0502020204030204" pitchFamily="34" charset="0"/>
+              </a:rPr>
+              <a:t>(Error handling)</a:t>
+            </a:r>
+            <a:endParaRPr lang="en-US" dirty="0">
+              <a:solidFill>
+                <a:schemeClr val="bg1"/>
+              </a:solidFill>
+              <a:latin typeface="Calibri" panose="020F0502020204030204" pitchFamily="34" charset="0"/>
+              <a:ea typeface="Calibri" panose="020F0502020204030204" pitchFamily="34" charset="0"/>
+              <a:cs typeface="Calibri" panose="020F0502020204030204" pitchFamily="34" charset="0"/>
+            </a:endParaRPr>
+          </a:p>
+        </p:txBody>
+      </p:sp>
+      <p:sp>
+        <p:nvSpPr>
+          <p:cNvPr id="10" name="TextBox 9">
+            <a:extLst>
+              <a:ext uri="{FF2B5EF4-FFF2-40B4-BE49-F238E27FC236}">
+                <a16:creationId xmlns:a16="http://schemas.microsoft.com/office/drawing/2014/main" id="{22F01AE7-1EA4-A737-8FE7-3C6895FE5AE8}"/>
+              </a:ext>
+            </a:extLst>
+          </p:cNvPr>
+          <p:cNvSpPr txBox="1"/>
+          <p:nvPr/>
+        </p:nvSpPr>
+        <p:spPr>
+          <a:xfrm>
+            <a:off x="3918858" y="1225689"/>
+            <a:ext cx="8011885" cy="5632311"/>
+          </a:xfrm>
+          <a:prstGeom prst="rect">
+            <a:avLst/>
+          </a:prstGeom>
+          <a:noFill/>
+        </p:spPr>
+        <p:txBody>
+          <a:bodyPr wrap="square" rtlCol="0">
+            <a:spAutoFit/>
+          </a:bodyPr>
+          <a:lstStyle/>
+          <a:p>
+            <a:pPr algn="r" rtl="1"/>
+            <a:r>
+              <a:rPr lang="ar-SA" sz="2400" dirty="0">
+                <a:solidFill>
+                  <a:schemeClr val="bg1"/>
+                </a:solidFill>
+                <a:latin typeface="Calibri" panose="020F0502020204030204" pitchFamily="34" charset="0"/>
+                <a:ea typeface="Calibri" panose="020F0502020204030204" pitchFamily="34" charset="0"/>
+                <a:cs typeface="Calibri" panose="020F0502020204030204" pitchFamily="34" charset="0"/>
+              </a:rPr>
+              <a:t>قد يحصل أثناء تنفيذ الكود خطأ. ولكي نظهر رسالة الخطأ للمستخدم بشكل مناسب, نقوم بمعالجة الأخطاء باستخدام </a:t>
+            </a:r>
+            <a:r>
+              <a:rPr lang="en-US" sz="2400" b="1" dirty="0">
+                <a:solidFill>
+                  <a:srgbClr val="C17DB9"/>
+                </a:solidFill>
+                <a:latin typeface="Calibri" panose="020F0502020204030204" pitchFamily="34" charset="0"/>
+                <a:ea typeface="Calibri" panose="020F0502020204030204" pitchFamily="34" charset="0"/>
+                <a:cs typeface="Calibri" panose="020F0502020204030204" pitchFamily="34" charset="0"/>
+              </a:rPr>
+              <a:t>try … except … else</a:t>
+            </a:r>
+            <a:endParaRPr lang="ar-SA" sz="2400" b="1" dirty="0">
+              <a:solidFill>
+                <a:srgbClr val="C17DB9"/>
+              </a:solidFill>
+              <a:latin typeface="Calibri" panose="020F0502020204030204" pitchFamily="34" charset="0"/>
+              <a:ea typeface="Calibri" panose="020F0502020204030204" pitchFamily="34" charset="0"/>
+              <a:cs typeface="Calibri" panose="020F0502020204030204" pitchFamily="34" charset="0"/>
+            </a:endParaRPr>
+          </a:p>
+          <a:p>
+            <a:pPr algn="r" rtl="1"/>
+            <a:r>
+              <a:rPr lang="ar-SA" sz="2400" dirty="0">
+                <a:solidFill>
+                  <a:schemeClr val="bg1"/>
+                </a:solidFill>
+                <a:latin typeface="Calibri" panose="020F0502020204030204" pitchFamily="34" charset="0"/>
+                <a:ea typeface="Calibri" panose="020F0502020204030204" pitchFamily="34" charset="0"/>
+                <a:cs typeface="Calibri" panose="020F0502020204030204" pitchFamily="34" charset="0"/>
+              </a:rPr>
+              <a:t>نضع بعد </a:t>
+            </a:r>
+            <a:r>
+              <a:rPr lang="en-US" sz="2400" b="1" dirty="0">
+                <a:solidFill>
+                  <a:srgbClr val="C17DB9"/>
+                </a:solidFill>
+                <a:latin typeface="Calibri" panose="020F0502020204030204" pitchFamily="34" charset="0"/>
+                <a:ea typeface="Calibri" panose="020F0502020204030204" pitchFamily="34" charset="0"/>
+                <a:cs typeface="Calibri" panose="020F0502020204030204" pitchFamily="34" charset="0"/>
+              </a:rPr>
+              <a:t>try</a:t>
+            </a:r>
+            <a:r>
+              <a:rPr lang="ar-SA" sz="2400" dirty="0">
+                <a:solidFill>
+                  <a:schemeClr val="bg1"/>
+                </a:solidFill>
+                <a:latin typeface="Calibri" panose="020F0502020204030204" pitchFamily="34" charset="0"/>
+                <a:ea typeface="Calibri" panose="020F0502020204030204" pitchFamily="34" charset="0"/>
+                <a:cs typeface="Calibri" panose="020F0502020204030204" pitchFamily="34" charset="0"/>
+              </a:rPr>
+              <a:t> الكود المطلوب تنفيذه فإذا حصل أي خطأ برمجي سينتقل البرنامج مباشرة الى الكود الذي بعد </a:t>
+            </a:r>
+            <a:r>
+              <a:rPr lang="en-US" sz="2400" b="1" dirty="0">
+                <a:solidFill>
+                  <a:srgbClr val="C17DB9"/>
+                </a:solidFill>
+                <a:latin typeface="Calibri" panose="020F0502020204030204" pitchFamily="34" charset="0"/>
+                <a:ea typeface="Calibri" panose="020F0502020204030204" pitchFamily="34" charset="0"/>
+                <a:cs typeface="Calibri" panose="020F0502020204030204" pitchFamily="34" charset="0"/>
+              </a:rPr>
+              <a:t>except</a:t>
+            </a:r>
+            <a:r>
+              <a:rPr lang="ar-SA" sz="2400" dirty="0">
+                <a:solidFill>
+                  <a:schemeClr val="bg1"/>
+                </a:solidFill>
+                <a:latin typeface="Calibri" panose="020F0502020204030204" pitchFamily="34" charset="0"/>
+                <a:ea typeface="Calibri" panose="020F0502020204030204" pitchFamily="34" charset="0"/>
+                <a:cs typeface="Calibri" panose="020F0502020204030204" pitchFamily="34" charset="0"/>
+              </a:rPr>
+              <a:t> دون إكمال الكود البرمجي الذي بعد السطر الذي حصل فيه الخطأ. أما الكود بعد </a:t>
+            </a:r>
+            <a:r>
+              <a:rPr lang="en-US" sz="2400" b="1" dirty="0">
+                <a:solidFill>
+                  <a:srgbClr val="C17DB9"/>
+                </a:solidFill>
+                <a:latin typeface="Calibri" panose="020F0502020204030204" pitchFamily="34" charset="0"/>
+                <a:ea typeface="Calibri" panose="020F0502020204030204" pitchFamily="34" charset="0"/>
+                <a:cs typeface="Calibri" panose="020F0502020204030204" pitchFamily="34" charset="0"/>
+              </a:rPr>
+              <a:t>else</a:t>
+            </a:r>
+            <a:r>
+              <a:rPr lang="ar-SA" sz="2400" dirty="0">
+                <a:solidFill>
+                  <a:schemeClr val="bg1"/>
+                </a:solidFill>
+                <a:latin typeface="Calibri" panose="020F0502020204030204" pitchFamily="34" charset="0"/>
+                <a:ea typeface="Calibri" panose="020F0502020204030204" pitchFamily="34" charset="0"/>
+                <a:cs typeface="Calibri" panose="020F0502020204030204" pitchFamily="34" charset="0"/>
+              </a:rPr>
+              <a:t> فسيتم تنفيذه سواء كان هناك خطأ ام لا. ففي المثال: وضعنا </a:t>
+            </a:r>
+            <a:r>
+              <a:rPr lang="en-US" sz="2400" b="1" dirty="0">
+                <a:solidFill>
+                  <a:srgbClr val="D8B460"/>
+                </a:solidFill>
+                <a:latin typeface="Calibri" panose="020F0502020204030204" pitchFamily="34" charset="0"/>
+                <a:ea typeface="Calibri" panose="020F0502020204030204" pitchFamily="34" charset="0"/>
+                <a:cs typeface="Calibri" panose="020F0502020204030204" pitchFamily="34" charset="0"/>
+              </a:rPr>
+              <a:t>print</a:t>
+            </a:r>
+            <a:r>
+              <a:rPr lang="en-US" sz="2400" dirty="0">
+                <a:solidFill>
+                  <a:schemeClr val="bg1"/>
+                </a:solidFill>
+                <a:latin typeface="Calibri" panose="020F0502020204030204" pitchFamily="34" charset="0"/>
+                <a:ea typeface="Calibri" panose="020F0502020204030204" pitchFamily="34" charset="0"/>
+                <a:cs typeface="Calibri" panose="020F0502020204030204" pitchFamily="34" charset="0"/>
+              </a:rPr>
+              <a:t>(</a:t>
+            </a:r>
+            <a:r>
+              <a:rPr lang="en-US" sz="2400" b="1" dirty="0">
+                <a:solidFill>
+                  <a:srgbClr val="61BDF4"/>
+                </a:solidFill>
+                <a:latin typeface="Calibri" panose="020F0502020204030204" pitchFamily="34" charset="0"/>
+                <a:ea typeface="Calibri" panose="020F0502020204030204" pitchFamily="34" charset="0"/>
+                <a:cs typeface="Calibri" panose="020F0502020204030204" pitchFamily="34" charset="0"/>
+              </a:rPr>
+              <a:t>x</a:t>
+            </a:r>
+            <a:r>
+              <a:rPr lang="en-US" sz="2400" dirty="0">
+                <a:solidFill>
+                  <a:schemeClr val="bg1"/>
+                </a:solidFill>
+                <a:latin typeface="Calibri" panose="020F0502020204030204" pitchFamily="34" charset="0"/>
+                <a:ea typeface="Calibri" panose="020F0502020204030204" pitchFamily="34" charset="0"/>
+                <a:cs typeface="Calibri" panose="020F0502020204030204" pitchFamily="34" charset="0"/>
+              </a:rPr>
+              <a:t> + </a:t>
+            </a:r>
+            <a:r>
+              <a:rPr lang="en-US" sz="2400" b="1" dirty="0">
+                <a:solidFill>
+                  <a:srgbClr val="61BDF4"/>
+                </a:solidFill>
+                <a:latin typeface="Calibri" panose="020F0502020204030204" pitchFamily="34" charset="0"/>
+                <a:ea typeface="Calibri" panose="020F0502020204030204" pitchFamily="34" charset="0"/>
+                <a:cs typeface="Calibri" panose="020F0502020204030204" pitchFamily="34" charset="0"/>
+              </a:rPr>
+              <a:t>y</a:t>
+            </a:r>
+            <a:r>
+              <a:rPr lang="en-US" sz="2400" dirty="0">
+                <a:solidFill>
+                  <a:schemeClr val="bg1"/>
+                </a:solidFill>
+                <a:latin typeface="Calibri" panose="020F0502020204030204" pitchFamily="34" charset="0"/>
+                <a:ea typeface="Calibri" panose="020F0502020204030204" pitchFamily="34" charset="0"/>
+                <a:cs typeface="Calibri" panose="020F0502020204030204" pitchFamily="34" charset="0"/>
+              </a:rPr>
+              <a:t>)</a:t>
+            </a:r>
+            <a:r>
+              <a:rPr lang="ar-SA" sz="2400" dirty="0">
+                <a:solidFill>
+                  <a:schemeClr val="bg1"/>
+                </a:solidFill>
+                <a:latin typeface="Calibri" panose="020F0502020204030204" pitchFamily="34" charset="0"/>
+                <a:ea typeface="Calibri" panose="020F0502020204030204" pitchFamily="34" charset="0"/>
+                <a:cs typeface="Calibri" panose="020F0502020204030204" pitchFamily="34" charset="0"/>
+              </a:rPr>
+              <a:t> بعد ال</a:t>
+            </a:r>
+            <a:r>
+              <a:rPr lang="en-US" sz="2400" b="1" dirty="0">
+                <a:solidFill>
+                  <a:srgbClr val="C17DB9"/>
+                </a:solidFill>
+                <a:latin typeface="Calibri" panose="020F0502020204030204" pitchFamily="34" charset="0"/>
+                <a:ea typeface="Calibri" panose="020F0502020204030204" pitchFamily="34" charset="0"/>
+                <a:cs typeface="Calibri" panose="020F0502020204030204" pitchFamily="34" charset="0"/>
+              </a:rPr>
+              <a:t>try</a:t>
+            </a:r>
+            <a:r>
+              <a:rPr lang="ar-SA" sz="2400" dirty="0">
+                <a:solidFill>
+                  <a:schemeClr val="bg1"/>
+                </a:solidFill>
+                <a:latin typeface="Calibri" panose="020F0502020204030204" pitchFamily="34" charset="0"/>
+                <a:ea typeface="Calibri" panose="020F0502020204030204" pitchFamily="34" charset="0"/>
+                <a:cs typeface="Calibri" panose="020F0502020204030204" pitchFamily="34" charset="0"/>
+              </a:rPr>
+              <a:t> مع ان </a:t>
+            </a:r>
+            <a:r>
+              <a:rPr lang="en-US" sz="2400" b="1" dirty="0">
+                <a:solidFill>
+                  <a:srgbClr val="61BDF4"/>
+                </a:solidFill>
+                <a:latin typeface="Calibri" panose="020F0502020204030204" pitchFamily="34" charset="0"/>
+                <a:ea typeface="Calibri" panose="020F0502020204030204" pitchFamily="34" charset="0"/>
+                <a:cs typeface="Calibri" panose="020F0502020204030204" pitchFamily="34" charset="0"/>
+              </a:rPr>
+              <a:t>x</a:t>
+            </a:r>
+            <a:r>
+              <a:rPr lang="ar-SA" sz="2400" dirty="0">
+                <a:solidFill>
+                  <a:schemeClr val="bg1"/>
+                </a:solidFill>
+                <a:latin typeface="Calibri" panose="020F0502020204030204" pitchFamily="34" charset="0"/>
+                <a:ea typeface="Calibri" panose="020F0502020204030204" pitchFamily="34" charset="0"/>
+                <a:cs typeface="Calibri" panose="020F0502020204030204" pitchFamily="34" charset="0"/>
+              </a:rPr>
+              <a:t> عبارة عن نص و </a:t>
+            </a:r>
+            <a:r>
+              <a:rPr lang="en-US" sz="2400" b="1" dirty="0">
+                <a:solidFill>
+                  <a:srgbClr val="61BDF4"/>
+                </a:solidFill>
+                <a:latin typeface="Calibri" panose="020F0502020204030204" pitchFamily="34" charset="0"/>
+                <a:ea typeface="Calibri" panose="020F0502020204030204" pitchFamily="34" charset="0"/>
+                <a:cs typeface="Calibri" panose="020F0502020204030204" pitchFamily="34" charset="0"/>
+              </a:rPr>
+              <a:t>y</a:t>
+            </a:r>
+            <a:r>
+              <a:rPr lang="ar-SA" sz="2400" dirty="0">
+                <a:solidFill>
+                  <a:schemeClr val="bg1"/>
+                </a:solidFill>
+                <a:latin typeface="Calibri" panose="020F0502020204030204" pitchFamily="34" charset="0"/>
+                <a:ea typeface="Calibri" panose="020F0502020204030204" pitchFamily="34" charset="0"/>
+                <a:cs typeface="Calibri" panose="020F0502020204030204" pitchFamily="34" charset="0"/>
+              </a:rPr>
+              <a:t> عبارة عن رقم فسينتج خطاء عن جمعهم لهذا وضعنا </a:t>
+            </a:r>
+            <a:r>
+              <a:rPr lang="en-US" sz="2400" b="1" dirty="0">
+                <a:solidFill>
+                  <a:srgbClr val="D8B460"/>
+                </a:solidFill>
+                <a:latin typeface="Calibri" panose="020F0502020204030204" pitchFamily="34" charset="0"/>
+                <a:ea typeface="Calibri" panose="020F0502020204030204" pitchFamily="34" charset="0"/>
+                <a:cs typeface="Calibri" panose="020F0502020204030204" pitchFamily="34" charset="0"/>
+              </a:rPr>
+              <a:t>print</a:t>
+            </a:r>
+            <a:r>
+              <a:rPr lang="en-US" sz="2400" dirty="0">
+                <a:solidFill>
+                  <a:schemeClr val="bg1"/>
+                </a:solidFill>
+                <a:latin typeface="Calibri" panose="020F0502020204030204" pitchFamily="34" charset="0"/>
+                <a:ea typeface="Calibri" panose="020F0502020204030204" pitchFamily="34" charset="0"/>
+                <a:cs typeface="Calibri" panose="020F0502020204030204" pitchFamily="34" charset="0"/>
+              </a:rPr>
+              <a:t>(</a:t>
+            </a:r>
+            <a:r>
+              <a:rPr lang="en-US" sz="2400" b="1" dirty="0">
+                <a:solidFill>
+                  <a:srgbClr val="61BDF4"/>
+                </a:solidFill>
+                <a:latin typeface="Calibri" panose="020F0502020204030204" pitchFamily="34" charset="0"/>
+                <a:ea typeface="Calibri" panose="020F0502020204030204" pitchFamily="34" charset="0"/>
+                <a:cs typeface="Calibri" panose="020F0502020204030204" pitchFamily="34" charset="0"/>
+              </a:rPr>
+              <a:t>x</a:t>
+            </a:r>
+            <a:r>
+              <a:rPr lang="en-US" sz="2400" dirty="0">
+                <a:solidFill>
+                  <a:schemeClr val="bg1"/>
+                </a:solidFill>
+                <a:latin typeface="Calibri" panose="020F0502020204030204" pitchFamily="34" charset="0"/>
+                <a:ea typeface="Calibri" panose="020F0502020204030204" pitchFamily="34" charset="0"/>
+                <a:cs typeface="Calibri" panose="020F0502020204030204" pitchFamily="34" charset="0"/>
+              </a:rPr>
+              <a:t> + </a:t>
+            </a:r>
+            <a:r>
+              <a:rPr lang="en-US" sz="2400" b="1" dirty="0">
+                <a:solidFill>
+                  <a:srgbClr val="61BDF4"/>
+                </a:solidFill>
+                <a:latin typeface="Calibri" panose="020F0502020204030204" pitchFamily="34" charset="0"/>
+                <a:ea typeface="Calibri" panose="020F0502020204030204" pitchFamily="34" charset="0"/>
+                <a:cs typeface="Calibri" panose="020F0502020204030204" pitchFamily="34" charset="0"/>
+              </a:rPr>
+              <a:t>y</a:t>
+            </a:r>
+            <a:r>
+              <a:rPr lang="en-US" sz="2400" dirty="0">
+                <a:solidFill>
+                  <a:schemeClr val="bg1"/>
+                </a:solidFill>
+                <a:latin typeface="Calibri" panose="020F0502020204030204" pitchFamily="34" charset="0"/>
+                <a:ea typeface="Calibri" panose="020F0502020204030204" pitchFamily="34" charset="0"/>
+                <a:cs typeface="Calibri" panose="020F0502020204030204" pitchFamily="34" charset="0"/>
+              </a:rPr>
+              <a:t>)</a:t>
+            </a:r>
+            <a:r>
+              <a:rPr lang="ar-SA" sz="2400" dirty="0">
+                <a:solidFill>
+                  <a:schemeClr val="bg1"/>
+                </a:solidFill>
+                <a:latin typeface="Calibri" panose="020F0502020204030204" pitchFamily="34" charset="0"/>
+                <a:ea typeface="Calibri" panose="020F0502020204030204" pitchFamily="34" charset="0"/>
+                <a:cs typeface="Calibri" panose="020F0502020204030204" pitchFamily="34" charset="0"/>
+              </a:rPr>
+              <a:t> </a:t>
+            </a:r>
+          </a:p>
+          <a:p>
+            <a:pPr algn="r" rtl="1"/>
+            <a:r>
+              <a:rPr lang="ar-SA" sz="2400" dirty="0">
+                <a:solidFill>
+                  <a:schemeClr val="bg1"/>
+                </a:solidFill>
+                <a:latin typeface="Calibri" panose="020F0502020204030204" pitchFamily="34" charset="0"/>
+                <a:ea typeface="Calibri" panose="020F0502020204030204" pitchFamily="34" charset="0"/>
+                <a:cs typeface="Calibri" panose="020F0502020204030204" pitchFamily="34" charset="0"/>
+              </a:rPr>
+              <a:t>ويتنقل البرنامج الى </a:t>
+            </a:r>
+            <a:r>
+              <a:rPr lang="en-US" sz="2400" b="1" dirty="0">
+                <a:solidFill>
+                  <a:srgbClr val="C17DB9"/>
+                </a:solidFill>
+                <a:latin typeface="Calibri" panose="020F0502020204030204" pitchFamily="34" charset="0"/>
+                <a:ea typeface="Calibri" panose="020F0502020204030204" pitchFamily="34" charset="0"/>
+                <a:cs typeface="Calibri" panose="020F0502020204030204" pitchFamily="34" charset="0"/>
+              </a:rPr>
+              <a:t>except</a:t>
+            </a:r>
+            <a:endParaRPr lang="ar-SA" sz="2400" b="1" dirty="0">
+              <a:solidFill>
+                <a:schemeClr val="bg1"/>
+              </a:solidFill>
+              <a:latin typeface="Calibri" panose="020F0502020204030204" pitchFamily="34" charset="0"/>
+              <a:ea typeface="Calibri" panose="020F0502020204030204" pitchFamily="34" charset="0"/>
+              <a:cs typeface="Calibri" panose="020F0502020204030204" pitchFamily="34" charset="0"/>
+            </a:endParaRPr>
+          </a:p>
+          <a:p>
+            <a:pPr algn="r" rtl="1"/>
+            <a:endParaRPr lang="en-US" sz="2400" b="1" dirty="0">
+              <a:solidFill>
+                <a:srgbClr val="C17DB9"/>
+              </a:solidFill>
+              <a:latin typeface="Calibri" panose="020F0502020204030204" pitchFamily="34" charset="0"/>
+              <a:ea typeface="Calibri" panose="020F0502020204030204" pitchFamily="34" charset="0"/>
+              <a:cs typeface="Calibri" panose="020F0502020204030204" pitchFamily="34" charset="0"/>
+            </a:endParaRPr>
+          </a:p>
+          <a:p>
+            <a:pPr algn="r" rtl="1"/>
+            <a:endParaRPr lang="ar-SA" sz="2400" b="1" dirty="0">
+              <a:solidFill>
+                <a:srgbClr val="C17DB9"/>
+              </a:solidFill>
+              <a:latin typeface="Calibri" panose="020F0502020204030204" pitchFamily="34" charset="0"/>
+              <a:ea typeface="Calibri" panose="020F0502020204030204" pitchFamily="34" charset="0"/>
+              <a:cs typeface="Calibri" panose="020F0502020204030204" pitchFamily="34" charset="0"/>
+            </a:endParaRPr>
+          </a:p>
+          <a:p>
+            <a:pPr algn="r" rtl="1"/>
+            <a:r>
+              <a:rPr lang="ar-SA" sz="2400" dirty="0">
+                <a:solidFill>
+                  <a:schemeClr val="bg1"/>
+                </a:solidFill>
+                <a:latin typeface="Calibri" panose="020F0502020204030204" pitchFamily="34" charset="0"/>
+                <a:ea typeface="Calibri" panose="020F0502020204030204" pitchFamily="34" charset="0"/>
+                <a:cs typeface="Calibri" panose="020F0502020204030204" pitchFamily="34" charset="0"/>
+              </a:rPr>
+              <a:t>في </a:t>
+            </a:r>
+            <a:r>
+              <a:rPr lang="en-US" sz="2400" b="1" dirty="0">
+                <a:solidFill>
+                  <a:srgbClr val="C17DB9"/>
+                </a:solidFill>
+                <a:latin typeface="Calibri" panose="020F0502020204030204" pitchFamily="34" charset="0"/>
+                <a:ea typeface="Calibri" panose="020F0502020204030204" pitchFamily="34" charset="0"/>
+                <a:cs typeface="Calibri" panose="020F0502020204030204" pitchFamily="34" charset="0"/>
+              </a:rPr>
+              <a:t>except</a:t>
+            </a:r>
+            <a:r>
+              <a:rPr lang="ar-SA" sz="2400" dirty="0">
+                <a:solidFill>
+                  <a:schemeClr val="bg1"/>
+                </a:solidFill>
+                <a:latin typeface="Calibri" panose="020F0502020204030204" pitchFamily="34" charset="0"/>
+                <a:ea typeface="Calibri" panose="020F0502020204030204" pitchFamily="34" charset="0"/>
+                <a:cs typeface="Calibri" panose="020F0502020204030204" pitchFamily="34" charset="0"/>
+              </a:rPr>
+              <a:t>   </a:t>
+            </a:r>
+            <a:r>
+              <a:rPr lang="en-US" sz="2400" b="1" dirty="0" err="1">
+                <a:solidFill>
+                  <a:srgbClr val="4EB978"/>
+                </a:solidFill>
+                <a:latin typeface="Calibri" panose="020F0502020204030204" pitchFamily="34" charset="0"/>
+                <a:ea typeface="Calibri" panose="020F0502020204030204" pitchFamily="34" charset="0"/>
+                <a:cs typeface="Calibri" panose="020F0502020204030204" pitchFamily="34" charset="0"/>
+              </a:rPr>
+              <a:t>TypeError</a:t>
+            </a:r>
+            <a:r>
+              <a:rPr lang="ar-SA" sz="2400" dirty="0">
+                <a:solidFill>
+                  <a:schemeClr val="bg1"/>
+                </a:solidFill>
+                <a:latin typeface="Calibri" panose="020F0502020204030204" pitchFamily="34" charset="0"/>
+                <a:ea typeface="Calibri" panose="020F0502020204030204" pitchFamily="34" charset="0"/>
+                <a:cs typeface="Calibri" panose="020F0502020204030204" pitchFamily="34" charset="0"/>
+              </a:rPr>
+              <a:t> </a:t>
+            </a:r>
+            <a:r>
+              <a:rPr lang="ar-SA" sz="2400" dirty="0">
+                <a:solidFill>
+                  <a:schemeClr val="tx1">
+                    <a:lumMod val="65000"/>
+                    <a:lumOff val="35000"/>
+                  </a:schemeClr>
+                </a:solidFill>
+                <a:latin typeface="Calibri" panose="020F0502020204030204" pitchFamily="34" charset="0"/>
+                <a:ea typeface="Calibri" panose="020F0502020204030204" pitchFamily="34" charset="0"/>
+                <a:cs typeface="Calibri" panose="020F0502020204030204" pitchFamily="34" charset="0"/>
+              </a:rPr>
+              <a:t>(وهو عبارة عن قيمة خطاء معين ويوجد مثله الكثير)</a:t>
+            </a:r>
+            <a:r>
+              <a:rPr lang="ar-SA" sz="2400" dirty="0">
+                <a:solidFill>
+                  <a:schemeClr val="bg1"/>
+                </a:solidFill>
+                <a:latin typeface="Calibri" panose="020F0502020204030204" pitchFamily="34" charset="0"/>
+                <a:ea typeface="Calibri" panose="020F0502020204030204" pitchFamily="34" charset="0"/>
+                <a:cs typeface="Calibri" panose="020F0502020204030204" pitchFamily="34" charset="0"/>
+              </a:rPr>
+              <a:t> وعندما كتبنا </a:t>
+            </a:r>
+            <a:r>
+              <a:rPr lang="en-US" sz="2400" b="1" dirty="0">
+                <a:solidFill>
+                  <a:srgbClr val="C17DB9"/>
+                </a:solidFill>
+                <a:latin typeface="Calibri" panose="020F0502020204030204" pitchFamily="34" charset="0"/>
+                <a:ea typeface="Calibri" panose="020F0502020204030204" pitchFamily="34" charset="0"/>
+                <a:cs typeface="Calibri" panose="020F0502020204030204" pitchFamily="34" charset="0"/>
+              </a:rPr>
+              <a:t>as</a:t>
+            </a:r>
+            <a:r>
+              <a:rPr lang="en-US" sz="2400" dirty="0">
+                <a:solidFill>
+                  <a:schemeClr val="bg1"/>
+                </a:solidFill>
+                <a:latin typeface="Calibri" panose="020F0502020204030204" pitchFamily="34" charset="0"/>
+                <a:ea typeface="Calibri" panose="020F0502020204030204" pitchFamily="34" charset="0"/>
+                <a:cs typeface="Calibri" panose="020F0502020204030204" pitchFamily="34" charset="0"/>
+              </a:rPr>
+              <a:t> </a:t>
+            </a:r>
+            <a:r>
+              <a:rPr lang="en-US" sz="2400" b="1" dirty="0">
+                <a:solidFill>
+                  <a:srgbClr val="61BDF4"/>
+                </a:solidFill>
+                <a:latin typeface="Calibri" panose="020F0502020204030204" pitchFamily="34" charset="0"/>
+                <a:ea typeface="Calibri" panose="020F0502020204030204" pitchFamily="34" charset="0"/>
+                <a:cs typeface="Calibri" panose="020F0502020204030204" pitchFamily="34" charset="0"/>
+              </a:rPr>
+              <a:t>error</a:t>
+            </a:r>
+            <a:r>
+              <a:rPr lang="ar-SA" sz="2400" dirty="0">
+                <a:solidFill>
+                  <a:schemeClr val="bg1"/>
+                </a:solidFill>
+                <a:latin typeface="Calibri" panose="020F0502020204030204" pitchFamily="34" charset="0"/>
+                <a:ea typeface="Calibri" panose="020F0502020204030204" pitchFamily="34" charset="0"/>
+                <a:cs typeface="Calibri" panose="020F0502020204030204" pitchFamily="34" charset="0"/>
+              </a:rPr>
+              <a:t> فهذا يعني اننا وضعنا قيمة الخطاء في متغير اسمه </a:t>
+            </a:r>
+            <a:r>
+              <a:rPr lang="en-US" sz="2400" b="1" dirty="0">
+                <a:solidFill>
+                  <a:srgbClr val="61BDF4"/>
+                </a:solidFill>
+                <a:latin typeface="Calibri" panose="020F0502020204030204" pitchFamily="34" charset="0"/>
+                <a:ea typeface="Calibri" panose="020F0502020204030204" pitchFamily="34" charset="0"/>
+                <a:cs typeface="Calibri" panose="020F0502020204030204" pitchFamily="34" charset="0"/>
+              </a:rPr>
+              <a:t>error</a:t>
+            </a:r>
+            <a:r>
+              <a:rPr lang="ar-SA" sz="2400" dirty="0">
+                <a:solidFill>
+                  <a:schemeClr val="bg1"/>
+                </a:solidFill>
+                <a:latin typeface="Calibri" panose="020F0502020204030204" pitchFamily="34" charset="0"/>
+                <a:ea typeface="Calibri" panose="020F0502020204030204" pitchFamily="34" charset="0"/>
+                <a:cs typeface="Calibri" panose="020F0502020204030204" pitchFamily="34" charset="0"/>
+              </a:rPr>
+              <a:t> </a:t>
+            </a:r>
+          </a:p>
+          <a:p>
+            <a:pPr algn="r" rtl="1"/>
+            <a:r>
+              <a:rPr lang="ar-SA" sz="2400" dirty="0">
+                <a:solidFill>
+                  <a:schemeClr val="bg1"/>
+                </a:solidFill>
+                <a:latin typeface="Calibri" panose="020F0502020204030204" pitchFamily="34" charset="0"/>
+                <a:ea typeface="Calibri" panose="020F0502020204030204" pitchFamily="34" charset="0"/>
+                <a:cs typeface="Calibri" panose="020F0502020204030204" pitchFamily="34" charset="0"/>
+              </a:rPr>
+              <a:t>ثم طبعناه</a:t>
+            </a:r>
+          </a:p>
+          <a:p>
+            <a:pPr algn="r" rtl="1"/>
+            <a:r>
+              <a:rPr lang="ar-SA" sz="2400" dirty="0">
+                <a:solidFill>
+                  <a:schemeClr val="bg1"/>
+                </a:solidFill>
+                <a:latin typeface="Calibri" panose="020F0502020204030204" pitchFamily="34" charset="0"/>
+                <a:ea typeface="Calibri" panose="020F0502020204030204" pitchFamily="34" charset="0"/>
+                <a:cs typeface="Calibri" panose="020F0502020204030204" pitchFamily="34" charset="0"/>
+              </a:rPr>
+              <a:t>وعندما استعملنا </a:t>
+            </a:r>
+            <a:r>
+              <a:rPr lang="en-US" sz="2400" b="1" dirty="0">
+                <a:solidFill>
+                  <a:srgbClr val="C17DB9"/>
+                </a:solidFill>
+                <a:latin typeface="Calibri" panose="020F0502020204030204" pitchFamily="34" charset="0"/>
+                <a:ea typeface="Calibri" panose="020F0502020204030204" pitchFamily="34" charset="0"/>
+                <a:cs typeface="Calibri" panose="020F0502020204030204" pitchFamily="34" charset="0"/>
+              </a:rPr>
+              <a:t>else</a:t>
+            </a:r>
+            <a:r>
+              <a:rPr lang="ar-SA" sz="2400" dirty="0">
+                <a:solidFill>
+                  <a:schemeClr val="bg1"/>
+                </a:solidFill>
+                <a:latin typeface="Calibri" panose="020F0502020204030204" pitchFamily="34" charset="0"/>
+                <a:ea typeface="Calibri" panose="020F0502020204030204" pitchFamily="34" charset="0"/>
+                <a:cs typeface="Calibri" panose="020F0502020204030204" pitchFamily="34" charset="0"/>
+              </a:rPr>
+              <a:t> فهذا يعني ان ما بداخل ال</a:t>
+            </a:r>
+            <a:r>
+              <a:rPr lang="en-US" sz="2400" b="1" dirty="0">
+                <a:solidFill>
+                  <a:srgbClr val="C17DB9"/>
+                </a:solidFill>
+                <a:latin typeface="Calibri" panose="020F0502020204030204" pitchFamily="34" charset="0"/>
+                <a:ea typeface="Calibri" panose="020F0502020204030204" pitchFamily="34" charset="0"/>
+                <a:cs typeface="Calibri" panose="020F0502020204030204" pitchFamily="34" charset="0"/>
+              </a:rPr>
+              <a:t>else</a:t>
+            </a:r>
+            <a:r>
+              <a:rPr lang="ar-SA" sz="2400" dirty="0">
+                <a:solidFill>
+                  <a:schemeClr val="bg1"/>
+                </a:solidFill>
+                <a:latin typeface="Calibri" panose="020F0502020204030204" pitchFamily="34" charset="0"/>
+                <a:ea typeface="Calibri" panose="020F0502020204030204" pitchFamily="34" charset="0"/>
+                <a:cs typeface="Calibri" panose="020F0502020204030204" pitchFamily="34" charset="0"/>
+              </a:rPr>
+              <a:t> لن يتنفذ إلا عندما يتنفذ ما بداخل ال</a:t>
+            </a:r>
+            <a:r>
+              <a:rPr lang="en-US" sz="2400" b="1" dirty="0">
+                <a:solidFill>
+                  <a:srgbClr val="C17DB9"/>
+                </a:solidFill>
+                <a:latin typeface="Calibri" panose="020F0502020204030204" pitchFamily="34" charset="0"/>
+                <a:ea typeface="Calibri" panose="020F0502020204030204" pitchFamily="34" charset="0"/>
+                <a:cs typeface="Calibri" panose="020F0502020204030204" pitchFamily="34" charset="0"/>
+              </a:rPr>
+              <a:t>try</a:t>
+            </a:r>
+            <a:r>
+              <a:rPr lang="ar-SA" sz="2400" dirty="0">
+                <a:solidFill>
+                  <a:schemeClr val="bg1"/>
+                </a:solidFill>
+                <a:latin typeface="Calibri" panose="020F0502020204030204" pitchFamily="34" charset="0"/>
+                <a:ea typeface="Calibri" panose="020F0502020204030204" pitchFamily="34" charset="0"/>
+                <a:cs typeface="Calibri" panose="020F0502020204030204" pitchFamily="34" charset="0"/>
+              </a:rPr>
+              <a:t> بدون مشاكل</a:t>
+            </a:r>
+          </a:p>
+        </p:txBody>
+      </p:sp>
+    </p:spTree>
+    <p:extLst>
+      <p:ext uri="{BB962C8B-B14F-4D97-AF65-F5344CB8AC3E}">
+        <p14:creationId xmlns:p14="http://schemas.microsoft.com/office/powerpoint/2010/main" val="1223049448"/>
+      </p:ext>
+    </p:extLst>
+  </p:cSld>
+  <p:clrMapOvr>
+    <a:masterClrMapping/>
+  </p:clrMapOvr>
+</p:sld>
+</file>
+
+<file path=ppt/slides/slide32.xml><?xml version="1.0" encoding="utf-8"?>
+<p:sld xmlns:a="http://schemas.openxmlformats.org/drawingml/2006/main" xmlns:r="http://schemas.openxmlformats.org/officeDocument/2006/relationships" xmlns:p="http://schemas.openxmlformats.org/presentationml/2006/main">
+  <p:cSld>
+    <p:bg>
+      <p:bgPr>
+        <a:solidFill>
+          <a:srgbClr val="1F1F1F"/>
+        </a:solidFill>
+        <a:effectLst/>
+      </p:bgPr>
+    </p:bg>
+    <p:spTree>
+      <p:nvGrpSpPr>
+        <p:cNvPr id="1" name=""/>
+        <p:cNvGrpSpPr/>
+        <p:nvPr/>
+      </p:nvGrpSpPr>
+      <p:grpSpPr>
+        <a:xfrm>
+          <a:off x="0" y="0"/>
+          <a:ext cx="0" cy="0"/>
+          <a:chOff x="0" y="0"/>
+          <a:chExt cx="0" cy="0"/>
+        </a:xfrm>
+      </p:grpSpPr>
+      <p:pic>
+        <p:nvPicPr>
+          <p:cNvPr id="5" name="Picture 4">
+            <a:extLst>
+              <a:ext uri="{FF2B5EF4-FFF2-40B4-BE49-F238E27FC236}">
+                <a16:creationId xmlns:a16="http://schemas.microsoft.com/office/drawing/2014/main" id="{B77DE83B-6F13-04FC-CDF4-6CAA1CD7B4E0}"/>
+              </a:ext>
+            </a:extLst>
+          </p:cNvPr>
+          <p:cNvPicPr>
+            <a:picLocks noChangeAspect="1"/>
+          </p:cNvPicPr>
+          <p:nvPr/>
+        </p:nvPicPr>
+        <p:blipFill>
+          <a:blip r:embed="rId2"/>
+          <a:stretch>
+            <a:fillRect/>
+          </a:stretch>
+        </p:blipFill>
+        <p:spPr>
+          <a:xfrm>
+            <a:off x="0" y="1850571"/>
+            <a:ext cx="5613012" cy="3781740"/>
+          </a:xfrm>
+          <a:prstGeom prst="rect">
+            <a:avLst/>
+          </a:prstGeom>
+        </p:spPr>
+      </p:pic>
+      <p:sp>
+        <p:nvSpPr>
+          <p:cNvPr id="2" name="Title 1">
+            <a:extLst>
+              <a:ext uri="{FF2B5EF4-FFF2-40B4-BE49-F238E27FC236}">
+                <a16:creationId xmlns:a16="http://schemas.microsoft.com/office/drawing/2014/main" id="{49E8F6CC-3BAD-9CCE-632A-8E6C1AA89B29}"/>
+              </a:ext>
+            </a:extLst>
+          </p:cNvPr>
+          <p:cNvSpPr>
+            <a:spLocks noGrp="1"/>
+          </p:cNvSpPr>
+          <p:nvPr>
+            <p:ph type="title"/>
+          </p:nvPr>
+        </p:nvSpPr>
+        <p:spPr>
+          <a:xfrm>
+            <a:off x="1800899" y="272894"/>
+            <a:ext cx="9829800" cy="692834"/>
+          </a:xfrm>
+        </p:spPr>
+        <p:txBody>
+          <a:bodyPr vert="horz" lIns="91440" tIns="45720" rIns="91440" bIns="45720" rtlCol="0" anchor="b">
+            <a:normAutofit/>
+          </a:bodyPr>
+          <a:lstStyle/>
+          <a:p>
+            <a:pPr algn="r" rtl="1"/>
+            <a:r>
+              <a:rPr lang="ar-SA" sz="3600" kern="1200" dirty="0">
+                <a:solidFill>
+                  <a:schemeClr val="bg1"/>
+                </a:solidFill>
+                <a:latin typeface="Calibri" panose="020F0502020204030204" pitchFamily="34" charset="0"/>
+                <a:ea typeface="Calibri" panose="020F0502020204030204" pitchFamily="34" charset="0"/>
+                <a:cs typeface="Calibri" panose="020F0502020204030204" pitchFamily="34" charset="0"/>
+              </a:rPr>
+              <a:t>معلومة 21 معالجة الاخطاء </a:t>
+            </a:r>
+            <a:r>
+              <a:rPr lang="en-US" sz="3600" kern="1200" dirty="0">
+                <a:solidFill>
+                  <a:schemeClr val="bg1"/>
+                </a:solidFill>
+                <a:latin typeface="Calibri" panose="020F0502020204030204" pitchFamily="34" charset="0"/>
+                <a:ea typeface="Calibri" panose="020F0502020204030204" pitchFamily="34" charset="0"/>
+                <a:cs typeface="Calibri" panose="020F0502020204030204" pitchFamily="34" charset="0"/>
+              </a:rPr>
+              <a:t>(Error handling)</a:t>
+            </a:r>
+            <a:endParaRPr lang="en-US" dirty="0">
+              <a:solidFill>
+                <a:schemeClr val="bg1"/>
+              </a:solidFill>
+              <a:latin typeface="Calibri" panose="020F0502020204030204" pitchFamily="34" charset="0"/>
+              <a:ea typeface="Calibri" panose="020F0502020204030204" pitchFamily="34" charset="0"/>
+              <a:cs typeface="Calibri" panose="020F0502020204030204" pitchFamily="34" charset="0"/>
+            </a:endParaRPr>
+          </a:p>
+        </p:txBody>
+      </p:sp>
+      <p:sp>
+        <p:nvSpPr>
+          <p:cNvPr id="10" name="TextBox 9">
+            <a:extLst>
+              <a:ext uri="{FF2B5EF4-FFF2-40B4-BE49-F238E27FC236}">
+                <a16:creationId xmlns:a16="http://schemas.microsoft.com/office/drawing/2014/main" id="{22F01AE7-1EA4-A737-8FE7-3C6895FE5AE8}"/>
+              </a:ext>
+            </a:extLst>
+          </p:cNvPr>
+          <p:cNvSpPr txBox="1"/>
+          <p:nvPr/>
+        </p:nvSpPr>
+        <p:spPr>
+          <a:xfrm>
+            <a:off x="3918858" y="1225689"/>
+            <a:ext cx="8011885" cy="4524315"/>
+          </a:xfrm>
+          <a:prstGeom prst="rect">
+            <a:avLst/>
+          </a:prstGeom>
+          <a:noFill/>
+        </p:spPr>
+        <p:txBody>
+          <a:bodyPr wrap="square" rtlCol="0">
+            <a:spAutoFit/>
+          </a:bodyPr>
+          <a:lstStyle/>
+          <a:p>
+            <a:pPr algn="r" rtl="1"/>
+            <a:r>
+              <a:rPr lang="ar-SA" sz="2400" dirty="0">
+                <a:solidFill>
+                  <a:schemeClr val="bg1"/>
+                </a:solidFill>
+                <a:latin typeface="Calibri" panose="020F0502020204030204" pitchFamily="34" charset="0"/>
+                <a:ea typeface="Calibri" panose="020F0502020204030204" pitchFamily="34" charset="0"/>
+                <a:cs typeface="Calibri" panose="020F0502020204030204" pitchFamily="34" charset="0"/>
+              </a:rPr>
+              <a:t>عندما استعملنا </a:t>
+            </a:r>
+            <a:r>
+              <a:rPr lang="en-US" sz="2400" b="1" dirty="0">
+                <a:solidFill>
+                  <a:srgbClr val="C17DB9"/>
+                </a:solidFill>
+                <a:latin typeface="Calibri" panose="020F0502020204030204" pitchFamily="34" charset="0"/>
+                <a:ea typeface="Calibri" panose="020F0502020204030204" pitchFamily="34" charset="0"/>
+                <a:cs typeface="Calibri" panose="020F0502020204030204" pitchFamily="34" charset="0"/>
+              </a:rPr>
+              <a:t>except</a:t>
+            </a:r>
+            <a:r>
+              <a:rPr lang="ar-SA" sz="2400" dirty="0">
+                <a:solidFill>
+                  <a:schemeClr val="bg1"/>
+                </a:solidFill>
+                <a:latin typeface="Calibri" panose="020F0502020204030204" pitchFamily="34" charset="0"/>
+                <a:ea typeface="Calibri" panose="020F0502020204030204" pitchFamily="34" charset="0"/>
+                <a:cs typeface="Calibri" panose="020F0502020204030204" pitchFamily="34" charset="0"/>
+              </a:rPr>
+              <a:t> سابقا استعملناها مع وضع الخطاء الذي كنا نتوقعه</a:t>
+            </a:r>
+          </a:p>
+          <a:p>
+            <a:pPr algn="r" rtl="1"/>
+            <a:r>
+              <a:rPr lang="ar-SA" sz="2400" dirty="0">
+                <a:solidFill>
+                  <a:schemeClr val="bg1"/>
+                </a:solidFill>
+                <a:latin typeface="Calibri" panose="020F0502020204030204" pitchFamily="34" charset="0"/>
+                <a:ea typeface="Calibri" panose="020F0502020204030204" pitchFamily="34" charset="0"/>
+                <a:cs typeface="Calibri" panose="020F0502020204030204" pitchFamily="34" charset="0"/>
+              </a:rPr>
+              <a:t>الذي كان </a:t>
+            </a:r>
+            <a:r>
+              <a:rPr lang="en-US" sz="2400" b="1" dirty="0" err="1">
+                <a:solidFill>
+                  <a:srgbClr val="3CB1AA"/>
+                </a:solidFill>
+                <a:latin typeface="Calibri" panose="020F0502020204030204" pitchFamily="34" charset="0"/>
+                <a:ea typeface="Calibri" panose="020F0502020204030204" pitchFamily="34" charset="0"/>
+                <a:cs typeface="Calibri" panose="020F0502020204030204" pitchFamily="34" charset="0"/>
+              </a:rPr>
+              <a:t>TypeError</a:t>
+            </a:r>
+            <a:r>
+              <a:rPr lang="ar-SA" sz="2400" dirty="0">
+                <a:solidFill>
+                  <a:schemeClr val="bg1"/>
+                </a:solidFill>
+                <a:latin typeface="Calibri" panose="020F0502020204030204" pitchFamily="34" charset="0"/>
+                <a:ea typeface="Calibri" panose="020F0502020204030204" pitchFamily="34" charset="0"/>
+                <a:cs typeface="Calibri" panose="020F0502020204030204" pitchFamily="34" charset="0"/>
+              </a:rPr>
+              <a:t> وقلنا انه قيمة خطاء ويوجد الكثير منه في </a:t>
+            </a:r>
+            <a:r>
+              <a:rPr lang="en-US" sz="2400" b="1" dirty="0">
+                <a:solidFill>
+                  <a:schemeClr val="bg1"/>
+                </a:solidFill>
+                <a:latin typeface="Calibri" panose="020F0502020204030204" pitchFamily="34" charset="0"/>
+                <a:ea typeface="Calibri" panose="020F0502020204030204" pitchFamily="34" charset="0"/>
+                <a:cs typeface="Calibri" panose="020F0502020204030204" pitchFamily="34" charset="0"/>
+              </a:rPr>
+              <a:t>Python</a:t>
+            </a:r>
+          </a:p>
+          <a:p>
+            <a:pPr algn="r" rtl="1"/>
+            <a:endParaRPr lang="en-US" sz="2400" dirty="0">
+              <a:solidFill>
+                <a:schemeClr val="bg1"/>
+              </a:solidFill>
+              <a:latin typeface="Calibri" panose="020F0502020204030204" pitchFamily="34" charset="0"/>
+              <a:ea typeface="Calibri" panose="020F0502020204030204" pitchFamily="34" charset="0"/>
+              <a:cs typeface="Calibri" panose="020F0502020204030204" pitchFamily="34" charset="0"/>
+            </a:endParaRPr>
+          </a:p>
+          <a:p>
+            <a:pPr algn="r" rtl="1"/>
+            <a:r>
+              <a:rPr lang="ar-SA" sz="2400" dirty="0">
+                <a:solidFill>
+                  <a:schemeClr val="bg1"/>
+                </a:solidFill>
+                <a:latin typeface="Calibri" panose="020F0502020204030204" pitchFamily="34" charset="0"/>
+                <a:ea typeface="Calibri" panose="020F0502020204030204" pitchFamily="34" charset="0"/>
+                <a:cs typeface="Calibri" panose="020F0502020204030204" pitchFamily="34" charset="0"/>
+              </a:rPr>
+              <a:t>واليوم سوف نتعرف على طريقة استعمال </a:t>
+            </a:r>
+            <a:r>
+              <a:rPr lang="en-US" sz="2400" b="1" dirty="0">
+                <a:solidFill>
+                  <a:srgbClr val="C17DB9"/>
+                </a:solidFill>
+                <a:latin typeface="Calibri" panose="020F0502020204030204" pitchFamily="34" charset="0"/>
+                <a:ea typeface="Calibri" panose="020F0502020204030204" pitchFamily="34" charset="0"/>
+                <a:cs typeface="Calibri" panose="020F0502020204030204" pitchFamily="34" charset="0"/>
+              </a:rPr>
+              <a:t>except</a:t>
+            </a:r>
+            <a:r>
+              <a:rPr lang="ar-SA" sz="2400" dirty="0">
+                <a:solidFill>
+                  <a:schemeClr val="bg1"/>
+                </a:solidFill>
+                <a:latin typeface="Calibri" panose="020F0502020204030204" pitchFamily="34" charset="0"/>
+                <a:ea typeface="Calibri" panose="020F0502020204030204" pitchFamily="34" charset="0"/>
+                <a:cs typeface="Calibri" panose="020F0502020204030204" pitchFamily="34" charset="0"/>
+              </a:rPr>
+              <a:t> بدون تحديد خطاء معين</a:t>
+            </a:r>
+          </a:p>
+          <a:p>
+            <a:pPr algn="r" rtl="1"/>
+            <a:r>
+              <a:rPr lang="ar-SA" sz="2400" dirty="0">
+                <a:solidFill>
+                  <a:schemeClr val="bg1"/>
+                </a:solidFill>
+                <a:latin typeface="Calibri" panose="020F0502020204030204" pitchFamily="34" charset="0"/>
+                <a:ea typeface="Calibri" panose="020F0502020204030204" pitchFamily="34" charset="0"/>
+                <a:cs typeface="Calibri" panose="020F0502020204030204" pitchFamily="34" charset="0"/>
+              </a:rPr>
+              <a:t>اولا: نكتب </a:t>
+            </a:r>
+            <a:r>
+              <a:rPr lang="en-US" sz="2400" b="1" dirty="0">
+                <a:solidFill>
+                  <a:srgbClr val="C17DB9"/>
+                </a:solidFill>
+                <a:latin typeface="Calibri" panose="020F0502020204030204" pitchFamily="34" charset="0"/>
+                <a:ea typeface="Calibri" panose="020F0502020204030204" pitchFamily="34" charset="0"/>
+                <a:cs typeface="Calibri" panose="020F0502020204030204" pitchFamily="34" charset="0"/>
+              </a:rPr>
+              <a:t>try</a:t>
+            </a:r>
+            <a:r>
+              <a:rPr lang="ar-SA" sz="2400" dirty="0">
+                <a:solidFill>
+                  <a:schemeClr val="bg1"/>
+                </a:solidFill>
+                <a:latin typeface="Calibri" panose="020F0502020204030204" pitchFamily="34" charset="0"/>
+                <a:ea typeface="Calibri" panose="020F0502020204030204" pitchFamily="34" charset="0"/>
+                <a:cs typeface="Calibri" panose="020F0502020204030204" pitchFamily="34" charset="0"/>
+              </a:rPr>
+              <a:t> متبوعة بالاوامر اللتي نريد تنفيذها</a:t>
+            </a:r>
+          </a:p>
+          <a:p>
+            <a:pPr algn="r" rtl="1"/>
+            <a:r>
+              <a:rPr lang="ar-SA" sz="2400" dirty="0">
+                <a:solidFill>
+                  <a:schemeClr val="bg1"/>
+                </a:solidFill>
+                <a:latin typeface="Calibri" panose="020F0502020204030204" pitchFamily="34" charset="0"/>
+                <a:ea typeface="Calibri" panose="020F0502020204030204" pitchFamily="34" charset="0"/>
+                <a:cs typeface="Calibri" panose="020F0502020204030204" pitchFamily="34" charset="0"/>
+              </a:rPr>
+              <a:t>ثانيا: نكتب </a:t>
+            </a:r>
+            <a:r>
+              <a:rPr lang="en-US" sz="2400" b="1" dirty="0">
+                <a:solidFill>
+                  <a:srgbClr val="C17DB9"/>
+                </a:solidFill>
+                <a:latin typeface="Calibri" panose="020F0502020204030204" pitchFamily="34" charset="0"/>
+                <a:ea typeface="Calibri" panose="020F0502020204030204" pitchFamily="34" charset="0"/>
+                <a:cs typeface="Calibri" panose="020F0502020204030204" pitchFamily="34" charset="0"/>
+              </a:rPr>
+              <a:t>except</a:t>
+            </a:r>
+            <a:r>
+              <a:rPr lang="en-US" sz="2400" dirty="0">
+                <a:solidFill>
+                  <a:schemeClr val="bg1"/>
+                </a:solidFill>
+                <a:latin typeface="Calibri" panose="020F0502020204030204" pitchFamily="34" charset="0"/>
+                <a:ea typeface="Calibri" panose="020F0502020204030204" pitchFamily="34" charset="0"/>
+                <a:cs typeface="Calibri" panose="020F0502020204030204" pitchFamily="34" charset="0"/>
+              </a:rPr>
+              <a:t> </a:t>
+            </a:r>
+            <a:r>
+              <a:rPr lang="en-US" sz="2400" b="1" dirty="0">
+                <a:solidFill>
+                  <a:srgbClr val="3CB1AA"/>
+                </a:solidFill>
+                <a:latin typeface="Calibri" panose="020F0502020204030204" pitchFamily="34" charset="0"/>
+                <a:ea typeface="Calibri" panose="020F0502020204030204" pitchFamily="34" charset="0"/>
+                <a:cs typeface="Calibri" panose="020F0502020204030204" pitchFamily="34" charset="0"/>
+              </a:rPr>
+              <a:t>Exception</a:t>
+            </a:r>
+            <a:r>
+              <a:rPr lang="en-US" sz="2400" dirty="0">
+                <a:solidFill>
+                  <a:schemeClr val="bg1"/>
+                </a:solidFill>
+                <a:latin typeface="Calibri" panose="020F0502020204030204" pitchFamily="34" charset="0"/>
+                <a:ea typeface="Calibri" panose="020F0502020204030204" pitchFamily="34" charset="0"/>
+                <a:cs typeface="Calibri" panose="020F0502020204030204" pitchFamily="34" charset="0"/>
+              </a:rPr>
+              <a:t> </a:t>
+            </a:r>
+            <a:r>
+              <a:rPr lang="en-US" sz="2400" b="1" dirty="0">
+                <a:solidFill>
+                  <a:srgbClr val="C17DB9"/>
+                </a:solidFill>
+                <a:latin typeface="Calibri" panose="020F0502020204030204" pitchFamily="34" charset="0"/>
+                <a:ea typeface="Calibri" panose="020F0502020204030204" pitchFamily="34" charset="0"/>
+                <a:cs typeface="Calibri" panose="020F0502020204030204" pitchFamily="34" charset="0"/>
+              </a:rPr>
+              <a:t>as</a:t>
+            </a:r>
+            <a:r>
+              <a:rPr lang="en-US" sz="2400" dirty="0">
+                <a:solidFill>
+                  <a:schemeClr val="bg1"/>
+                </a:solidFill>
+                <a:latin typeface="Calibri" panose="020F0502020204030204" pitchFamily="34" charset="0"/>
+                <a:ea typeface="Calibri" panose="020F0502020204030204" pitchFamily="34" charset="0"/>
+                <a:cs typeface="Calibri" panose="020F0502020204030204" pitchFamily="34" charset="0"/>
+              </a:rPr>
+              <a:t> </a:t>
+            </a:r>
+            <a:r>
+              <a:rPr lang="en-US" sz="2400" b="1" dirty="0">
+                <a:solidFill>
+                  <a:srgbClr val="61BDF4"/>
+                </a:solidFill>
+                <a:latin typeface="Calibri" panose="020F0502020204030204" pitchFamily="34" charset="0"/>
+                <a:ea typeface="Calibri" panose="020F0502020204030204" pitchFamily="34" charset="0"/>
+                <a:cs typeface="Calibri" panose="020F0502020204030204" pitchFamily="34" charset="0"/>
+              </a:rPr>
+              <a:t>error</a:t>
+            </a:r>
+            <a:endParaRPr lang="ar-SA" sz="2400" b="1" dirty="0">
+              <a:solidFill>
+                <a:srgbClr val="61BDF4"/>
+              </a:solidFill>
+              <a:latin typeface="Calibri" panose="020F0502020204030204" pitchFamily="34" charset="0"/>
+              <a:ea typeface="Calibri" panose="020F0502020204030204" pitchFamily="34" charset="0"/>
+              <a:cs typeface="Calibri" panose="020F0502020204030204" pitchFamily="34" charset="0"/>
+            </a:endParaRPr>
+          </a:p>
+          <a:p>
+            <a:pPr algn="r" rtl="1"/>
+            <a:endParaRPr lang="ar-SA" sz="2400" b="1" dirty="0">
+              <a:solidFill>
+                <a:srgbClr val="61BDF4"/>
+              </a:solidFill>
+              <a:latin typeface="Calibri" panose="020F0502020204030204" pitchFamily="34" charset="0"/>
+              <a:ea typeface="Calibri" panose="020F0502020204030204" pitchFamily="34" charset="0"/>
+              <a:cs typeface="Calibri" panose="020F0502020204030204" pitchFamily="34" charset="0"/>
+            </a:endParaRPr>
+          </a:p>
+          <a:p>
+            <a:pPr algn="r" rtl="1"/>
+            <a:endParaRPr lang="ar-SA" sz="2400" b="1" dirty="0">
+              <a:solidFill>
+                <a:srgbClr val="61BDF4"/>
+              </a:solidFill>
+              <a:latin typeface="Calibri" panose="020F0502020204030204" pitchFamily="34" charset="0"/>
+              <a:ea typeface="Calibri" panose="020F0502020204030204" pitchFamily="34" charset="0"/>
+              <a:cs typeface="Calibri" panose="020F0502020204030204" pitchFamily="34" charset="0"/>
+            </a:endParaRPr>
+          </a:p>
+          <a:p>
+            <a:pPr algn="r" rtl="1"/>
+            <a:r>
+              <a:rPr lang="ar-SA" sz="2400" dirty="0">
+                <a:solidFill>
+                  <a:schemeClr val="bg1"/>
+                </a:solidFill>
+                <a:latin typeface="Calibri" panose="020F0502020204030204" pitchFamily="34" charset="0"/>
+                <a:ea typeface="Calibri" panose="020F0502020204030204" pitchFamily="34" charset="0"/>
+                <a:cs typeface="Calibri" panose="020F0502020204030204" pitchFamily="34" charset="0"/>
+              </a:rPr>
+              <a:t>وهكذا يكون </a:t>
+            </a:r>
+            <a:r>
+              <a:rPr lang="en-US" sz="2400" b="1" dirty="0">
+                <a:solidFill>
+                  <a:srgbClr val="61BDF4"/>
+                </a:solidFill>
+                <a:latin typeface="Calibri" panose="020F0502020204030204" pitchFamily="34" charset="0"/>
+                <a:ea typeface="Calibri" panose="020F0502020204030204" pitchFamily="34" charset="0"/>
+                <a:cs typeface="Calibri" panose="020F0502020204030204" pitchFamily="34" charset="0"/>
+              </a:rPr>
+              <a:t>error</a:t>
+            </a:r>
+            <a:r>
+              <a:rPr lang="ar-SA" sz="2400" dirty="0">
+                <a:solidFill>
+                  <a:schemeClr val="bg1"/>
+                </a:solidFill>
+                <a:latin typeface="Calibri" panose="020F0502020204030204" pitchFamily="34" charset="0"/>
+                <a:ea typeface="Calibri" panose="020F0502020204030204" pitchFamily="34" charset="0"/>
+                <a:cs typeface="Calibri" panose="020F0502020204030204" pitchFamily="34" charset="0"/>
+              </a:rPr>
+              <a:t> عبارة عن قيمة الخطاء لان </a:t>
+            </a:r>
+            <a:r>
+              <a:rPr lang="en-US" sz="2400" b="1" dirty="0">
+                <a:solidFill>
+                  <a:srgbClr val="3CB1AA"/>
+                </a:solidFill>
+                <a:latin typeface="Calibri" panose="020F0502020204030204" pitchFamily="34" charset="0"/>
+                <a:ea typeface="Calibri" panose="020F0502020204030204" pitchFamily="34" charset="0"/>
+                <a:cs typeface="Calibri" panose="020F0502020204030204" pitchFamily="34" charset="0"/>
+              </a:rPr>
+              <a:t>Exception</a:t>
+            </a:r>
+            <a:endParaRPr lang="ar-SA" sz="2400" b="1" dirty="0">
+              <a:solidFill>
+                <a:srgbClr val="3CB1AA"/>
+              </a:solidFill>
+              <a:latin typeface="Calibri" panose="020F0502020204030204" pitchFamily="34" charset="0"/>
+              <a:ea typeface="Calibri" panose="020F0502020204030204" pitchFamily="34" charset="0"/>
+              <a:cs typeface="Calibri" panose="020F0502020204030204" pitchFamily="34" charset="0"/>
+            </a:endParaRPr>
+          </a:p>
+          <a:p>
+            <a:pPr algn="r" rtl="1"/>
+            <a:r>
+              <a:rPr lang="ar-SA" sz="2400" dirty="0">
+                <a:solidFill>
+                  <a:schemeClr val="bg1"/>
+                </a:solidFill>
+                <a:latin typeface="Calibri" panose="020F0502020204030204" pitchFamily="34" charset="0"/>
+                <a:ea typeface="Calibri" panose="020F0502020204030204" pitchFamily="34" charset="0"/>
+                <a:cs typeface="Calibri" panose="020F0502020204030204" pitchFamily="34" charset="0"/>
+              </a:rPr>
+              <a:t>ترمز إلى الخطاء الحالي مهما كانت قيمته فيمكن استعمال </a:t>
+            </a:r>
+            <a:r>
+              <a:rPr lang="en-US" sz="2400" b="1" dirty="0">
+                <a:solidFill>
+                  <a:srgbClr val="3CB1AA"/>
+                </a:solidFill>
+                <a:latin typeface="Calibri" panose="020F0502020204030204" pitchFamily="34" charset="0"/>
+                <a:ea typeface="Calibri" panose="020F0502020204030204" pitchFamily="34" charset="0"/>
+                <a:cs typeface="Calibri" panose="020F0502020204030204" pitchFamily="34" charset="0"/>
+              </a:rPr>
+              <a:t>Exception</a:t>
+            </a:r>
+            <a:endParaRPr lang="ar-SA" sz="2400" b="1" dirty="0">
+              <a:solidFill>
+                <a:srgbClr val="3CB1AA"/>
+              </a:solidFill>
+              <a:latin typeface="Calibri" panose="020F0502020204030204" pitchFamily="34" charset="0"/>
+              <a:ea typeface="Calibri" panose="020F0502020204030204" pitchFamily="34" charset="0"/>
+              <a:cs typeface="Calibri" panose="020F0502020204030204" pitchFamily="34" charset="0"/>
+            </a:endParaRPr>
+          </a:p>
+          <a:p>
+            <a:pPr algn="r" rtl="1"/>
+            <a:r>
+              <a:rPr lang="ar-SA" sz="2400" dirty="0">
+                <a:solidFill>
+                  <a:schemeClr val="bg1"/>
+                </a:solidFill>
+                <a:latin typeface="Calibri" panose="020F0502020204030204" pitchFamily="34" charset="0"/>
+                <a:ea typeface="Calibri" panose="020F0502020204030204" pitchFamily="34" charset="0"/>
+                <a:cs typeface="Calibri" panose="020F0502020204030204" pitchFamily="34" charset="0"/>
+              </a:rPr>
+              <a:t>للتعبير عن اي قيمة الخطاء</a:t>
+            </a:r>
+          </a:p>
+          <a:p>
+            <a:pPr algn="r" rtl="1"/>
+            <a:r>
+              <a:rPr lang="ar-SA" sz="2400" dirty="0">
+                <a:solidFill>
+                  <a:schemeClr val="bg1"/>
+                </a:solidFill>
+                <a:latin typeface="Calibri" panose="020F0502020204030204" pitchFamily="34" charset="0"/>
+                <a:ea typeface="Calibri" panose="020F0502020204030204" pitchFamily="34" charset="0"/>
+                <a:cs typeface="Calibri" panose="020F0502020204030204" pitchFamily="34" charset="0"/>
+              </a:rPr>
+              <a:t>لكن نستعمل قيم الخطاء لفعل اوامر مختلفة كليا باختلاف انوع الخطاء</a:t>
+            </a:r>
+          </a:p>
+        </p:txBody>
+      </p:sp>
+    </p:spTree>
+    <p:extLst>
+      <p:ext uri="{BB962C8B-B14F-4D97-AF65-F5344CB8AC3E}">
+        <p14:creationId xmlns:p14="http://schemas.microsoft.com/office/powerpoint/2010/main" val="2154469250"/>
+      </p:ext>
+    </p:extLst>
+  </p:cSld>
+  <p:clrMapOvr>
+    <a:masterClrMapping/>
+  </p:clrMapOvr>
+</p:sld>
+</file>
+
 <file path=ppt/slides/slide4.xml><?xml version="1.0" encoding="utf-8"?>
 <p:sld xmlns:a="http://schemas.openxmlformats.org/drawingml/2006/main" xmlns:r="http://schemas.openxmlformats.org/officeDocument/2006/relationships" xmlns:p="http://schemas.openxmlformats.org/presentationml/2006/main">
   <p:cSld>
